--- a/materials/slides/ch02.pptx
+++ b/materials/slides/ch02.pptx
@@ -16,24 +16,24 @@
     <p:sldId id="912" r:id="rId7"/>
     <p:sldId id="874" r:id="rId8"/>
     <p:sldId id="873" r:id="rId9"/>
-    <p:sldId id="876" r:id="rId10"/>
-    <p:sldId id="900" r:id="rId11"/>
-    <p:sldId id="879" r:id="rId12"/>
-    <p:sldId id="868" r:id="rId13"/>
-    <p:sldId id="878" r:id="rId14"/>
-    <p:sldId id="903" r:id="rId15"/>
-    <p:sldId id="904" r:id="rId16"/>
-    <p:sldId id="905" r:id="rId17"/>
-    <p:sldId id="906" r:id="rId18"/>
-    <p:sldId id="915" r:id="rId19"/>
-    <p:sldId id="907" r:id="rId20"/>
-    <p:sldId id="908" r:id="rId21"/>
-    <p:sldId id="913" r:id="rId22"/>
-    <p:sldId id="910" r:id="rId23"/>
-    <p:sldId id="880" r:id="rId24"/>
-    <p:sldId id="909" r:id="rId25"/>
-    <p:sldId id="881" r:id="rId26"/>
-    <p:sldId id="886" r:id="rId27"/>
+    <p:sldId id="900" r:id="rId10"/>
+    <p:sldId id="879" r:id="rId11"/>
+    <p:sldId id="868" r:id="rId12"/>
+    <p:sldId id="878" r:id="rId13"/>
+    <p:sldId id="903" r:id="rId14"/>
+    <p:sldId id="905" r:id="rId15"/>
+    <p:sldId id="906" r:id="rId16"/>
+    <p:sldId id="915" r:id="rId17"/>
+    <p:sldId id="907" r:id="rId18"/>
+    <p:sldId id="908" r:id="rId19"/>
+    <p:sldId id="904" r:id="rId20"/>
+    <p:sldId id="913" r:id="rId21"/>
+    <p:sldId id="910" r:id="rId22"/>
+    <p:sldId id="880" r:id="rId23"/>
+    <p:sldId id="909" r:id="rId24"/>
+    <p:sldId id="881" r:id="rId25"/>
+    <p:sldId id="886" r:id="rId26"/>
+    <p:sldId id="919" r:id="rId27"/>
     <p:sldId id="914" r:id="rId28"/>
     <p:sldId id="884" r:id="rId29"/>
     <p:sldId id="885" r:id="rId30"/>
@@ -178,7 +178,7 @@
   </p:defaultTextStyle>
   <p:extLst>
     <p:ext uri="{EFAFB233-063F-42B5-8137-9DF3F51BA10A}">
-      <p15:sldGuideLst xmlns:p15="http://schemas.microsoft.com/office/powerpoint/2012/main">
+      <p15:sldGuideLst xmlns:p15="http://schemas.microsoft.com/office/powerpoint/2012/main" xmlns="">
         <p15:guide id="1" orient="horz" pos="1584" userDrawn="1">
           <p15:clr>
             <a:srgbClr val="A4A3A4"/>
@@ -197,7 +197,7 @@
       </p15:sldGuideLst>
     </p:ext>
     <p:ext uri="{2D200454-40CA-4A62-9FC3-DE9A4176ACB9}">
-      <p15:notesGuideLst xmlns:p15="http://schemas.microsoft.com/office/powerpoint/2012/main">
+      <p15:notesGuideLst xmlns:p15="http://schemas.microsoft.com/office/powerpoint/2012/main" xmlns="">
         <p15:guide id="1" orient="horz" pos="3127">
           <p15:clr>
             <a:srgbClr val="A4A3A4"/>
@@ -3670,6 +3670,11 @@
         </p:txBody>
       </p:sp>
     </p:spTree>
+    <p:extLst>
+      <p:ext uri="{BB962C8B-B14F-4D97-AF65-F5344CB8AC3E}">
+        <p14:creationId xmlns:p14="http://schemas.microsoft.com/office/powerpoint/2010/main" val="652852119"/>
+      </p:ext>
+    </p:extLst>
   </p:cSld>
   <p:clrMap bg1="lt1" tx1="dk1" bg2="lt2" tx2="dk2" accent1="accent1" accent2="accent2" accent3="accent3" accent4="accent4" accent5="accent5" accent6="accent6" hlink="hlink" folHlink="folHlink"/>
   <p:notesStyle>
@@ -3956,7 +3961,7 @@
           <a:p>
             <a:fld id="{4E38F04A-84B0-4E5D-A1A7-EE43D6EF2A66}" type="slidenum">
               <a:rPr lang="zh-CN" altLang="en-US" smtClean="0"/>
-              <a:t>21</a:t>
+              <a:t>20</a:t>
             </a:fld>
             <a:endParaRPr lang="zh-CN" altLang="en-US"/>
           </a:p>
@@ -3976,6 +3981,91 @@
 </file>
 
 <file path=ppt/notesSlides/notesSlide11.xml><?xml version="1.0" encoding="utf-8"?>
+<p:notes xmlns:a="http://schemas.openxmlformats.org/drawingml/2006/main" xmlns:r="http://schemas.openxmlformats.org/officeDocument/2006/relationships" xmlns:p="http://schemas.openxmlformats.org/presentationml/2006/main">
+  <p:cSld>
+    <p:spTree>
+      <p:nvGrpSpPr>
+        <p:cNvPr id="1" name=""/>
+        <p:cNvGrpSpPr/>
+        <p:nvPr/>
+      </p:nvGrpSpPr>
+      <p:grpSpPr>
+        <a:xfrm>
+          <a:off x="0" y="0"/>
+          <a:ext cx="0" cy="0"/>
+          <a:chOff x="0" y="0"/>
+          <a:chExt cx="0" cy="0"/>
+        </a:xfrm>
+      </p:grpSpPr>
+      <p:sp>
+        <p:nvSpPr>
+          <p:cNvPr id="2" name="幻灯片图像占位符 1"/>
+          <p:cNvSpPr>
+            <a:spLocks noGrp="1" noRot="1" noChangeAspect="1"/>
+          </p:cNvSpPr>
+          <p:nvPr>
+            <p:ph type="sldImg"/>
+          </p:nvPr>
+        </p:nvSpPr>
+        <p:spPr/>
+      </p:sp>
+      <p:sp>
+        <p:nvSpPr>
+          <p:cNvPr id="3" name="备注占位符 2"/>
+          <p:cNvSpPr>
+            <a:spLocks noGrp="1"/>
+          </p:cNvSpPr>
+          <p:nvPr>
+            <p:ph type="body" idx="1"/>
+          </p:nvPr>
+        </p:nvSpPr>
+        <p:spPr/>
+        <p:txBody>
+          <a:bodyPr/>
+          <a:lstStyle/>
+          <a:p>
+            <a:endParaRPr lang="zh-CN" altLang="en-US" dirty="0"/>
+          </a:p>
+        </p:txBody>
+      </p:sp>
+      <p:sp>
+        <p:nvSpPr>
+          <p:cNvPr id="4" name="灯片编号占位符 3"/>
+          <p:cNvSpPr>
+            <a:spLocks noGrp="1"/>
+          </p:cNvSpPr>
+          <p:nvPr>
+            <p:ph type="sldNum" sz="quarter" idx="10"/>
+          </p:nvPr>
+        </p:nvSpPr>
+        <p:spPr/>
+        <p:txBody>
+          <a:bodyPr/>
+          <a:lstStyle/>
+          <a:p>
+            <a:fld id="{D954A8C1-897D-45F8-BFAB-50E65247FAE3}" type="slidenum">
+              <a:rPr lang="zh-CN" altLang="zh-CN" smtClean="0"/>
+              <a:pPr/>
+              <a:t>26</a:t>
+            </a:fld>
+            <a:endParaRPr lang="zh-CN" altLang="zh-CN"/>
+          </a:p>
+        </p:txBody>
+      </p:sp>
+    </p:spTree>
+    <p:extLst>
+      <p:ext uri="{BB962C8B-B14F-4D97-AF65-F5344CB8AC3E}">
+        <p14:creationId xmlns:p14="http://schemas.microsoft.com/office/powerpoint/2010/main" val="3491979647"/>
+      </p:ext>
+    </p:extLst>
+  </p:cSld>
+  <p:clrMapOvr>
+    <a:masterClrMapping/>
+  </p:clrMapOvr>
+</p:notes>
+</file>
+
+<file path=ppt/notesSlides/notesSlide12.xml><?xml version="1.0" encoding="utf-8"?>
 <p:notes xmlns:a="http://schemas.openxmlformats.org/drawingml/2006/main" xmlns:r="http://schemas.openxmlformats.org/officeDocument/2006/relationships" xmlns:p="http://schemas.openxmlformats.org/presentationml/2006/main">
   <p:cSld>
     <p:spTree>
@@ -4046,10 +4136,7 @@
           <a:bodyPr/>
           <a:lstStyle/>
           <a:p>
-            <a:r>
-              <a:rPr lang="zh-CN" altLang="en-US" dirty="0" smtClean="0"/>
-              <a:t>浏览器的选择顺序为代码中的书写顺序，从上往下判断自己对该播放格式是否支持，直到选择到自己支持的播放格式为止。</a:t>
-            </a:r>
+            <a:endParaRPr lang="zh-CN" altLang="en-US" dirty="0" smtClean="0"/>
           </a:p>
         </p:txBody>
       </p:sp>
@@ -4195,7 +4282,7 @@
 </p:notes>
 </file>
 
-<file path=ppt/notesSlides/notesSlide12.xml><?xml version="1.0" encoding="utf-8"?>
+<file path=ppt/notesSlides/notesSlide13.xml><?xml version="1.0" encoding="utf-8"?>
 <p:notes xmlns:a="http://schemas.openxmlformats.org/drawingml/2006/main" xmlns:r="http://schemas.openxmlformats.org/officeDocument/2006/relationships" xmlns:p="http://schemas.openxmlformats.org/presentationml/2006/main">
   <p:cSld>
     <p:spTree>
@@ -4266,20 +4353,7 @@
           <a:bodyPr/>
           <a:lstStyle/>
           <a:p>
-            <a:r>
-              <a:rPr lang="zh-CN" altLang="en-US" smtClean="0"/>
-              <a:t>通过标签属性的方式能够在一定程度上控制音视频的播放，但是还不够灵活和丰富。</a:t>
-            </a:r>
-            <a:endParaRPr lang="en-US" altLang="zh-CN" smtClean="0"/>
-          </a:p>
-          <a:p>
-            <a:r>
-              <a:rPr lang="en-US" altLang="zh-CN" smtClean="0"/>
-              <a:t>Safari load()</a:t>
-            </a:r>
-          </a:p>
-          <a:p>
-            <a:endParaRPr lang="zh-CN" altLang="en-US" smtClean="0"/>
+            <a:endParaRPr lang="zh-CN" altLang="en-US" dirty="0" smtClean="0"/>
           </a:p>
         </p:txBody>
       </p:sp>
@@ -4425,7 +4499,7 @@
 </p:notes>
 </file>
 
-<file path=ppt/notesSlides/notesSlide13.xml><?xml version="1.0" encoding="utf-8"?>
+<file path=ppt/notesSlides/notesSlide14.xml><?xml version="1.0" encoding="utf-8"?>
 <p:notes xmlns:a="http://schemas.openxmlformats.org/drawingml/2006/main" xmlns:r="http://schemas.openxmlformats.org/officeDocument/2006/relationships" xmlns:p="http://schemas.openxmlformats.org/presentationml/2006/main">
   <p:cSld>
     <p:spTree>
@@ -4642,7 +4716,7 @@
 </p:notes>
 </file>
 
-<file path=ppt/notesSlides/notesSlide14.xml><?xml version="1.0" encoding="utf-8"?>
+<file path=ppt/notesSlides/notesSlide15.xml><?xml version="1.0" encoding="utf-8"?>
 <p:notes xmlns:a="http://schemas.openxmlformats.org/drawingml/2006/main" xmlns:r="http://schemas.openxmlformats.org/officeDocument/2006/relationships" xmlns:p="http://schemas.openxmlformats.org/presentationml/2006/main">
   <p:cSld>
     <p:spTree>
@@ -4727,111 +4801,6 @@
 </p:notes>
 </file>
 
-<file path=ppt/notesSlides/notesSlide15.xml><?xml version="1.0" encoding="utf-8"?>
-<p:notes xmlns:a="http://schemas.openxmlformats.org/drawingml/2006/main" xmlns:r="http://schemas.openxmlformats.org/officeDocument/2006/relationships" xmlns:p="http://schemas.openxmlformats.org/presentationml/2006/main">
-  <p:cSld>
-    <p:spTree>
-      <p:nvGrpSpPr>
-        <p:cNvPr id="1" name=""/>
-        <p:cNvGrpSpPr/>
-        <p:nvPr/>
-      </p:nvGrpSpPr>
-      <p:grpSpPr>
-        <a:xfrm>
-          <a:off x="0" y="0"/>
-          <a:ext cx="0" cy="0"/>
-          <a:chOff x="0" y="0"/>
-          <a:chExt cx="0" cy="0"/>
-        </a:xfrm>
-      </p:grpSpPr>
-      <p:sp>
-        <p:nvSpPr>
-          <p:cNvPr id="2" name="幻灯片图像占位符 1"/>
-          <p:cNvSpPr>
-            <a:spLocks noGrp="1" noRot="1" noChangeAspect="1"/>
-          </p:cNvSpPr>
-          <p:nvPr>
-            <p:ph type="sldImg"/>
-          </p:nvPr>
-        </p:nvSpPr>
-        <p:spPr/>
-      </p:sp>
-      <p:sp>
-        <p:nvSpPr>
-          <p:cNvPr id="3" name="备注占位符 2"/>
-          <p:cNvSpPr>
-            <a:spLocks noGrp="1"/>
-          </p:cNvSpPr>
-          <p:nvPr>
-            <p:ph type="body" idx="1"/>
-          </p:nvPr>
-        </p:nvSpPr>
-        <p:spPr/>
-        <p:txBody>
-          <a:bodyPr/>
-          <a:lstStyle/>
-          <a:p>
-            <a:r>
-              <a:rPr lang="zh-CN" altLang="en-US" dirty="0" smtClean="0"/>
-              <a:t>增加</a:t>
-            </a:r>
-            <a:r>
-              <a:rPr lang="en-US" altLang="zh-CN" dirty="0" smtClean="0"/>
-              <a:t>&lt;details&gt;&lt;mark&gt;</a:t>
-            </a:r>
-            <a:r>
-              <a:rPr lang="en-US" altLang="zh-CN" sz="1200" b="0" i="0" kern="1200" dirty="0" smtClean="0">
-                <a:solidFill>
-                  <a:schemeClr val="tx1"/>
-                </a:solidFill>
-                <a:effectLst/>
-                <a:latin typeface="Arial" pitchFamily="34" charset="0"/>
-                <a:ea typeface="+mn-ea"/>
-                <a:cs typeface="+mn-cs"/>
-              </a:rPr>
-              <a:t>&lt;progress&gt;</a:t>
-            </a:r>
-            <a:endParaRPr lang="zh-CN" altLang="en-US" dirty="0"/>
-          </a:p>
-        </p:txBody>
-      </p:sp>
-      <p:sp>
-        <p:nvSpPr>
-          <p:cNvPr id="4" name="灯片编号占位符 3"/>
-          <p:cNvSpPr>
-            <a:spLocks noGrp="1"/>
-          </p:cNvSpPr>
-          <p:nvPr>
-            <p:ph type="sldNum" sz="quarter" idx="10"/>
-          </p:nvPr>
-        </p:nvSpPr>
-        <p:spPr/>
-        <p:txBody>
-          <a:bodyPr/>
-          <a:lstStyle/>
-          <a:p>
-            <a:fld id="{D954A8C1-897D-45F8-BFAB-50E65247FAE3}" type="slidenum">
-              <a:rPr lang="zh-CN" altLang="zh-CN" smtClean="0"/>
-              <a:pPr/>
-              <a:t>34</a:t>
-            </a:fld>
-            <a:endParaRPr lang="zh-CN" altLang="zh-CN"/>
-          </a:p>
-        </p:txBody>
-      </p:sp>
-    </p:spTree>
-    <p:extLst>
-      <p:ext uri="{BB962C8B-B14F-4D97-AF65-F5344CB8AC3E}">
-        <p14:creationId xmlns:p14="http://schemas.microsoft.com/office/powerpoint/2010/main" val="2537581898"/>
-      </p:ext>
-    </p:extLst>
-  </p:cSld>
-  <p:clrMapOvr>
-    <a:masterClrMapping/>
-  </p:clrMapOvr>
-</p:notes>
-</file>
-
 <file path=ppt/notesSlides/notesSlide16.xml><?xml version="1.0" encoding="utf-8"?>
 <p:notes xmlns:a="http://schemas.openxmlformats.org/drawingml/2006/main" xmlns:r="http://schemas.openxmlformats.org/officeDocument/2006/relationships" xmlns:p="http://schemas.openxmlformats.org/presentationml/2006/main">
   <p:cSld>
@@ -4918,7 +4887,7 @@
             <a:fld id="{D954A8C1-897D-45F8-BFAB-50E65247FAE3}" type="slidenum">
               <a:rPr lang="zh-CN" altLang="zh-CN" smtClean="0"/>
               <a:pPr/>
-              <a:t>35</a:t>
+              <a:t>34</a:t>
             </a:fld>
             <a:endParaRPr lang="zh-CN" altLang="zh-CN"/>
           </a:p>
@@ -4927,7 +4896,7 @@
     </p:spTree>
     <p:extLst>
       <p:ext uri="{BB962C8B-B14F-4D97-AF65-F5344CB8AC3E}">
-        <p14:creationId xmlns:p14="http://schemas.microsoft.com/office/powerpoint/2010/main" val="124544089"/>
+        <p14:creationId xmlns:p14="http://schemas.microsoft.com/office/powerpoint/2010/main" val="2537581898"/>
       </p:ext>
     </p:extLst>
   </p:cSld>
@@ -4981,26 +4950,6 @@
           <a:bodyPr/>
           <a:lstStyle/>
           <a:p>
-            <a:r>
-              <a:rPr lang="zh-CN" altLang="en-US" dirty="0" smtClean="0"/>
-              <a:t>增加</a:t>
-            </a:r>
-            <a:r>
-              <a:rPr lang="en-US" altLang="zh-CN" dirty="0" smtClean="0"/>
-              <a:t>&lt;details&gt;&lt;mark&gt;</a:t>
-            </a:r>
-            <a:r>
-              <a:rPr lang="en-US" altLang="zh-CN" sz="1200" b="0" i="0" kern="1200" dirty="0" smtClean="0">
-                <a:solidFill>
-                  <a:schemeClr val="tx1"/>
-                </a:solidFill>
-                <a:effectLst/>
-                <a:latin typeface="Arial" pitchFamily="34" charset="0"/>
-                <a:ea typeface="+mn-ea"/>
-                <a:cs typeface="+mn-cs"/>
-              </a:rPr>
-              <a:t>&lt;progress&gt;</a:t>
-            </a:r>
             <a:endParaRPr lang="zh-CN" altLang="en-US" dirty="0"/>
           </a:p>
         </p:txBody>
@@ -5023,7 +4972,7 @@
             <a:fld id="{D954A8C1-897D-45F8-BFAB-50E65247FAE3}" type="slidenum">
               <a:rPr lang="zh-CN" altLang="zh-CN" smtClean="0"/>
               <a:pPr/>
-              <a:t>36</a:t>
+              <a:t>35</a:t>
             </a:fld>
             <a:endParaRPr lang="zh-CN" altLang="zh-CN"/>
           </a:p>
@@ -5032,7 +4981,7 @@
     </p:spTree>
     <p:extLst>
       <p:ext uri="{BB962C8B-B14F-4D97-AF65-F5344CB8AC3E}">
-        <p14:creationId xmlns:p14="http://schemas.microsoft.com/office/powerpoint/2010/main" val="1285161597"/>
+        <p14:creationId xmlns:p14="http://schemas.microsoft.com/office/powerpoint/2010/main" val="124544089"/>
       </p:ext>
     </p:extLst>
   </p:cSld>
@@ -5086,26 +5035,6 @@
           <a:bodyPr/>
           <a:lstStyle/>
           <a:p>
-            <a:r>
-              <a:rPr lang="zh-CN" altLang="en-US" dirty="0" smtClean="0"/>
-              <a:t>增加</a:t>
-            </a:r>
-            <a:r>
-              <a:rPr lang="en-US" altLang="zh-CN" dirty="0" smtClean="0"/>
-              <a:t>&lt;details&gt;&lt;mark&gt;</a:t>
-            </a:r>
-            <a:r>
-              <a:rPr lang="en-US" altLang="zh-CN" sz="1200" b="0" i="0" kern="1200" dirty="0" smtClean="0">
-                <a:solidFill>
-                  <a:schemeClr val="tx1"/>
-                </a:solidFill>
-                <a:effectLst/>
-                <a:latin typeface="Arial" pitchFamily="34" charset="0"/>
-                <a:ea typeface="+mn-ea"/>
-                <a:cs typeface="+mn-cs"/>
-              </a:rPr>
-              <a:t>&lt;progress&gt;</a:t>
-            </a:r>
             <a:endParaRPr lang="zh-CN" altLang="en-US" dirty="0"/>
           </a:p>
         </p:txBody>
@@ -5128,7 +5057,7 @@
             <a:fld id="{D954A8C1-897D-45F8-BFAB-50E65247FAE3}" type="slidenum">
               <a:rPr lang="zh-CN" altLang="zh-CN" smtClean="0"/>
               <a:pPr/>
-              <a:t>37</a:t>
+              <a:t>36</a:t>
             </a:fld>
             <a:endParaRPr lang="zh-CN" altLang="zh-CN"/>
           </a:p>
@@ -5137,7 +5066,7 @@
     </p:spTree>
     <p:extLst>
       <p:ext uri="{BB962C8B-B14F-4D97-AF65-F5344CB8AC3E}">
-        <p14:creationId xmlns:p14="http://schemas.microsoft.com/office/powerpoint/2010/main" val="3456507403"/>
+        <p14:creationId xmlns:p14="http://schemas.microsoft.com/office/powerpoint/2010/main" val="1285161597"/>
       </p:ext>
     </p:extLst>
   </p:cSld>
@@ -5174,12 +5103,7 @@
             <p:ph type="sldImg"/>
           </p:nvPr>
         </p:nvSpPr>
-        <p:spPr>
-          <a:xfrm>
-            <a:off x="481013" y="1279525"/>
-            <a:ext cx="6140450" cy="3454400"/>
-          </a:xfrm>
-        </p:spPr>
+        <p:spPr/>
       </p:sp>
       <p:sp>
         <p:nvSpPr>
@@ -5196,7 +5120,7 @@
           <a:bodyPr/>
           <a:lstStyle/>
           <a:p>
-            <a:endParaRPr lang="zh-CN" altLang="en-US"/>
+            <a:endParaRPr lang="zh-CN" altLang="en-US" dirty="0"/>
           </a:p>
         </p:txBody>
       </p:sp>
@@ -5215,18 +5139,19 @@
           <a:bodyPr/>
           <a:lstStyle/>
           <a:p>
-            <a:fld id="{4E38F04A-84B0-4E5D-A1A7-EE43D6EF2A66}" type="slidenum">
-              <a:rPr lang="zh-CN" altLang="en-US" smtClean="0"/>
-              <a:t>38</a:t>
+            <a:fld id="{D954A8C1-897D-45F8-BFAB-50E65247FAE3}" type="slidenum">
+              <a:rPr lang="zh-CN" altLang="zh-CN" smtClean="0"/>
+              <a:pPr/>
+              <a:t>37</a:t>
             </a:fld>
-            <a:endParaRPr lang="zh-CN" altLang="en-US"/>
+            <a:endParaRPr lang="zh-CN" altLang="zh-CN"/>
           </a:p>
         </p:txBody>
       </p:sp>
     </p:spTree>
     <p:extLst>
       <p:ext uri="{BB962C8B-B14F-4D97-AF65-F5344CB8AC3E}">
-        <p14:creationId xmlns:p14="http://schemas.microsoft.com/office/powerpoint/2010/main" val="2106024884"/>
+        <p14:creationId xmlns:p14="http://schemas.microsoft.com/office/powerpoint/2010/main" val="3456507403"/>
       </p:ext>
     </p:extLst>
   </p:cSld>
@@ -5352,6 +5277,95 @@
             <p:ph type="sldImg"/>
           </p:nvPr>
         </p:nvSpPr>
+        <p:spPr>
+          <a:xfrm>
+            <a:off x="481013" y="1279525"/>
+            <a:ext cx="6140450" cy="3454400"/>
+          </a:xfrm>
+        </p:spPr>
+      </p:sp>
+      <p:sp>
+        <p:nvSpPr>
+          <p:cNvPr id="3" name="备注占位符 2"/>
+          <p:cNvSpPr>
+            <a:spLocks noGrp="1"/>
+          </p:cNvSpPr>
+          <p:nvPr>
+            <p:ph type="body" idx="1"/>
+          </p:nvPr>
+        </p:nvSpPr>
+        <p:spPr/>
+        <p:txBody>
+          <a:bodyPr/>
+          <a:lstStyle/>
+          <a:p>
+            <a:endParaRPr lang="zh-CN" altLang="en-US"/>
+          </a:p>
+        </p:txBody>
+      </p:sp>
+      <p:sp>
+        <p:nvSpPr>
+          <p:cNvPr id="4" name="灯片编号占位符 3"/>
+          <p:cNvSpPr>
+            <a:spLocks noGrp="1"/>
+          </p:cNvSpPr>
+          <p:nvPr>
+            <p:ph type="sldNum" sz="quarter" idx="10"/>
+          </p:nvPr>
+        </p:nvSpPr>
+        <p:spPr/>
+        <p:txBody>
+          <a:bodyPr/>
+          <a:lstStyle/>
+          <a:p>
+            <a:fld id="{4E38F04A-84B0-4E5D-A1A7-EE43D6EF2A66}" type="slidenum">
+              <a:rPr lang="zh-CN" altLang="en-US" smtClean="0"/>
+              <a:t>38</a:t>
+            </a:fld>
+            <a:endParaRPr lang="zh-CN" altLang="en-US"/>
+          </a:p>
+        </p:txBody>
+      </p:sp>
+    </p:spTree>
+    <p:extLst>
+      <p:ext uri="{BB962C8B-B14F-4D97-AF65-F5344CB8AC3E}">
+        <p14:creationId xmlns:p14="http://schemas.microsoft.com/office/powerpoint/2010/main" val="2106024884"/>
+      </p:ext>
+    </p:extLst>
+  </p:cSld>
+  <p:clrMapOvr>
+    <a:masterClrMapping/>
+  </p:clrMapOvr>
+</p:notes>
+</file>
+
+<file path=ppt/notesSlides/notesSlide21.xml><?xml version="1.0" encoding="utf-8"?>
+<p:notes xmlns:a="http://schemas.openxmlformats.org/drawingml/2006/main" xmlns:r="http://schemas.openxmlformats.org/officeDocument/2006/relationships" xmlns:p="http://schemas.openxmlformats.org/presentationml/2006/main">
+  <p:cSld>
+    <p:spTree>
+      <p:nvGrpSpPr>
+        <p:cNvPr id="1" name=""/>
+        <p:cNvGrpSpPr/>
+        <p:nvPr/>
+      </p:nvGrpSpPr>
+      <p:grpSpPr>
+        <a:xfrm>
+          <a:off x="0" y="0"/>
+          <a:ext cx="0" cy="0"/>
+          <a:chOff x="0" y="0"/>
+          <a:chExt cx="0" cy="0"/>
+        </a:xfrm>
+      </p:grpSpPr>
+      <p:sp>
+        <p:nvSpPr>
+          <p:cNvPr id="2" name="幻灯片图像占位符 1"/>
+          <p:cNvSpPr>
+            <a:spLocks noGrp="1" noRot="1" noChangeAspect="1"/>
+          </p:cNvSpPr>
+          <p:nvPr>
+            <p:ph type="sldImg"/>
+          </p:nvPr>
+        </p:nvSpPr>
         <p:spPr/>
       </p:sp>
       <p:sp>
@@ -5369,14 +5383,6 @@
           <a:bodyPr/>
           <a:lstStyle/>
           <a:p>
-            <a:r>
-              <a:rPr lang="zh-CN" altLang="en-US" dirty="0" smtClean="0"/>
-              <a:t>调整的元素</a:t>
-            </a:r>
-            <a:r>
-              <a:rPr lang="en-US" altLang="zh-CN" smtClean="0"/>
-              <a:t>…</a:t>
-            </a:r>
             <a:endParaRPr lang="zh-CN" altLang="en-US" dirty="0"/>
           </a:p>
         </p:txBody>
@@ -5418,7 +5424,7 @@
 </p:notes>
 </file>
 
-<file path=ppt/notesSlides/notesSlide21.xml><?xml version="1.0" encoding="utf-8"?>
+<file path=ppt/notesSlides/notesSlide22.xml><?xml version="1.0" encoding="utf-8"?>
 <p:notes xmlns:a="http://schemas.openxmlformats.org/drawingml/2006/main" xmlns:r="http://schemas.openxmlformats.org/officeDocument/2006/relationships" xmlns:p="http://schemas.openxmlformats.org/presentationml/2006/main">
   <p:cSld>
     <p:spTree>
@@ -5577,7 +5583,7 @@
           <a:p>
             <a:fld id="{4E38F04A-84B0-4E5D-A1A7-EE43D6EF2A66}" type="slidenum">
               <a:rPr lang="zh-CN" altLang="en-US" smtClean="0"/>
-              <a:t>10</a:t>
+              <a:t>9</a:t>
             </a:fld>
             <a:endParaRPr lang="zh-CN" altLang="en-US"/>
           </a:p>
@@ -5667,18 +5673,7 @@
           <a:bodyPr/>
           <a:lstStyle/>
           <a:p>
-            <a:r>
-              <a:rPr lang="zh-CN" altLang="en-US" smtClean="0"/>
-              <a:t>许多手机</a:t>
-            </a:r>
-            <a:r>
-              <a:rPr lang="en-US" altLang="zh-CN" smtClean="0"/>
-              <a:t>Web</a:t>
-            </a:r>
-            <a:r>
-              <a:rPr lang="zh-CN" altLang="en-US" smtClean="0"/>
-              <a:t>浏览器都是把网页在服务器中解析，提取，压缩再返回手机客户端的，语义化的标签相当于一个公共的协议，可以让服务器更有效准确地提取目标内容。</a:t>
-            </a:r>
+            <a:endParaRPr lang="zh-CN" altLang="en-US" dirty="0" smtClean="0"/>
           </a:p>
         </p:txBody>
       </p:sp>
@@ -5808,7 +5803,7 @@
                 <a:ea typeface="宋体" panose="02010600030101010101" pitchFamily="2" charset="-122"/>
               </a:rPr>
               <a:pPr/>
-              <a:t>11</a:t>
+              <a:t>10</a:t>
             </a:fld>
             <a:endParaRPr lang="zh-CN" altLang="zh-CN">
               <a:ea typeface="宋体" panose="02010600030101010101" pitchFamily="2" charset="-122"/>
@@ -5890,7 +5885,7 @@
             <a:fld id="{D954A8C1-897D-45F8-BFAB-50E65247FAE3}" type="slidenum">
               <a:rPr lang="zh-CN" altLang="zh-CN" smtClean="0"/>
               <a:pPr/>
-              <a:t>13</a:t>
+              <a:t>12</a:t>
             </a:fld>
             <a:endParaRPr lang="zh-CN" altLang="zh-CN"/>
           </a:p>
@@ -5970,94 +5965,6 @@
               <a:tabLst/>
               <a:defRPr/>
             </a:pPr>
-            <a:r>
-              <a:rPr lang="en-US" altLang="zh-CN" sz="1200" b="1" i="0" kern="1200" dirty="0" smtClean="0">
-                <a:solidFill>
-                  <a:schemeClr val="tx1"/>
-                </a:solidFill>
-                <a:effectLst/>
-                <a:latin typeface="Arial" pitchFamily="34" charset="0"/>
-                <a:ea typeface="+mn-ea"/>
-                <a:cs typeface="+mn-cs"/>
-              </a:rPr>
-              <a:t>Navigation </a:t>
-            </a:r>
-            <a:r>
-              <a:rPr lang="en-US" altLang="zh-CN" sz="1200" b="0" i="0" kern="1200" dirty="0" smtClean="0">
-                <a:solidFill>
-                  <a:schemeClr val="tx1"/>
-                </a:solidFill>
-                <a:effectLst/>
-                <a:latin typeface="Arial" pitchFamily="34" charset="0"/>
-                <a:ea typeface="+mn-ea"/>
-                <a:cs typeface="+mn-cs"/>
-              </a:rPr>
-              <a:t> [</a:t>
-            </a:r>
-            <a:r>
-              <a:rPr lang="en-US" altLang="zh-CN" sz="1200" b="0" i="0" kern="1200" dirty="0" err="1" smtClean="0">
-                <a:solidFill>
-                  <a:schemeClr val="tx1"/>
-                </a:solidFill>
-                <a:effectLst/>
-                <a:latin typeface="Arial" pitchFamily="34" charset="0"/>
-                <a:ea typeface="+mn-ea"/>
-                <a:cs typeface="+mn-cs"/>
-              </a:rPr>
-              <a:t>nævɪ‘geɪʃ</a:t>
-            </a:r>
-            <a:r>
-              <a:rPr lang="en-US" altLang="zh-CN" sz="1200" b="0" i="0" kern="1200" dirty="0" smtClean="0">
-                <a:solidFill>
-                  <a:schemeClr val="tx1"/>
-                </a:solidFill>
-                <a:effectLst/>
-                <a:latin typeface="Arial" pitchFamily="34" charset="0"/>
-                <a:ea typeface="+mn-ea"/>
-                <a:cs typeface="+mn-cs"/>
-              </a:rPr>
-              <a:t>(ə)n] </a:t>
-            </a:r>
-            <a:r>
-              <a:rPr lang="zh-CN" altLang="en-US" sz="1200" b="0" i="0" kern="1200" dirty="0" smtClean="0">
-                <a:solidFill>
-                  <a:schemeClr val="tx1"/>
-                </a:solidFill>
-                <a:effectLst/>
-                <a:latin typeface="Arial" pitchFamily="34" charset="0"/>
-                <a:ea typeface="+mn-ea"/>
-                <a:cs typeface="+mn-cs"/>
-              </a:rPr>
-              <a:t>导航</a:t>
-            </a:r>
-            <a:endParaRPr lang="en-US" altLang="zh-CN" sz="1200" b="0" i="0" kern="1200" dirty="0" smtClean="0">
-              <a:solidFill>
-                <a:schemeClr val="tx1"/>
-              </a:solidFill>
-              <a:effectLst/>
-              <a:latin typeface="Arial" pitchFamily="34" charset="0"/>
-              <a:ea typeface="+mn-ea"/>
-              <a:cs typeface="+mn-cs"/>
-            </a:endParaRPr>
-          </a:p>
-          <a:p>
-            <a:pPr marL="0" marR="0" indent="0" algn="l" defTabSz="914400" rtl="0" eaLnBrk="0" fontAlgn="base" latinLnBrk="0" hangingPunct="0">
-              <a:lnSpc>
-                <a:spcPct val="100000"/>
-              </a:lnSpc>
-              <a:spcBef>
-                <a:spcPct val="30000"/>
-              </a:spcBef>
-              <a:spcAft>
-                <a:spcPct val="0"/>
-              </a:spcAft>
-              <a:buClrTx/>
-              <a:buSzTx/>
-              <a:buFontTx/>
-              <a:buNone/>
-              <a:tabLst/>
-              <a:defRPr/>
-            </a:pPr>
             <a:endParaRPr lang="en-US" altLang="zh-CN" sz="1200" b="1" i="0" kern="1200" dirty="0" smtClean="0">
               <a:solidFill>
                 <a:schemeClr val="tx1"/>
@@ -6091,7 +5998,7 @@
             <a:fld id="{D954A8C1-897D-45F8-BFAB-50E65247FAE3}" type="slidenum">
               <a:rPr lang="zh-CN" altLang="zh-CN" smtClean="0"/>
               <a:pPr/>
-              <a:t>16</a:t>
+              <a:t>14</a:t>
             </a:fld>
             <a:endParaRPr lang="zh-CN" altLang="zh-CN"/>
           </a:p>
@@ -6154,22 +6061,6 @@
           <a:bodyPr/>
           <a:lstStyle/>
           <a:p>
-            <a:r>
-              <a:rPr lang="en-US" altLang="zh-CN" dirty="0" smtClean="0"/>
-              <a:t>article</a:t>
-            </a:r>
-            <a:r>
-              <a:rPr lang="zh-CN" altLang="en-US" dirty="0" smtClean="0"/>
-              <a:t>：这是一个特殊的 </a:t>
-            </a:r>
-            <a:r>
-              <a:rPr lang="en-US" altLang="zh-CN" dirty="0" smtClean="0"/>
-              <a:t>section </a:t>
-            </a:r>
-            <a:r>
-              <a:rPr lang="zh-CN" altLang="en-US" dirty="0" smtClean="0"/>
-              <a:t>标签</a:t>
-            </a:r>
             <a:endParaRPr lang="zh-CN" altLang="en-US" dirty="0"/>
           </a:p>
         </p:txBody>
@@ -6192,7 +6083,7 @@
             <a:fld id="{D954A8C1-897D-45F8-BFAB-50E65247FAE3}" type="slidenum">
               <a:rPr lang="zh-CN" altLang="zh-CN" smtClean="0"/>
               <a:pPr/>
-              <a:t>17</a:t>
+              <a:t>15</a:t>
             </a:fld>
             <a:endParaRPr lang="zh-CN" altLang="zh-CN"/>
           </a:p>
@@ -6277,7 +6168,7 @@
             <a:fld id="{D954A8C1-897D-45F8-BFAB-50E65247FAE3}" type="slidenum">
               <a:rPr lang="zh-CN" altLang="zh-CN" smtClean="0"/>
               <a:pPr/>
-              <a:t>18</a:t>
+              <a:t>16</a:t>
             </a:fld>
             <a:endParaRPr lang="zh-CN" altLang="zh-CN"/>
           </a:p>
@@ -6362,7 +6253,7 @@
             <a:fld id="{D954A8C1-897D-45F8-BFAB-50E65247FAE3}" type="slidenum">
               <a:rPr lang="zh-CN" altLang="zh-CN" smtClean="0"/>
               <a:pPr/>
-              <a:t>19</a:t>
+              <a:t>17</a:t>
             </a:fld>
             <a:endParaRPr lang="zh-CN" altLang="zh-CN"/>
           </a:p>
@@ -6428,7 +6319,7 @@
         </p:blipFill>
         <p:spPr>
           <a:xfrm>
-            <a:off x="1866901" y="0"/>
+            <a:off x="2253870" y="0"/>
             <a:ext cx="10325100" cy="6883400"/>
           </a:xfrm>
           <a:prstGeom prst="rect">
@@ -6529,7 +6420,7 @@
           <a:p>
             <a:fld id="{1ABFA14F-DE9C-4D83-8C58-D4C03BB9FF78}" type="datetimeFigureOut">
               <a:rPr lang="zh-CN" altLang="en-US" smtClean="0"/>
-              <a:t>2018/9/11</a:t>
+              <a:t>2019/3/1</a:t>
             </a:fld>
             <a:endParaRPr lang="zh-CN" altLang="en-US"/>
           </a:p>
@@ -6628,170 +6519,6 @@
 
 <file path=ppt/slideLayouts/slideLayout10.xml><?xml version="1.0" encoding="utf-8"?>
 <p:sldLayout xmlns:a="http://schemas.openxmlformats.org/drawingml/2006/main" xmlns:r="http://schemas.openxmlformats.org/officeDocument/2006/relationships" xmlns:p="http://schemas.openxmlformats.org/presentationml/2006/main" userDrawn="1">
-  <p:cSld name="7_标题和内容">
-    <p:spTree>
-      <p:nvGrpSpPr>
-        <p:cNvPr id="1" name=""/>
-        <p:cNvGrpSpPr/>
-        <p:nvPr/>
-      </p:nvGrpSpPr>
-      <p:grpSpPr>
-        <a:xfrm>
-          <a:off x="0" y="0"/>
-          <a:ext cx="0" cy="0"/>
-          <a:chOff x="0" y="0"/>
-          <a:chExt cx="0" cy="0"/>
-        </a:xfrm>
-      </p:grpSpPr>
-      <p:sp>
-        <p:nvSpPr>
-          <p:cNvPr id="11" name="内容占位符 10"/>
-          <p:cNvSpPr>
-            <a:spLocks noGrp="1"/>
-          </p:cNvSpPr>
-          <p:nvPr>
-            <p:ph sz="quarter" idx="10"/>
-          </p:nvPr>
-        </p:nvSpPr>
-        <p:spPr>
-          <a:xfrm>
-            <a:off x="1142966" y="1285894"/>
-            <a:ext cx="9715500" cy="4643437"/>
-          </a:xfrm>
-          <a:prstGeom prst="rect">
-            <a:avLst/>
-          </a:prstGeom>
-        </p:spPr>
-        <p:txBody>
-          <a:bodyPr/>
-          <a:lstStyle>
-            <a:lvl1pPr>
-              <a:defRPr sz="2800"/>
-            </a:lvl1pPr>
-            <a:lvl2pPr>
-              <a:defRPr sz="2000">
-                <a:solidFill>
-                  <a:schemeClr val="tx1"/>
-                </a:solidFill>
-              </a:defRPr>
-            </a:lvl2pPr>
-            <a:lvl3pPr>
-              <a:defRPr>
-                <a:solidFill>
-                  <a:schemeClr val="tx1"/>
-                </a:solidFill>
-              </a:defRPr>
-            </a:lvl3pPr>
-            <a:lvl4pPr>
-              <a:defRPr>
-                <a:solidFill>
-                  <a:schemeClr val="tx1"/>
-                </a:solidFill>
-              </a:defRPr>
-            </a:lvl4pPr>
-          </a:lstStyle>
-          <a:p>
-            <a:pPr lvl="0"/>
-            <a:r>
-              <a:rPr lang="zh-CN" altLang="en-US" dirty="0" smtClean="0"/>
-              <a:t>单击此处编辑母版文本样式</a:t>
-            </a:r>
-          </a:p>
-          <a:p>
-            <a:pPr lvl="1"/>
-            <a:r>
-              <a:rPr lang="zh-CN" altLang="en-US" dirty="0" smtClean="0"/>
-              <a:t>第二级</a:t>
-            </a:r>
-          </a:p>
-          <a:p>
-            <a:pPr lvl="2"/>
-            <a:r>
-              <a:rPr lang="zh-CN" altLang="en-US" dirty="0" smtClean="0"/>
-              <a:t>第三级</a:t>
-            </a:r>
-          </a:p>
-          <a:p>
-            <a:pPr lvl="3"/>
-            <a:r>
-              <a:rPr lang="zh-CN" altLang="en-US" dirty="0" smtClean="0"/>
-              <a:t>第四级</a:t>
-            </a:r>
-          </a:p>
-        </p:txBody>
-      </p:sp>
-      <p:sp>
-        <p:nvSpPr>
-          <p:cNvPr id="13" name="内容占位符 10"/>
-          <p:cNvSpPr>
-            <a:spLocks noGrp="1"/>
-          </p:cNvSpPr>
-          <p:nvPr>
-            <p:ph sz="quarter" idx="11"/>
-          </p:nvPr>
-        </p:nvSpPr>
-        <p:spPr>
-          <a:xfrm>
-            <a:off x="1090714" y="236943"/>
-            <a:ext cx="8191557" cy="490476"/>
-          </a:xfrm>
-          <a:prstGeom prst="rect">
-            <a:avLst/>
-          </a:prstGeom>
-        </p:spPr>
-        <p:txBody>
-          <a:bodyPr/>
-          <a:lstStyle>
-            <a:lvl1pPr>
-              <a:buNone/>
-              <a:defRPr sz="3200" b="1"/>
-            </a:lvl1pPr>
-            <a:lvl2pPr>
-              <a:defRPr sz="2000">
-                <a:solidFill>
-                  <a:schemeClr val="tx1"/>
-                </a:solidFill>
-              </a:defRPr>
-            </a:lvl2pPr>
-            <a:lvl3pPr>
-              <a:defRPr>
-                <a:solidFill>
-                  <a:schemeClr val="tx1"/>
-                </a:solidFill>
-              </a:defRPr>
-            </a:lvl3pPr>
-            <a:lvl4pPr>
-              <a:defRPr>
-                <a:solidFill>
-                  <a:schemeClr val="tx1"/>
-                </a:solidFill>
-              </a:defRPr>
-            </a:lvl4pPr>
-          </a:lstStyle>
-          <a:p>
-            <a:pPr lvl="0"/>
-            <a:r>
-              <a:rPr lang="zh-CN" altLang="en-US" dirty="0" smtClean="0"/>
-              <a:t>单击此处编辑母版文本样式</a:t>
-            </a:r>
-          </a:p>
-        </p:txBody>
-      </p:sp>
-    </p:spTree>
-    <p:extLst>
-      <p:ext uri="{BB962C8B-B14F-4D97-AF65-F5344CB8AC3E}">
-        <p14:creationId xmlns:p14="http://schemas.microsoft.com/office/powerpoint/2010/main" val="1764008196"/>
-      </p:ext>
-    </p:extLst>
-  </p:cSld>
-  <p:clrMapOvr>
-    <a:masterClrMapping/>
-  </p:clrMapOvr>
-</p:sldLayout>
-</file>
-
-<file path=ppt/slideLayouts/slideLayout11.xml><?xml version="1.0" encoding="utf-8"?>
-<p:sldLayout xmlns:a="http://schemas.openxmlformats.org/drawingml/2006/main" xmlns:r="http://schemas.openxmlformats.org/officeDocument/2006/relationships" xmlns:p="http://schemas.openxmlformats.org/presentationml/2006/main" userDrawn="1">
   <p:cSld name="8_标题和内容">
     <p:spTree>
       <p:nvGrpSpPr>
@@ -6954,7 +6681,7 @@
 </p:sldLayout>
 </file>
 
-<file path=ppt/slideLayouts/slideLayout12.xml><?xml version="1.0" encoding="utf-8"?>
+<file path=ppt/slideLayouts/slideLayout11.xml><?xml version="1.0" encoding="utf-8"?>
 <p:sldLayout xmlns:a="http://schemas.openxmlformats.org/drawingml/2006/main" xmlns:r="http://schemas.openxmlformats.org/officeDocument/2006/relationships" xmlns:p="http://schemas.openxmlformats.org/presentationml/2006/main" userDrawn="1">
   <p:cSld name="9_标题和内容">
     <p:spTree>
@@ -7118,7 +6845,7 @@
 </p:sldLayout>
 </file>
 
-<file path=ppt/slideLayouts/slideLayout13.xml><?xml version="1.0" encoding="utf-8"?>
+<file path=ppt/slideLayouts/slideLayout12.xml><?xml version="1.0" encoding="utf-8"?>
 <p:sldLayout xmlns:a="http://schemas.openxmlformats.org/drawingml/2006/main" xmlns:r="http://schemas.openxmlformats.org/officeDocument/2006/relationships" xmlns:p="http://schemas.openxmlformats.org/presentationml/2006/main" userDrawn="1">
   <p:cSld name="10_标题和内容">
     <p:spTree>
@@ -7282,7 +7009,7 @@
 </p:sldLayout>
 </file>
 
-<file path=ppt/slideLayouts/slideLayout14.xml><?xml version="1.0" encoding="utf-8"?>
+<file path=ppt/slideLayouts/slideLayout13.xml><?xml version="1.0" encoding="utf-8"?>
 <p:sldLayout xmlns:a="http://schemas.openxmlformats.org/drawingml/2006/main" xmlns:r="http://schemas.openxmlformats.org/officeDocument/2006/relationships" xmlns:p="http://schemas.openxmlformats.org/presentationml/2006/main" userDrawn="1">
   <p:cSld name="11_标题和内容">
     <p:spTree>
@@ -7446,7 +7173,7 @@
 </p:sldLayout>
 </file>
 
-<file path=ppt/slideLayouts/slideLayout15.xml><?xml version="1.0" encoding="utf-8"?>
+<file path=ppt/slideLayouts/slideLayout14.xml><?xml version="1.0" encoding="utf-8"?>
 <p:sldLayout xmlns:a="http://schemas.openxmlformats.org/drawingml/2006/main" xmlns:r="http://schemas.openxmlformats.org/officeDocument/2006/relationships" xmlns:p="http://schemas.openxmlformats.org/presentationml/2006/main" userDrawn="1">
   <p:cSld name="12_标题和内容">
     <p:spTree>
@@ -7610,7 +7337,7 @@
 </p:sldLayout>
 </file>
 
-<file path=ppt/slideLayouts/slideLayout16.xml><?xml version="1.0" encoding="utf-8"?>
+<file path=ppt/slideLayouts/slideLayout15.xml><?xml version="1.0" encoding="utf-8"?>
 <p:sldLayout xmlns:a="http://schemas.openxmlformats.org/drawingml/2006/main" xmlns:r="http://schemas.openxmlformats.org/officeDocument/2006/relationships" xmlns:p="http://schemas.openxmlformats.org/presentationml/2006/main" userDrawn="1">
   <p:cSld name="13_标题和内容">
     <p:spTree>
@@ -7774,7 +7501,7 @@
 </p:sldLayout>
 </file>
 
-<file path=ppt/slideLayouts/slideLayout17.xml><?xml version="1.0" encoding="utf-8"?>
+<file path=ppt/slideLayouts/slideLayout16.xml><?xml version="1.0" encoding="utf-8"?>
 <p:sldLayout xmlns:a="http://schemas.openxmlformats.org/drawingml/2006/main" xmlns:r="http://schemas.openxmlformats.org/officeDocument/2006/relationships" xmlns:p="http://schemas.openxmlformats.org/presentationml/2006/main" userDrawn="1">
   <p:cSld name="15_标题和内容">
     <p:spTree>
@@ -7938,7 +7665,7 @@
 </p:sldLayout>
 </file>
 
-<file path=ppt/slideLayouts/slideLayout18.xml><?xml version="1.0" encoding="utf-8"?>
+<file path=ppt/slideLayouts/slideLayout17.xml><?xml version="1.0" encoding="utf-8"?>
 <p:sldLayout xmlns:a="http://schemas.openxmlformats.org/drawingml/2006/main" xmlns:r="http://schemas.openxmlformats.org/officeDocument/2006/relationships" xmlns:p="http://schemas.openxmlformats.org/presentationml/2006/main" userDrawn="1">
   <p:cSld name="16_标题和内容">
     <p:spTree>
@@ -8102,7 +7829,7 @@
 </p:sldLayout>
 </file>
 
-<file path=ppt/slideLayouts/slideLayout19.xml><?xml version="1.0" encoding="utf-8"?>
+<file path=ppt/slideLayouts/slideLayout18.xml><?xml version="1.0" encoding="utf-8"?>
 <p:sldLayout xmlns:a="http://schemas.openxmlformats.org/drawingml/2006/main" xmlns:r="http://schemas.openxmlformats.org/officeDocument/2006/relationships" xmlns:p="http://schemas.openxmlformats.org/presentationml/2006/main" userDrawn="1">
   <p:cSld name="17_标题和内容">
     <p:spTree>
@@ -8266,6 +7993,170 @@
 </p:sldLayout>
 </file>
 
+<file path=ppt/slideLayouts/slideLayout19.xml><?xml version="1.0" encoding="utf-8"?>
+<p:sldLayout xmlns:a="http://schemas.openxmlformats.org/drawingml/2006/main" xmlns:r="http://schemas.openxmlformats.org/officeDocument/2006/relationships" xmlns:p="http://schemas.openxmlformats.org/presentationml/2006/main" userDrawn="1">
+  <p:cSld name="18_标题和内容">
+    <p:spTree>
+      <p:nvGrpSpPr>
+        <p:cNvPr id="1" name=""/>
+        <p:cNvGrpSpPr/>
+        <p:nvPr/>
+      </p:nvGrpSpPr>
+      <p:grpSpPr>
+        <a:xfrm>
+          <a:off x="0" y="0"/>
+          <a:ext cx="0" cy="0"/>
+          <a:chOff x="0" y="0"/>
+          <a:chExt cx="0" cy="0"/>
+        </a:xfrm>
+      </p:grpSpPr>
+      <p:sp>
+        <p:nvSpPr>
+          <p:cNvPr id="11" name="内容占位符 10"/>
+          <p:cNvSpPr>
+            <a:spLocks noGrp="1"/>
+          </p:cNvSpPr>
+          <p:nvPr>
+            <p:ph sz="quarter" idx="10"/>
+          </p:nvPr>
+        </p:nvSpPr>
+        <p:spPr>
+          <a:xfrm>
+            <a:off x="1142966" y="1285894"/>
+            <a:ext cx="9715500" cy="4643437"/>
+          </a:xfrm>
+          <a:prstGeom prst="rect">
+            <a:avLst/>
+          </a:prstGeom>
+        </p:spPr>
+        <p:txBody>
+          <a:bodyPr/>
+          <a:lstStyle>
+            <a:lvl1pPr>
+              <a:defRPr sz="2800"/>
+            </a:lvl1pPr>
+            <a:lvl2pPr>
+              <a:defRPr sz="2000">
+                <a:solidFill>
+                  <a:schemeClr val="tx1"/>
+                </a:solidFill>
+              </a:defRPr>
+            </a:lvl2pPr>
+            <a:lvl3pPr>
+              <a:defRPr>
+                <a:solidFill>
+                  <a:schemeClr val="tx1"/>
+                </a:solidFill>
+              </a:defRPr>
+            </a:lvl3pPr>
+            <a:lvl4pPr>
+              <a:defRPr>
+                <a:solidFill>
+                  <a:schemeClr val="tx1"/>
+                </a:solidFill>
+              </a:defRPr>
+            </a:lvl4pPr>
+          </a:lstStyle>
+          <a:p>
+            <a:pPr lvl="0"/>
+            <a:r>
+              <a:rPr lang="zh-CN" altLang="en-US" dirty="0" smtClean="0"/>
+              <a:t>单击此处编辑母版文本样式</a:t>
+            </a:r>
+          </a:p>
+          <a:p>
+            <a:pPr lvl="1"/>
+            <a:r>
+              <a:rPr lang="zh-CN" altLang="en-US" dirty="0" smtClean="0"/>
+              <a:t>第二级</a:t>
+            </a:r>
+          </a:p>
+          <a:p>
+            <a:pPr lvl="2"/>
+            <a:r>
+              <a:rPr lang="zh-CN" altLang="en-US" dirty="0" smtClean="0"/>
+              <a:t>第三级</a:t>
+            </a:r>
+          </a:p>
+          <a:p>
+            <a:pPr lvl="3"/>
+            <a:r>
+              <a:rPr lang="zh-CN" altLang="en-US" dirty="0" smtClean="0"/>
+              <a:t>第四级</a:t>
+            </a:r>
+          </a:p>
+        </p:txBody>
+      </p:sp>
+      <p:sp>
+        <p:nvSpPr>
+          <p:cNvPr id="13" name="内容占位符 10"/>
+          <p:cNvSpPr>
+            <a:spLocks noGrp="1"/>
+          </p:cNvSpPr>
+          <p:nvPr>
+            <p:ph sz="quarter" idx="11"/>
+          </p:nvPr>
+        </p:nvSpPr>
+        <p:spPr>
+          <a:xfrm>
+            <a:off x="1090714" y="236943"/>
+            <a:ext cx="8191557" cy="490476"/>
+          </a:xfrm>
+          <a:prstGeom prst="rect">
+            <a:avLst/>
+          </a:prstGeom>
+        </p:spPr>
+        <p:txBody>
+          <a:bodyPr/>
+          <a:lstStyle>
+            <a:lvl1pPr>
+              <a:buNone/>
+              <a:defRPr sz="3200" b="1"/>
+            </a:lvl1pPr>
+            <a:lvl2pPr>
+              <a:defRPr sz="2000">
+                <a:solidFill>
+                  <a:schemeClr val="tx1"/>
+                </a:solidFill>
+              </a:defRPr>
+            </a:lvl2pPr>
+            <a:lvl3pPr>
+              <a:defRPr>
+                <a:solidFill>
+                  <a:schemeClr val="tx1"/>
+                </a:solidFill>
+              </a:defRPr>
+            </a:lvl3pPr>
+            <a:lvl4pPr>
+              <a:defRPr>
+                <a:solidFill>
+                  <a:schemeClr val="tx1"/>
+                </a:solidFill>
+              </a:defRPr>
+            </a:lvl4pPr>
+          </a:lstStyle>
+          <a:p>
+            <a:pPr lvl="0"/>
+            <a:r>
+              <a:rPr lang="zh-CN" altLang="en-US" dirty="0" smtClean="0"/>
+              <a:t>单击此处编辑母版文本样式</a:t>
+            </a:r>
+          </a:p>
+        </p:txBody>
+      </p:sp>
+    </p:spTree>
+    <p:extLst>
+      <p:ext uri="{BB962C8B-B14F-4D97-AF65-F5344CB8AC3E}">
+        <p14:creationId xmlns:p14="http://schemas.microsoft.com/office/powerpoint/2010/main" val="2898997083"/>
+      </p:ext>
+    </p:extLst>
+  </p:cSld>
+  <p:clrMapOvr>
+    <a:masterClrMapping/>
+  </p:clrMapOvr>
+</p:sldLayout>
+</file>
+
 <file path=ppt/slideLayouts/slideLayout2.xml><?xml version="1.0" encoding="utf-8"?>
 <p:sldLayout xmlns:a="http://schemas.openxmlformats.org/drawingml/2006/main" xmlns:r="http://schemas.openxmlformats.org/officeDocument/2006/relationships" xmlns:p="http://schemas.openxmlformats.org/presentationml/2006/main" type="obj" preserve="1">
   <p:cSld name="标题和内容">
@@ -8409,7 +8300,7 @@
           <a:p>
             <a:fld id="{1ABFA14F-DE9C-4D83-8C58-D4C03BB9FF78}" type="datetimeFigureOut">
               <a:rPr lang="zh-CN" altLang="en-US" smtClean="0"/>
-              <a:t>2018/9/11</a:t>
+              <a:t>2019/3/1</a:t>
             </a:fld>
             <a:endParaRPr lang="zh-CN" altLang="en-US"/>
           </a:p>
@@ -8480,170 +8371,6 @@
 
 <file path=ppt/slideLayouts/slideLayout20.xml><?xml version="1.0" encoding="utf-8"?>
 <p:sldLayout xmlns:a="http://schemas.openxmlformats.org/drawingml/2006/main" xmlns:r="http://schemas.openxmlformats.org/officeDocument/2006/relationships" xmlns:p="http://schemas.openxmlformats.org/presentationml/2006/main" userDrawn="1">
-  <p:cSld name="18_标题和内容">
-    <p:spTree>
-      <p:nvGrpSpPr>
-        <p:cNvPr id="1" name=""/>
-        <p:cNvGrpSpPr/>
-        <p:nvPr/>
-      </p:nvGrpSpPr>
-      <p:grpSpPr>
-        <a:xfrm>
-          <a:off x="0" y="0"/>
-          <a:ext cx="0" cy="0"/>
-          <a:chOff x="0" y="0"/>
-          <a:chExt cx="0" cy="0"/>
-        </a:xfrm>
-      </p:grpSpPr>
-      <p:sp>
-        <p:nvSpPr>
-          <p:cNvPr id="11" name="内容占位符 10"/>
-          <p:cNvSpPr>
-            <a:spLocks noGrp="1"/>
-          </p:cNvSpPr>
-          <p:nvPr>
-            <p:ph sz="quarter" idx="10"/>
-          </p:nvPr>
-        </p:nvSpPr>
-        <p:spPr>
-          <a:xfrm>
-            <a:off x="1142966" y="1285894"/>
-            <a:ext cx="9715500" cy="4643437"/>
-          </a:xfrm>
-          <a:prstGeom prst="rect">
-            <a:avLst/>
-          </a:prstGeom>
-        </p:spPr>
-        <p:txBody>
-          <a:bodyPr/>
-          <a:lstStyle>
-            <a:lvl1pPr>
-              <a:defRPr sz="2800"/>
-            </a:lvl1pPr>
-            <a:lvl2pPr>
-              <a:defRPr sz="2000">
-                <a:solidFill>
-                  <a:schemeClr val="tx1"/>
-                </a:solidFill>
-              </a:defRPr>
-            </a:lvl2pPr>
-            <a:lvl3pPr>
-              <a:defRPr>
-                <a:solidFill>
-                  <a:schemeClr val="tx1"/>
-                </a:solidFill>
-              </a:defRPr>
-            </a:lvl3pPr>
-            <a:lvl4pPr>
-              <a:defRPr>
-                <a:solidFill>
-                  <a:schemeClr val="tx1"/>
-                </a:solidFill>
-              </a:defRPr>
-            </a:lvl4pPr>
-          </a:lstStyle>
-          <a:p>
-            <a:pPr lvl="0"/>
-            <a:r>
-              <a:rPr lang="zh-CN" altLang="en-US" dirty="0" smtClean="0"/>
-              <a:t>单击此处编辑母版文本样式</a:t>
-            </a:r>
-          </a:p>
-          <a:p>
-            <a:pPr lvl="1"/>
-            <a:r>
-              <a:rPr lang="zh-CN" altLang="en-US" dirty="0" smtClean="0"/>
-              <a:t>第二级</a:t>
-            </a:r>
-          </a:p>
-          <a:p>
-            <a:pPr lvl="2"/>
-            <a:r>
-              <a:rPr lang="zh-CN" altLang="en-US" dirty="0" smtClean="0"/>
-              <a:t>第三级</a:t>
-            </a:r>
-          </a:p>
-          <a:p>
-            <a:pPr lvl="3"/>
-            <a:r>
-              <a:rPr lang="zh-CN" altLang="en-US" dirty="0" smtClean="0"/>
-              <a:t>第四级</a:t>
-            </a:r>
-          </a:p>
-        </p:txBody>
-      </p:sp>
-      <p:sp>
-        <p:nvSpPr>
-          <p:cNvPr id="13" name="内容占位符 10"/>
-          <p:cNvSpPr>
-            <a:spLocks noGrp="1"/>
-          </p:cNvSpPr>
-          <p:nvPr>
-            <p:ph sz="quarter" idx="11"/>
-          </p:nvPr>
-        </p:nvSpPr>
-        <p:spPr>
-          <a:xfrm>
-            <a:off x="1090714" y="236943"/>
-            <a:ext cx="8191557" cy="490476"/>
-          </a:xfrm>
-          <a:prstGeom prst="rect">
-            <a:avLst/>
-          </a:prstGeom>
-        </p:spPr>
-        <p:txBody>
-          <a:bodyPr/>
-          <a:lstStyle>
-            <a:lvl1pPr>
-              <a:buNone/>
-              <a:defRPr sz="3200" b="1"/>
-            </a:lvl1pPr>
-            <a:lvl2pPr>
-              <a:defRPr sz="2000">
-                <a:solidFill>
-                  <a:schemeClr val="tx1"/>
-                </a:solidFill>
-              </a:defRPr>
-            </a:lvl2pPr>
-            <a:lvl3pPr>
-              <a:defRPr>
-                <a:solidFill>
-                  <a:schemeClr val="tx1"/>
-                </a:solidFill>
-              </a:defRPr>
-            </a:lvl3pPr>
-            <a:lvl4pPr>
-              <a:defRPr>
-                <a:solidFill>
-                  <a:schemeClr val="tx1"/>
-                </a:solidFill>
-              </a:defRPr>
-            </a:lvl4pPr>
-          </a:lstStyle>
-          <a:p>
-            <a:pPr lvl="0"/>
-            <a:r>
-              <a:rPr lang="zh-CN" altLang="en-US" dirty="0" smtClean="0"/>
-              <a:t>单击此处编辑母版文本样式</a:t>
-            </a:r>
-          </a:p>
-        </p:txBody>
-      </p:sp>
-    </p:spTree>
-    <p:extLst>
-      <p:ext uri="{BB962C8B-B14F-4D97-AF65-F5344CB8AC3E}">
-        <p14:creationId xmlns:p14="http://schemas.microsoft.com/office/powerpoint/2010/main" val="2898997083"/>
-      </p:ext>
-    </p:extLst>
-  </p:cSld>
-  <p:clrMapOvr>
-    <a:masterClrMapping/>
-  </p:clrMapOvr>
-</p:sldLayout>
-</file>
-
-<file path=ppt/slideLayouts/slideLayout21.xml><?xml version="1.0" encoding="utf-8"?>
-<p:sldLayout xmlns:a="http://schemas.openxmlformats.org/drawingml/2006/main" xmlns:r="http://schemas.openxmlformats.org/officeDocument/2006/relationships" xmlns:p="http://schemas.openxmlformats.org/presentationml/2006/main" userDrawn="1">
   <p:cSld name="19_标题和内容">
     <p:spTree>
       <p:nvGrpSpPr>
@@ -8806,7 +8533,7 @@
 </p:sldLayout>
 </file>
 
-<file path=ppt/slideLayouts/slideLayout22.xml><?xml version="1.0" encoding="utf-8"?>
+<file path=ppt/slideLayouts/slideLayout21.xml><?xml version="1.0" encoding="utf-8"?>
 <p:sldLayout xmlns:a="http://schemas.openxmlformats.org/drawingml/2006/main" xmlns:r="http://schemas.openxmlformats.org/officeDocument/2006/relationships" xmlns:p="http://schemas.openxmlformats.org/presentationml/2006/main" userDrawn="1">
   <p:cSld name="20_标题和内容">
     <p:spTree>
@@ -8970,7 +8697,7 @@
 </p:sldLayout>
 </file>
 
-<file path=ppt/slideLayouts/slideLayout23.xml><?xml version="1.0" encoding="utf-8"?>
+<file path=ppt/slideLayouts/slideLayout22.xml><?xml version="1.0" encoding="utf-8"?>
 <p:sldLayout xmlns:a="http://schemas.openxmlformats.org/drawingml/2006/main" xmlns:r="http://schemas.openxmlformats.org/officeDocument/2006/relationships" xmlns:p="http://schemas.openxmlformats.org/presentationml/2006/main" userDrawn="1">
   <p:cSld name="21_标题和内容">
     <p:spTree>
@@ -9134,7 +8861,7 @@
 </p:sldLayout>
 </file>
 
-<file path=ppt/slideLayouts/slideLayout24.xml><?xml version="1.0" encoding="utf-8"?>
+<file path=ppt/slideLayouts/slideLayout23.xml><?xml version="1.0" encoding="utf-8"?>
 <p:sldLayout xmlns:a="http://schemas.openxmlformats.org/drawingml/2006/main" xmlns:r="http://schemas.openxmlformats.org/officeDocument/2006/relationships" xmlns:p="http://schemas.openxmlformats.org/presentationml/2006/main" userDrawn="1">
   <p:cSld name="22_标题和内容">
     <p:spTree>
@@ -9574,7 +9301,7 @@
           <a:p>
             <a:fld id="{1ABFA14F-DE9C-4D83-8C58-D4C03BB9FF78}" type="datetimeFigureOut">
               <a:rPr lang="zh-CN" altLang="en-US" smtClean="0"/>
-              <a:t>2018/9/11</a:t>
+              <a:t>2019/3/1</a:t>
             </a:fld>
             <a:endParaRPr lang="zh-CN" altLang="en-US"/>
           </a:p>
@@ -10031,7 +9758,7 @@
           <a:p>
             <a:fld id="{1ABFA14F-DE9C-4D83-8C58-D4C03BB9FF78}" type="datetimeFigureOut">
               <a:rPr lang="zh-CN" altLang="en-US" smtClean="0"/>
-              <a:t>2018/9/11</a:t>
+              <a:t>2019/3/1</a:t>
             </a:fld>
             <a:endParaRPr lang="zh-CN" altLang="en-US"/>
           </a:p>
@@ -10337,7 +10064,7 @@
           <a:p>
             <a:fld id="{1ABFA14F-DE9C-4D83-8C58-D4C03BB9FF78}" type="datetimeFigureOut">
               <a:rPr lang="zh-CN" altLang="en-US" smtClean="0"/>
-              <a:t>2018/9/11</a:t>
+              <a:t>2019/3/1</a:t>
             </a:fld>
             <a:endParaRPr lang="zh-CN" altLang="en-US"/>
           </a:p>
@@ -10468,7 +10195,7 @@
           <a:p>
             <a:fld id="{1ABFA14F-DE9C-4D83-8C58-D4C03BB9FF78}" type="datetimeFigureOut">
               <a:rPr lang="zh-CN" altLang="en-US" smtClean="0"/>
-              <a:t>2018/9/11</a:t>
+              <a:t>2019/3/1</a:t>
             </a:fld>
             <a:endParaRPr lang="zh-CN" altLang="en-US"/>
           </a:p>
@@ -10867,7 +10594,7 @@
 
 <file path=ppt/slideLayouts/slideLayout9.xml><?xml version="1.0" encoding="utf-8"?>
 <p:sldLayout xmlns:a="http://schemas.openxmlformats.org/drawingml/2006/main" xmlns:r="http://schemas.openxmlformats.org/officeDocument/2006/relationships" xmlns:p="http://schemas.openxmlformats.org/presentationml/2006/main" userDrawn="1">
-  <p:cSld name="6_标题和内容">
+  <p:cSld name="7_标题和内容">
     <p:spTree>
       <p:nvGrpSpPr>
         <p:cNvPr id="1" name=""/>
@@ -11019,7 +10746,7 @@
     </p:spTree>
     <p:extLst>
       <p:ext uri="{BB962C8B-B14F-4D97-AF65-F5344CB8AC3E}">
-        <p14:creationId xmlns:p14="http://schemas.microsoft.com/office/powerpoint/2010/main" val="1733251334"/>
+        <p14:creationId xmlns:p14="http://schemas.microsoft.com/office/powerpoint/2010/main" val="1764008196"/>
       </p:ext>
     </p:extLst>
   </p:cSld>
@@ -11063,7 +10790,7 @@
           <p:nvPr/>
         </p:nvPicPr>
         <p:blipFill rotWithShape="1">
-          <a:blip r:embed="rId26">
+          <a:blip r:embed="rId25">
             <a:extLst>
               <a:ext uri="{28A0092B-C50C-407E-A947-70E740481C1C}">
                 <a14:useLocalDpi xmlns:a14="http://schemas.microsoft.com/office/drawing/2010/main" val="0"/>
@@ -11277,7 +11004,7 @@
           <a:p>
             <a:fld id="{1ABFA14F-DE9C-4D83-8C58-D4C03BB9FF78}" type="datetimeFigureOut">
               <a:rPr lang="zh-CN" altLang="en-US" smtClean="0"/>
-              <a:t>2018/9/11</a:t>
+              <a:t>2019/3/1</a:t>
             </a:fld>
             <a:endParaRPr lang="zh-CN" altLang="en-US"/>
           </a:p>
@@ -11371,7 +11098,7 @@
           <p:nvPr/>
         </p:nvPicPr>
         <p:blipFill>
-          <a:blip r:embed="rId27">
+          <a:blip r:embed="rId26">
             <a:extLst>
               <a:ext uri="{28A0092B-C50C-407E-A947-70E740481C1C}">
                 <a14:useLocalDpi xmlns:a14="http://schemas.microsoft.com/office/drawing/2010/main" val="0"/>
@@ -11433,22 +11160,21 @@
     <p:sldLayoutId id="2147483908" r:id="rId6"/>
     <p:sldLayoutId id="2147483911" r:id="rId7"/>
     <p:sldLayoutId id="2147483912" r:id="rId8"/>
-    <p:sldLayoutId id="2147483915" r:id="rId9"/>
-    <p:sldLayoutId id="2147483916" r:id="rId10"/>
-    <p:sldLayoutId id="2147483917" r:id="rId11"/>
-    <p:sldLayoutId id="2147483918" r:id="rId12"/>
-    <p:sldLayoutId id="2147483919" r:id="rId13"/>
-    <p:sldLayoutId id="2147483920" r:id="rId14"/>
-    <p:sldLayoutId id="2147483921" r:id="rId15"/>
-    <p:sldLayoutId id="2147483922" r:id="rId16"/>
-    <p:sldLayoutId id="2147483924" r:id="rId17"/>
-    <p:sldLayoutId id="2147483925" r:id="rId18"/>
-    <p:sldLayoutId id="2147483926" r:id="rId19"/>
-    <p:sldLayoutId id="2147483927" r:id="rId20"/>
-    <p:sldLayoutId id="2147483928" r:id="rId21"/>
-    <p:sldLayoutId id="2147483929" r:id="rId22"/>
-    <p:sldLayoutId id="2147483930" r:id="rId23"/>
-    <p:sldLayoutId id="2147483931" r:id="rId24"/>
+    <p:sldLayoutId id="2147483916" r:id="rId9"/>
+    <p:sldLayoutId id="2147483917" r:id="rId10"/>
+    <p:sldLayoutId id="2147483918" r:id="rId11"/>
+    <p:sldLayoutId id="2147483919" r:id="rId12"/>
+    <p:sldLayoutId id="2147483920" r:id="rId13"/>
+    <p:sldLayoutId id="2147483921" r:id="rId14"/>
+    <p:sldLayoutId id="2147483922" r:id="rId15"/>
+    <p:sldLayoutId id="2147483924" r:id="rId16"/>
+    <p:sldLayoutId id="2147483925" r:id="rId17"/>
+    <p:sldLayoutId id="2147483926" r:id="rId18"/>
+    <p:sldLayoutId id="2147483927" r:id="rId19"/>
+    <p:sldLayoutId id="2147483928" r:id="rId20"/>
+    <p:sldLayoutId id="2147483929" r:id="rId21"/>
+    <p:sldLayoutId id="2147483930" r:id="rId22"/>
+    <p:sldLayoutId id="2147483931" r:id="rId23"/>
   </p:sldLayoutIdLst>
   <p:timing>
     <p:tnLst>
@@ -11620,7 +11346,7 @@
         <a:buSzPct val="110000"/>
         <a:buFontTx/>
         <a:buBlip>
-          <a:blip r:embed="rId28"/>
+          <a:blip r:embed="rId27"/>
         </a:buBlip>
         <a:defRPr sz="2400" kern="1200">
           <a:solidFill>
@@ -11909,8 +11635,8 @@
         </p:nvSpPr>
         <p:spPr>
           <a:xfrm>
-            <a:off x="474665" y="2163765"/>
-            <a:ext cx="6144684" cy="1114424"/>
+            <a:off x="189294" y="2169003"/>
+            <a:ext cx="7032828" cy="1114424"/>
           </a:xfrm>
         </p:spPr>
         <p:txBody>
@@ -11920,12 +11646,20 @@
           <a:lstStyle/>
           <a:p>
             <a:r>
+              <a:rPr lang="da-DK" altLang="zh-CN" sz="4800" dirty="0"/>
+              <a:t>HTML5</a:t>
+            </a:r>
+            <a:r>
+              <a:rPr lang="zh-CN" altLang="en-US" sz="4800" dirty="0"/>
+              <a:t>与</a:t>
+            </a:r>
+            <a:r>
               <a:rPr lang="en-US" altLang="zh-CN" sz="4800" dirty="0"/>
-              <a:t>HTML5</a:t>
+              <a:t>CSS3</a:t>
             </a:r>
             <a:r>
               <a:rPr lang="zh-CN" altLang="en-US" sz="4800" dirty="0"/>
-              <a:t>程序设计基础</a:t>
+              <a:t>前端开发</a:t>
             </a:r>
             <a:endParaRPr lang="zh-CN" sz="4800" dirty="0"/>
           </a:p>
@@ -12028,532 +11762,6 @@
           <a:chExt cx="0" cy="0"/>
         </a:xfrm>
       </p:grpSpPr>
-      <p:grpSp>
-        <p:nvGrpSpPr>
-          <p:cNvPr id="3" name="组合 2"/>
-          <p:cNvGrpSpPr/>
-          <p:nvPr>
-            <p:custDataLst>
-              <p:tags r:id="rId2"/>
-            </p:custDataLst>
-          </p:nvPr>
-        </p:nvGrpSpPr>
-        <p:grpSpPr>
-          <a:xfrm>
-            <a:off x="1706562" y="2314578"/>
-            <a:ext cx="9287682" cy="1314449"/>
-            <a:chOff x="1849438" y="1833564"/>
-            <a:chExt cx="6158288" cy="1314449"/>
-          </a:xfrm>
-        </p:grpSpPr>
-        <p:sp>
-          <p:nvSpPr>
-            <p:cNvPr id="6146" name="MH_Number_1"/>
-            <p:cNvSpPr>
-              <a:spLocks noChangeArrowheads="1"/>
-            </p:cNvSpPr>
-            <p:nvPr>
-              <p:custDataLst>
-                <p:tags r:id="rId3"/>
-              </p:custDataLst>
-            </p:nvPr>
-          </p:nvSpPr>
-          <p:spPr bwMode="auto">
-            <a:xfrm>
-              <a:off x="1849438" y="1833564"/>
-              <a:ext cx="1200150" cy="1314449"/>
-            </a:xfrm>
-            <a:prstGeom prst="homePlate">
-              <a:avLst>
-                <a:gd name="adj" fmla="val 50002"/>
-              </a:avLst>
-            </a:prstGeom>
-            <a:solidFill>
-              <a:schemeClr val="accent1"/>
-            </a:solidFill>
-            <a:ln>
-              <a:noFill/>
-            </a:ln>
-            <a:extLst>
-              <a:ext uri="{91240B29-F687-4F45-9708-019B960494DF}">
-                <a14:hiddenLine xmlns:a14="http://schemas.microsoft.com/office/drawing/2010/main" w="9525">
-                  <a:solidFill>
-                    <a:srgbClr val="000000"/>
-                  </a:solidFill>
-                  <a:miter lim="800000"/>
-                  <a:headEnd/>
-                  <a:tailEnd/>
-                </a14:hiddenLine>
-              </a:ext>
-            </a:extLst>
-          </p:spPr>
-          <p:txBody>
-            <a:bodyPr lIns="36000" tIns="0" rIns="0" bIns="0" anchor="ctr">
-              <a:noAutofit/>
-            </a:bodyPr>
-            <a:lstStyle>
-              <a:lvl1pPr>
-                <a:defRPr>
-                  <a:solidFill>
-                    <a:schemeClr val="tx1"/>
-                  </a:solidFill>
-                  <a:latin typeface="Calibri" panose="020F0502020204030204" charset="0"/>
-                  <a:ea typeface="宋体" panose="02010600030101010101" pitchFamily="2" charset="-122"/>
-                </a:defRPr>
-              </a:lvl1pPr>
-              <a:lvl2pPr marL="742950" indent="-285750">
-                <a:defRPr>
-                  <a:solidFill>
-                    <a:schemeClr val="tx1"/>
-                  </a:solidFill>
-                  <a:latin typeface="Calibri" panose="020F0502020204030204" charset="0"/>
-                  <a:ea typeface="宋体" panose="02010600030101010101" pitchFamily="2" charset="-122"/>
-                </a:defRPr>
-              </a:lvl2pPr>
-              <a:lvl3pPr marL="1143000" indent="-228600">
-                <a:defRPr>
-                  <a:solidFill>
-                    <a:schemeClr val="tx1"/>
-                  </a:solidFill>
-                  <a:latin typeface="Calibri" panose="020F0502020204030204" charset="0"/>
-                  <a:ea typeface="宋体" panose="02010600030101010101" pitchFamily="2" charset="-122"/>
-                </a:defRPr>
-              </a:lvl3pPr>
-              <a:lvl4pPr marL="1600200" indent="-228600">
-                <a:defRPr>
-                  <a:solidFill>
-                    <a:schemeClr val="tx1"/>
-                  </a:solidFill>
-                  <a:latin typeface="Calibri" panose="020F0502020204030204" charset="0"/>
-                  <a:ea typeface="宋体" panose="02010600030101010101" pitchFamily="2" charset="-122"/>
-                </a:defRPr>
-              </a:lvl4pPr>
-              <a:lvl5pPr marL="2057400" indent="-228600">
-                <a:defRPr>
-                  <a:solidFill>
-                    <a:schemeClr val="tx1"/>
-                  </a:solidFill>
-                  <a:latin typeface="Calibri" panose="020F0502020204030204" charset="0"/>
-                  <a:ea typeface="宋体" panose="02010600030101010101" pitchFamily="2" charset="-122"/>
-                </a:defRPr>
-              </a:lvl5pPr>
-              <a:lvl6pPr marL="2514600" indent="-228600" eaLnBrk="0" fontAlgn="base" hangingPunct="0">
-                <a:spcBef>
-                  <a:spcPct val="0"/>
-                </a:spcBef>
-                <a:spcAft>
-                  <a:spcPct val="0"/>
-                </a:spcAft>
-                <a:buFont typeface="Arial" panose="020B0604020202020204" pitchFamily="34" charset="0"/>
-                <a:defRPr>
-                  <a:solidFill>
-                    <a:schemeClr val="tx1"/>
-                  </a:solidFill>
-                  <a:latin typeface="Calibri" panose="020F0502020204030204" charset="0"/>
-                  <a:ea typeface="宋体" panose="02010600030101010101" pitchFamily="2" charset="-122"/>
-                </a:defRPr>
-              </a:lvl6pPr>
-              <a:lvl7pPr marL="2971800" indent="-228600" eaLnBrk="0" fontAlgn="base" hangingPunct="0">
-                <a:spcBef>
-                  <a:spcPct val="0"/>
-                </a:spcBef>
-                <a:spcAft>
-                  <a:spcPct val="0"/>
-                </a:spcAft>
-                <a:buFont typeface="Arial" panose="020B0604020202020204" pitchFamily="34" charset="0"/>
-                <a:defRPr>
-                  <a:solidFill>
-                    <a:schemeClr val="tx1"/>
-                  </a:solidFill>
-                  <a:latin typeface="Calibri" panose="020F0502020204030204" charset="0"/>
-                  <a:ea typeface="宋体" panose="02010600030101010101" pitchFamily="2" charset="-122"/>
-                </a:defRPr>
-              </a:lvl7pPr>
-              <a:lvl8pPr marL="3429000" indent="-228600" eaLnBrk="0" fontAlgn="base" hangingPunct="0">
-                <a:spcBef>
-                  <a:spcPct val="0"/>
-                </a:spcBef>
-                <a:spcAft>
-                  <a:spcPct val="0"/>
-                </a:spcAft>
-                <a:buFont typeface="Arial" panose="020B0604020202020204" pitchFamily="34" charset="0"/>
-                <a:defRPr>
-                  <a:solidFill>
-                    <a:schemeClr val="tx1"/>
-                  </a:solidFill>
-                  <a:latin typeface="Calibri" panose="020F0502020204030204" charset="0"/>
-                  <a:ea typeface="宋体" panose="02010600030101010101" pitchFamily="2" charset="-122"/>
-                </a:defRPr>
-              </a:lvl8pPr>
-              <a:lvl9pPr marL="3886200" indent="-228600" eaLnBrk="0" fontAlgn="base" hangingPunct="0">
-                <a:spcBef>
-                  <a:spcPct val="0"/>
-                </a:spcBef>
-                <a:spcAft>
-                  <a:spcPct val="0"/>
-                </a:spcAft>
-                <a:buFont typeface="Arial" panose="020B0604020202020204" pitchFamily="34" charset="0"/>
-                <a:defRPr>
-                  <a:solidFill>
-                    <a:schemeClr val="tx1"/>
-                  </a:solidFill>
-                  <a:latin typeface="Calibri" panose="020F0502020204030204" charset="0"/>
-                  <a:ea typeface="宋体" panose="02010600030101010101" pitchFamily="2" charset="-122"/>
-                </a:defRPr>
-              </a:lvl9pPr>
-            </a:lstStyle>
-            <a:p>
-              <a:pPr algn="ctr" eaLnBrk="1" hangingPunct="1"/>
-              <a:r>
-                <a:rPr lang="en-US" altLang="zh-CN" sz="7200" b="1" dirty="0" smtClean="0">
-                  <a:solidFill>
-                    <a:srgbClr val="FFFFFF"/>
-                  </a:solidFill>
-                  <a:latin typeface="+mn-lt"/>
-                  <a:ea typeface="+mn-ea"/>
-                </a:rPr>
-                <a:t>02</a:t>
-              </a:r>
-              <a:endParaRPr lang="zh-CN" altLang="en-US" sz="7200" b="1" dirty="0">
-                <a:solidFill>
-                  <a:srgbClr val="FFFFFF"/>
-                </a:solidFill>
-                <a:latin typeface="+mn-lt"/>
-                <a:ea typeface="+mn-ea"/>
-              </a:endParaRPr>
-            </a:p>
-          </p:txBody>
-        </p:sp>
-        <p:sp>
-          <p:nvSpPr>
-            <p:cNvPr id="6147" name="MH_Entry_1"/>
-            <p:cNvSpPr txBox="1">
-              <a:spLocks noChangeArrowheads="1"/>
-            </p:cNvSpPr>
-            <p:nvPr>
-              <p:custDataLst>
-                <p:tags r:id="rId4"/>
-              </p:custDataLst>
-            </p:nvPr>
-          </p:nvSpPr>
-          <p:spPr bwMode="auto">
-            <a:xfrm>
-              <a:off x="3197989" y="2117725"/>
-              <a:ext cx="4809737" cy="746125"/>
-            </a:xfrm>
-            <a:prstGeom prst="rect">
-              <a:avLst/>
-            </a:prstGeom>
-            <a:noFill/>
-            <a:ln>
-              <a:noFill/>
-            </a:ln>
-            <a:extLst>
-              <a:ext uri="{909E8E84-426E-40DD-AFC4-6F175D3DCCD1}">
-                <a14:hiddenFill xmlns:a14="http://schemas.microsoft.com/office/drawing/2010/main">
-                  <a:solidFill>
-                    <a:srgbClr val="FFFFFF"/>
-                  </a:solidFill>
-                </a14:hiddenFill>
-              </a:ext>
-              <a:ext uri="{91240B29-F687-4F45-9708-019B960494DF}">
-                <a14:hiddenLine xmlns:a14="http://schemas.microsoft.com/office/drawing/2010/main" w="9525">
-                  <a:solidFill>
-                    <a:srgbClr val="000000"/>
-                  </a:solidFill>
-                  <a:miter lim="800000"/>
-                  <a:headEnd/>
-                  <a:tailEnd/>
-                </a14:hiddenLine>
-              </a:ext>
-            </a:extLst>
-          </p:spPr>
-          <p:txBody>
-            <a:bodyPr lIns="144000" anchor="ctr">
-              <a:noAutofit/>
-            </a:bodyPr>
-            <a:lstStyle>
-              <a:lvl1pPr algn="just">
-                <a:lnSpc>
-                  <a:spcPct val="110000"/>
-                </a:lnSpc>
-                <a:spcBef>
-                  <a:spcPts val="1800"/>
-                </a:spcBef>
-                <a:buClr>
-                  <a:srgbClr val="963B22"/>
-                </a:buClr>
-                <a:buSzPct val="100000"/>
-                <a:buBlip>
-                  <a:blip r:embed="rId7"/>
-                </a:buBlip>
-                <a:defRPr sz="2400">
-                  <a:solidFill>
-                    <a:srgbClr val="50820E"/>
-                  </a:solidFill>
-                  <a:latin typeface="Arial" panose="020B0604020202020204" pitchFamily="34" charset="0"/>
-                  <a:ea typeface="黑体" panose="02010609060101010101" pitchFamily="49" charset="-122"/>
-                </a:defRPr>
-              </a:lvl1pPr>
-              <a:lvl2pPr marL="742950" indent="-742950" algn="just">
-                <a:lnSpc>
-                  <a:spcPct val="130000"/>
-                </a:lnSpc>
-                <a:spcAft>
-                  <a:spcPts val="600"/>
-                </a:spcAft>
-                <a:buClr>
-                  <a:srgbClr val="D5E89A"/>
-                </a:buClr>
-                <a:buFont typeface="幼圆" pitchFamily="49" charset="-122"/>
-                <a:buChar char=" "/>
-                <a:defRPr sz="2000">
-                  <a:solidFill>
-                    <a:srgbClr val="7D7D7D"/>
-                  </a:solidFill>
-                  <a:latin typeface="Arial" panose="020B0604020202020204" pitchFamily="34" charset="0"/>
-                  <a:ea typeface="黑体" panose="02010609060101010101" pitchFamily="49" charset="-122"/>
-                </a:defRPr>
-              </a:lvl2pPr>
-              <a:lvl3pPr marL="1143000" indent="-228600">
-                <a:lnSpc>
-                  <a:spcPct val="90000"/>
-                </a:lnSpc>
-                <a:spcBef>
-                  <a:spcPts val="500"/>
-                </a:spcBef>
-                <a:buChar char="•"/>
-                <a:defRPr sz="2000">
-                  <a:solidFill>
-                    <a:schemeClr val="tx1"/>
-                  </a:solidFill>
-                  <a:latin typeface="Calibri" panose="020F0502020204030204" charset="0"/>
-                  <a:ea typeface="幼圆" pitchFamily="49" charset="-122"/>
-                </a:defRPr>
-              </a:lvl3pPr>
-              <a:lvl4pPr marL="1600200" indent="-228600">
-                <a:lnSpc>
-                  <a:spcPct val="90000"/>
-                </a:lnSpc>
-                <a:spcBef>
-                  <a:spcPts val="500"/>
-                </a:spcBef>
-                <a:buChar char="•"/>
-                <a:defRPr>
-                  <a:solidFill>
-                    <a:schemeClr val="tx1"/>
-                  </a:solidFill>
-                  <a:latin typeface="Calibri" panose="020F0502020204030204" charset="0"/>
-                  <a:ea typeface="幼圆" pitchFamily="49" charset="-122"/>
-                </a:defRPr>
-              </a:lvl4pPr>
-              <a:lvl5pPr marL="2057400" indent="-228600">
-                <a:lnSpc>
-                  <a:spcPct val="90000"/>
-                </a:lnSpc>
-                <a:spcBef>
-                  <a:spcPts val="500"/>
-                </a:spcBef>
-                <a:buChar char="•"/>
-                <a:defRPr>
-                  <a:solidFill>
-                    <a:schemeClr val="tx1"/>
-                  </a:solidFill>
-                  <a:latin typeface="Calibri" panose="020F0502020204030204" charset="0"/>
-                  <a:ea typeface="幼圆" pitchFamily="49" charset="-122"/>
-                </a:defRPr>
-              </a:lvl5pPr>
-              <a:lvl6pPr marL="2514600" indent="-228600" fontAlgn="base">
-                <a:lnSpc>
-                  <a:spcPct val="90000"/>
-                </a:lnSpc>
-                <a:spcBef>
-                  <a:spcPts val="500"/>
-                </a:spcBef>
-                <a:spcAft>
-                  <a:spcPct val="0"/>
-                </a:spcAft>
-                <a:buFont typeface="Arial" panose="020B0604020202020204" pitchFamily="34" charset="0"/>
-                <a:buChar char="•"/>
-                <a:defRPr>
-                  <a:solidFill>
-                    <a:schemeClr val="tx1"/>
-                  </a:solidFill>
-                  <a:latin typeface="Calibri" panose="020F0502020204030204" charset="0"/>
-                  <a:ea typeface="幼圆" pitchFamily="49" charset="-122"/>
-                </a:defRPr>
-              </a:lvl6pPr>
-              <a:lvl7pPr marL="2971800" indent="-228600" fontAlgn="base">
-                <a:lnSpc>
-                  <a:spcPct val="90000"/>
-                </a:lnSpc>
-                <a:spcBef>
-                  <a:spcPts val="500"/>
-                </a:spcBef>
-                <a:spcAft>
-                  <a:spcPct val="0"/>
-                </a:spcAft>
-                <a:buFont typeface="Arial" panose="020B0604020202020204" pitchFamily="34" charset="0"/>
-                <a:buChar char="•"/>
-                <a:defRPr>
-                  <a:solidFill>
-                    <a:schemeClr val="tx1"/>
-                  </a:solidFill>
-                  <a:latin typeface="Calibri" panose="020F0502020204030204" charset="0"/>
-                  <a:ea typeface="幼圆" pitchFamily="49" charset="-122"/>
-                </a:defRPr>
-              </a:lvl7pPr>
-              <a:lvl8pPr marL="3429000" indent="-228600" fontAlgn="base">
-                <a:lnSpc>
-                  <a:spcPct val="90000"/>
-                </a:lnSpc>
-                <a:spcBef>
-                  <a:spcPts val="500"/>
-                </a:spcBef>
-                <a:spcAft>
-                  <a:spcPct val="0"/>
-                </a:spcAft>
-                <a:buFont typeface="Arial" panose="020B0604020202020204" pitchFamily="34" charset="0"/>
-                <a:buChar char="•"/>
-                <a:defRPr>
-                  <a:solidFill>
-                    <a:schemeClr val="tx1"/>
-                  </a:solidFill>
-                  <a:latin typeface="Calibri" panose="020F0502020204030204" charset="0"/>
-                  <a:ea typeface="幼圆" pitchFamily="49" charset="-122"/>
-                </a:defRPr>
-              </a:lvl8pPr>
-              <a:lvl9pPr marL="3886200" indent="-228600" fontAlgn="base">
-                <a:lnSpc>
-                  <a:spcPct val="90000"/>
-                </a:lnSpc>
-                <a:spcBef>
-                  <a:spcPts val="500"/>
-                </a:spcBef>
-                <a:spcAft>
-                  <a:spcPct val="0"/>
-                </a:spcAft>
-                <a:buFont typeface="Arial" panose="020B0604020202020204" pitchFamily="34" charset="0"/>
-                <a:buChar char="•"/>
-                <a:defRPr>
-                  <a:solidFill>
-                    <a:schemeClr val="tx1"/>
-                  </a:solidFill>
-                  <a:latin typeface="Calibri" panose="020F0502020204030204" charset="0"/>
-                  <a:ea typeface="幼圆" pitchFamily="49" charset="-122"/>
-                </a:defRPr>
-              </a:lvl9pPr>
-            </a:lstStyle>
-            <a:p>
-              <a:pPr eaLnBrk="1" hangingPunct="1">
-                <a:lnSpc>
-                  <a:spcPct val="120000"/>
-                </a:lnSpc>
-                <a:spcBef>
-                  <a:spcPct val="0"/>
-                </a:spcBef>
-                <a:buFontTx/>
-                <a:buNone/>
-              </a:pPr>
-              <a:r>
-                <a:rPr lang="en-US" altLang="zh-CN" sz="4800" dirty="0" smtClean="0">
-                  <a:solidFill>
-                    <a:schemeClr val="tx1"/>
-                  </a:solidFill>
-                  <a:latin typeface="+mn-lt"/>
-                  <a:ea typeface="+mn-ea"/>
-                </a:rPr>
-                <a:t>HTML5</a:t>
-              </a:r>
-              <a:r>
-                <a:rPr lang="zh-CN" altLang="en-US" sz="4800" dirty="0" smtClean="0">
-                  <a:solidFill>
-                    <a:schemeClr val="tx1"/>
-                  </a:solidFill>
-                  <a:latin typeface="+mn-lt"/>
-                  <a:ea typeface="+mn-ea"/>
-                </a:rPr>
-                <a:t>新增的结构性元素</a:t>
-              </a:r>
-              <a:endParaRPr lang="zh-CN" altLang="en-US" sz="4800" dirty="0">
-                <a:solidFill>
-                  <a:schemeClr val="tx1"/>
-                </a:solidFill>
-                <a:latin typeface="+mn-lt"/>
-                <a:ea typeface="+mn-ea"/>
-              </a:endParaRPr>
-            </a:p>
-          </p:txBody>
-        </p:sp>
-      </p:grpSp>
-      <p:sp>
-        <p:nvSpPr>
-          <p:cNvPr id="2" name="文本框 1"/>
-          <p:cNvSpPr txBox="1"/>
-          <p:nvPr/>
-        </p:nvSpPr>
-        <p:spPr>
-          <a:xfrm>
-            <a:off x="405393" y="547680"/>
-            <a:ext cx="8067696" cy="792363"/>
-          </a:xfrm>
-          <a:prstGeom prst="rect">
-            <a:avLst/>
-          </a:prstGeom>
-          <a:solidFill>
-            <a:schemeClr val="bg1"/>
-          </a:solidFill>
-        </p:spPr>
-        <p:txBody>
-          <a:bodyPr wrap="square" rtlCol="0">
-            <a:spAutoFit/>
-          </a:bodyPr>
-          <a:lstStyle/>
-          <a:p>
-            <a:endParaRPr lang="zh-CN" altLang="en-US" dirty="0"/>
-          </a:p>
-        </p:txBody>
-      </p:sp>
-    </p:spTree>
-    <p:custDataLst>
-      <p:tags r:id="rId1"/>
-    </p:custDataLst>
-    <p:extLst>
-      <p:ext uri="{BB962C8B-B14F-4D97-AF65-F5344CB8AC3E}">
-        <p14:creationId xmlns:p14="http://schemas.microsoft.com/office/powerpoint/2010/main" val="575033007"/>
-      </p:ext>
-    </p:extLst>
-  </p:cSld>
-  <p:clrMapOvr>
-    <a:masterClrMapping/>
-  </p:clrMapOvr>
-  <p:timing>
-    <p:tnLst>
-      <p:par>
-        <p:cTn id="1" dur="indefinite" restart="never" nodeType="tmRoot"/>
-      </p:par>
-    </p:tnLst>
-  </p:timing>
-</p:sld>
-</file>
-
-<file path=ppt/slides/slide11.xml><?xml version="1.0" encoding="utf-8"?>
-<p:sld xmlns:a="http://schemas.openxmlformats.org/drawingml/2006/main" xmlns:r="http://schemas.openxmlformats.org/officeDocument/2006/relationships" xmlns:p="http://schemas.openxmlformats.org/presentationml/2006/main">
-  <p:cSld>
-    <p:spTree>
-      <p:nvGrpSpPr>
-        <p:cNvPr id="1" name=""/>
-        <p:cNvGrpSpPr/>
-        <p:nvPr/>
-      </p:nvGrpSpPr>
-      <p:grpSpPr>
-        <a:xfrm>
-          <a:off x="0" y="0"/>
-          <a:ext cx="0" cy="0"/>
-          <a:chOff x="0" y="0"/>
-          <a:chExt cx="0" cy="0"/>
-        </a:xfrm>
-      </p:grpSpPr>
       <p:sp>
         <p:nvSpPr>
           <p:cNvPr id="14338" name="内容占位符 1"/>
@@ -12677,7 +11885,17 @@
                 <a:latin typeface="微软雅黑" panose="020B0503020204020204" pitchFamily="34" charset="-122"/>
                 <a:ea typeface="微软雅黑" panose="020B0503020204020204" pitchFamily="34" charset="-122"/>
               </a:rPr>
-              <a:t>语义化标签的好处是简化</a:t>
+              <a:t>语义化</a:t>
+            </a:r>
+            <a:r>
+              <a:rPr lang="zh-CN" altLang="en-US" dirty="0" smtClean="0">
+                <a:solidFill>
+                  <a:srgbClr val="000000"/>
+                </a:solidFill>
+                <a:latin typeface="微软雅黑" panose="020B0503020204020204" pitchFamily="34" charset="-122"/>
+                <a:ea typeface="微软雅黑" panose="020B0503020204020204" pitchFamily="34" charset="-122"/>
+              </a:rPr>
+              <a:t>标签能简化</a:t>
             </a:r>
             <a:r>
               <a:rPr lang="en-US" altLang="zh-CN" dirty="0">
@@ -12947,7 +12165,7 @@
 </p:sld>
 </file>
 
-<file path=ppt/slides/slide12.xml><?xml version="1.0" encoding="utf-8"?>
+<file path=ppt/slides/slide11.xml><?xml version="1.0" encoding="utf-8"?>
 <p:sld xmlns:a="http://schemas.openxmlformats.org/drawingml/2006/main" xmlns:r="http://schemas.openxmlformats.org/officeDocument/2006/relationships" xmlns:p="http://schemas.openxmlformats.org/presentationml/2006/main">
   <p:cSld>
     <p:spTree>
@@ -13778,7 +12996,7 @@
 </p:sld>
 </file>
 
-<file path=ppt/slides/slide13.xml><?xml version="1.0" encoding="utf-8"?>
+<file path=ppt/slides/slide12.xml><?xml version="1.0" encoding="utf-8"?>
 <p:sld xmlns:a="http://schemas.openxmlformats.org/drawingml/2006/main" xmlns:r="http://schemas.openxmlformats.org/officeDocument/2006/relationships" xmlns:p="http://schemas.openxmlformats.org/presentationml/2006/main">
   <p:cSld>
     <p:spTree>
@@ -13805,7 +13023,7 @@
             <p:ph sz="quarter" idx="10"/>
             <p:extLst>
               <p:ext uri="{D42A27DB-BD31-4B8C-83A1-F6EECF244321}">
-                <p14:modId xmlns:p14="http://schemas.microsoft.com/office/powerpoint/2010/main" val="3019227630"/>
+                <p14:modId xmlns:p14="http://schemas.microsoft.com/office/powerpoint/2010/main" val="2808623479"/>
               </p:ext>
             </p:extLst>
           </p:nvPr>
@@ -13824,14 +13042,14 @@
                 <a:gridCol w="1712035">
                   <a:extLst>
                     <a:ext uri="{9D8B030D-6E8A-4147-A177-3AD203B41FA5}">
-                      <a16:colId xmlns:a16="http://schemas.microsoft.com/office/drawing/2014/main" val="20000"/>
+                      <a16:colId xmlns:a16="http://schemas.microsoft.com/office/drawing/2014/main" xmlns="" val="20000"/>
                     </a:ext>
                   </a:extLst>
                 </a:gridCol>
                 <a:gridCol w="3156772">
                   <a:extLst>
                     <a:ext uri="{9D8B030D-6E8A-4147-A177-3AD203B41FA5}">
-                      <a16:colId xmlns:a16="http://schemas.microsoft.com/office/drawing/2014/main" val="20001"/>
+                      <a16:colId xmlns:a16="http://schemas.microsoft.com/office/drawing/2014/main" xmlns="" val="20001"/>
                     </a:ext>
                   </a:extLst>
                 </a:gridCol>
@@ -13879,7 +13097,7 @@
                 </a:tc>
                 <a:extLst>
                   <a:ext uri="{0D108BD9-81ED-4DB2-BD59-A6C34878D82A}">
-                    <a16:rowId xmlns:a16="http://schemas.microsoft.com/office/drawing/2014/main" val="10000"/>
+                    <a16:rowId xmlns:a16="http://schemas.microsoft.com/office/drawing/2014/main" xmlns="" val="10000"/>
                   </a:ext>
                 </a:extLst>
               </a:tr>
@@ -13948,76 +13166,7 @@
                 </a:tc>
                 <a:extLst>
                   <a:ext uri="{0D108BD9-81ED-4DB2-BD59-A6C34878D82A}">
-                    <a16:rowId xmlns:a16="http://schemas.microsoft.com/office/drawing/2014/main" val="10001"/>
-                  </a:ext>
-                </a:extLst>
-              </a:tr>
-              <a:tr h="485017">
-                <a:tc>
-                  <a:txBody>
-                    <a:bodyPr/>
-                    <a:lstStyle/>
-                    <a:p>
-                      <a:pPr>
-                        <a:lnSpc>
-                          <a:spcPts val="3300"/>
-                        </a:lnSpc>
-                      </a:pPr>
-                      <a:r>
-                        <a:rPr lang="en-US" altLang="zh-CN" sz="2400" dirty="0" smtClean="0">
-                          <a:solidFill>
-                            <a:srgbClr val="000000"/>
-                          </a:solidFill>
-                          <a:latin typeface="微软雅黑" panose="020B0503020204020204" pitchFamily="34" charset="-122"/>
-                          <a:ea typeface="微软雅黑" panose="020B0503020204020204" pitchFamily="34" charset="-122"/>
-                        </a:rPr>
-                        <a:t>&lt;footer&gt;</a:t>
-                      </a:r>
-                      <a:endParaRPr lang="zh-CN" altLang="en-US" sz="2400" dirty="0">
-                        <a:solidFill>
-                          <a:srgbClr val="000000"/>
-                        </a:solidFill>
-                        <a:latin typeface="微软雅黑" panose="020B0503020204020204" pitchFamily="34" charset="-122"/>
-                        <a:ea typeface="微软雅黑" panose="020B0503020204020204" pitchFamily="34" charset="-122"/>
-                      </a:endParaRPr>
-                    </a:p>
-                  </a:txBody>
-                  <a:tcPr marT="45725" marB="45725"/>
-                </a:tc>
-                <a:tc>
-                  <a:txBody>
-                    <a:bodyPr/>
-                    <a:lstStyle/>
-                    <a:p>
-                      <a:pPr>
-                        <a:lnSpc>
-                          <a:spcPts val="3300"/>
-                        </a:lnSpc>
-                      </a:pPr>
-                      <a:r>
-                        <a:rPr lang="zh-CN" altLang="en-US" sz="2400" dirty="0" smtClean="0">
-                          <a:solidFill>
-                            <a:srgbClr val="000000"/>
-                          </a:solidFill>
-                          <a:latin typeface="微软雅黑" panose="020B0503020204020204" pitchFamily="34" charset="-122"/>
-                          <a:ea typeface="微软雅黑" panose="020B0503020204020204" pitchFamily="34" charset="-122"/>
-                        </a:rPr>
-                        <a:t>定义页脚</a:t>
-                      </a:r>
-                      <a:endParaRPr lang="zh-CN" altLang="en-US" sz="2400" dirty="0">
-                        <a:solidFill>
-                          <a:srgbClr val="000000"/>
-                        </a:solidFill>
-                        <a:latin typeface="微软雅黑" panose="020B0503020204020204" pitchFamily="34" charset="-122"/>
-                        <a:ea typeface="微软雅黑" panose="020B0503020204020204" pitchFamily="34" charset="-122"/>
-                      </a:endParaRPr>
-                    </a:p>
-                  </a:txBody>
-                  <a:tcPr marT="45725" marB="45725"/>
-                </a:tc>
-                <a:extLst>
-                  <a:ext uri="{0D108BD9-81ED-4DB2-BD59-A6C34878D82A}">
-                    <a16:rowId xmlns:a16="http://schemas.microsoft.com/office/drawing/2014/main" val="10002"/>
+                    <a16:rowId xmlns:a16="http://schemas.microsoft.com/office/drawing/2014/main" xmlns="" val="10001"/>
                   </a:ext>
                 </a:extLst>
               </a:tr>
@@ -14086,7 +13235,7 @@
                 </a:tc>
                 <a:extLst>
                   <a:ext uri="{0D108BD9-81ED-4DB2-BD59-A6C34878D82A}">
-                    <a16:rowId xmlns:a16="http://schemas.microsoft.com/office/drawing/2014/main" val="10003"/>
+                    <a16:rowId xmlns:a16="http://schemas.microsoft.com/office/drawing/2014/main" xmlns="" val="10003"/>
                   </a:ext>
                 </a:extLst>
               </a:tr>
@@ -14155,9 +13304,73 @@
                 </a:tc>
                 <a:extLst>
                   <a:ext uri="{0D108BD9-81ED-4DB2-BD59-A6C34878D82A}">
-                    <a16:rowId xmlns:a16="http://schemas.microsoft.com/office/drawing/2014/main" val="10004"/>
+                    <a16:rowId xmlns:a16="http://schemas.microsoft.com/office/drawing/2014/main" xmlns="" val="10004"/>
                   </a:ext>
                 </a:extLst>
+              </a:tr>
+              <a:tr h="485017">
+                <a:tc>
+                  <a:txBody>
+                    <a:bodyPr/>
+                    <a:lstStyle/>
+                    <a:p>
+                      <a:pPr>
+                        <a:lnSpc>
+                          <a:spcPts val="3300"/>
+                        </a:lnSpc>
+                      </a:pPr>
+                      <a:r>
+                        <a:rPr lang="en-US" altLang="zh-CN" sz="2400" dirty="0" smtClean="0">
+                          <a:solidFill>
+                            <a:srgbClr val="000000"/>
+                          </a:solidFill>
+                          <a:latin typeface="微软雅黑" panose="020B0503020204020204" pitchFamily="34" charset="-122"/>
+                          <a:ea typeface="微软雅黑" panose="020B0503020204020204" pitchFamily="34" charset="-122"/>
+                        </a:rPr>
+                        <a:t>&lt;section&gt; </a:t>
+                      </a:r>
+                      <a:endParaRPr lang="zh-CN" altLang="en-US" sz="2400" dirty="0">
+                        <a:solidFill>
+                          <a:srgbClr val="000000"/>
+                        </a:solidFill>
+                        <a:latin typeface="微软雅黑" panose="020B0503020204020204" pitchFamily="34" charset="-122"/>
+                        <a:ea typeface="微软雅黑" panose="020B0503020204020204" pitchFamily="34" charset="-122"/>
+                      </a:endParaRPr>
+                    </a:p>
+                  </a:txBody>
+                  <a:tcPr marT="45725" marB="45725"/>
+                </a:tc>
+                <a:tc>
+                  <a:txBody>
+                    <a:bodyPr/>
+                    <a:lstStyle/>
+                    <a:p>
+                      <a:pPr>
+                        <a:lnSpc>
+                          <a:spcPts val="3300"/>
+                        </a:lnSpc>
+                      </a:pPr>
+                      <a:r>
+                        <a:rPr lang="zh-CN" altLang="en-US" sz="2400" dirty="0" smtClean="0">
+                          <a:solidFill>
+                            <a:srgbClr val="000000"/>
+                          </a:solidFill>
+                          <a:latin typeface="微软雅黑" panose="020B0503020204020204" pitchFamily="34" charset="-122"/>
+                          <a:ea typeface="微软雅黑" panose="020B0503020204020204" pitchFamily="34" charset="-122"/>
+                        </a:rPr>
+                        <a:t>定义文章中的段</a:t>
+                      </a:r>
+                      <a:endParaRPr lang="zh-CN" altLang="en-US" sz="2400" dirty="0">
+                        <a:solidFill>
+                          <a:srgbClr val="000000"/>
+                        </a:solidFill>
+                        <a:latin typeface="微软雅黑" panose="020B0503020204020204" pitchFamily="34" charset="-122"/>
+                        <a:ea typeface="微软雅黑" panose="020B0503020204020204" pitchFamily="34" charset="-122"/>
+                      </a:endParaRPr>
+                    </a:p>
+                  </a:txBody>
+                  <a:tcPr marT="45725" marB="45725"/>
+                </a:tc>
               </a:tr>
               <a:tr h="485017">
                 <a:tc>
@@ -14224,7 +13437,7 @@
                 </a:tc>
                 <a:extLst>
                   <a:ext uri="{0D108BD9-81ED-4DB2-BD59-A6C34878D82A}">
-                    <a16:rowId xmlns:a16="http://schemas.microsoft.com/office/drawing/2014/main" val="10005"/>
+                    <a16:rowId xmlns:a16="http://schemas.microsoft.com/office/drawing/2014/main" xmlns="" val="10005"/>
                   </a:ext>
                 </a:extLst>
               </a:tr>
@@ -14247,7 +13460,7 @@
                           <a:latin typeface="微软雅黑" panose="020B0503020204020204" pitchFamily="34" charset="-122"/>
                           <a:ea typeface="微软雅黑" panose="020B0503020204020204" pitchFamily="34" charset="-122"/>
                         </a:rPr>
-                        <a:t>&lt;section&gt; </a:t>
+                        <a:t>&lt;footer&gt;</a:t>
                       </a:r>
                       <a:endParaRPr lang="zh-CN" altLang="en-US" sz="2400" dirty="0">
                         <a:solidFill>
@@ -14278,7 +13491,7 @@
                           <a:latin typeface="微软雅黑" panose="020B0503020204020204" pitchFamily="34" charset="-122"/>
                           <a:ea typeface="微软雅黑" panose="020B0503020204020204" pitchFamily="34" charset="-122"/>
                         </a:rPr>
-                        <a:t>定义文章中的段</a:t>
+                        <a:t>定义页脚</a:t>
                       </a:r>
                       <a:endParaRPr lang="zh-CN" altLang="en-US" sz="2400" dirty="0">
                         <a:solidFill>
@@ -14291,11 +13504,6 @@
                   </a:txBody>
                   <a:tcPr marT="45725" marB="45725"/>
                 </a:tc>
-                <a:extLst>
-                  <a:ext uri="{0D108BD9-81ED-4DB2-BD59-A6C34878D82A}">
-                    <a16:rowId xmlns:a16="http://schemas.microsoft.com/office/drawing/2014/main" val="10006"/>
-                  </a:ext>
-                </a:extLst>
               </a:tr>
             </a:tbl>
           </a:graphicData>
@@ -14690,7 +13898,7 @@
 </p:sld>
 </file>
 
-<file path=ppt/slides/slide14.xml><?xml version="1.0" encoding="utf-8"?>
+<file path=ppt/slides/slide13.xml><?xml version="1.0" encoding="utf-8"?>
 <p:sld xmlns:a="http://schemas.openxmlformats.org/drawingml/2006/main" xmlns:r="http://schemas.openxmlformats.org/officeDocument/2006/relationships" xmlns:p="http://schemas.openxmlformats.org/presentationml/2006/main">
   <p:cSld>
     <p:spTree>
@@ -14904,7 +14112,7 @@
         <p:spPr>
           <a:xfrm>
             <a:off x="765558" y="1285894"/>
-            <a:ext cx="10092908" cy="1638875"/>
+            <a:ext cx="10372752" cy="1638875"/>
           </a:xfrm>
         </p:spPr>
         <p:txBody>
@@ -14954,17 +14162,17 @@
                 <a:latin typeface="微软雅黑" panose="020B0503020204020204" pitchFamily="34" charset="-122"/>
                 <a:ea typeface="微软雅黑" panose="020B0503020204020204" pitchFamily="34" charset="-122"/>
               </a:rPr>
-              <a:t>，通常用来放置整个页面或页面内的一个内容区块的标题、搜索表单、相关的</a:t>
-            </a:r>
-            <a:r>
-              <a:rPr lang="en-US" altLang="zh-CN" dirty="0">
+              <a:t>，通常用来放置整个页面或页面</a:t>
+            </a:r>
+            <a:r>
+              <a:rPr lang="zh-CN" altLang="en-US" dirty="0" smtClean="0">
                 <a:solidFill>
                   <a:srgbClr val="000000"/>
                 </a:solidFill>
                 <a:latin typeface="微软雅黑" panose="020B0503020204020204" pitchFamily="34" charset="-122"/>
                 <a:ea typeface="微软雅黑" panose="020B0503020204020204" pitchFamily="34" charset="-122"/>
               </a:rPr>
-              <a:t>LOGO</a:t>
+              <a:t>内一个区块</a:t>
             </a:r>
             <a:r>
               <a:rPr lang="zh-CN" altLang="en-US" dirty="0">
@@ -14974,7 +14182,7 @@
                 <a:latin typeface="微软雅黑" panose="020B0503020204020204" pitchFamily="34" charset="-122"/>
                 <a:ea typeface="微软雅黑" panose="020B0503020204020204" pitchFamily="34" charset="-122"/>
               </a:rPr>
-              <a:t>图片等</a:t>
+              <a:t>的标题、搜索表单</a:t>
             </a:r>
             <a:r>
               <a:rPr lang="zh-CN" altLang="en-US" dirty="0" smtClean="0">
@@ -14984,7 +14192,27 @@
                 <a:latin typeface="微软雅黑" panose="020B0503020204020204" pitchFamily="34" charset="-122"/>
                 <a:ea typeface="微软雅黑" panose="020B0503020204020204" pitchFamily="34" charset="-122"/>
               </a:rPr>
-              <a:t>。</a:t>
+              <a:t>、</a:t>
+            </a:r>
+            <a:r>
+              <a:rPr lang="en-US" altLang="zh-CN" dirty="0">
+                <a:solidFill>
+                  <a:srgbClr val="000000"/>
+                </a:solidFill>
+                <a:latin typeface="微软雅黑" panose="020B0503020204020204" pitchFamily="34" charset="-122"/>
+                <a:ea typeface="微软雅黑" panose="020B0503020204020204" pitchFamily="34" charset="-122"/>
+              </a:rPr>
+              <a:t>logo</a:t>
+            </a:r>
+            <a:r>
+              <a:rPr lang="zh-CN" altLang="en-US" dirty="0" smtClean="0">
+                <a:solidFill>
+                  <a:srgbClr val="000000"/>
+                </a:solidFill>
+                <a:latin typeface="微软雅黑" panose="020B0503020204020204" pitchFamily="34" charset="-122"/>
+                <a:ea typeface="微软雅黑" panose="020B0503020204020204" pitchFamily="34" charset="-122"/>
+              </a:rPr>
+              <a:t>等。</a:t>
             </a:r>
             <a:endParaRPr lang="en-US" altLang="zh-CN" dirty="0" smtClean="0">
               <a:solidFill>
@@ -15049,8 +14277,8 @@
         </p:nvSpPr>
         <p:spPr>
           <a:xfrm>
-            <a:off x="1341822" y="3492522"/>
-            <a:ext cx="8788026" cy="584775"/>
+            <a:off x="1361882" y="2984543"/>
+            <a:ext cx="8788026" cy="1514197"/>
           </a:xfrm>
           <a:prstGeom prst="rect">
             <a:avLst/>
@@ -15068,16 +14296,21 @@
           </a:bodyPr>
           <a:lstStyle/>
           <a:p>
-            <a:r>
-              <a:rPr lang="en-US" altLang="zh-CN" dirty="0" smtClean="0">
-                <a:solidFill>
-                  <a:srgbClr val="000000"/>
-                </a:solidFill>
-              </a:rPr>
-              <a:t>     &lt;</a:t>
-            </a:r>
-            <a:r>
-              <a:rPr lang="en-US" altLang="zh-CN" dirty="0">
+            <a:pPr>
+              <a:lnSpc>
+                <a:spcPts val="3800"/>
+              </a:lnSpc>
+            </a:pPr>
+            <a:r>
+              <a:rPr lang="en-US" altLang="zh-CN" sz="2800" dirty="0" smtClean="0">
+                <a:solidFill>
+                  <a:srgbClr val="000000"/>
+                </a:solidFill>
+              </a:rPr>
+              <a:t> &lt;</a:t>
+            </a:r>
+            <a:r>
+              <a:rPr lang="en-US" altLang="zh-CN" sz="2800" dirty="0">
                 <a:solidFill>
                   <a:srgbClr val="000000"/>
                 </a:solidFill>
@@ -15085,15 +14318,30 @@
               <a:t>header</a:t>
             </a:r>
             <a:r>
-              <a:rPr lang="en-US" altLang="zh-CN" dirty="0" smtClean="0">
-                <a:solidFill>
-                  <a:srgbClr val="000000"/>
-                </a:solidFill>
-              </a:rPr>
-              <a:t>&gt; &lt;</a:t>
-            </a:r>
-            <a:r>
-              <a:rPr lang="en-US" altLang="zh-CN" dirty="0">
+              <a:rPr lang="en-US" altLang="zh-CN" sz="2800" dirty="0" smtClean="0">
+                <a:solidFill>
+                  <a:srgbClr val="000000"/>
+                </a:solidFill>
+              </a:rPr>
+              <a:t>&gt; </a:t>
+            </a:r>
+          </a:p>
+          <a:p>
+            <a:pPr>
+              <a:lnSpc>
+                <a:spcPts val="3800"/>
+              </a:lnSpc>
+            </a:pPr>
+            <a:r>
+              <a:rPr lang="en-US" altLang="zh-CN" sz="2800" dirty="0" smtClean="0">
+                <a:solidFill>
+                  <a:srgbClr val="000000"/>
+                </a:solidFill>
+              </a:rPr>
+              <a:t>       &lt;</a:t>
+            </a:r>
+            <a:r>
+              <a:rPr lang="en-US" altLang="zh-CN" sz="2800" dirty="0">
                 <a:solidFill>
                   <a:srgbClr val="000000"/>
                 </a:solidFill>
@@ -15101,7 +14349,7 @@
               <a:t>h1&gt;</a:t>
             </a:r>
             <a:r>
-              <a:rPr lang="zh-CN" altLang="en-US" dirty="0">
+              <a:rPr lang="zh-CN" altLang="en-US" sz="2800" dirty="0">
                 <a:solidFill>
                   <a:srgbClr val="000000"/>
                 </a:solidFill>
@@ -15109,7 +14357,7 @@
               <a:t>页面标题</a:t>
             </a:r>
             <a:r>
-              <a:rPr lang="en-US" altLang="zh-CN" dirty="0">
+              <a:rPr lang="en-US" altLang="zh-CN" sz="2800" dirty="0">
                 <a:solidFill>
                   <a:srgbClr val="000000"/>
                 </a:solidFill>
@@ -15117,22 +14365,37 @@
               <a:t>&lt;/h1</a:t>
             </a:r>
             <a:r>
-              <a:rPr lang="en-US" altLang="zh-CN" dirty="0" smtClean="0">
-                <a:solidFill>
-                  <a:srgbClr val="000000"/>
-                </a:solidFill>
-              </a:rPr>
-              <a:t>&gt; &lt;/</a:t>
-            </a:r>
-            <a:r>
-              <a:rPr lang="en-US" altLang="zh-CN" dirty="0">
+              <a:rPr lang="en-US" altLang="zh-CN" sz="2800" dirty="0" smtClean="0">
+                <a:solidFill>
+                  <a:srgbClr val="000000"/>
+                </a:solidFill>
+              </a:rPr>
+              <a:t>&gt; </a:t>
+            </a:r>
+          </a:p>
+          <a:p>
+            <a:pPr>
+              <a:lnSpc>
+                <a:spcPts val="3800"/>
+              </a:lnSpc>
+            </a:pPr>
+            <a:r>
+              <a:rPr lang="en-US" altLang="zh-CN" sz="2800" dirty="0" smtClean="0">
+                <a:solidFill>
+                  <a:srgbClr val="000000"/>
+                </a:solidFill>
+              </a:rPr>
+              <a:t>&lt;/</a:t>
+            </a:r>
+            <a:r>
+              <a:rPr lang="en-US" altLang="zh-CN" sz="2800" dirty="0">
                 <a:solidFill>
                   <a:srgbClr val="000000"/>
                 </a:solidFill>
               </a:rPr>
               <a:t>header&gt;</a:t>
             </a:r>
-            <a:endParaRPr lang="zh-CN" altLang="en-US" dirty="0">
+            <a:endParaRPr lang="zh-CN" altLang="en-US" sz="2800" dirty="0">
               <a:solidFill>
                 <a:srgbClr val="000000"/>
               </a:solidFill>
@@ -15152,7 +14415,7 @@
         </p:nvSpPr>
         <p:spPr>
           <a:xfrm>
-            <a:off x="769575" y="4311280"/>
+            <a:off x="825191" y="4729286"/>
             <a:ext cx="10092908" cy="1638875"/>
           </a:xfrm>
         </p:spPr>
@@ -15242,14 +14505,98 @@
   <p:timing>
     <p:tnLst>
       <p:par>
-        <p:cTn id="1" dur="indefinite" restart="never" nodeType="tmRoot"/>
+        <p:cTn id="1" dur="indefinite" restart="never" nodeType="tmRoot">
+          <p:childTnLst>
+            <p:seq concurrent="1" nextAc="seek">
+              <p:cTn id="2" dur="indefinite" nodeType="mainSeq">
+                <p:childTnLst>
+                  <p:par>
+                    <p:cTn id="3" fill="hold">
+                      <p:stCondLst>
+                        <p:cond delay="indefinite"/>
+                      </p:stCondLst>
+                      <p:childTnLst>
+                        <p:par>
+                          <p:cTn id="4" fill="hold">
+                            <p:stCondLst>
+                              <p:cond delay="0"/>
+                            </p:stCondLst>
+                            <p:childTnLst>
+                              <p:par>
+                                <p:cTn id="5" presetID="14" presetClass="entr" presetSubtype="10" fill="hold" nodeType="clickEffect">
+                                  <p:stCondLst>
+                                    <p:cond delay="0"/>
+                                  </p:stCondLst>
+                                  <p:childTnLst>
+                                    <p:set>
+                                      <p:cBhvr>
+                                        <p:cTn id="6" dur="1" fill="hold">
+                                          <p:stCondLst>
+                                            <p:cond delay="0"/>
+                                          </p:stCondLst>
+                                        </p:cTn>
+                                        <p:tgtEl>
+                                          <p:spTgt spid="8">
+                                            <p:txEl>
+                                              <p:pRg st="0" end="0"/>
+                                            </p:txEl>
+                                          </p:spTgt>
+                                        </p:tgtEl>
+                                        <p:attrNameLst>
+                                          <p:attrName>style.visibility</p:attrName>
+                                        </p:attrNameLst>
+                                      </p:cBhvr>
+                                      <p:to>
+                                        <p:strVal val="visible"/>
+                                      </p:to>
+                                    </p:set>
+                                    <p:animEffect transition="in" filter="randombar(horizontal)">
+                                      <p:cBhvr>
+                                        <p:cTn id="7" dur="500"/>
+                                        <p:tgtEl>
+                                          <p:spTgt spid="8">
+                                            <p:txEl>
+                                              <p:pRg st="0" end="0"/>
+                                            </p:txEl>
+                                          </p:spTgt>
+                                        </p:tgtEl>
+                                      </p:cBhvr>
+                                    </p:animEffect>
+                                  </p:childTnLst>
+                                </p:cTn>
+                              </p:par>
+                            </p:childTnLst>
+                          </p:cTn>
+                        </p:par>
+                      </p:childTnLst>
+                    </p:cTn>
+                  </p:par>
+                </p:childTnLst>
+              </p:cTn>
+              <p:prevCondLst>
+                <p:cond evt="onPrev" delay="0">
+                  <p:tgtEl>
+                    <p:sldTgt/>
+                  </p:tgtEl>
+                </p:cond>
+              </p:prevCondLst>
+              <p:nextCondLst>
+                <p:cond evt="onNext" delay="0">
+                  <p:tgtEl>
+                    <p:sldTgt/>
+                  </p:tgtEl>
+                </p:cond>
+              </p:nextCondLst>
+            </p:seq>
+          </p:childTnLst>
+        </p:cTn>
       </p:par>
     </p:tnLst>
   </p:timing>
 </p:sld>
 </file>
 
-<file path=ppt/slides/slide15.xml><?xml version="1.0" encoding="utf-8"?>
+<file path=ppt/slides/slide14.xml><?xml version="1.0" encoding="utf-8"?>
 <p:sld xmlns:a="http://schemas.openxmlformats.org/drawingml/2006/main" xmlns:r="http://schemas.openxmlformats.org/officeDocument/2006/relationships" xmlns:p="http://schemas.openxmlformats.org/presentationml/2006/main">
   <p:cSld>
     <p:spTree>
@@ -15439,525 +14786,12 @@
           </a:lstStyle>
           <a:p>
             <a:r>
-              <a:rPr lang="en-US" altLang="zh-CN" sz="4000" dirty="0" smtClean="0"/>
-              <a:t>header</a:t>
-            </a:r>
-            <a:r>
-              <a:rPr lang="zh-CN" altLang="en-US" sz="4000" dirty="0" smtClean="0"/>
-              <a:t>元素 </a:t>
-            </a:r>
-            <a:endParaRPr lang="zh-CN" altLang="en-US" sz="4000" dirty="0"/>
-          </a:p>
-        </p:txBody>
-      </p:sp>
-      <p:sp>
-        <p:nvSpPr>
-          <p:cNvPr id="3" name="文本框 2"/>
-          <p:cNvSpPr txBox="1"/>
-          <p:nvPr/>
-        </p:nvSpPr>
-        <p:spPr>
-          <a:xfrm>
-            <a:off x="1197756" y="1412076"/>
-            <a:ext cx="5258409" cy="3970318"/>
-          </a:xfrm>
-          <a:prstGeom prst="rect">
-            <a:avLst/>
-          </a:prstGeom>
-          <a:solidFill>
-            <a:schemeClr val="accent6">
-              <a:lumMod val="20000"/>
-              <a:lumOff val="80000"/>
-            </a:schemeClr>
-          </a:solidFill>
-        </p:spPr>
-        <p:txBody>
-          <a:bodyPr wrap="square" rtlCol="0">
-            <a:spAutoFit/>
-          </a:bodyPr>
-          <a:lstStyle/>
-          <a:p>
-            <a:r>
-              <a:rPr lang="en-US" altLang="zh-CN" sz="2800" dirty="0">
-                <a:solidFill>
-                  <a:srgbClr val="0000FF"/>
-                </a:solidFill>
-              </a:rPr>
-              <a:t>&lt;header&gt;</a:t>
-            </a:r>
-          </a:p>
-          <a:p>
-            <a:r>
-              <a:rPr lang="en-US" altLang="zh-CN" sz="2800" dirty="0">
-                <a:solidFill>
-                  <a:srgbClr val="000000"/>
-                </a:solidFill>
-              </a:rPr>
-              <a:t>    	&lt;h1&gt;</a:t>
-            </a:r>
-            <a:r>
-              <a:rPr lang="zh-CN" altLang="en-US" sz="2800" dirty="0">
-                <a:solidFill>
-                  <a:srgbClr val="000000"/>
-                </a:solidFill>
-              </a:rPr>
-              <a:t>网页标题</a:t>
-            </a:r>
-            <a:r>
-              <a:rPr lang="en-US" altLang="zh-CN" sz="2800" dirty="0">
-                <a:solidFill>
-                  <a:srgbClr val="000000"/>
-                </a:solidFill>
-              </a:rPr>
-              <a:t>&lt;/h1&gt;</a:t>
-            </a:r>
-          </a:p>
-          <a:p>
-            <a:r>
-              <a:rPr lang="en-US" altLang="zh-CN" sz="2800" dirty="0" smtClean="0">
-                <a:solidFill>
-                  <a:srgbClr val="0000FF"/>
-                </a:solidFill>
-              </a:rPr>
-              <a:t>&lt;/</a:t>
-            </a:r>
-            <a:r>
-              <a:rPr lang="en-US" altLang="zh-CN" sz="2800" dirty="0">
-                <a:solidFill>
-                  <a:srgbClr val="0000FF"/>
-                </a:solidFill>
-              </a:rPr>
-              <a:t>header&gt;</a:t>
-            </a:r>
-          </a:p>
-          <a:p>
-            <a:r>
-              <a:rPr lang="en-US" altLang="zh-CN" sz="2800" dirty="0" smtClean="0">
-                <a:solidFill>
-                  <a:srgbClr val="000000"/>
-                </a:solidFill>
-              </a:rPr>
-              <a:t>&lt;</a:t>
-            </a:r>
-            <a:r>
-              <a:rPr lang="en-US" altLang="zh-CN" sz="2800" dirty="0">
-                <a:solidFill>
-                  <a:srgbClr val="000000"/>
-                </a:solidFill>
-              </a:rPr>
-              <a:t>article&gt;</a:t>
-            </a:r>
-          </a:p>
-          <a:p>
-            <a:r>
-              <a:rPr lang="en-US" altLang="zh-CN" sz="2800" dirty="0">
-                <a:solidFill>
-                  <a:srgbClr val="000000"/>
-                </a:solidFill>
-              </a:rPr>
-              <a:t>    	</a:t>
-            </a:r>
-            <a:r>
-              <a:rPr lang="en-US" altLang="zh-CN" sz="2800" dirty="0">
-                <a:solidFill>
-                  <a:srgbClr val="008000"/>
-                </a:solidFill>
-              </a:rPr>
-              <a:t>&lt;header&gt;</a:t>
-            </a:r>
-          </a:p>
-          <a:p>
-            <a:r>
-              <a:rPr lang="en-US" altLang="zh-CN" sz="2800" dirty="0">
-                <a:solidFill>
-                  <a:srgbClr val="000000"/>
-                </a:solidFill>
-              </a:rPr>
-              <a:t>        	</a:t>
-            </a:r>
-            <a:r>
-              <a:rPr lang="en-US" altLang="zh-CN" sz="2800" dirty="0" smtClean="0">
-                <a:solidFill>
-                  <a:srgbClr val="000000"/>
-                </a:solidFill>
-              </a:rPr>
-              <a:t>	&lt;</a:t>
-            </a:r>
-            <a:r>
-              <a:rPr lang="en-US" altLang="zh-CN" sz="2800" dirty="0">
-                <a:solidFill>
-                  <a:srgbClr val="000000"/>
-                </a:solidFill>
-              </a:rPr>
-              <a:t>h1&gt;</a:t>
-            </a:r>
-            <a:r>
-              <a:rPr lang="zh-CN" altLang="en-US" sz="2800" dirty="0">
-                <a:solidFill>
-                  <a:srgbClr val="000000"/>
-                </a:solidFill>
-              </a:rPr>
-              <a:t>文章标题</a:t>
-            </a:r>
-            <a:r>
-              <a:rPr lang="en-US" altLang="zh-CN" sz="2800" dirty="0">
-                <a:solidFill>
-                  <a:srgbClr val="000000"/>
-                </a:solidFill>
-              </a:rPr>
-              <a:t>&lt;/h1&gt;</a:t>
-            </a:r>
-          </a:p>
-          <a:p>
-            <a:r>
-              <a:rPr lang="en-US" altLang="zh-CN" sz="2800" dirty="0">
-                <a:solidFill>
-                  <a:srgbClr val="000000"/>
-                </a:solidFill>
-              </a:rPr>
-              <a:t>    	</a:t>
-            </a:r>
-            <a:r>
-              <a:rPr lang="en-US" altLang="zh-CN" sz="2800" dirty="0">
-                <a:solidFill>
-                  <a:srgbClr val="008000"/>
-                </a:solidFill>
-              </a:rPr>
-              <a:t>&lt;/header&gt;    </a:t>
-            </a:r>
-          </a:p>
-          <a:p>
-            <a:r>
-              <a:rPr lang="en-US" altLang="zh-CN" sz="2800" dirty="0">
-                <a:solidFill>
-                  <a:srgbClr val="000000"/>
-                </a:solidFill>
-              </a:rPr>
-              <a:t>    	&lt;p&gt;</a:t>
-            </a:r>
-            <a:r>
-              <a:rPr lang="zh-CN" altLang="en-US" sz="2800" dirty="0">
-                <a:solidFill>
-                  <a:srgbClr val="000000"/>
-                </a:solidFill>
-              </a:rPr>
-              <a:t>文章正文</a:t>
-            </a:r>
-            <a:r>
-              <a:rPr lang="en-US" altLang="zh-CN" sz="2800" dirty="0">
-                <a:solidFill>
-                  <a:srgbClr val="000000"/>
-                </a:solidFill>
-              </a:rPr>
-              <a:t>&lt;/p&gt;</a:t>
-            </a:r>
-          </a:p>
-          <a:p>
-            <a:r>
-              <a:rPr lang="en-US" altLang="zh-CN" sz="2800" dirty="0" smtClean="0">
-                <a:solidFill>
-                  <a:srgbClr val="000000"/>
-                </a:solidFill>
-              </a:rPr>
-              <a:t>&lt;/</a:t>
-            </a:r>
-            <a:r>
-              <a:rPr lang="en-US" altLang="zh-CN" sz="2800" dirty="0">
-                <a:solidFill>
-                  <a:srgbClr val="000000"/>
-                </a:solidFill>
-              </a:rPr>
-              <a:t>article&gt;</a:t>
-            </a:r>
-            <a:endParaRPr lang="zh-CN" altLang="en-US" sz="2800" dirty="0">
-              <a:solidFill>
-                <a:srgbClr val="000000"/>
-              </a:solidFill>
-            </a:endParaRPr>
-          </a:p>
-        </p:txBody>
-      </p:sp>
-      <p:pic>
-        <p:nvPicPr>
-          <p:cNvPr id="6" name="图片 5"/>
-          <p:cNvPicPr>
-            <a:picLocks noChangeAspect="1"/>
-          </p:cNvPicPr>
-          <p:nvPr/>
-        </p:nvPicPr>
-        <p:blipFill>
-          <a:blip r:embed="rId3"/>
-          <a:stretch>
-            <a:fillRect/>
-          </a:stretch>
-        </p:blipFill>
-        <p:spPr>
-          <a:xfrm>
-            <a:off x="7638800" y="1407376"/>
-            <a:ext cx="2179360" cy="2381730"/>
-          </a:xfrm>
-          <a:prstGeom prst="rect">
-            <a:avLst/>
-          </a:prstGeom>
-          <a:effectLst>
-            <a:outerShdw blurRad="63500" sx="102000" sy="102000" algn="ctr" rotWithShape="0">
-              <a:schemeClr val="accent4">
-                <a:alpha val="40000"/>
-              </a:schemeClr>
-            </a:outerShdw>
-          </a:effectLst>
-        </p:spPr>
-      </p:pic>
-      <p:sp>
-        <p:nvSpPr>
-          <p:cNvPr id="9" name="文本框 8"/>
-          <p:cNvSpPr txBox="1"/>
-          <p:nvPr/>
-        </p:nvSpPr>
-        <p:spPr>
-          <a:xfrm>
-            <a:off x="7627376" y="4859174"/>
-            <a:ext cx="3139345" cy="523220"/>
-          </a:xfrm>
-          <a:prstGeom prst="rect">
-            <a:avLst/>
-          </a:prstGeom>
-          <a:noFill/>
-        </p:spPr>
-        <p:txBody>
-          <a:bodyPr wrap="square" rtlCol="0">
-            <a:spAutoFit/>
-          </a:bodyPr>
-          <a:lstStyle/>
-          <a:p>
-            <a:r>
-              <a:rPr lang="en-US" altLang="zh-CN" sz="2800" dirty="0" smtClean="0">
-                <a:solidFill>
-                  <a:srgbClr val="000000"/>
-                </a:solidFill>
-              </a:rPr>
-              <a:t>demo2_1.html</a:t>
-            </a:r>
-            <a:endParaRPr lang="zh-CN" altLang="en-US" sz="2800" dirty="0">
-              <a:solidFill>
-                <a:srgbClr val="000000"/>
-              </a:solidFill>
-            </a:endParaRPr>
-          </a:p>
-        </p:txBody>
-      </p:sp>
-    </p:spTree>
-    <p:extLst>
-      <p:ext uri="{BB962C8B-B14F-4D97-AF65-F5344CB8AC3E}">
-        <p14:creationId xmlns:p14="http://schemas.microsoft.com/office/powerpoint/2010/main" val="2662717809"/>
-      </p:ext>
-    </p:extLst>
-  </p:cSld>
-  <p:clrMapOvr>
-    <a:masterClrMapping/>
-  </p:clrMapOvr>
-  <p:timing>
-    <p:tnLst>
-      <p:par>
-        <p:cTn id="1" dur="indefinite" restart="never" nodeType="tmRoot"/>
-      </p:par>
-    </p:tnLst>
-  </p:timing>
-</p:sld>
-</file>
-
-<file path=ppt/slides/slide16.xml><?xml version="1.0" encoding="utf-8"?>
-<p:sld xmlns:a="http://schemas.openxmlformats.org/drawingml/2006/main" xmlns:r="http://schemas.openxmlformats.org/officeDocument/2006/relationships" xmlns:p="http://schemas.openxmlformats.org/presentationml/2006/main">
-  <p:cSld>
-    <p:spTree>
-      <p:nvGrpSpPr>
-        <p:cNvPr id="1" name=""/>
-        <p:cNvGrpSpPr/>
-        <p:nvPr/>
-      </p:nvGrpSpPr>
-      <p:grpSpPr>
-        <a:xfrm>
-          <a:off x="0" y="0"/>
-          <a:ext cx="0" cy="0"/>
-          <a:chOff x="0" y="0"/>
-          <a:chExt cx="0" cy="0"/>
-        </a:xfrm>
-      </p:grpSpPr>
-      <p:sp>
-        <p:nvSpPr>
-          <p:cNvPr id="7" name="Rectangle 2"/>
-          <p:cNvSpPr txBox="1">
-            <a:spLocks noChangeArrowheads="1"/>
-          </p:cNvSpPr>
-          <p:nvPr>
-            <p:custDataLst>
-              <p:tags r:id="rId1"/>
-            </p:custDataLst>
-          </p:nvPr>
-        </p:nvSpPr>
-        <p:spPr>
-          <a:xfrm>
-            <a:off x="609599" y="190277"/>
-            <a:ext cx="9791700" cy="695548"/>
-          </a:xfrm>
-          <a:prstGeom prst="rect">
-            <a:avLst/>
-          </a:prstGeom>
-        </p:spPr>
-        <p:txBody>
-          <a:bodyPr>
-            <a:noAutofit/>
-          </a:bodyPr>
-          <a:lstStyle>
-            <a:lvl1pPr algn="l" rtl="0" eaLnBrk="1" fontAlgn="base" hangingPunct="1">
-              <a:spcBef>
-                <a:spcPct val="0"/>
-              </a:spcBef>
-              <a:spcAft>
-                <a:spcPct val="0"/>
-              </a:spcAft>
-              <a:defRPr sz="2800" kern="1200">
-                <a:solidFill>
-                  <a:srgbClr val="3376AD"/>
-                </a:solidFill>
-                <a:latin typeface="+mj-lt"/>
-                <a:ea typeface="+mj-ea"/>
-                <a:cs typeface="+mj-cs"/>
-              </a:defRPr>
-            </a:lvl1pPr>
-            <a:lvl2pPr algn="l" rtl="0" eaLnBrk="1" fontAlgn="base" hangingPunct="1">
-              <a:spcBef>
-                <a:spcPct val="0"/>
-              </a:spcBef>
-              <a:spcAft>
-                <a:spcPct val="0"/>
-              </a:spcAft>
-              <a:defRPr sz="3200">
-                <a:solidFill>
-                  <a:srgbClr val="3376AD"/>
-                </a:solidFill>
-                <a:latin typeface="Britannic Bold" pitchFamily="34" charset="0"/>
-                <a:ea typeface="微软雅黑" panose="020B0503020204020204" charset="-122"/>
-                <a:cs typeface="宋体" panose="02010600030101010101" pitchFamily="2" charset="-122"/>
-              </a:defRPr>
-            </a:lvl2pPr>
-            <a:lvl3pPr algn="l" rtl="0" eaLnBrk="1" fontAlgn="base" hangingPunct="1">
-              <a:spcBef>
-                <a:spcPct val="0"/>
-              </a:spcBef>
-              <a:spcAft>
-                <a:spcPct val="0"/>
-              </a:spcAft>
-              <a:defRPr sz="3200">
-                <a:solidFill>
-                  <a:srgbClr val="3376AD"/>
-                </a:solidFill>
-                <a:latin typeface="Britannic Bold" pitchFamily="34" charset="0"/>
-                <a:ea typeface="微软雅黑" panose="020B0503020204020204" charset="-122"/>
-                <a:cs typeface="宋体" panose="02010600030101010101" pitchFamily="2" charset="-122"/>
-              </a:defRPr>
-            </a:lvl3pPr>
-            <a:lvl4pPr algn="l" rtl="0" eaLnBrk="1" fontAlgn="base" hangingPunct="1">
-              <a:spcBef>
-                <a:spcPct val="0"/>
-              </a:spcBef>
-              <a:spcAft>
-                <a:spcPct val="0"/>
-              </a:spcAft>
-              <a:defRPr sz="3200">
-                <a:solidFill>
-                  <a:srgbClr val="3376AD"/>
-                </a:solidFill>
-                <a:latin typeface="Britannic Bold" pitchFamily="34" charset="0"/>
-                <a:ea typeface="微软雅黑" panose="020B0503020204020204" charset="-122"/>
-                <a:cs typeface="宋体" panose="02010600030101010101" pitchFamily="2" charset="-122"/>
-              </a:defRPr>
-            </a:lvl4pPr>
-            <a:lvl5pPr algn="l" rtl="0" eaLnBrk="1" fontAlgn="base" hangingPunct="1">
-              <a:spcBef>
-                <a:spcPct val="0"/>
-              </a:spcBef>
-              <a:spcAft>
-                <a:spcPct val="0"/>
-              </a:spcAft>
-              <a:defRPr sz="3200">
-                <a:solidFill>
-                  <a:srgbClr val="3376AD"/>
-                </a:solidFill>
-                <a:latin typeface="Britannic Bold" pitchFamily="34" charset="0"/>
-                <a:ea typeface="微软雅黑" panose="020B0503020204020204" charset="-122"/>
-                <a:cs typeface="宋体" panose="02010600030101010101" pitchFamily="2" charset="-122"/>
-              </a:defRPr>
-            </a:lvl5pPr>
-            <a:lvl6pPr marL="457200" algn="ctr" rtl="0" eaLnBrk="1" fontAlgn="base" hangingPunct="1">
-              <a:spcBef>
-                <a:spcPct val="0"/>
-              </a:spcBef>
-              <a:spcAft>
-                <a:spcPct val="0"/>
-              </a:spcAft>
-              <a:defRPr sz="3200">
-                <a:solidFill>
-                  <a:schemeClr val="tx2"/>
-                </a:solidFill>
-                <a:latin typeface="Arial" panose="020B0604020202020204" pitchFamily="34" charset="0"/>
-                <a:ea typeface="微软雅黑" panose="020B0503020204020204" charset="-122"/>
-                <a:cs typeface="宋体" panose="02010600030101010101" pitchFamily="2" charset="-122"/>
-              </a:defRPr>
-            </a:lvl6pPr>
-            <a:lvl7pPr marL="914400" algn="ctr" rtl="0" eaLnBrk="1" fontAlgn="base" hangingPunct="1">
-              <a:spcBef>
-                <a:spcPct val="0"/>
-              </a:spcBef>
-              <a:spcAft>
-                <a:spcPct val="0"/>
-              </a:spcAft>
-              <a:defRPr sz="3200">
-                <a:solidFill>
-                  <a:schemeClr val="tx2"/>
-                </a:solidFill>
-                <a:latin typeface="Arial" panose="020B0604020202020204" pitchFamily="34" charset="0"/>
-                <a:ea typeface="微软雅黑" panose="020B0503020204020204" charset="-122"/>
-                <a:cs typeface="宋体" panose="02010600030101010101" pitchFamily="2" charset="-122"/>
-              </a:defRPr>
-            </a:lvl7pPr>
-            <a:lvl8pPr marL="1371600" algn="ctr" rtl="0" eaLnBrk="1" fontAlgn="base" hangingPunct="1">
-              <a:spcBef>
-                <a:spcPct val="0"/>
-              </a:spcBef>
-              <a:spcAft>
-                <a:spcPct val="0"/>
-              </a:spcAft>
-              <a:defRPr sz="3200">
-                <a:solidFill>
-                  <a:schemeClr val="tx2"/>
-                </a:solidFill>
-                <a:latin typeface="Arial" panose="020B0604020202020204" pitchFamily="34" charset="0"/>
-                <a:ea typeface="微软雅黑" panose="020B0503020204020204" charset="-122"/>
-                <a:cs typeface="宋体" panose="02010600030101010101" pitchFamily="2" charset="-122"/>
-              </a:defRPr>
-            </a:lvl8pPr>
-            <a:lvl9pPr marL="1828800" algn="ctr" rtl="0" eaLnBrk="1" fontAlgn="base" hangingPunct="1">
-              <a:spcBef>
-                <a:spcPct val="0"/>
-              </a:spcBef>
-              <a:spcAft>
-                <a:spcPct val="0"/>
-              </a:spcAft>
-              <a:defRPr sz="3200">
-                <a:solidFill>
-                  <a:schemeClr val="tx2"/>
-                </a:solidFill>
-                <a:latin typeface="Arial" panose="020B0604020202020204" pitchFamily="34" charset="0"/>
-                <a:ea typeface="微软雅黑" panose="020B0503020204020204" charset="-122"/>
-                <a:cs typeface="宋体" panose="02010600030101010101" pitchFamily="2" charset="-122"/>
-              </a:defRPr>
-            </a:lvl9pPr>
-          </a:lstStyle>
-          <a:p>
-            <a:r>
               <a:rPr lang="en-US" altLang="zh-CN" sz="4000" dirty="0" err="1" smtClean="0"/>
               <a:t>nav</a:t>
+            </a:r>
+            <a:r>
+              <a:rPr lang="en-US" altLang="zh-CN" sz="4000" dirty="0" smtClean="0"/>
+              <a:t> </a:t>
             </a:r>
             <a:r>
               <a:rPr lang="zh-CN" altLang="en-US" sz="4000" dirty="0" smtClean="0"/>
@@ -16766,7 +15600,7 @@
 </p:sld>
 </file>
 
-<file path=ppt/slides/slide17.xml><?xml version="1.0" encoding="utf-8"?>
+<file path=ppt/slides/slide15.xml><?xml version="1.0" encoding="utf-8"?>
 <p:sld xmlns:a="http://schemas.openxmlformats.org/drawingml/2006/main" xmlns:r="http://schemas.openxmlformats.org/officeDocument/2006/relationships" xmlns:p="http://schemas.openxmlformats.org/presentationml/2006/main">
   <p:cSld>
     <p:spTree>
@@ -17636,7 +16470,7 @@
 </p:sld>
 </file>
 
-<file path=ppt/slides/slide18.xml><?xml version="1.0" encoding="utf-8"?>
+<file path=ppt/slides/slide16.xml><?xml version="1.0" encoding="utf-8"?>
 <p:sld xmlns:a="http://schemas.openxmlformats.org/drawingml/2006/main" xmlns:r="http://schemas.openxmlformats.org/officeDocument/2006/relationships" xmlns:p="http://schemas.openxmlformats.org/presentationml/2006/main">
   <p:cSld>
     <p:spTree>
@@ -18104,7 +16938,7 @@
 </p:sld>
 </file>
 
-<file path=ppt/slides/slide19.xml><?xml version="1.0" encoding="utf-8"?>
+<file path=ppt/slides/slide17.xml><?xml version="1.0" encoding="utf-8"?>
 <p:sld xmlns:a="http://schemas.openxmlformats.org/drawingml/2006/main" xmlns:r="http://schemas.openxmlformats.org/officeDocument/2006/relationships" xmlns:p="http://schemas.openxmlformats.org/presentationml/2006/main">
   <p:cSld>
     <p:spTree>
@@ -18470,7 +17304,7 @@
                 <a:latin typeface="微软雅黑" panose="020B0503020204020204" pitchFamily="34" charset="-122"/>
                 <a:ea typeface="微软雅黑" panose="020B0503020204020204" pitchFamily="34" charset="-122"/>
               </a:rPr>
-              <a:t>可以是与当前文章有关的相关资料、名次解释，等等</a:t>
+              <a:t>可以是与当前文章有关的相关资料、</a:t>
             </a:r>
             <a:r>
               <a:rPr lang="zh-CN" altLang="en-US" sz="2600" dirty="0" smtClean="0">
@@ -18480,7 +17314,7 @@
                 <a:latin typeface="微软雅黑" panose="020B0503020204020204" pitchFamily="34" charset="-122"/>
                 <a:ea typeface="微软雅黑" panose="020B0503020204020204" pitchFamily="34" charset="-122"/>
               </a:rPr>
-              <a:t>。</a:t>
+              <a:t>名词解释等。</a:t>
             </a:r>
             <a:endParaRPr lang="en-US" altLang="zh-CN" sz="2600" dirty="0" smtClean="0">
               <a:solidFill>
@@ -19379,6 +18213,2083 @@
       <p:bldP spid="5" grpId="0" animBg="1"/>
       <p:bldP spid="6" grpId="0" animBg="1"/>
     </p:bldLst>
+  </p:timing>
+</p:sld>
+</file>
+
+<file path=ppt/slides/slide18.xml><?xml version="1.0" encoding="utf-8"?>
+<p:sld xmlns:a="http://schemas.openxmlformats.org/drawingml/2006/main" xmlns:r="http://schemas.openxmlformats.org/officeDocument/2006/relationships" xmlns:p="http://schemas.openxmlformats.org/presentationml/2006/main">
+  <p:cSld>
+    <p:spTree>
+      <p:nvGrpSpPr>
+        <p:cNvPr id="1" name=""/>
+        <p:cNvGrpSpPr/>
+        <p:nvPr/>
+      </p:nvGrpSpPr>
+      <p:grpSpPr>
+        <a:xfrm>
+          <a:off x="0" y="0"/>
+          <a:ext cx="0" cy="0"/>
+          <a:chOff x="0" y="0"/>
+          <a:chExt cx="0" cy="0"/>
+        </a:xfrm>
+      </p:grpSpPr>
+      <p:sp>
+        <p:nvSpPr>
+          <p:cNvPr id="7" name="Rectangle 2"/>
+          <p:cNvSpPr txBox="1">
+            <a:spLocks noChangeArrowheads="1"/>
+          </p:cNvSpPr>
+          <p:nvPr>
+            <p:custDataLst>
+              <p:tags r:id="rId1"/>
+            </p:custDataLst>
+          </p:nvPr>
+        </p:nvSpPr>
+        <p:spPr>
+          <a:xfrm>
+            <a:off x="609599" y="190277"/>
+            <a:ext cx="9791700" cy="695548"/>
+          </a:xfrm>
+          <a:prstGeom prst="rect">
+            <a:avLst/>
+          </a:prstGeom>
+        </p:spPr>
+        <p:txBody>
+          <a:bodyPr>
+            <a:noAutofit/>
+          </a:bodyPr>
+          <a:lstStyle>
+            <a:lvl1pPr algn="l" rtl="0" eaLnBrk="1" fontAlgn="base" hangingPunct="1">
+              <a:spcBef>
+                <a:spcPct val="0"/>
+              </a:spcBef>
+              <a:spcAft>
+                <a:spcPct val="0"/>
+              </a:spcAft>
+              <a:defRPr sz="2800" kern="1200">
+                <a:solidFill>
+                  <a:srgbClr val="3376AD"/>
+                </a:solidFill>
+                <a:latin typeface="+mj-lt"/>
+                <a:ea typeface="+mj-ea"/>
+                <a:cs typeface="+mj-cs"/>
+              </a:defRPr>
+            </a:lvl1pPr>
+            <a:lvl2pPr algn="l" rtl="0" eaLnBrk="1" fontAlgn="base" hangingPunct="1">
+              <a:spcBef>
+                <a:spcPct val="0"/>
+              </a:spcBef>
+              <a:spcAft>
+                <a:spcPct val="0"/>
+              </a:spcAft>
+              <a:defRPr sz="3200">
+                <a:solidFill>
+                  <a:srgbClr val="3376AD"/>
+                </a:solidFill>
+                <a:latin typeface="Britannic Bold" pitchFamily="34" charset="0"/>
+                <a:ea typeface="微软雅黑" panose="020B0503020204020204" charset="-122"/>
+                <a:cs typeface="宋体" panose="02010600030101010101" pitchFamily="2" charset="-122"/>
+              </a:defRPr>
+            </a:lvl2pPr>
+            <a:lvl3pPr algn="l" rtl="0" eaLnBrk="1" fontAlgn="base" hangingPunct="1">
+              <a:spcBef>
+                <a:spcPct val="0"/>
+              </a:spcBef>
+              <a:spcAft>
+                <a:spcPct val="0"/>
+              </a:spcAft>
+              <a:defRPr sz="3200">
+                <a:solidFill>
+                  <a:srgbClr val="3376AD"/>
+                </a:solidFill>
+                <a:latin typeface="Britannic Bold" pitchFamily="34" charset="0"/>
+                <a:ea typeface="微软雅黑" panose="020B0503020204020204" charset="-122"/>
+                <a:cs typeface="宋体" panose="02010600030101010101" pitchFamily="2" charset="-122"/>
+              </a:defRPr>
+            </a:lvl3pPr>
+            <a:lvl4pPr algn="l" rtl="0" eaLnBrk="1" fontAlgn="base" hangingPunct="1">
+              <a:spcBef>
+                <a:spcPct val="0"/>
+              </a:spcBef>
+              <a:spcAft>
+                <a:spcPct val="0"/>
+              </a:spcAft>
+              <a:defRPr sz="3200">
+                <a:solidFill>
+                  <a:srgbClr val="3376AD"/>
+                </a:solidFill>
+                <a:latin typeface="Britannic Bold" pitchFamily="34" charset="0"/>
+                <a:ea typeface="微软雅黑" panose="020B0503020204020204" charset="-122"/>
+                <a:cs typeface="宋体" panose="02010600030101010101" pitchFamily="2" charset="-122"/>
+              </a:defRPr>
+            </a:lvl4pPr>
+            <a:lvl5pPr algn="l" rtl="0" eaLnBrk="1" fontAlgn="base" hangingPunct="1">
+              <a:spcBef>
+                <a:spcPct val="0"/>
+              </a:spcBef>
+              <a:spcAft>
+                <a:spcPct val="0"/>
+              </a:spcAft>
+              <a:defRPr sz="3200">
+                <a:solidFill>
+                  <a:srgbClr val="3376AD"/>
+                </a:solidFill>
+                <a:latin typeface="Britannic Bold" pitchFamily="34" charset="0"/>
+                <a:ea typeface="微软雅黑" panose="020B0503020204020204" charset="-122"/>
+                <a:cs typeface="宋体" panose="02010600030101010101" pitchFamily="2" charset="-122"/>
+              </a:defRPr>
+            </a:lvl5pPr>
+            <a:lvl6pPr marL="457200" algn="ctr" rtl="0" eaLnBrk="1" fontAlgn="base" hangingPunct="1">
+              <a:spcBef>
+                <a:spcPct val="0"/>
+              </a:spcBef>
+              <a:spcAft>
+                <a:spcPct val="0"/>
+              </a:spcAft>
+              <a:defRPr sz="3200">
+                <a:solidFill>
+                  <a:schemeClr val="tx2"/>
+                </a:solidFill>
+                <a:latin typeface="Arial" panose="020B0604020202020204" pitchFamily="34" charset="0"/>
+                <a:ea typeface="微软雅黑" panose="020B0503020204020204" charset="-122"/>
+                <a:cs typeface="宋体" panose="02010600030101010101" pitchFamily="2" charset="-122"/>
+              </a:defRPr>
+            </a:lvl6pPr>
+            <a:lvl7pPr marL="914400" algn="ctr" rtl="0" eaLnBrk="1" fontAlgn="base" hangingPunct="1">
+              <a:spcBef>
+                <a:spcPct val="0"/>
+              </a:spcBef>
+              <a:spcAft>
+                <a:spcPct val="0"/>
+              </a:spcAft>
+              <a:defRPr sz="3200">
+                <a:solidFill>
+                  <a:schemeClr val="tx2"/>
+                </a:solidFill>
+                <a:latin typeface="Arial" panose="020B0604020202020204" pitchFamily="34" charset="0"/>
+                <a:ea typeface="微软雅黑" panose="020B0503020204020204" charset="-122"/>
+                <a:cs typeface="宋体" panose="02010600030101010101" pitchFamily="2" charset="-122"/>
+              </a:defRPr>
+            </a:lvl7pPr>
+            <a:lvl8pPr marL="1371600" algn="ctr" rtl="0" eaLnBrk="1" fontAlgn="base" hangingPunct="1">
+              <a:spcBef>
+                <a:spcPct val="0"/>
+              </a:spcBef>
+              <a:spcAft>
+                <a:spcPct val="0"/>
+              </a:spcAft>
+              <a:defRPr sz="3200">
+                <a:solidFill>
+                  <a:schemeClr val="tx2"/>
+                </a:solidFill>
+                <a:latin typeface="Arial" panose="020B0604020202020204" pitchFamily="34" charset="0"/>
+                <a:ea typeface="微软雅黑" panose="020B0503020204020204" charset="-122"/>
+                <a:cs typeface="宋体" panose="02010600030101010101" pitchFamily="2" charset="-122"/>
+              </a:defRPr>
+            </a:lvl8pPr>
+            <a:lvl9pPr marL="1828800" algn="ctr" rtl="0" eaLnBrk="1" fontAlgn="base" hangingPunct="1">
+              <a:spcBef>
+                <a:spcPct val="0"/>
+              </a:spcBef>
+              <a:spcAft>
+                <a:spcPct val="0"/>
+              </a:spcAft>
+              <a:defRPr sz="3200">
+                <a:solidFill>
+                  <a:schemeClr val="tx2"/>
+                </a:solidFill>
+                <a:latin typeface="Arial" panose="020B0604020202020204" pitchFamily="34" charset="0"/>
+                <a:ea typeface="微软雅黑" panose="020B0503020204020204" charset="-122"/>
+                <a:cs typeface="宋体" panose="02010600030101010101" pitchFamily="2" charset="-122"/>
+              </a:defRPr>
+            </a:lvl9pPr>
+          </a:lstStyle>
+          <a:p>
+            <a:r>
+              <a:rPr lang="en-US" altLang="zh-CN" sz="4000" dirty="0"/>
+              <a:t>footer</a:t>
+            </a:r>
+            <a:r>
+              <a:rPr lang="zh-CN" altLang="en-US" sz="4000" dirty="0" smtClean="0"/>
+              <a:t>元素 </a:t>
+            </a:r>
+            <a:endParaRPr lang="zh-CN" altLang="en-US" sz="4000" dirty="0"/>
+          </a:p>
+        </p:txBody>
+      </p:sp>
+      <p:sp>
+        <p:nvSpPr>
+          <p:cNvPr id="2" name="内容占位符 1"/>
+          <p:cNvSpPr>
+            <a:spLocks noGrp="1"/>
+          </p:cNvSpPr>
+          <p:nvPr>
+            <p:ph sz="quarter" idx="10"/>
+          </p:nvPr>
+        </p:nvSpPr>
+        <p:spPr>
+          <a:xfrm>
+            <a:off x="765557" y="1141828"/>
+            <a:ext cx="10444785" cy="1638875"/>
+          </a:xfrm>
+        </p:spPr>
+        <p:txBody>
+          <a:bodyPr/>
+          <a:lstStyle/>
+          <a:p>
+            <a:pPr>
+              <a:lnSpc>
+                <a:spcPct val="140000"/>
+              </a:lnSpc>
+              <a:spcBef>
+                <a:spcPts val="600"/>
+              </a:spcBef>
+            </a:pPr>
+            <a:r>
+              <a:rPr lang="en-US" altLang="zh-CN" dirty="0">
+                <a:solidFill>
+                  <a:srgbClr val="000000"/>
+                </a:solidFill>
+                <a:latin typeface="微软雅黑" panose="020B0503020204020204" pitchFamily="34" charset="-122"/>
+                <a:ea typeface="微软雅黑" panose="020B0503020204020204" pitchFamily="34" charset="-122"/>
+              </a:rPr>
+              <a:t>footer</a:t>
+            </a:r>
+            <a:r>
+              <a:rPr lang="zh-CN" altLang="en-US" dirty="0" smtClean="0">
+                <a:solidFill>
+                  <a:srgbClr val="000000"/>
+                </a:solidFill>
+                <a:latin typeface="微软雅黑" panose="020B0503020204020204" pitchFamily="34" charset="-122"/>
+                <a:ea typeface="微软雅黑" panose="020B0503020204020204" pitchFamily="34" charset="-122"/>
+              </a:rPr>
+              <a:t>元素定义</a:t>
+            </a:r>
+            <a:r>
+              <a:rPr lang="zh-CN" altLang="en-US" dirty="0" smtClean="0">
+                <a:solidFill>
+                  <a:srgbClr val="C00000"/>
+                </a:solidFill>
+                <a:latin typeface="微软雅黑" panose="020B0503020204020204" pitchFamily="34" charset="-122"/>
+                <a:ea typeface="微软雅黑" panose="020B0503020204020204" pitchFamily="34" charset="-122"/>
+              </a:rPr>
+              <a:t>页脚</a:t>
+            </a:r>
+            <a:r>
+              <a:rPr lang="zh-CN" altLang="en-US" dirty="0" smtClean="0">
+                <a:solidFill>
+                  <a:srgbClr val="000000"/>
+                </a:solidFill>
+                <a:latin typeface="微软雅黑" panose="020B0503020204020204" pitchFamily="34" charset="-122"/>
+                <a:ea typeface="微软雅黑" panose="020B0503020204020204" pitchFamily="34" charset="-122"/>
+              </a:rPr>
+              <a:t>。</a:t>
+            </a:r>
+            <a:r>
+              <a:rPr lang="zh-CN" altLang="en-US" dirty="0">
+                <a:solidFill>
+                  <a:srgbClr val="000000"/>
+                </a:solidFill>
+                <a:latin typeface="微软雅黑" panose="020B0503020204020204" pitchFamily="34" charset="-122"/>
+                <a:ea typeface="微软雅黑" panose="020B0503020204020204" pitchFamily="34" charset="-122"/>
+              </a:rPr>
+              <a:t>通常包括其相关区块的脚注信息，如作者、文档的创作日期以及版权信息等。</a:t>
+            </a:r>
+          </a:p>
+          <a:p>
+            <a:endParaRPr lang="zh-CN" altLang="en-US" dirty="0"/>
+          </a:p>
+        </p:txBody>
+      </p:sp>
+      <p:sp>
+        <p:nvSpPr>
+          <p:cNvPr id="5" name="内容占位符 1"/>
+          <p:cNvSpPr>
+            <a:spLocks noGrp="1"/>
+          </p:cNvSpPr>
+          <p:nvPr>
+            <p:ph sz="quarter" idx="10"/>
+          </p:nvPr>
+        </p:nvSpPr>
+        <p:spPr>
+          <a:xfrm>
+            <a:off x="765558" y="5517957"/>
+            <a:ext cx="10092908" cy="1148392"/>
+          </a:xfrm>
+        </p:spPr>
+        <p:txBody>
+          <a:bodyPr/>
+          <a:lstStyle/>
+          <a:p>
+            <a:pPr marL="806450" lvl="1" indent="-374650">
+              <a:lnSpc>
+                <a:spcPct val="140000"/>
+              </a:lnSpc>
+              <a:spcBef>
+                <a:spcPts val="0"/>
+              </a:spcBef>
+              <a:buClr>
+                <a:srgbClr val="5B9BCF"/>
+              </a:buClr>
+              <a:buFont typeface="Wingdings" panose="05000000000000000000" charset="0"/>
+              <a:buChar char="Ø"/>
+            </a:pPr>
+            <a:r>
+              <a:rPr lang="zh-CN" altLang="en-US" sz="2600" dirty="0">
+                <a:solidFill>
+                  <a:srgbClr val="C00000"/>
+                </a:solidFill>
+                <a:latin typeface="微软雅黑" panose="020B0503020204020204" pitchFamily="34" charset="-122"/>
+                <a:ea typeface="微软雅黑" panose="020B0503020204020204" pitchFamily="34" charset="-122"/>
+              </a:rPr>
+              <a:t>一个页面中不限制只可以用一个</a:t>
+            </a:r>
+            <a:r>
+              <a:rPr lang="en-US" altLang="zh-CN" sz="2600" dirty="0">
+                <a:solidFill>
+                  <a:srgbClr val="C00000"/>
+                </a:solidFill>
+                <a:latin typeface="微软雅黑" panose="020B0503020204020204" pitchFamily="34" charset="-122"/>
+                <a:ea typeface="微软雅黑" panose="020B0503020204020204" pitchFamily="34" charset="-122"/>
+              </a:rPr>
+              <a:t>footer</a:t>
+            </a:r>
+            <a:r>
+              <a:rPr lang="zh-CN" altLang="en-US" sz="2600" dirty="0">
+                <a:solidFill>
+                  <a:srgbClr val="C00000"/>
+                </a:solidFill>
+                <a:latin typeface="微软雅黑" panose="020B0503020204020204" pitchFamily="34" charset="-122"/>
+                <a:ea typeface="微软雅黑" panose="020B0503020204020204" pitchFamily="34" charset="-122"/>
+              </a:rPr>
+              <a:t>元素。可以为</a:t>
+            </a:r>
+            <a:r>
+              <a:rPr lang="en-US" altLang="zh-CN" sz="2600" dirty="0">
+                <a:solidFill>
+                  <a:srgbClr val="C00000"/>
+                </a:solidFill>
+                <a:latin typeface="微软雅黑" panose="020B0503020204020204" pitchFamily="34" charset="-122"/>
+                <a:ea typeface="微软雅黑" panose="020B0503020204020204" pitchFamily="34" charset="-122"/>
+              </a:rPr>
+              <a:t>article</a:t>
+            </a:r>
+            <a:r>
+              <a:rPr lang="zh-CN" altLang="en-US" sz="2600" dirty="0">
+                <a:solidFill>
+                  <a:srgbClr val="C00000"/>
+                </a:solidFill>
+                <a:latin typeface="微软雅黑" panose="020B0503020204020204" pitchFamily="34" charset="-122"/>
+                <a:ea typeface="微软雅黑" panose="020B0503020204020204" pitchFamily="34" charset="-122"/>
+              </a:rPr>
+              <a:t>元素或</a:t>
+            </a:r>
+            <a:r>
+              <a:rPr lang="en-US" altLang="zh-CN" sz="2600" dirty="0">
+                <a:solidFill>
+                  <a:srgbClr val="C00000"/>
+                </a:solidFill>
+                <a:latin typeface="微软雅黑" panose="020B0503020204020204" pitchFamily="34" charset="-122"/>
+                <a:ea typeface="微软雅黑" panose="020B0503020204020204" pitchFamily="34" charset="-122"/>
+              </a:rPr>
+              <a:t>section</a:t>
+            </a:r>
+            <a:r>
+              <a:rPr lang="zh-CN" altLang="en-US" sz="2600" dirty="0">
+                <a:solidFill>
+                  <a:srgbClr val="C00000"/>
+                </a:solidFill>
+                <a:latin typeface="微软雅黑" panose="020B0503020204020204" pitchFamily="34" charset="-122"/>
+                <a:ea typeface="微软雅黑" panose="020B0503020204020204" pitchFamily="34" charset="-122"/>
+              </a:rPr>
+              <a:t>元素添加</a:t>
+            </a:r>
+            <a:r>
+              <a:rPr lang="en-US" altLang="zh-CN" sz="2600" dirty="0">
+                <a:solidFill>
+                  <a:srgbClr val="C00000"/>
+                </a:solidFill>
+                <a:latin typeface="微软雅黑" panose="020B0503020204020204" pitchFamily="34" charset="-122"/>
+                <a:ea typeface="微软雅黑" panose="020B0503020204020204" pitchFamily="34" charset="-122"/>
+              </a:rPr>
+              <a:t>footer</a:t>
+            </a:r>
+            <a:r>
+              <a:rPr lang="zh-CN" altLang="en-US" sz="2600" dirty="0">
+                <a:solidFill>
+                  <a:srgbClr val="C00000"/>
+                </a:solidFill>
+                <a:latin typeface="微软雅黑" panose="020B0503020204020204" pitchFamily="34" charset="-122"/>
+                <a:ea typeface="微软雅黑" panose="020B0503020204020204" pitchFamily="34" charset="-122"/>
+              </a:rPr>
+              <a:t>。</a:t>
+            </a:r>
+          </a:p>
+        </p:txBody>
+      </p:sp>
+      <p:sp>
+        <p:nvSpPr>
+          <p:cNvPr id="6" name="文本框 5"/>
+          <p:cNvSpPr txBox="1"/>
+          <p:nvPr/>
+        </p:nvSpPr>
+        <p:spPr>
+          <a:xfrm>
+            <a:off x="1366423" y="2564604"/>
+            <a:ext cx="3721115" cy="2893100"/>
+          </a:xfrm>
+          <a:prstGeom prst="rect">
+            <a:avLst/>
+          </a:prstGeom>
+          <a:solidFill>
+            <a:schemeClr val="accent6">
+              <a:lumMod val="20000"/>
+              <a:lumOff val="80000"/>
+            </a:schemeClr>
+          </a:solidFill>
+        </p:spPr>
+        <p:txBody>
+          <a:bodyPr wrap="square" rtlCol="0">
+            <a:spAutoFit/>
+          </a:bodyPr>
+          <a:lstStyle/>
+          <a:p>
+            <a:r>
+              <a:rPr lang="en-US" altLang="zh-CN" sz="2600" dirty="0">
+                <a:solidFill>
+                  <a:srgbClr val="000000"/>
+                </a:solidFill>
+              </a:rPr>
+              <a:t>&lt;div id="footer"&gt;</a:t>
+            </a:r>
+          </a:p>
+          <a:p>
+            <a:r>
+              <a:rPr lang="en-US" altLang="zh-CN" sz="2600" dirty="0">
+                <a:solidFill>
+                  <a:srgbClr val="000000"/>
+                </a:solidFill>
+              </a:rPr>
+              <a:t>    &lt;</a:t>
+            </a:r>
+            <a:r>
+              <a:rPr lang="en-US" altLang="zh-CN" sz="2600" dirty="0" err="1">
+                <a:solidFill>
+                  <a:srgbClr val="000000"/>
+                </a:solidFill>
+              </a:rPr>
+              <a:t>ul</a:t>
+            </a:r>
+            <a:r>
+              <a:rPr lang="en-US" altLang="zh-CN" sz="2600" dirty="0">
+                <a:solidFill>
+                  <a:srgbClr val="000000"/>
+                </a:solidFill>
+              </a:rPr>
+              <a:t>&gt;</a:t>
+            </a:r>
+          </a:p>
+          <a:p>
+            <a:r>
+              <a:rPr lang="en-US" altLang="zh-CN" sz="2600" dirty="0">
+                <a:solidFill>
+                  <a:srgbClr val="000000"/>
+                </a:solidFill>
+              </a:rPr>
+              <a:t>        &lt;li&gt;</a:t>
+            </a:r>
+            <a:r>
+              <a:rPr lang="zh-CN" altLang="en-US" sz="2600" dirty="0">
+                <a:solidFill>
+                  <a:srgbClr val="000000"/>
+                </a:solidFill>
+              </a:rPr>
+              <a:t>版权信息</a:t>
+            </a:r>
+            <a:r>
+              <a:rPr lang="en-US" altLang="zh-CN" sz="2600" dirty="0">
+                <a:solidFill>
+                  <a:srgbClr val="000000"/>
+                </a:solidFill>
+              </a:rPr>
+              <a:t>&lt;/li&gt;</a:t>
+            </a:r>
+          </a:p>
+          <a:p>
+            <a:r>
+              <a:rPr lang="en-US" altLang="zh-CN" sz="2600" dirty="0">
+                <a:solidFill>
+                  <a:srgbClr val="000000"/>
+                </a:solidFill>
+              </a:rPr>
+              <a:t>        &lt;li&gt;</a:t>
+            </a:r>
+            <a:r>
+              <a:rPr lang="zh-CN" altLang="en-US" sz="2600" dirty="0">
+                <a:solidFill>
+                  <a:srgbClr val="000000"/>
+                </a:solidFill>
+              </a:rPr>
+              <a:t>站点地图</a:t>
+            </a:r>
+            <a:r>
+              <a:rPr lang="en-US" altLang="zh-CN" sz="2600" dirty="0">
+                <a:solidFill>
+                  <a:srgbClr val="000000"/>
+                </a:solidFill>
+              </a:rPr>
+              <a:t>&lt;/li&gt;</a:t>
+            </a:r>
+          </a:p>
+          <a:p>
+            <a:r>
+              <a:rPr lang="en-US" altLang="zh-CN" sz="2600" dirty="0">
+                <a:solidFill>
+                  <a:srgbClr val="000000"/>
+                </a:solidFill>
+              </a:rPr>
+              <a:t>        &lt;li&gt;</a:t>
+            </a:r>
+            <a:r>
+              <a:rPr lang="zh-CN" altLang="en-US" sz="2600" dirty="0">
+                <a:solidFill>
+                  <a:srgbClr val="000000"/>
+                </a:solidFill>
+              </a:rPr>
+              <a:t>联系方式</a:t>
+            </a:r>
+            <a:r>
+              <a:rPr lang="en-US" altLang="zh-CN" sz="2600" dirty="0">
+                <a:solidFill>
+                  <a:srgbClr val="000000"/>
+                </a:solidFill>
+              </a:rPr>
+              <a:t>&lt;/li&gt;</a:t>
+            </a:r>
+          </a:p>
+          <a:p>
+            <a:r>
+              <a:rPr lang="en-US" altLang="zh-CN" sz="2600" dirty="0">
+                <a:solidFill>
+                  <a:srgbClr val="000000"/>
+                </a:solidFill>
+              </a:rPr>
+              <a:t>    &lt;/</a:t>
+            </a:r>
+            <a:r>
+              <a:rPr lang="en-US" altLang="zh-CN" sz="2600" dirty="0" err="1">
+                <a:solidFill>
+                  <a:srgbClr val="000000"/>
+                </a:solidFill>
+              </a:rPr>
+              <a:t>ul</a:t>
+            </a:r>
+            <a:r>
+              <a:rPr lang="en-US" altLang="zh-CN" sz="2600" dirty="0">
+                <a:solidFill>
+                  <a:srgbClr val="000000"/>
+                </a:solidFill>
+              </a:rPr>
+              <a:t>&gt;</a:t>
+            </a:r>
+          </a:p>
+          <a:p>
+            <a:r>
+              <a:rPr lang="en-US" altLang="zh-CN" sz="2600" dirty="0">
+                <a:solidFill>
+                  <a:srgbClr val="000000"/>
+                </a:solidFill>
+              </a:rPr>
+              <a:t>&lt;div&gt;</a:t>
+            </a:r>
+            <a:endParaRPr lang="zh-CN" altLang="en-US" sz="2600" dirty="0">
+              <a:solidFill>
+                <a:srgbClr val="000000"/>
+              </a:solidFill>
+            </a:endParaRPr>
+          </a:p>
+        </p:txBody>
+      </p:sp>
+      <p:sp>
+        <p:nvSpPr>
+          <p:cNvPr id="3" name="右箭头 2"/>
+          <p:cNvSpPr/>
+          <p:nvPr/>
+        </p:nvSpPr>
+        <p:spPr>
+          <a:xfrm>
+            <a:off x="5375670" y="3735016"/>
+            <a:ext cx="864396" cy="576264"/>
+          </a:xfrm>
+          <a:prstGeom prst="rightArrow">
+            <a:avLst/>
+          </a:prstGeom>
+        </p:spPr>
+        <p:style>
+          <a:lnRef idx="2">
+            <a:schemeClr val="accent1">
+              <a:shade val="50000"/>
+            </a:schemeClr>
+          </a:lnRef>
+          <a:fillRef idx="1">
+            <a:schemeClr val="accent1"/>
+          </a:fillRef>
+          <a:effectRef idx="0">
+            <a:schemeClr val="accent1"/>
+          </a:effectRef>
+          <a:fontRef idx="minor">
+            <a:schemeClr val="lt1"/>
+          </a:fontRef>
+        </p:style>
+        <p:txBody>
+          <a:bodyPr rtlCol="0" anchor="ctr"/>
+          <a:lstStyle/>
+          <a:p>
+            <a:pPr algn="ctr"/>
+            <a:endParaRPr lang="zh-CN" altLang="en-US"/>
+          </a:p>
+        </p:txBody>
+      </p:sp>
+      <p:sp>
+        <p:nvSpPr>
+          <p:cNvPr id="8" name="文本框 7"/>
+          <p:cNvSpPr txBox="1"/>
+          <p:nvPr/>
+        </p:nvSpPr>
+        <p:spPr>
+          <a:xfrm>
+            <a:off x="6526430" y="2564604"/>
+            <a:ext cx="3721115" cy="2893100"/>
+          </a:xfrm>
+          <a:prstGeom prst="rect">
+            <a:avLst/>
+          </a:prstGeom>
+          <a:solidFill>
+            <a:schemeClr val="accent6">
+              <a:lumMod val="20000"/>
+              <a:lumOff val="80000"/>
+            </a:schemeClr>
+          </a:solidFill>
+        </p:spPr>
+        <p:txBody>
+          <a:bodyPr wrap="square" rtlCol="0">
+            <a:spAutoFit/>
+          </a:bodyPr>
+          <a:lstStyle/>
+          <a:p>
+            <a:r>
+              <a:rPr lang="en-US" altLang="zh-CN" sz="2600" dirty="0">
+                <a:solidFill>
+                  <a:srgbClr val="000000"/>
+                </a:solidFill>
+              </a:rPr>
+              <a:t>&lt;footer&gt;</a:t>
+            </a:r>
+          </a:p>
+          <a:p>
+            <a:r>
+              <a:rPr lang="en-US" altLang="zh-CN" sz="2600" dirty="0">
+                <a:solidFill>
+                  <a:srgbClr val="000000"/>
+                </a:solidFill>
+              </a:rPr>
+              <a:t>    &lt;</a:t>
+            </a:r>
+            <a:r>
+              <a:rPr lang="en-US" altLang="zh-CN" sz="2600" dirty="0" err="1">
+                <a:solidFill>
+                  <a:srgbClr val="000000"/>
+                </a:solidFill>
+              </a:rPr>
+              <a:t>ul</a:t>
+            </a:r>
+            <a:r>
+              <a:rPr lang="en-US" altLang="zh-CN" sz="2600" dirty="0">
+                <a:solidFill>
+                  <a:srgbClr val="000000"/>
+                </a:solidFill>
+              </a:rPr>
+              <a:t>&gt;</a:t>
+            </a:r>
+          </a:p>
+          <a:p>
+            <a:r>
+              <a:rPr lang="en-US" altLang="zh-CN" sz="2600" dirty="0">
+                <a:solidFill>
+                  <a:srgbClr val="000000"/>
+                </a:solidFill>
+              </a:rPr>
+              <a:t>        &lt;li&gt;</a:t>
+            </a:r>
+            <a:r>
+              <a:rPr lang="zh-CN" altLang="en-US" sz="2600" dirty="0">
+                <a:solidFill>
+                  <a:srgbClr val="000000"/>
+                </a:solidFill>
+              </a:rPr>
+              <a:t>版权信息</a:t>
+            </a:r>
+            <a:r>
+              <a:rPr lang="en-US" altLang="zh-CN" sz="2600" dirty="0">
+                <a:solidFill>
+                  <a:srgbClr val="000000"/>
+                </a:solidFill>
+              </a:rPr>
+              <a:t>&lt;/li&gt;</a:t>
+            </a:r>
+          </a:p>
+          <a:p>
+            <a:r>
+              <a:rPr lang="en-US" altLang="zh-CN" sz="2600" dirty="0">
+                <a:solidFill>
+                  <a:srgbClr val="000000"/>
+                </a:solidFill>
+              </a:rPr>
+              <a:t>        &lt;li&gt;</a:t>
+            </a:r>
+            <a:r>
+              <a:rPr lang="zh-CN" altLang="en-US" sz="2600" dirty="0">
+                <a:solidFill>
+                  <a:srgbClr val="000000"/>
+                </a:solidFill>
+              </a:rPr>
+              <a:t>站点地图</a:t>
+            </a:r>
+            <a:r>
+              <a:rPr lang="en-US" altLang="zh-CN" sz="2600" dirty="0">
+                <a:solidFill>
+                  <a:srgbClr val="000000"/>
+                </a:solidFill>
+              </a:rPr>
+              <a:t>&lt;/li&gt;</a:t>
+            </a:r>
+          </a:p>
+          <a:p>
+            <a:r>
+              <a:rPr lang="en-US" altLang="zh-CN" sz="2600" dirty="0">
+                <a:solidFill>
+                  <a:srgbClr val="000000"/>
+                </a:solidFill>
+              </a:rPr>
+              <a:t>        &lt;li&gt;</a:t>
+            </a:r>
+            <a:r>
+              <a:rPr lang="zh-CN" altLang="en-US" sz="2600" dirty="0">
+                <a:solidFill>
+                  <a:srgbClr val="000000"/>
+                </a:solidFill>
+              </a:rPr>
+              <a:t>联系方式</a:t>
+            </a:r>
+            <a:r>
+              <a:rPr lang="en-US" altLang="zh-CN" sz="2600" dirty="0">
+                <a:solidFill>
+                  <a:srgbClr val="000000"/>
+                </a:solidFill>
+              </a:rPr>
+              <a:t>&lt;/li&gt;</a:t>
+            </a:r>
+          </a:p>
+          <a:p>
+            <a:r>
+              <a:rPr lang="en-US" altLang="zh-CN" sz="2600" dirty="0">
+                <a:solidFill>
+                  <a:srgbClr val="000000"/>
+                </a:solidFill>
+              </a:rPr>
+              <a:t>    &lt;/</a:t>
+            </a:r>
+            <a:r>
+              <a:rPr lang="en-US" altLang="zh-CN" sz="2600" dirty="0" err="1">
+                <a:solidFill>
+                  <a:srgbClr val="000000"/>
+                </a:solidFill>
+              </a:rPr>
+              <a:t>ul</a:t>
+            </a:r>
+            <a:r>
+              <a:rPr lang="en-US" altLang="zh-CN" sz="2600" dirty="0">
+                <a:solidFill>
+                  <a:srgbClr val="000000"/>
+                </a:solidFill>
+              </a:rPr>
+              <a:t>&gt;</a:t>
+            </a:r>
+          </a:p>
+          <a:p>
+            <a:r>
+              <a:rPr lang="en-US" altLang="zh-CN" sz="2600" dirty="0">
+                <a:solidFill>
+                  <a:srgbClr val="000000"/>
+                </a:solidFill>
+              </a:rPr>
+              <a:t>&lt;/footer&gt;</a:t>
+            </a:r>
+            <a:endParaRPr lang="zh-CN" altLang="en-US" sz="2600" dirty="0">
+              <a:solidFill>
+                <a:srgbClr val="000000"/>
+              </a:solidFill>
+            </a:endParaRPr>
+          </a:p>
+        </p:txBody>
+      </p:sp>
+    </p:spTree>
+    <p:extLst>
+      <p:ext uri="{BB962C8B-B14F-4D97-AF65-F5344CB8AC3E}">
+        <p14:creationId xmlns:p14="http://schemas.microsoft.com/office/powerpoint/2010/main" val="3780138815"/>
+      </p:ext>
+    </p:extLst>
+  </p:cSld>
+  <p:clrMapOvr>
+    <a:masterClrMapping/>
+  </p:clrMapOvr>
+  <p:timing>
+    <p:tnLst>
+      <p:par>
+        <p:cTn id="1" dur="indefinite" restart="never" nodeType="tmRoot">
+          <p:childTnLst>
+            <p:seq concurrent="1" nextAc="seek">
+              <p:cTn id="2" dur="indefinite" nodeType="mainSeq">
+                <p:childTnLst>
+                  <p:par>
+                    <p:cTn id="3" fill="hold">
+                      <p:stCondLst>
+                        <p:cond delay="indefinite"/>
+                      </p:stCondLst>
+                      <p:childTnLst>
+                        <p:par>
+                          <p:cTn id="4" fill="hold">
+                            <p:stCondLst>
+                              <p:cond delay="0"/>
+                            </p:stCondLst>
+                            <p:childTnLst>
+                              <p:par>
+                                <p:cTn id="5" presetID="42" presetClass="entr" presetSubtype="0" fill="hold" grpId="0" nodeType="clickEffect">
+                                  <p:stCondLst>
+                                    <p:cond delay="0"/>
+                                  </p:stCondLst>
+                                  <p:childTnLst>
+                                    <p:set>
+                                      <p:cBhvr>
+                                        <p:cTn id="6" dur="1" fill="hold">
+                                          <p:stCondLst>
+                                            <p:cond delay="0"/>
+                                          </p:stCondLst>
+                                        </p:cTn>
+                                        <p:tgtEl>
+                                          <p:spTgt spid="3"/>
+                                        </p:tgtEl>
+                                        <p:attrNameLst>
+                                          <p:attrName>style.visibility</p:attrName>
+                                        </p:attrNameLst>
+                                      </p:cBhvr>
+                                      <p:to>
+                                        <p:strVal val="visible"/>
+                                      </p:to>
+                                    </p:set>
+                                    <p:animEffect transition="in" filter="fade">
+                                      <p:cBhvr>
+                                        <p:cTn id="7" dur="1000"/>
+                                        <p:tgtEl>
+                                          <p:spTgt spid="3"/>
+                                        </p:tgtEl>
+                                      </p:cBhvr>
+                                    </p:animEffect>
+                                    <p:anim calcmode="lin" valueType="num">
+                                      <p:cBhvr>
+                                        <p:cTn id="8" dur="1000" fill="hold"/>
+                                        <p:tgtEl>
+                                          <p:spTgt spid="3"/>
+                                        </p:tgtEl>
+                                        <p:attrNameLst>
+                                          <p:attrName>ppt_x</p:attrName>
+                                        </p:attrNameLst>
+                                      </p:cBhvr>
+                                      <p:tavLst>
+                                        <p:tav tm="0">
+                                          <p:val>
+                                            <p:strVal val="#ppt_x"/>
+                                          </p:val>
+                                        </p:tav>
+                                        <p:tav tm="100000">
+                                          <p:val>
+                                            <p:strVal val="#ppt_x"/>
+                                          </p:val>
+                                        </p:tav>
+                                      </p:tavLst>
+                                    </p:anim>
+                                    <p:anim calcmode="lin" valueType="num">
+                                      <p:cBhvr>
+                                        <p:cTn id="9" dur="1000" fill="hold"/>
+                                        <p:tgtEl>
+                                          <p:spTgt spid="3"/>
+                                        </p:tgtEl>
+                                        <p:attrNameLst>
+                                          <p:attrName>ppt_y</p:attrName>
+                                        </p:attrNameLst>
+                                      </p:cBhvr>
+                                      <p:tavLst>
+                                        <p:tav tm="0">
+                                          <p:val>
+                                            <p:strVal val="#ppt_y+.1"/>
+                                          </p:val>
+                                        </p:tav>
+                                        <p:tav tm="100000">
+                                          <p:val>
+                                            <p:strVal val="#ppt_y"/>
+                                          </p:val>
+                                        </p:tav>
+                                      </p:tavLst>
+                                    </p:anim>
+                                  </p:childTnLst>
+                                </p:cTn>
+                              </p:par>
+                              <p:par>
+                                <p:cTn id="10" presetID="42" presetClass="entr" presetSubtype="0" fill="hold" grpId="0" nodeType="withEffect">
+                                  <p:stCondLst>
+                                    <p:cond delay="0"/>
+                                  </p:stCondLst>
+                                  <p:childTnLst>
+                                    <p:set>
+                                      <p:cBhvr>
+                                        <p:cTn id="11" dur="1" fill="hold">
+                                          <p:stCondLst>
+                                            <p:cond delay="0"/>
+                                          </p:stCondLst>
+                                        </p:cTn>
+                                        <p:tgtEl>
+                                          <p:spTgt spid="8"/>
+                                        </p:tgtEl>
+                                        <p:attrNameLst>
+                                          <p:attrName>style.visibility</p:attrName>
+                                        </p:attrNameLst>
+                                      </p:cBhvr>
+                                      <p:to>
+                                        <p:strVal val="visible"/>
+                                      </p:to>
+                                    </p:set>
+                                    <p:animEffect transition="in" filter="fade">
+                                      <p:cBhvr>
+                                        <p:cTn id="12" dur="1000"/>
+                                        <p:tgtEl>
+                                          <p:spTgt spid="8"/>
+                                        </p:tgtEl>
+                                      </p:cBhvr>
+                                    </p:animEffect>
+                                    <p:anim calcmode="lin" valueType="num">
+                                      <p:cBhvr>
+                                        <p:cTn id="13" dur="1000" fill="hold"/>
+                                        <p:tgtEl>
+                                          <p:spTgt spid="8"/>
+                                        </p:tgtEl>
+                                        <p:attrNameLst>
+                                          <p:attrName>ppt_x</p:attrName>
+                                        </p:attrNameLst>
+                                      </p:cBhvr>
+                                      <p:tavLst>
+                                        <p:tav tm="0">
+                                          <p:val>
+                                            <p:strVal val="#ppt_x"/>
+                                          </p:val>
+                                        </p:tav>
+                                        <p:tav tm="100000">
+                                          <p:val>
+                                            <p:strVal val="#ppt_x"/>
+                                          </p:val>
+                                        </p:tav>
+                                      </p:tavLst>
+                                    </p:anim>
+                                    <p:anim calcmode="lin" valueType="num">
+                                      <p:cBhvr>
+                                        <p:cTn id="14" dur="1000" fill="hold"/>
+                                        <p:tgtEl>
+                                          <p:spTgt spid="8"/>
+                                        </p:tgtEl>
+                                        <p:attrNameLst>
+                                          <p:attrName>ppt_y</p:attrName>
+                                        </p:attrNameLst>
+                                      </p:cBhvr>
+                                      <p:tavLst>
+                                        <p:tav tm="0">
+                                          <p:val>
+                                            <p:strVal val="#ppt_y+.1"/>
+                                          </p:val>
+                                        </p:tav>
+                                        <p:tav tm="100000">
+                                          <p:val>
+                                            <p:strVal val="#ppt_y"/>
+                                          </p:val>
+                                        </p:tav>
+                                      </p:tavLst>
+                                    </p:anim>
+                                  </p:childTnLst>
+                                </p:cTn>
+                              </p:par>
+                              <p:par>
+                                <p:cTn id="15" presetID="42" presetClass="entr" presetSubtype="0" fill="hold" grpId="0" nodeType="withEffect">
+                                  <p:stCondLst>
+                                    <p:cond delay="0"/>
+                                  </p:stCondLst>
+                                  <p:childTnLst>
+                                    <p:set>
+                                      <p:cBhvr>
+                                        <p:cTn id="16" dur="1" fill="hold">
+                                          <p:stCondLst>
+                                            <p:cond delay="0"/>
+                                          </p:stCondLst>
+                                        </p:cTn>
+                                        <p:tgtEl>
+                                          <p:spTgt spid="6"/>
+                                        </p:tgtEl>
+                                        <p:attrNameLst>
+                                          <p:attrName>style.visibility</p:attrName>
+                                        </p:attrNameLst>
+                                      </p:cBhvr>
+                                      <p:to>
+                                        <p:strVal val="visible"/>
+                                      </p:to>
+                                    </p:set>
+                                    <p:animEffect transition="in" filter="fade">
+                                      <p:cBhvr>
+                                        <p:cTn id="17" dur="1000"/>
+                                        <p:tgtEl>
+                                          <p:spTgt spid="6"/>
+                                        </p:tgtEl>
+                                      </p:cBhvr>
+                                    </p:animEffect>
+                                    <p:anim calcmode="lin" valueType="num">
+                                      <p:cBhvr>
+                                        <p:cTn id="18" dur="1000" fill="hold"/>
+                                        <p:tgtEl>
+                                          <p:spTgt spid="6"/>
+                                        </p:tgtEl>
+                                        <p:attrNameLst>
+                                          <p:attrName>ppt_x</p:attrName>
+                                        </p:attrNameLst>
+                                      </p:cBhvr>
+                                      <p:tavLst>
+                                        <p:tav tm="0">
+                                          <p:val>
+                                            <p:strVal val="#ppt_x"/>
+                                          </p:val>
+                                        </p:tav>
+                                        <p:tav tm="100000">
+                                          <p:val>
+                                            <p:strVal val="#ppt_x"/>
+                                          </p:val>
+                                        </p:tav>
+                                      </p:tavLst>
+                                    </p:anim>
+                                    <p:anim calcmode="lin" valueType="num">
+                                      <p:cBhvr>
+                                        <p:cTn id="19" dur="1000" fill="hold"/>
+                                        <p:tgtEl>
+                                          <p:spTgt spid="6"/>
+                                        </p:tgtEl>
+                                        <p:attrNameLst>
+                                          <p:attrName>ppt_y</p:attrName>
+                                        </p:attrNameLst>
+                                      </p:cBhvr>
+                                      <p:tavLst>
+                                        <p:tav tm="0">
+                                          <p:val>
+                                            <p:strVal val="#ppt_y+.1"/>
+                                          </p:val>
+                                        </p:tav>
+                                        <p:tav tm="100000">
+                                          <p:val>
+                                            <p:strVal val="#ppt_y"/>
+                                          </p:val>
+                                        </p:tav>
+                                      </p:tavLst>
+                                    </p:anim>
+                                  </p:childTnLst>
+                                </p:cTn>
+                              </p:par>
+                            </p:childTnLst>
+                          </p:cTn>
+                        </p:par>
+                      </p:childTnLst>
+                    </p:cTn>
+                  </p:par>
+                  <p:par>
+                    <p:cTn id="20" fill="hold">
+                      <p:stCondLst>
+                        <p:cond delay="indefinite"/>
+                      </p:stCondLst>
+                      <p:childTnLst>
+                        <p:par>
+                          <p:cTn id="21" fill="hold">
+                            <p:stCondLst>
+                              <p:cond delay="0"/>
+                            </p:stCondLst>
+                            <p:childTnLst>
+                              <p:par>
+                                <p:cTn id="22" presetID="42" presetClass="entr" presetSubtype="0" fill="hold" grpId="0" nodeType="clickEffect">
+                                  <p:stCondLst>
+                                    <p:cond delay="0"/>
+                                  </p:stCondLst>
+                                  <p:childTnLst>
+                                    <p:set>
+                                      <p:cBhvr>
+                                        <p:cTn id="23" dur="1" fill="hold">
+                                          <p:stCondLst>
+                                            <p:cond delay="0"/>
+                                          </p:stCondLst>
+                                        </p:cTn>
+                                        <p:tgtEl>
+                                          <p:spTgt spid="5">
+                                            <p:txEl>
+                                              <p:pRg st="0" end="0"/>
+                                            </p:txEl>
+                                          </p:spTgt>
+                                        </p:tgtEl>
+                                        <p:attrNameLst>
+                                          <p:attrName>style.visibility</p:attrName>
+                                        </p:attrNameLst>
+                                      </p:cBhvr>
+                                      <p:to>
+                                        <p:strVal val="visible"/>
+                                      </p:to>
+                                    </p:set>
+                                    <p:animEffect transition="in" filter="fade">
+                                      <p:cBhvr>
+                                        <p:cTn id="24" dur="1000"/>
+                                        <p:tgtEl>
+                                          <p:spTgt spid="5">
+                                            <p:txEl>
+                                              <p:pRg st="0" end="0"/>
+                                            </p:txEl>
+                                          </p:spTgt>
+                                        </p:tgtEl>
+                                      </p:cBhvr>
+                                    </p:animEffect>
+                                    <p:anim calcmode="lin" valueType="num">
+                                      <p:cBhvr>
+                                        <p:cTn id="25" dur="1000" fill="hold"/>
+                                        <p:tgtEl>
+                                          <p:spTgt spid="5">
+                                            <p:txEl>
+                                              <p:pRg st="0" end="0"/>
+                                            </p:txEl>
+                                          </p:spTgt>
+                                        </p:tgtEl>
+                                        <p:attrNameLst>
+                                          <p:attrName>ppt_x</p:attrName>
+                                        </p:attrNameLst>
+                                      </p:cBhvr>
+                                      <p:tavLst>
+                                        <p:tav tm="0">
+                                          <p:val>
+                                            <p:strVal val="#ppt_x"/>
+                                          </p:val>
+                                        </p:tav>
+                                        <p:tav tm="100000">
+                                          <p:val>
+                                            <p:strVal val="#ppt_x"/>
+                                          </p:val>
+                                        </p:tav>
+                                      </p:tavLst>
+                                    </p:anim>
+                                    <p:anim calcmode="lin" valueType="num">
+                                      <p:cBhvr>
+                                        <p:cTn id="26" dur="1000" fill="hold"/>
+                                        <p:tgtEl>
+                                          <p:spTgt spid="5">
+                                            <p:txEl>
+                                              <p:pRg st="0" end="0"/>
+                                            </p:txEl>
+                                          </p:spTgt>
+                                        </p:tgtEl>
+                                        <p:attrNameLst>
+                                          <p:attrName>ppt_y</p:attrName>
+                                        </p:attrNameLst>
+                                      </p:cBhvr>
+                                      <p:tavLst>
+                                        <p:tav tm="0">
+                                          <p:val>
+                                            <p:strVal val="#ppt_y+.1"/>
+                                          </p:val>
+                                        </p:tav>
+                                        <p:tav tm="100000">
+                                          <p:val>
+                                            <p:strVal val="#ppt_y"/>
+                                          </p:val>
+                                        </p:tav>
+                                      </p:tavLst>
+                                    </p:anim>
+                                  </p:childTnLst>
+                                </p:cTn>
+                              </p:par>
+                            </p:childTnLst>
+                          </p:cTn>
+                        </p:par>
+                      </p:childTnLst>
+                    </p:cTn>
+                  </p:par>
+                </p:childTnLst>
+              </p:cTn>
+              <p:prevCondLst>
+                <p:cond evt="onPrev" delay="0">
+                  <p:tgtEl>
+                    <p:sldTgt/>
+                  </p:tgtEl>
+                </p:cond>
+              </p:prevCondLst>
+              <p:nextCondLst>
+                <p:cond evt="onNext" delay="0">
+                  <p:tgtEl>
+                    <p:sldTgt/>
+                  </p:tgtEl>
+                </p:cond>
+              </p:nextCondLst>
+            </p:seq>
+          </p:childTnLst>
+        </p:cTn>
+      </p:par>
+    </p:tnLst>
+    <p:bldLst>
+      <p:bldP spid="5" grpId="0" build="p"/>
+      <p:bldP spid="6" grpId="0" animBg="1"/>
+      <p:bldP spid="3" grpId="0" animBg="1"/>
+      <p:bldP spid="8" grpId="0" animBg="1"/>
+    </p:bldLst>
+  </p:timing>
+</p:sld>
+</file>
+
+<file path=ppt/slides/slide19.xml><?xml version="1.0" encoding="utf-8"?>
+<p:sld xmlns:a="http://schemas.openxmlformats.org/drawingml/2006/main" xmlns:r="http://schemas.openxmlformats.org/officeDocument/2006/relationships" xmlns:p="http://schemas.openxmlformats.org/presentationml/2006/main">
+  <p:cSld>
+    <p:spTree>
+      <p:nvGrpSpPr>
+        <p:cNvPr id="1" name=""/>
+        <p:cNvGrpSpPr/>
+        <p:nvPr/>
+      </p:nvGrpSpPr>
+      <p:grpSpPr>
+        <a:xfrm>
+          <a:off x="0" y="0"/>
+          <a:ext cx="0" cy="0"/>
+          <a:chOff x="0" y="0"/>
+          <a:chExt cx="0" cy="0"/>
+        </a:xfrm>
+      </p:grpSpPr>
+      <p:sp>
+        <p:nvSpPr>
+          <p:cNvPr id="7" name="Rectangle 2"/>
+          <p:cNvSpPr txBox="1">
+            <a:spLocks noChangeArrowheads="1"/>
+          </p:cNvSpPr>
+          <p:nvPr>
+            <p:custDataLst>
+              <p:tags r:id="rId1"/>
+            </p:custDataLst>
+          </p:nvPr>
+        </p:nvSpPr>
+        <p:spPr>
+          <a:xfrm>
+            <a:off x="609599" y="190277"/>
+            <a:ext cx="9791700" cy="695548"/>
+          </a:xfrm>
+          <a:prstGeom prst="rect">
+            <a:avLst/>
+          </a:prstGeom>
+        </p:spPr>
+        <p:txBody>
+          <a:bodyPr>
+            <a:noAutofit/>
+          </a:bodyPr>
+          <a:lstStyle>
+            <a:lvl1pPr algn="l" rtl="0" eaLnBrk="1" fontAlgn="base" hangingPunct="1">
+              <a:spcBef>
+                <a:spcPct val="0"/>
+              </a:spcBef>
+              <a:spcAft>
+                <a:spcPct val="0"/>
+              </a:spcAft>
+              <a:defRPr sz="2800" kern="1200">
+                <a:solidFill>
+                  <a:srgbClr val="3376AD"/>
+                </a:solidFill>
+                <a:latin typeface="+mj-lt"/>
+                <a:ea typeface="+mj-ea"/>
+                <a:cs typeface="+mj-cs"/>
+              </a:defRPr>
+            </a:lvl1pPr>
+            <a:lvl2pPr algn="l" rtl="0" eaLnBrk="1" fontAlgn="base" hangingPunct="1">
+              <a:spcBef>
+                <a:spcPct val="0"/>
+              </a:spcBef>
+              <a:spcAft>
+                <a:spcPct val="0"/>
+              </a:spcAft>
+              <a:defRPr sz="3200">
+                <a:solidFill>
+                  <a:srgbClr val="3376AD"/>
+                </a:solidFill>
+                <a:latin typeface="Britannic Bold" pitchFamily="34" charset="0"/>
+                <a:ea typeface="微软雅黑" panose="020B0503020204020204" charset="-122"/>
+                <a:cs typeface="宋体" panose="02010600030101010101" pitchFamily="2" charset="-122"/>
+              </a:defRPr>
+            </a:lvl2pPr>
+            <a:lvl3pPr algn="l" rtl="0" eaLnBrk="1" fontAlgn="base" hangingPunct="1">
+              <a:spcBef>
+                <a:spcPct val="0"/>
+              </a:spcBef>
+              <a:spcAft>
+                <a:spcPct val="0"/>
+              </a:spcAft>
+              <a:defRPr sz="3200">
+                <a:solidFill>
+                  <a:srgbClr val="3376AD"/>
+                </a:solidFill>
+                <a:latin typeface="Britannic Bold" pitchFamily="34" charset="0"/>
+                <a:ea typeface="微软雅黑" panose="020B0503020204020204" charset="-122"/>
+                <a:cs typeface="宋体" panose="02010600030101010101" pitchFamily="2" charset="-122"/>
+              </a:defRPr>
+            </a:lvl3pPr>
+            <a:lvl4pPr algn="l" rtl="0" eaLnBrk="1" fontAlgn="base" hangingPunct="1">
+              <a:spcBef>
+                <a:spcPct val="0"/>
+              </a:spcBef>
+              <a:spcAft>
+                <a:spcPct val="0"/>
+              </a:spcAft>
+              <a:defRPr sz="3200">
+                <a:solidFill>
+                  <a:srgbClr val="3376AD"/>
+                </a:solidFill>
+                <a:latin typeface="Britannic Bold" pitchFamily="34" charset="0"/>
+                <a:ea typeface="微软雅黑" panose="020B0503020204020204" charset="-122"/>
+                <a:cs typeface="宋体" panose="02010600030101010101" pitchFamily="2" charset="-122"/>
+              </a:defRPr>
+            </a:lvl4pPr>
+            <a:lvl5pPr algn="l" rtl="0" eaLnBrk="1" fontAlgn="base" hangingPunct="1">
+              <a:spcBef>
+                <a:spcPct val="0"/>
+              </a:spcBef>
+              <a:spcAft>
+                <a:spcPct val="0"/>
+              </a:spcAft>
+              <a:defRPr sz="3200">
+                <a:solidFill>
+                  <a:srgbClr val="3376AD"/>
+                </a:solidFill>
+                <a:latin typeface="Britannic Bold" pitchFamily="34" charset="0"/>
+                <a:ea typeface="微软雅黑" panose="020B0503020204020204" charset="-122"/>
+                <a:cs typeface="宋体" panose="02010600030101010101" pitchFamily="2" charset="-122"/>
+              </a:defRPr>
+            </a:lvl5pPr>
+            <a:lvl6pPr marL="457200" algn="ctr" rtl="0" eaLnBrk="1" fontAlgn="base" hangingPunct="1">
+              <a:spcBef>
+                <a:spcPct val="0"/>
+              </a:spcBef>
+              <a:spcAft>
+                <a:spcPct val="0"/>
+              </a:spcAft>
+              <a:defRPr sz="3200">
+                <a:solidFill>
+                  <a:schemeClr val="tx2"/>
+                </a:solidFill>
+                <a:latin typeface="Arial" panose="020B0604020202020204" pitchFamily="34" charset="0"/>
+                <a:ea typeface="微软雅黑" panose="020B0503020204020204" charset="-122"/>
+                <a:cs typeface="宋体" panose="02010600030101010101" pitchFamily="2" charset="-122"/>
+              </a:defRPr>
+            </a:lvl6pPr>
+            <a:lvl7pPr marL="914400" algn="ctr" rtl="0" eaLnBrk="1" fontAlgn="base" hangingPunct="1">
+              <a:spcBef>
+                <a:spcPct val="0"/>
+              </a:spcBef>
+              <a:spcAft>
+                <a:spcPct val="0"/>
+              </a:spcAft>
+              <a:defRPr sz="3200">
+                <a:solidFill>
+                  <a:schemeClr val="tx2"/>
+                </a:solidFill>
+                <a:latin typeface="Arial" panose="020B0604020202020204" pitchFamily="34" charset="0"/>
+                <a:ea typeface="微软雅黑" panose="020B0503020204020204" charset="-122"/>
+                <a:cs typeface="宋体" panose="02010600030101010101" pitchFamily="2" charset="-122"/>
+              </a:defRPr>
+            </a:lvl7pPr>
+            <a:lvl8pPr marL="1371600" algn="ctr" rtl="0" eaLnBrk="1" fontAlgn="base" hangingPunct="1">
+              <a:spcBef>
+                <a:spcPct val="0"/>
+              </a:spcBef>
+              <a:spcAft>
+                <a:spcPct val="0"/>
+              </a:spcAft>
+              <a:defRPr sz="3200">
+                <a:solidFill>
+                  <a:schemeClr val="tx2"/>
+                </a:solidFill>
+                <a:latin typeface="Arial" panose="020B0604020202020204" pitchFamily="34" charset="0"/>
+                <a:ea typeface="微软雅黑" panose="020B0503020204020204" charset="-122"/>
+                <a:cs typeface="宋体" panose="02010600030101010101" pitchFamily="2" charset="-122"/>
+              </a:defRPr>
+            </a:lvl8pPr>
+            <a:lvl9pPr marL="1828800" algn="ctr" rtl="0" eaLnBrk="1" fontAlgn="base" hangingPunct="1">
+              <a:spcBef>
+                <a:spcPct val="0"/>
+              </a:spcBef>
+              <a:spcAft>
+                <a:spcPct val="0"/>
+              </a:spcAft>
+              <a:defRPr sz="3200">
+                <a:solidFill>
+                  <a:schemeClr val="tx2"/>
+                </a:solidFill>
+                <a:latin typeface="Arial" panose="020B0604020202020204" pitchFamily="34" charset="0"/>
+                <a:ea typeface="微软雅黑" panose="020B0503020204020204" charset="-122"/>
+                <a:cs typeface="宋体" panose="02010600030101010101" pitchFamily="2" charset="-122"/>
+              </a:defRPr>
+            </a:lvl9pPr>
+          </a:lstStyle>
+          <a:p>
+            <a:r>
+              <a:rPr lang="zh-CN" altLang="en-US" sz="4000" dirty="0" smtClean="0"/>
+              <a:t>结构性元素实例 </a:t>
+            </a:r>
+            <a:endParaRPr lang="zh-CN" altLang="en-US" sz="4000" dirty="0"/>
+          </a:p>
+        </p:txBody>
+      </p:sp>
+      <p:sp>
+        <p:nvSpPr>
+          <p:cNvPr id="3" name="文本框 2"/>
+          <p:cNvSpPr txBox="1"/>
+          <p:nvPr/>
+        </p:nvSpPr>
+        <p:spPr>
+          <a:xfrm>
+            <a:off x="1197756" y="1412076"/>
+            <a:ext cx="5258409" cy="5016758"/>
+          </a:xfrm>
+          <a:prstGeom prst="rect">
+            <a:avLst/>
+          </a:prstGeom>
+          <a:solidFill>
+            <a:schemeClr val="accent6">
+              <a:lumMod val="20000"/>
+              <a:lumOff val="80000"/>
+            </a:schemeClr>
+          </a:solidFill>
+        </p:spPr>
+        <p:txBody>
+          <a:bodyPr wrap="square" rtlCol="0">
+            <a:spAutoFit/>
+          </a:bodyPr>
+          <a:lstStyle/>
+          <a:p>
+            <a:pPr>
+              <a:lnSpc>
+                <a:spcPts val="3200"/>
+              </a:lnSpc>
+            </a:pPr>
+            <a:r>
+              <a:rPr lang="en-US" altLang="zh-CN" sz="2400" dirty="0">
+                <a:solidFill>
+                  <a:srgbClr val="000000"/>
+                </a:solidFill>
+              </a:rPr>
+              <a:t>&lt;header&gt;</a:t>
+            </a:r>
+          </a:p>
+          <a:p>
+            <a:pPr>
+              <a:lnSpc>
+                <a:spcPts val="3200"/>
+              </a:lnSpc>
+            </a:pPr>
+            <a:r>
+              <a:rPr lang="en-US" altLang="zh-CN" sz="2400" dirty="0">
+                <a:solidFill>
+                  <a:srgbClr val="000000"/>
+                </a:solidFill>
+              </a:rPr>
+              <a:t>   </a:t>
+            </a:r>
+            <a:r>
+              <a:rPr lang="en-US" altLang="zh-CN" sz="2400" dirty="0" smtClean="0">
+                <a:solidFill>
+                  <a:srgbClr val="000000"/>
+                </a:solidFill>
+              </a:rPr>
+              <a:t>   &lt;h1&gt;</a:t>
+            </a:r>
+            <a:r>
+              <a:rPr lang="zh-CN" altLang="en-US" sz="2400" dirty="0" smtClean="0">
+                <a:solidFill>
+                  <a:srgbClr val="000000"/>
+                </a:solidFill>
+              </a:rPr>
+              <a:t>页眉</a:t>
+            </a:r>
+            <a:r>
+              <a:rPr lang="en-US" altLang="zh-CN" sz="2400" dirty="0" smtClean="0">
+                <a:solidFill>
+                  <a:srgbClr val="000000"/>
+                </a:solidFill>
+              </a:rPr>
+              <a:t>&lt;/</a:t>
+            </a:r>
+            <a:r>
+              <a:rPr lang="en-US" altLang="zh-CN" sz="2400" dirty="0">
+                <a:solidFill>
+                  <a:srgbClr val="000000"/>
+                </a:solidFill>
+              </a:rPr>
+              <a:t>h1</a:t>
+            </a:r>
+            <a:r>
+              <a:rPr lang="en-US" altLang="zh-CN" sz="2400" dirty="0" smtClean="0">
+                <a:solidFill>
+                  <a:srgbClr val="000000"/>
+                </a:solidFill>
+              </a:rPr>
+              <a:t>&gt;</a:t>
+            </a:r>
+          </a:p>
+          <a:p>
+            <a:pPr>
+              <a:lnSpc>
+                <a:spcPts val="3200"/>
+              </a:lnSpc>
+            </a:pPr>
+            <a:r>
+              <a:rPr lang="en-US" altLang="zh-CN" sz="2400" dirty="0">
+                <a:solidFill>
+                  <a:srgbClr val="000000"/>
+                </a:solidFill>
+              </a:rPr>
+              <a:t> </a:t>
+            </a:r>
+            <a:r>
+              <a:rPr lang="en-US" altLang="zh-CN" sz="2400" dirty="0" smtClean="0">
+                <a:solidFill>
+                  <a:srgbClr val="000000"/>
+                </a:solidFill>
+              </a:rPr>
+              <a:t>   </a:t>
+            </a:r>
+            <a:r>
+              <a:rPr lang="en-US" altLang="zh-CN" sz="2400" dirty="0">
+                <a:solidFill>
+                  <a:srgbClr val="000000"/>
+                </a:solidFill>
+              </a:rPr>
+              <a:t> </a:t>
+            </a:r>
+            <a:r>
+              <a:rPr lang="en-US" altLang="zh-CN" sz="2400" dirty="0" smtClean="0">
+                <a:solidFill>
+                  <a:srgbClr val="000000"/>
+                </a:solidFill>
+              </a:rPr>
+              <a:t> &lt;</a:t>
+            </a:r>
+            <a:r>
+              <a:rPr lang="en-US" altLang="zh-CN" sz="2400" dirty="0" err="1" smtClean="0">
+                <a:solidFill>
+                  <a:srgbClr val="000000"/>
+                </a:solidFill>
+              </a:rPr>
+              <a:t>nav</a:t>
+            </a:r>
+            <a:r>
+              <a:rPr lang="en-US" altLang="zh-CN" sz="2400" dirty="0" smtClean="0">
+                <a:solidFill>
+                  <a:srgbClr val="000000"/>
+                </a:solidFill>
+              </a:rPr>
+              <a:t>&gt;</a:t>
+            </a:r>
+            <a:r>
+              <a:rPr lang="zh-CN" altLang="en-US" sz="2400" dirty="0" smtClean="0">
+                <a:solidFill>
+                  <a:srgbClr val="000000"/>
+                </a:solidFill>
+              </a:rPr>
+              <a:t>导航标签</a:t>
+            </a:r>
+            <a:r>
+              <a:rPr lang="en-US" altLang="zh-CN" sz="2400" dirty="0" smtClean="0">
+                <a:solidFill>
+                  <a:srgbClr val="000000"/>
+                </a:solidFill>
+              </a:rPr>
+              <a:t>&lt;</a:t>
+            </a:r>
+            <a:r>
+              <a:rPr lang="en-US" altLang="zh-CN" sz="2400" dirty="0" err="1" smtClean="0">
+                <a:solidFill>
+                  <a:srgbClr val="000000"/>
+                </a:solidFill>
+              </a:rPr>
+              <a:t>nav</a:t>
+            </a:r>
+            <a:r>
+              <a:rPr lang="en-US" altLang="zh-CN" sz="2400" dirty="0" smtClean="0">
+                <a:solidFill>
+                  <a:srgbClr val="000000"/>
+                </a:solidFill>
+              </a:rPr>
+              <a:t>&gt;</a:t>
+            </a:r>
+            <a:endParaRPr lang="en-US" altLang="zh-CN" sz="2400" dirty="0">
+              <a:solidFill>
+                <a:srgbClr val="000000"/>
+              </a:solidFill>
+            </a:endParaRPr>
+          </a:p>
+          <a:p>
+            <a:pPr>
+              <a:lnSpc>
+                <a:spcPts val="3200"/>
+              </a:lnSpc>
+            </a:pPr>
+            <a:r>
+              <a:rPr lang="en-US" altLang="zh-CN" sz="2400" dirty="0">
+                <a:solidFill>
+                  <a:srgbClr val="000000"/>
+                </a:solidFill>
+              </a:rPr>
+              <a:t>&lt;/header</a:t>
+            </a:r>
+            <a:r>
+              <a:rPr lang="en-US" altLang="zh-CN" sz="2400" dirty="0" smtClean="0">
+                <a:solidFill>
+                  <a:srgbClr val="000000"/>
+                </a:solidFill>
+              </a:rPr>
+              <a:t>&gt;</a:t>
+            </a:r>
+          </a:p>
+          <a:p>
+            <a:pPr>
+              <a:lnSpc>
+                <a:spcPts val="3200"/>
+              </a:lnSpc>
+            </a:pPr>
+            <a:r>
+              <a:rPr lang="en-US" altLang="zh-CN" sz="2400" dirty="0">
+                <a:solidFill>
+                  <a:srgbClr val="000000"/>
+                </a:solidFill>
+              </a:rPr>
+              <a:t>&lt;section&gt;</a:t>
+            </a:r>
+          </a:p>
+          <a:p>
+            <a:pPr>
+              <a:lnSpc>
+                <a:spcPts val="3200"/>
+              </a:lnSpc>
+            </a:pPr>
+            <a:r>
+              <a:rPr lang="en-US" altLang="zh-CN" sz="2400" dirty="0" smtClean="0">
+                <a:solidFill>
+                  <a:srgbClr val="000000"/>
+                </a:solidFill>
+              </a:rPr>
+              <a:t>      &lt;</a:t>
+            </a:r>
+            <a:r>
+              <a:rPr lang="en-US" altLang="zh-CN" sz="2400" dirty="0">
+                <a:solidFill>
+                  <a:srgbClr val="000000"/>
+                </a:solidFill>
+              </a:rPr>
+              <a:t>article&gt;</a:t>
+            </a:r>
+          </a:p>
+          <a:p>
+            <a:pPr>
+              <a:lnSpc>
+                <a:spcPts val="3200"/>
+              </a:lnSpc>
+            </a:pPr>
+            <a:r>
+              <a:rPr lang="en-US" altLang="zh-CN" sz="2400" dirty="0">
+                <a:solidFill>
+                  <a:srgbClr val="000000"/>
+                </a:solidFill>
+              </a:rPr>
+              <a:t> </a:t>
+            </a:r>
+            <a:r>
+              <a:rPr lang="en-US" altLang="zh-CN" sz="2400" dirty="0" smtClean="0">
+                <a:solidFill>
+                  <a:srgbClr val="000000"/>
+                </a:solidFill>
+              </a:rPr>
+              <a:t>   	  &lt;p&gt;</a:t>
+            </a:r>
+            <a:r>
+              <a:rPr lang="zh-CN" altLang="en-US" sz="2400" dirty="0" smtClean="0">
+                <a:solidFill>
+                  <a:srgbClr val="000000"/>
+                </a:solidFill>
+              </a:rPr>
+              <a:t>主要内容，文章</a:t>
+            </a:r>
+            <a:r>
+              <a:rPr lang="zh-CN" altLang="en-US" sz="2400" dirty="0">
+                <a:solidFill>
+                  <a:srgbClr val="000000"/>
+                </a:solidFill>
+              </a:rPr>
+              <a:t>正文</a:t>
+            </a:r>
+            <a:r>
+              <a:rPr lang="en-US" altLang="zh-CN" sz="2400" dirty="0">
+                <a:solidFill>
+                  <a:srgbClr val="000000"/>
+                </a:solidFill>
+              </a:rPr>
+              <a:t>&lt;/p</a:t>
+            </a:r>
+            <a:r>
+              <a:rPr lang="en-US" altLang="zh-CN" sz="2400" dirty="0" smtClean="0">
+                <a:solidFill>
+                  <a:srgbClr val="000000"/>
+                </a:solidFill>
+              </a:rPr>
+              <a:t>&gt;</a:t>
+            </a:r>
+          </a:p>
+          <a:p>
+            <a:pPr>
+              <a:lnSpc>
+                <a:spcPts val="3200"/>
+              </a:lnSpc>
+            </a:pPr>
+            <a:r>
+              <a:rPr lang="en-US" altLang="zh-CN" sz="2400" dirty="0" smtClean="0">
+                <a:solidFill>
+                  <a:srgbClr val="000000"/>
+                </a:solidFill>
+              </a:rPr>
+              <a:t>      &lt;/</a:t>
+            </a:r>
+            <a:r>
+              <a:rPr lang="en-US" altLang="zh-CN" sz="2400" dirty="0">
+                <a:solidFill>
+                  <a:srgbClr val="000000"/>
+                </a:solidFill>
+              </a:rPr>
+              <a:t>article</a:t>
+            </a:r>
+            <a:r>
+              <a:rPr lang="en-US" altLang="zh-CN" sz="2400" dirty="0" smtClean="0">
+                <a:solidFill>
+                  <a:srgbClr val="000000"/>
+                </a:solidFill>
+              </a:rPr>
+              <a:t>&gt;</a:t>
+            </a:r>
+          </a:p>
+          <a:p>
+            <a:pPr>
+              <a:lnSpc>
+                <a:spcPts val="3200"/>
+              </a:lnSpc>
+            </a:pPr>
+            <a:r>
+              <a:rPr lang="en-US" altLang="zh-CN" sz="2400" dirty="0" smtClean="0">
+                <a:solidFill>
+                  <a:srgbClr val="000000"/>
+                </a:solidFill>
+              </a:rPr>
+              <a:t>      &lt;</a:t>
+            </a:r>
+            <a:r>
+              <a:rPr lang="en-US" altLang="zh-CN" sz="2400" dirty="0">
+                <a:solidFill>
+                  <a:srgbClr val="000000"/>
+                </a:solidFill>
+              </a:rPr>
+              <a:t>aside&gt;</a:t>
+            </a:r>
+            <a:r>
+              <a:rPr lang="zh-CN" altLang="en-US" sz="2400" dirty="0">
+                <a:solidFill>
+                  <a:srgbClr val="000000"/>
+                </a:solidFill>
+              </a:rPr>
+              <a:t>其他内容</a:t>
+            </a:r>
+            <a:r>
+              <a:rPr lang="en-US" altLang="zh-CN" sz="2400" dirty="0">
+                <a:solidFill>
+                  <a:srgbClr val="000000"/>
+                </a:solidFill>
+              </a:rPr>
+              <a:t>&lt;/aside</a:t>
+            </a:r>
+            <a:r>
+              <a:rPr lang="en-US" altLang="zh-CN" sz="2400" dirty="0" smtClean="0">
+                <a:solidFill>
+                  <a:srgbClr val="000000"/>
+                </a:solidFill>
+              </a:rPr>
+              <a:t>&gt;</a:t>
+            </a:r>
+          </a:p>
+          <a:p>
+            <a:pPr>
+              <a:lnSpc>
+                <a:spcPts val="3200"/>
+              </a:lnSpc>
+            </a:pPr>
+            <a:r>
+              <a:rPr lang="en-US" altLang="zh-CN" sz="2400" dirty="0" smtClean="0">
+                <a:solidFill>
+                  <a:srgbClr val="000000"/>
+                </a:solidFill>
+              </a:rPr>
+              <a:t>&lt;</a:t>
+            </a:r>
+            <a:r>
+              <a:rPr lang="en-US" altLang="zh-CN" sz="2400" dirty="0">
+                <a:solidFill>
+                  <a:srgbClr val="000000"/>
+                </a:solidFill>
+              </a:rPr>
+              <a:t>/</a:t>
+            </a:r>
+            <a:r>
+              <a:rPr lang="en-US" altLang="zh-CN" sz="2400" dirty="0" smtClean="0">
+                <a:solidFill>
+                  <a:srgbClr val="000000"/>
+                </a:solidFill>
+              </a:rPr>
+              <a:t>section</a:t>
+            </a:r>
+            <a:r>
+              <a:rPr lang="en-US" altLang="zh-CN" sz="2400" dirty="0">
+                <a:solidFill>
+                  <a:srgbClr val="000000"/>
+                </a:solidFill>
+              </a:rPr>
+              <a:t>&gt;</a:t>
+            </a:r>
+            <a:endParaRPr lang="en-US" altLang="zh-CN" sz="2400" dirty="0" smtClean="0">
+              <a:solidFill>
+                <a:srgbClr val="000000"/>
+              </a:solidFill>
+            </a:endParaRPr>
+          </a:p>
+          <a:p>
+            <a:pPr>
+              <a:lnSpc>
+                <a:spcPts val="3200"/>
+              </a:lnSpc>
+            </a:pPr>
+            <a:r>
+              <a:rPr lang="en-US" altLang="zh-CN" sz="2400" dirty="0" smtClean="0">
+                <a:solidFill>
+                  <a:srgbClr val="000000"/>
+                </a:solidFill>
+              </a:rPr>
+              <a:t>&lt;section&gt;</a:t>
+            </a:r>
+            <a:r>
+              <a:rPr lang="zh-CN" altLang="en-US" sz="2400" dirty="0" smtClean="0">
+                <a:solidFill>
+                  <a:srgbClr val="000000"/>
+                </a:solidFill>
+              </a:rPr>
+              <a:t>区段</a:t>
+            </a:r>
+            <a:r>
+              <a:rPr lang="en-US" altLang="zh-CN" sz="2400" dirty="0" smtClean="0">
+                <a:solidFill>
+                  <a:srgbClr val="000000"/>
+                </a:solidFill>
+              </a:rPr>
+              <a:t>&lt;/section&gt;</a:t>
+            </a:r>
+          </a:p>
+          <a:p>
+            <a:pPr>
+              <a:lnSpc>
+                <a:spcPts val="3200"/>
+              </a:lnSpc>
+            </a:pPr>
+            <a:r>
+              <a:rPr lang="en-US" altLang="zh-CN" sz="2400" dirty="0">
+                <a:solidFill>
+                  <a:srgbClr val="000000"/>
+                </a:solidFill>
+              </a:rPr>
+              <a:t>&lt;footer</a:t>
+            </a:r>
+            <a:r>
+              <a:rPr lang="en-US" altLang="zh-CN" sz="2400" dirty="0" smtClean="0">
+                <a:solidFill>
+                  <a:srgbClr val="000000"/>
+                </a:solidFill>
+              </a:rPr>
+              <a:t>&gt;</a:t>
+            </a:r>
+            <a:r>
+              <a:rPr lang="zh-CN" altLang="en-US" sz="2400" dirty="0" smtClean="0">
+                <a:solidFill>
+                  <a:srgbClr val="000000"/>
+                </a:solidFill>
+              </a:rPr>
+              <a:t>页脚</a:t>
+            </a:r>
+            <a:r>
+              <a:rPr lang="en-US" altLang="zh-CN" sz="2400" dirty="0" smtClean="0">
+                <a:solidFill>
+                  <a:srgbClr val="000000"/>
+                </a:solidFill>
+              </a:rPr>
+              <a:t>&lt;/</a:t>
+            </a:r>
+            <a:r>
+              <a:rPr lang="en-US" altLang="zh-CN" sz="2400" dirty="0">
+                <a:solidFill>
+                  <a:srgbClr val="000000"/>
+                </a:solidFill>
+              </a:rPr>
+              <a:t>footer</a:t>
+            </a:r>
+            <a:r>
+              <a:rPr lang="en-US" altLang="zh-CN" sz="2400" dirty="0" smtClean="0">
+                <a:solidFill>
+                  <a:srgbClr val="000000"/>
+                </a:solidFill>
+              </a:rPr>
+              <a:t>&gt;</a:t>
+            </a:r>
+            <a:endParaRPr lang="en-US" altLang="zh-CN" sz="2400" dirty="0">
+              <a:solidFill>
+                <a:srgbClr val="000000"/>
+              </a:solidFill>
+            </a:endParaRPr>
+          </a:p>
+        </p:txBody>
+      </p:sp>
+      <p:sp>
+        <p:nvSpPr>
+          <p:cNvPr id="9" name="文本框 8"/>
+          <p:cNvSpPr txBox="1"/>
+          <p:nvPr/>
+        </p:nvSpPr>
+        <p:spPr>
+          <a:xfrm>
+            <a:off x="7896825" y="5085759"/>
+            <a:ext cx="3139345" cy="523220"/>
+          </a:xfrm>
+          <a:prstGeom prst="rect">
+            <a:avLst/>
+          </a:prstGeom>
+          <a:noFill/>
+        </p:spPr>
+        <p:txBody>
+          <a:bodyPr wrap="square" rtlCol="0">
+            <a:spAutoFit/>
+          </a:bodyPr>
+          <a:lstStyle/>
+          <a:p>
+            <a:r>
+              <a:rPr lang="en-US" altLang="zh-CN" sz="2800" dirty="0" smtClean="0">
+                <a:solidFill>
+                  <a:srgbClr val="000000"/>
+                </a:solidFill>
+              </a:rPr>
+              <a:t>demo2_1.html</a:t>
+            </a:r>
+            <a:endParaRPr lang="zh-CN" altLang="en-US" sz="2800" dirty="0">
+              <a:solidFill>
+                <a:srgbClr val="000000"/>
+              </a:solidFill>
+            </a:endParaRPr>
+          </a:p>
+        </p:txBody>
+      </p:sp>
+      <p:pic>
+        <p:nvPicPr>
+          <p:cNvPr id="1027" name="Picture 3"/>
+          <p:cNvPicPr>
+            <a:picLocks noChangeAspect="1" noChangeArrowheads="1"/>
+          </p:cNvPicPr>
+          <p:nvPr/>
+        </p:nvPicPr>
+        <p:blipFill>
+          <a:blip r:embed="rId3">
+            <a:extLst>
+              <a:ext uri="{28A0092B-C50C-407E-A947-70E740481C1C}">
+                <a14:useLocalDpi xmlns:a14="http://schemas.microsoft.com/office/drawing/2010/main" val="0"/>
+              </a:ext>
+            </a:extLst>
+          </a:blip>
+          <a:srcRect/>
+          <a:stretch>
+            <a:fillRect/>
+          </a:stretch>
+        </p:blipFill>
+        <p:spPr bwMode="auto">
+          <a:xfrm>
+            <a:off x="8112924" y="1412076"/>
+            <a:ext cx="2000243" cy="2815629"/>
+          </a:xfrm>
+          <a:prstGeom prst="rect">
+            <a:avLst/>
+          </a:prstGeom>
+          <a:noFill/>
+          <a:ln>
+            <a:noFill/>
+          </a:ln>
+          <a:effectLst>
+            <a:outerShdw blurRad="63500" sx="102000" sy="102000" algn="ctr" rotWithShape="0">
+              <a:srgbClr val="00B050">
+                <a:alpha val="40000"/>
+              </a:srgbClr>
+            </a:outerShdw>
+          </a:effectLst>
+          <a:extLst>
+            <a:ext uri="{909E8E84-426E-40DD-AFC4-6F175D3DCCD1}">
+              <a14:hiddenFill xmlns:a14="http://schemas.microsoft.com/office/drawing/2010/main">
+                <a:solidFill>
+                  <a:schemeClr val="accent1"/>
+                </a:solidFill>
+              </a14:hiddenFill>
+            </a:ext>
+            <a:ext uri="{91240B29-F687-4F45-9708-019B960494DF}">
+              <a14:hiddenLine xmlns:a14="http://schemas.microsoft.com/office/drawing/2010/main" w="9525">
+                <a:solidFill>
+                  <a:schemeClr val="tx1"/>
+                </a:solidFill>
+                <a:miter lim="800000"/>
+                <a:headEnd/>
+                <a:tailEnd/>
+              </a14:hiddenLine>
+            </a:ext>
+          </a:extLst>
+        </p:spPr>
+      </p:pic>
+    </p:spTree>
+    <p:extLst>
+      <p:ext uri="{BB962C8B-B14F-4D97-AF65-F5344CB8AC3E}">
+        <p14:creationId xmlns:p14="http://schemas.microsoft.com/office/powerpoint/2010/main" val="2662717809"/>
+      </p:ext>
+    </p:extLst>
+  </p:cSld>
+  <p:clrMapOvr>
+    <a:masterClrMapping/>
+  </p:clrMapOvr>
+  <p:timing>
+    <p:tnLst>
+      <p:par>
+        <p:cTn id="1" dur="indefinite" restart="never" nodeType="tmRoot"/>
+      </p:par>
+    </p:tnLst>
   </p:timing>
 </p:sld>
 </file>
@@ -21436,1248 +22347,6 @@
           <a:chExt cx="0" cy="0"/>
         </a:xfrm>
       </p:grpSpPr>
-      <p:sp>
-        <p:nvSpPr>
-          <p:cNvPr id="7" name="Rectangle 2"/>
-          <p:cNvSpPr txBox="1">
-            <a:spLocks noChangeArrowheads="1"/>
-          </p:cNvSpPr>
-          <p:nvPr>
-            <p:custDataLst>
-              <p:tags r:id="rId1"/>
-            </p:custDataLst>
-          </p:nvPr>
-        </p:nvSpPr>
-        <p:spPr>
-          <a:xfrm>
-            <a:off x="609599" y="190277"/>
-            <a:ext cx="9791700" cy="695548"/>
-          </a:xfrm>
-          <a:prstGeom prst="rect">
-            <a:avLst/>
-          </a:prstGeom>
-        </p:spPr>
-        <p:txBody>
-          <a:bodyPr>
-            <a:noAutofit/>
-          </a:bodyPr>
-          <a:lstStyle>
-            <a:lvl1pPr algn="l" rtl="0" eaLnBrk="1" fontAlgn="base" hangingPunct="1">
-              <a:spcBef>
-                <a:spcPct val="0"/>
-              </a:spcBef>
-              <a:spcAft>
-                <a:spcPct val="0"/>
-              </a:spcAft>
-              <a:defRPr sz="2800" kern="1200">
-                <a:solidFill>
-                  <a:srgbClr val="3376AD"/>
-                </a:solidFill>
-                <a:latin typeface="+mj-lt"/>
-                <a:ea typeface="+mj-ea"/>
-                <a:cs typeface="+mj-cs"/>
-              </a:defRPr>
-            </a:lvl1pPr>
-            <a:lvl2pPr algn="l" rtl="0" eaLnBrk="1" fontAlgn="base" hangingPunct="1">
-              <a:spcBef>
-                <a:spcPct val="0"/>
-              </a:spcBef>
-              <a:spcAft>
-                <a:spcPct val="0"/>
-              </a:spcAft>
-              <a:defRPr sz="3200">
-                <a:solidFill>
-                  <a:srgbClr val="3376AD"/>
-                </a:solidFill>
-                <a:latin typeface="Britannic Bold" pitchFamily="34" charset="0"/>
-                <a:ea typeface="微软雅黑" panose="020B0503020204020204" charset="-122"/>
-                <a:cs typeface="宋体" panose="02010600030101010101" pitchFamily="2" charset="-122"/>
-              </a:defRPr>
-            </a:lvl2pPr>
-            <a:lvl3pPr algn="l" rtl="0" eaLnBrk="1" fontAlgn="base" hangingPunct="1">
-              <a:spcBef>
-                <a:spcPct val="0"/>
-              </a:spcBef>
-              <a:spcAft>
-                <a:spcPct val="0"/>
-              </a:spcAft>
-              <a:defRPr sz="3200">
-                <a:solidFill>
-                  <a:srgbClr val="3376AD"/>
-                </a:solidFill>
-                <a:latin typeface="Britannic Bold" pitchFamily="34" charset="0"/>
-                <a:ea typeface="微软雅黑" panose="020B0503020204020204" charset="-122"/>
-                <a:cs typeface="宋体" panose="02010600030101010101" pitchFamily="2" charset="-122"/>
-              </a:defRPr>
-            </a:lvl3pPr>
-            <a:lvl4pPr algn="l" rtl="0" eaLnBrk="1" fontAlgn="base" hangingPunct="1">
-              <a:spcBef>
-                <a:spcPct val="0"/>
-              </a:spcBef>
-              <a:spcAft>
-                <a:spcPct val="0"/>
-              </a:spcAft>
-              <a:defRPr sz="3200">
-                <a:solidFill>
-                  <a:srgbClr val="3376AD"/>
-                </a:solidFill>
-                <a:latin typeface="Britannic Bold" pitchFamily="34" charset="0"/>
-                <a:ea typeface="微软雅黑" panose="020B0503020204020204" charset="-122"/>
-                <a:cs typeface="宋体" panose="02010600030101010101" pitchFamily="2" charset="-122"/>
-              </a:defRPr>
-            </a:lvl4pPr>
-            <a:lvl5pPr algn="l" rtl="0" eaLnBrk="1" fontAlgn="base" hangingPunct="1">
-              <a:spcBef>
-                <a:spcPct val="0"/>
-              </a:spcBef>
-              <a:spcAft>
-                <a:spcPct val="0"/>
-              </a:spcAft>
-              <a:defRPr sz="3200">
-                <a:solidFill>
-                  <a:srgbClr val="3376AD"/>
-                </a:solidFill>
-                <a:latin typeface="Britannic Bold" pitchFamily="34" charset="0"/>
-                <a:ea typeface="微软雅黑" panose="020B0503020204020204" charset="-122"/>
-                <a:cs typeface="宋体" panose="02010600030101010101" pitchFamily="2" charset="-122"/>
-              </a:defRPr>
-            </a:lvl5pPr>
-            <a:lvl6pPr marL="457200" algn="ctr" rtl="0" eaLnBrk="1" fontAlgn="base" hangingPunct="1">
-              <a:spcBef>
-                <a:spcPct val="0"/>
-              </a:spcBef>
-              <a:spcAft>
-                <a:spcPct val="0"/>
-              </a:spcAft>
-              <a:defRPr sz="3200">
-                <a:solidFill>
-                  <a:schemeClr val="tx2"/>
-                </a:solidFill>
-                <a:latin typeface="Arial" panose="020B0604020202020204" pitchFamily="34" charset="0"/>
-                <a:ea typeface="微软雅黑" panose="020B0503020204020204" charset="-122"/>
-                <a:cs typeface="宋体" panose="02010600030101010101" pitchFamily="2" charset="-122"/>
-              </a:defRPr>
-            </a:lvl6pPr>
-            <a:lvl7pPr marL="914400" algn="ctr" rtl="0" eaLnBrk="1" fontAlgn="base" hangingPunct="1">
-              <a:spcBef>
-                <a:spcPct val="0"/>
-              </a:spcBef>
-              <a:spcAft>
-                <a:spcPct val="0"/>
-              </a:spcAft>
-              <a:defRPr sz="3200">
-                <a:solidFill>
-                  <a:schemeClr val="tx2"/>
-                </a:solidFill>
-                <a:latin typeface="Arial" panose="020B0604020202020204" pitchFamily="34" charset="0"/>
-                <a:ea typeface="微软雅黑" panose="020B0503020204020204" charset="-122"/>
-                <a:cs typeface="宋体" panose="02010600030101010101" pitchFamily="2" charset="-122"/>
-              </a:defRPr>
-            </a:lvl7pPr>
-            <a:lvl8pPr marL="1371600" algn="ctr" rtl="0" eaLnBrk="1" fontAlgn="base" hangingPunct="1">
-              <a:spcBef>
-                <a:spcPct val="0"/>
-              </a:spcBef>
-              <a:spcAft>
-                <a:spcPct val="0"/>
-              </a:spcAft>
-              <a:defRPr sz="3200">
-                <a:solidFill>
-                  <a:schemeClr val="tx2"/>
-                </a:solidFill>
-                <a:latin typeface="Arial" panose="020B0604020202020204" pitchFamily="34" charset="0"/>
-                <a:ea typeface="微软雅黑" panose="020B0503020204020204" charset="-122"/>
-                <a:cs typeface="宋体" panose="02010600030101010101" pitchFamily="2" charset="-122"/>
-              </a:defRPr>
-            </a:lvl8pPr>
-            <a:lvl9pPr marL="1828800" algn="ctr" rtl="0" eaLnBrk="1" fontAlgn="base" hangingPunct="1">
-              <a:spcBef>
-                <a:spcPct val="0"/>
-              </a:spcBef>
-              <a:spcAft>
-                <a:spcPct val="0"/>
-              </a:spcAft>
-              <a:defRPr sz="3200">
-                <a:solidFill>
-                  <a:schemeClr val="tx2"/>
-                </a:solidFill>
-                <a:latin typeface="Arial" panose="020B0604020202020204" pitchFamily="34" charset="0"/>
-                <a:ea typeface="微软雅黑" panose="020B0503020204020204" charset="-122"/>
-                <a:cs typeface="宋体" panose="02010600030101010101" pitchFamily="2" charset="-122"/>
-              </a:defRPr>
-            </a:lvl9pPr>
-          </a:lstStyle>
-          <a:p>
-            <a:r>
-              <a:rPr lang="en-US" altLang="zh-CN" sz="4000" dirty="0"/>
-              <a:t>footer</a:t>
-            </a:r>
-            <a:r>
-              <a:rPr lang="zh-CN" altLang="en-US" sz="4000" dirty="0" smtClean="0"/>
-              <a:t>元素 </a:t>
-            </a:r>
-            <a:endParaRPr lang="zh-CN" altLang="en-US" sz="4000" dirty="0"/>
-          </a:p>
-        </p:txBody>
-      </p:sp>
-      <p:sp>
-        <p:nvSpPr>
-          <p:cNvPr id="2" name="内容占位符 1"/>
-          <p:cNvSpPr>
-            <a:spLocks noGrp="1"/>
-          </p:cNvSpPr>
-          <p:nvPr>
-            <p:ph sz="quarter" idx="10"/>
-          </p:nvPr>
-        </p:nvSpPr>
-        <p:spPr>
-          <a:xfrm>
-            <a:off x="765557" y="1141828"/>
-            <a:ext cx="10444785" cy="1638875"/>
-          </a:xfrm>
-        </p:spPr>
-        <p:txBody>
-          <a:bodyPr/>
-          <a:lstStyle/>
-          <a:p>
-            <a:pPr>
-              <a:lnSpc>
-                <a:spcPct val="140000"/>
-              </a:lnSpc>
-              <a:spcBef>
-                <a:spcPts val="600"/>
-              </a:spcBef>
-            </a:pPr>
-            <a:r>
-              <a:rPr lang="en-US" altLang="zh-CN" dirty="0">
-                <a:solidFill>
-                  <a:srgbClr val="000000"/>
-                </a:solidFill>
-                <a:latin typeface="微软雅黑" panose="020B0503020204020204" pitchFamily="34" charset="-122"/>
-                <a:ea typeface="微软雅黑" panose="020B0503020204020204" pitchFamily="34" charset="-122"/>
-              </a:rPr>
-              <a:t>footer</a:t>
-            </a:r>
-            <a:r>
-              <a:rPr lang="zh-CN" altLang="en-US" dirty="0" smtClean="0">
-                <a:solidFill>
-                  <a:srgbClr val="000000"/>
-                </a:solidFill>
-                <a:latin typeface="微软雅黑" panose="020B0503020204020204" pitchFamily="34" charset="-122"/>
-                <a:ea typeface="微软雅黑" panose="020B0503020204020204" pitchFamily="34" charset="-122"/>
-              </a:rPr>
-              <a:t>元素定义</a:t>
-            </a:r>
-            <a:r>
-              <a:rPr lang="zh-CN" altLang="en-US" dirty="0" smtClean="0">
-                <a:solidFill>
-                  <a:srgbClr val="C00000"/>
-                </a:solidFill>
-                <a:latin typeface="微软雅黑" panose="020B0503020204020204" pitchFamily="34" charset="-122"/>
-                <a:ea typeface="微软雅黑" panose="020B0503020204020204" pitchFamily="34" charset="-122"/>
-              </a:rPr>
-              <a:t>页脚</a:t>
-            </a:r>
-            <a:r>
-              <a:rPr lang="zh-CN" altLang="en-US" dirty="0" smtClean="0">
-                <a:solidFill>
-                  <a:srgbClr val="000000"/>
-                </a:solidFill>
-                <a:latin typeface="微软雅黑" panose="020B0503020204020204" pitchFamily="34" charset="-122"/>
-                <a:ea typeface="微软雅黑" panose="020B0503020204020204" pitchFamily="34" charset="-122"/>
-              </a:rPr>
-              <a:t>。</a:t>
-            </a:r>
-            <a:r>
-              <a:rPr lang="zh-CN" altLang="en-US" dirty="0">
-                <a:solidFill>
-                  <a:srgbClr val="000000"/>
-                </a:solidFill>
-                <a:latin typeface="微软雅黑" panose="020B0503020204020204" pitchFamily="34" charset="-122"/>
-                <a:ea typeface="微软雅黑" panose="020B0503020204020204" pitchFamily="34" charset="-122"/>
-              </a:rPr>
-              <a:t>通常包括其相关区块的脚注信息，如作者、文档的创作日期以及版权信息等。</a:t>
-            </a:r>
-          </a:p>
-          <a:p>
-            <a:endParaRPr lang="zh-CN" altLang="en-US" dirty="0"/>
-          </a:p>
-        </p:txBody>
-      </p:sp>
-      <p:sp>
-        <p:nvSpPr>
-          <p:cNvPr id="5" name="内容占位符 1"/>
-          <p:cNvSpPr>
-            <a:spLocks noGrp="1"/>
-          </p:cNvSpPr>
-          <p:nvPr>
-            <p:ph sz="quarter" idx="10"/>
-          </p:nvPr>
-        </p:nvSpPr>
-        <p:spPr>
-          <a:xfrm>
-            <a:off x="765558" y="5517957"/>
-            <a:ext cx="10092908" cy="1148392"/>
-          </a:xfrm>
-        </p:spPr>
-        <p:txBody>
-          <a:bodyPr/>
-          <a:lstStyle/>
-          <a:p>
-            <a:pPr marL="806450" lvl="1" indent="-374650">
-              <a:lnSpc>
-                <a:spcPct val="140000"/>
-              </a:lnSpc>
-              <a:spcBef>
-                <a:spcPts val="0"/>
-              </a:spcBef>
-              <a:buClr>
-                <a:srgbClr val="5B9BCF"/>
-              </a:buClr>
-              <a:buFont typeface="Wingdings" panose="05000000000000000000" charset="0"/>
-              <a:buChar char="Ø"/>
-            </a:pPr>
-            <a:r>
-              <a:rPr lang="zh-CN" altLang="en-US" sz="2600" dirty="0">
-                <a:solidFill>
-                  <a:srgbClr val="C00000"/>
-                </a:solidFill>
-                <a:latin typeface="微软雅黑" panose="020B0503020204020204" pitchFamily="34" charset="-122"/>
-                <a:ea typeface="微软雅黑" panose="020B0503020204020204" pitchFamily="34" charset="-122"/>
-              </a:rPr>
-              <a:t>一个页面中不限制只可以用一个</a:t>
-            </a:r>
-            <a:r>
-              <a:rPr lang="en-US" altLang="zh-CN" sz="2600" dirty="0">
-                <a:solidFill>
-                  <a:srgbClr val="C00000"/>
-                </a:solidFill>
-                <a:latin typeface="微软雅黑" panose="020B0503020204020204" pitchFamily="34" charset="-122"/>
-                <a:ea typeface="微软雅黑" panose="020B0503020204020204" pitchFamily="34" charset="-122"/>
-              </a:rPr>
-              <a:t>footer</a:t>
-            </a:r>
-            <a:r>
-              <a:rPr lang="zh-CN" altLang="en-US" sz="2600" dirty="0">
-                <a:solidFill>
-                  <a:srgbClr val="C00000"/>
-                </a:solidFill>
-                <a:latin typeface="微软雅黑" panose="020B0503020204020204" pitchFamily="34" charset="-122"/>
-                <a:ea typeface="微软雅黑" panose="020B0503020204020204" pitchFamily="34" charset="-122"/>
-              </a:rPr>
-              <a:t>元素。可以为</a:t>
-            </a:r>
-            <a:r>
-              <a:rPr lang="en-US" altLang="zh-CN" sz="2600" dirty="0">
-                <a:solidFill>
-                  <a:srgbClr val="C00000"/>
-                </a:solidFill>
-                <a:latin typeface="微软雅黑" panose="020B0503020204020204" pitchFamily="34" charset="-122"/>
-                <a:ea typeface="微软雅黑" panose="020B0503020204020204" pitchFamily="34" charset="-122"/>
-              </a:rPr>
-              <a:t>article</a:t>
-            </a:r>
-            <a:r>
-              <a:rPr lang="zh-CN" altLang="en-US" sz="2600" dirty="0">
-                <a:solidFill>
-                  <a:srgbClr val="C00000"/>
-                </a:solidFill>
-                <a:latin typeface="微软雅黑" panose="020B0503020204020204" pitchFamily="34" charset="-122"/>
-                <a:ea typeface="微软雅黑" panose="020B0503020204020204" pitchFamily="34" charset="-122"/>
-              </a:rPr>
-              <a:t>元素或</a:t>
-            </a:r>
-            <a:r>
-              <a:rPr lang="en-US" altLang="zh-CN" sz="2600" dirty="0">
-                <a:solidFill>
-                  <a:srgbClr val="C00000"/>
-                </a:solidFill>
-                <a:latin typeface="微软雅黑" panose="020B0503020204020204" pitchFamily="34" charset="-122"/>
-                <a:ea typeface="微软雅黑" panose="020B0503020204020204" pitchFamily="34" charset="-122"/>
-              </a:rPr>
-              <a:t>section</a:t>
-            </a:r>
-            <a:r>
-              <a:rPr lang="zh-CN" altLang="en-US" sz="2600" dirty="0">
-                <a:solidFill>
-                  <a:srgbClr val="C00000"/>
-                </a:solidFill>
-                <a:latin typeface="微软雅黑" panose="020B0503020204020204" pitchFamily="34" charset="-122"/>
-                <a:ea typeface="微软雅黑" panose="020B0503020204020204" pitchFamily="34" charset="-122"/>
-              </a:rPr>
-              <a:t>元素添加</a:t>
-            </a:r>
-            <a:r>
-              <a:rPr lang="en-US" altLang="zh-CN" sz="2600" dirty="0">
-                <a:solidFill>
-                  <a:srgbClr val="C00000"/>
-                </a:solidFill>
-                <a:latin typeface="微软雅黑" panose="020B0503020204020204" pitchFamily="34" charset="-122"/>
-                <a:ea typeface="微软雅黑" panose="020B0503020204020204" pitchFamily="34" charset="-122"/>
-              </a:rPr>
-              <a:t>footer</a:t>
-            </a:r>
-            <a:r>
-              <a:rPr lang="zh-CN" altLang="en-US" sz="2600" dirty="0">
-                <a:solidFill>
-                  <a:srgbClr val="C00000"/>
-                </a:solidFill>
-                <a:latin typeface="微软雅黑" panose="020B0503020204020204" pitchFamily="34" charset="-122"/>
-                <a:ea typeface="微软雅黑" panose="020B0503020204020204" pitchFamily="34" charset="-122"/>
-              </a:rPr>
-              <a:t>。</a:t>
-            </a:r>
-          </a:p>
-        </p:txBody>
-      </p:sp>
-      <p:sp>
-        <p:nvSpPr>
-          <p:cNvPr id="6" name="文本框 5"/>
-          <p:cNvSpPr txBox="1"/>
-          <p:nvPr/>
-        </p:nvSpPr>
-        <p:spPr>
-          <a:xfrm>
-            <a:off x="1366423" y="2564604"/>
-            <a:ext cx="3721115" cy="2893100"/>
-          </a:xfrm>
-          <a:prstGeom prst="rect">
-            <a:avLst/>
-          </a:prstGeom>
-          <a:solidFill>
-            <a:schemeClr val="accent6">
-              <a:lumMod val="20000"/>
-              <a:lumOff val="80000"/>
-            </a:schemeClr>
-          </a:solidFill>
-        </p:spPr>
-        <p:txBody>
-          <a:bodyPr wrap="square" rtlCol="0">
-            <a:spAutoFit/>
-          </a:bodyPr>
-          <a:lstStyle/>
-          <a:p>
-            <a:r>
-              <a:rPr lang="en-US" altLang="zh-CN" sz="2600" dirty="0">
-                <a:solidFill>
-                  <a:srgbClr val="000000"/>
-                </a:solidFill>
-              </a:rPr>
-              <a:t>&lt;div id="footer"&gt;</a:t>
-            </a:r>
-          </a:p>
-          <a:p>
-            <a:r>
-              <a:rPr lang="en-US" altLang="zh-CN" sz="2600" dirty="0">
-                <a:solidFill>
-                  <a:srgbClr val="000000"/>
-                </a:solidFill>
-              </a:rPr>
-              <a:t>    &lt;</a:t>
-            </a:r>
-            <a:r>
-              <a:rPr lang="en-US" altLang="zh-CN" sz="2600" dirty="0" err="1">
-                <a:solidFill>
-                  <a:srgbClr val="000000"/>
-                </a:solidFill>
-              </a:rPr>
-              <a:t>ul</a:t>
-            </a:r>
-            <a:r>
-              <a:rPr lang="en-US" altLang="zh-CN" sz="2600" dirty="0">
-                <a:solidFill>
-                  <a:srgbClr val="000000"/>
-                </a:solidFill>
-              </a:rPr>
-              <a:t>&gt;</a:t>
-            </a:r>
-          </a:p>
-          <a:p>
-            <a:r>
-              <a:rPr lang="en-US" altLang="zh-CN" sz="2600" dirty="0">
-                <a:solidFill>
-                  <a:srgbClr val="000000"/>
-                </a:solidFill>
-              </a:rPr>
-              <a:t>        &lt;li&gt;</a:t>
-            </a:r>
-            <a:r>
-              <a:rPr lang="zh-CN" altLang="en-US" sz="2600" dirty="0">
-                <a:solidFill>
-                  <a:srgbClr val="000000"/>
-                </a:solidFill>
-              </a:rPr>
-              <a:t>版权信息</a:t>
-            </a:r>
-            <a:r>
-              <a:rPr lang="en-US" altLang="zh-CN" sz="2600" dirty="0">
-                <a:solidFill>
-                  <a:srgbClr val="000000"/>
-                </a:solidFill>
-              </a:rPr>
-              <a:t>&lt;/li&gt;</a:t>
-            </a:r>
-          </a:p>
-          <a:p>
-            <a:r>
-              <a:rPr lang="en-US" altLang="zh-CN" sz="2600" dirty="0">
-                <a:solidFill>
-                  <a:srgbClr val="000000"/>
-                </a:solidFill>
-              </a:rPr>
-              <a:t>        &lt;li&gt;</a:t>
-            </a:r>
-            <a:r>
-              <a:rPr lang="zh-CN" altLang="en-US" sz="2600" dirty="0">
-                <a:solidFill>
-                  <a:srgbClr val="000000"/>
-                </a:solidFill>
-              </a:rPr>
-              <a:t>站点地图</a:t>
-            </a:r>
-            <a:r>
-              <a:rPr lang="en-US" altLang="zh-CN" sz="2600" dirty="0">
-                <a:solidFill>
-                  <a:srgbClr val="000000"/>
-                </a:solidFill>
-              </a:rPr>
-              <a:t>&lt;/li&gt;</a:t>
-            </a:r>
-          </a:p>
-          <a:p>
-            <a:r>
-              <a:rPr lang="en-US" altLang="zh-CN" sz="2600" dirty="0">
-                <a:solidFill>
-                  <a:srgbClr val="000000"/>
-                </a:solidFill>
-              </a:rPr>
-              <a:t>        &lt;li&gt;</a:t>
-            </a:r>
-            <a:r>
-              <a:rPr lang="zh-CN" altLang="en-US" sz="2600" dirty="0">
-                <a:solidFill>
-                  <a:srgbClr val="000000"/>
-                </a:solidFill>
-              </a:rPr>
-              <a:t>联系方式</a:t>
-            </a:r>
-            <a:r>
-              <a:rPr lang="en-US" altLang="zh-CN" sz="2600" dirty="0">
-                <a:solidFill>
-                  <a:srgbClr val="000000"/>
-                </a:solidFill>
-              </a:rPr>
-              <a:t>&lt;/li&gt;</a:t>
-            </a:r>
-          </a:p>
-          <a:p>
-            <a:r>
-              <a:rPr lang="en-US" altLang="zh-CN" sz="2600" dirty="0">
-                <a:solidFill>
-                  <a:srgbClr val="000000"/>
-                </a:solidFill>
-              </a:rPr>
-              <a:t>    &lt;/</a:t>
-            </a:r>
-            <a:r>
-              <a:rPr lang="en-US" altLang="zh-CN" sz="2600" dirty="0" err="1">
-                <a:solidFill>
-                  <a:srgbClr val="000000"/>
-                </a:solidFill>
-              </a:rPr>
-              <a:t>ul</a:t>
-            </a:r>
-            <a:r>
-              <a:rPr lang="en-US" altLang="zh-CN" sz="2600" dirty="0">
-                <a:solidFill>
-                  <a:srgbClr val="000000"/>
-                </a:solidFill>
-              </a:rPr>
-              <a:t>&gt;</a:t>
-            </a:r>
-          </a:p>
-          <a:p>
-            <a:r>
-              <a:rPr lang="en-US" altLang="zh-CN" sz="2600" dirty="0">
-                <a:solidFill>
-                  <a:srgbClr val="000000"/>
-                </a:solidFill>
-              </a:rPr>
-              <a:t>&lt;div&gt;</a:t>
-            </a:r>
-            <a:endParaRPr lang="zh-CN" altLang="en-US" sz="2600" dirty="0">
-              <a:solidFill>
-                <a:srgbClr val="000000"/>
-              </a:solidFill>
-            </a:endParaRPr>
-          </a:p>
-        </p:txBody>
-      </p:sp>
-      <p:sp>
-        <p:nvSpPr>
-          <p:cNvPr id="3" name="右箭头 2"/>
-          <p:cNvSpPr/>
-          <p:nvPr/>
-        </p:nvSpPr>
-        <p:spPr>
-          <a:xfrm>
-            <a:off x="5375670" y="3735016"/>
-            <a:ext cx="864396" cy="576264"/>
-          </a:xfrm>
-          <a:prstGeom prst="rightArrow">
-            <a:avLst/>
-          </a:prstGeom>
-        </p:spPr>
-        <p:style>
-          <a:lnRef idx="2">
-            <a:schemeClr val="accent1">
-              <a:shade val="50000"/>
-            </a:schemeClr>
-          </a:lnRef>
-          <a:fillRef idx="1">
-            <a:schemeClr val="accent1"/>
-          </a:fillRef>
-          <a:effectRef idx="0">
-            <a:schemeClr val="accent1"/>
-          </a:effectRef>
-          <a:fontRef idx="minor">
-            <a:schemeClr val="lt1"/>
-          </a:fontRef>
-        </p:style>
-        <p:txBody>
-          <a:bodyPr rtlCol="0" anchor="ctr"/>
-          <a:lstStyle/>
-          <a:p>
-            <a:pPr algn="ctr"/>
-            <a:endParaRPr lang="zh-CN" altLang="en-US"/>
-          </a:p>
-        </p:txBody>
-      </p:sp>
-      <p:sp>
-        <p:nvSpPr>
-          <p:cNvPr id="8" name="文本框 7"/>
-          <p:cNvSpPr txBox="1"/>
-          <p:nvPr/>
-        </p:nvSpPr>
-        <p:spPr>
-          <a:xfrm>
-            <a:off x="6526430" y="2564604"/>
-            <a:ext cx="3721115" cy="2893100"/>
-          </a:xfrm>
-          <a:prstGeom prst="rect">
-            <a:avLst/>
-          </a:prstGeom>
-          <a:solidFill>
-            <a:schemeClr val="accent6">
-              <a:lumMod val="20000"/>
-              <a:lumOff val="80000"/>
-            </a:schemeClr>
-          </a:solidFill>
-        </p:spPr>
-        <p:txBody>
-          <a:bodyPr wrap="square" rtlCol="0">
-            <a:spAutoFit/>
-          </a:bodyPr>
-          <a:lstStyle/>
-          <a:p>
-            <a:r>
-              <a:rPr lang="en-US" altLang="zh-CN" sz="2600" dirty="0">
-                <a:solidFill>
-                  <a:srgbClr val="000000"/>
-                </a:solidFill>
-              </a:rPr>
-              <a:t>&lt;footer&gt;</a:t>
-            </a:r>
-          </a:p>
-          <a:p>
-            <a:r>
-              <a:rPr lang="en-US" altLang="zh-CN" sz="2600" dirty="0">
-                <a:solidFill>
-                  <a:srgbClr val="000000"/>
-                </a:solidFill>
-              </a:rPr>
-              <a:t>    &lt;</a:t>
-            </a:r>
-            <a:r>
-              <a:rPr lang="en-US" altLang="zh-CN" sz="2600" dirty="0" err="1">
-                <a:solidFill>
-                  <a:srgbClr val="000000"/>
-                </a:solidFill>
-              </a:rPr>
-              <a:t>ul</a:t>
-            </a:r>
-            <a:r>
-              <a:rPr lang="en-US" altLang="zh-CN" sz="2600" dirty="0">
-                <a:solidFill>
-                  <a:srgbClr val="000000"/>
-                </a:solidFill>
-              </a:rPr>
-              <a:t>&gt;</a:t>
-            </a:r>
-          </a:p>
-          <a:p>
-            <a:r>
-              <a:rPr lang="en-US" altLang="zh-CN" sz="2600" dirty="0">
-                <a:solidFill>
-                  <a:srgbClr val="000000"/>
-                </a:solidFill>
-              </a:rPr>
-              <a:t>        &lt;li&gt;</a:t>
-            </a:r>
-            <a:r>
-              <a:rPr lang="zh-CN" altLang="en-US" sz="2600" dirty="0">
-                <a:solidFill>
-                  <a:srgbClr val="000000"/>
-                </a:solidFill>
-              </a:rPr>
-              <a:t>版权信息</a:t>
-            </a:r>
-            <a:r>
-              <a:rPr lang="en-US" altLang="zh-CN" sz="2600" dirty="0">
-                <a:solidFill>
-                  <a:srgbClr val="000000"/>
-                </a:solidFill>
-              </a:rPr>
-              <a:t>&lt;/li&gt;</a:t>
-            </a:r>
-          </a:p>
-          <a:p>
-            <a:r>
-              <a:rPr lang="en-US" altLang="zh-CN" sz="2600" dirty="0">
-                <a:solidFill>
-                  <a:srgbClr val="000000"/>
-                </a:solidFill>
-              </a:rPr>
-              <a:t>        &lt;li&gt;</a:t>
-            </a:r>
-            <a:r>
-              <a:rPr lang="zh-CN" altLang="en-US" sz="2600" dirty="0">
-                <a:solidFill>
-                  <a:srgbClr val="000000"/>
-                </a:solidFill>
-              </a:rPr>
-              <a:t>站点地图</a:t>
-            </a:r>
-            <a:r>
-              <a:rPr lang="en-US" altLang="zh-CN" sz="2600" dirty="0">
-                <a:solidFill>
-                  <a:srgbClr val="000000"/>
-                </a:solidFill>
-              </a:rPr>
-              <a:t>&lt;/li&gt;</a:t>
-            </a:r>
-          </a:p>
-          <a:p>
-            <a:r>
-              <a:rPr lang="en-US" altLang="zh-CN" sz="2600" dirty="0">
-                <a:solidFill>
-                  <a:srgbClr val="000000"/>
-                </a:solidFill>
-              </a:rPr>
-              <a:t>        &lt;li&gt;</a:t>
-            </a:r>
-            <a:r>
-              <a:rPr lang="zh-CN" altLang="en-US" sz="2600" dirty="0">
-                <a:solidFill>
-                  <a:srgbClr val="000000"/>
-                </a:solidFill>
-              </a:rPr>
-              <a:t>联系方式</a:t>
-            </a:r>
-            <a:r>
-              <a:rPr lang="en-US" altLang="zh-CN" sz="2600" dirty="0">
-                <a:solidFill>
-                  <a:srgbClr val="000000"/>
-                </a:solidFill>
-              </a:rPr>
-              <a:t>&lt;/li&gt;</a:t>
-            </a:r>
-          </a:p>
-          <a:p>
-            <a:r>
-              <a:rPr lang="en-US" altLang="zh-CN" sz="2600" dirty="0">
-                <a:solidFill>
-                  <a:srgbClr val="000000"/>
-                </a:solidFill>
-              </a:rPr>
-              <a:t>    &lt;/</a:t>
-            </a:r>
-            <a:r>
-              <a:rPr lang="en-US" altLang="zh-CN" sz="2600" dirty="0" err="1">
-                <a:solidFill>
-                  <a:srgbClr val="000000"/>
-                </a:solidFill>
-              </a:rPr>
-              <a:t>ul</a:t>
-            </a:r>
-            <a:r>
-              <a:rPr lang="en-US" altLang="zh-CN" sz="2600" dirty="0">
-                <a:solidFill>
-                  <a:srgbClr val="000000"/>
-                </a:solidFill>
-              </a:rPr>
-              <a:t>&gt;</a:t>
-            </a:r>
-          </a:p>
-          <a:p>
-            <a:r>
-              <a:rPr lang="en-US" altLang="zh-CN" sz="2600" dirty="0">
-                <a:solidFill>
-                  <a:srgbClr val="000000"/>
-                </a:solidFill>
-              </a:rPr>
-              <a:t>&lt;/footer&gt;</a:t>
-            </a:r>
-            <a:endParaRPr lang="zh-CN" altLang="en-US" sz="2600" dirty="0">
-              <a:solidFill>
-                <a:srgbClr val="000000"/>
-              </a:solidFill>
-            </a:endParaRPr>
-          </a:p>
-        </p:txBody>
-      </p:sp>
-    </p:spTree>
-    <p:extLst>
-      <p:ext uri="{BB962C8B-B14F-4D97-AF65-F5344CB8AC3E}">
-        <p14:creationId xmlns:p14="http://schemas.microsoft.com/office/powerpoint/2010/main" val="3780138815"/>
-      </p:ext>
-    </p:extLst>
-  </p:cSld>
-  <p:clrMapOvr>
-    <a:masterClrMapping/>
-  </p:clrMapOvr>
-  <p:timing>
-    <p:tnLst>
-      <p:par>
-        <p:cTn id="1" dur="indefinite" restart="never" nodeType="tmRoot">
-          <p:childTnLst>
-            <p:seq concurrent="1" nextAc="seek">
-              <p:cTn id="2" dur="indefinite" nodeType="mainSeq">
-                <p:childTnLst>
-                  <p:par>
-                    <p:cTn id="3" fill="hold">
-                      <p:stCondLst>
-                        <p:cond delay="indefinite"/>
-                      </p:stCondLst>
-                      <p:childTnLst>
-                        <p:par>
-                          <p:cTn id="4" fill="hold">
-                            <p:stCondLst>
-                              <p:cond delay="0"/>
-                            </p:stCondLst>
-                            <p:childTnLst>
-                              <p:par>
-                                <p:cTn id="5" presetID="42" presetClass="entr" presetSubtype="0" fill="hold" grpId="0" nodeType="clickEffect">
-                                  <p:stCondLst>
-                                    <p:cond delay="0"/>
-                                  </p:stCondLst>
-                                  <p:childTnLst>
-                                    <p:set>
-                                      <p:cBhvr>
-                                        <p:cTn id="6" dur="1" fill="hold">
-                                          <p:stCondLst>
-                                            <p:cond delay="0"/>
-                                          </p:stCondLst>
-                                        </p:cTn>
-                                        <p:tgtEl>
-                                          <p:spTgt spid="3"/>
-                                        </p:tgtEl>
-                                        <p:attrNameLst>
-                                          <p:attrName>style.visibility</p:attrName>
-                                        </p:attrNameLst>
-                                      </p:cBhvr>
-                                      <p:to>
-                                        <p:strVal val="visible"/>
-                                      </p:to>
-                                    </p:set>
-                                    <p:animEffect transition="in" filter="fade">
-                                      <p:cBhvr>
-                                        <p:cTn id="7" dur="1000"/>
-                                        <p:tgtEl>
-                                          <p:spTgt spid="3"/>
-                                        </p:tgtEl>
-                                      </p:cBhvr>
-                                    </p:animEffect>
-                                    <p:anim calcmode="lin" valueType="num">
-                                      <p:cBhvr>
-                                        <p:cTn id="8" dur="1000" fill="hold"/>
-                                        <p:tgtEl>
-                                          <p:spTgt spid="3"/>
-                                        </p:tgtEl>
-                                        <p:attrNameLst>
-                                          <p:attrName>ppt_x</p:attrName>
-                                        </p:attrNameLst>
-                                      </p:cBhvr>
-                                      <p:tavLst>
-                                        <p:tav tm="0">
-                                          <p:val>
-                                            <p:strVal val="#ppt_x"/>
-                                          </p:val>
-                                        </p:tav>
-                                        <p:tav tm="100000">
-                                          <p:val>
-                                            <p:strVal val="#ppt_x"/>
-                                          </p:val>
-                                        </p:tav>
-                                      </p:tavLst>
-                                    </p:anim>
-                                    <p:anim calcmode="lin" valueType="num">
-                                      <p:cBhvr>
-                                        <p:cTn id="9" dur="1000" fill="hold"/>
-                                        <p:tgtEl>
-                                          <p:spTgt spid="3"/>
-                                        </p:tgtEl>
-                                        <p:attrNameLst>
-                                          <p:attrName>ppt_y</p:attrName>
-                                        </p:attrNameLst>
-                                      </p:cBhvr>
-                                      <p:tavLst>
-                                        <p:tav tm="0">
-                                          <p:val>
-                                            <p:strVal val="#ppt_y+.1"/>
-                                          </p:val>
-                                        </p:tav>
-                                        <p:tav tm="100000">
-                                          <p:val>
-                                            <p:strVal val="#ppt_y"/>
-                                          </p:val>
-                                        </p:tav>
-                                      </p:tavLst>
-                                    </p:anim>
-                                  </p:childTnLst>
-                                </p:cTn>
-                              </p:par>
-                              <p:par>
-                                <p:cTn id="10" presetID="42" presetClass="entr" presetSubtype="0" fill="hold" grpId="0" nodeType="withEffect">
-                                  <p:stCondLst>
-                                    <p:cond delay="0"/>
-                                  </p:stCondLst>
-                                  <p:childTnLst>
-                                    <p:set>
-                                      <p:cBhvr>
-                                        <p:cTn id="11" dur="1" fill="hold">
-                                          <p:stCondLst>
-                                            <p:cond delay="0"/>
-                                          </p:stCondLst>
-                                        </p:cTn>
-                                        <p:tgtEl>
-                                          <p:spTgt spid="8"/>
-                                        </p:tgtEl>
-                                        <p:attrNameLst>
-                                          <p:attrName>style.visibility</p:attrName>
-                                        </p:attrNameLst>
-                                      </p:cBhvr>
-                                      <p:to>
-                                        <p:strVal val="visible"/>
-                                      </p:to>
-                                    </p:set>
-                                    <p:animEffect transition="in" filter="fade">
-                                      <p:cBhvr>
-                                        <p:cTn id="12" dur="1000"/>
-                                        <p:tgtEl>
-                                          <p:spTgt spid="8"/>
-                                        </p:tgtEl>
-                                      </p:cBhvr>
-                                    </p:animEffect>
-                                    <p:anim calcmode="lin" valueType="num">
-                                      <p:cBhvr>
-                                        <p:cTn id="13" dur="1000" fill="hold"/>
-                                        <p:tgtEl>
-                                          <p:spTgt spid="8"/>
-                                        </p:tgtEl>
-                                        <p:attrNameLst>
-                                          <p:attrName>ppt_x</p:attrName>
-                                        </p:attrNameLst>
-                                      </p:cBhvr>
-                                      <p:tavLst>
-                                        <p:tav tm="0">
-                                          <p:val>
-                                            <p:strVal val="#ppt_x"/>
-                                          </p:val>
-                                        </p:tav>
-                                        <p:tav tm="100000">
-                                          <p:val>
-                                            <p:strVal val="#ppt_x"/>
-                                          </p:val>
-                                        </p:tav>
-                                      </p:tavLst>
-                                    </p:anim>
-                                    <p:anim calcmode="lin" valueType="num">
-                                      <p:cBhvr>
-                                        <p:cTn id="14" dur="1000" fill="hold"/>
-                                        <p:tgtEl>
-                                          <p:spTgt spid="8"/>
-                                        </p:tgtEl>
-                                        <p:attrNameLst>
-                                          <p:attrName>ppt_y</p:attrName>
-                                        </p:attrNameLst>
-                                      </p:cBhvr>
-                                      <p:tavLst>
-                                        <p:tav tm="0">
-                                          <p:val>
-                                            <p:strVal val="#ppt_y+.1"/>
-                                          </p:val>
-                                        </p:tav>
-                                        <p:tav tm="100000">
-                                          <p:val>
-                                            <p:strVal val="#ppt_y"/>
-                                          </p:val>
-                                        </p:tav>
-                                      </p:tavLst>
-                                    </p:anim>
-                                  </p:childTnLst>
-                                </p:cTn>
-                              </p:par>
-                              <p:par>
-                                <p:cTn id="15" presetID="42" presetClass="entr" presetSubtype="0" fill="hold" grpId="0" nodeType="withEffect">
-                                  <p:stCondLst>
-                                    <p:cond delay="0"/>
-                                  </p:stCondLst>
-                                  <p:childTnLst>
-                                    <p:set>
-                                      <p:cBhvr>
-                                        <p:cTn id="16" dur="1" fill="hold">
-                                          <p:stCondLst>
-                                            <p:cond delay="0"/>
-                                          </p:stCondLst>
-                                        </p:cTn>
-                                        <p:tgtEl>
-                                          <p:spTgt spid="6"/>
-                                        </p:tgtEl>
-                                        <p:attrNameLst>
-                                          <p:attrName>style.visibility</p:attrName>
-                                        </p:attrNameLst>
-                                      </p:cBhvr>
-                                      <p:to>
-                                        <p:strVal val="visible"/>
-                                      </p:to>
-                                    </p:set>
-                                    <p:animEffect transition="in" filter="fade">
-                                      <p:cBhvr>
-                                        <p:cTn id="17" dur="1000"/>
-                                        <p:tgtEl>
-                                          <p:spTgt spid="6"/>
-                                        </p:tgtEl>
-                                      </p:cBhvr>
-                                    </p:animEffect>
-                                    <p:anim calcmode="lin" valueType="num">
-                                      <p:cBhvr>
-                                        <p:cTn id="18" dur="1000" fill="hold"/>
-                                        <p:tgtEl>
-                                          <p:spTgt spid="6"/>
-                                        </p:tgtEl>
-                                        <p:attrNameLst>
-                                          <p:attrName>ppt_x</p:attrName>
-                                        </p:attrNameLst>
-                                      </p:cBhvr>
-                                      <p:tavLst>
-                                        <p:tav tm="0">
-                                          <p:val>
-                                            <p:strVal val="#ppt_x"/>
-                                          </p:val>
-                                        </p:tav>
-                                        <p:tav tm="100000">
-                                          <p:val>
-                                            <p:strVal val="#ppt_x"/>
-                                          </p:val>
-                                        </p:tav>
-                                      </p:tavLst>
-                                    </p:anim>
-                                    <p:anim calcmode="lin" valueType="num">
-                                      <p:cBhvr>
-                                        <p:cTn id="19" dur="1000" fill="hold"/>
-                                        <p:tgtEl>
-                                          <p:spTgt spid="6"/>
-                                        </p:tgtEl>
-                                        <p:attrNameLst>
-                                          <p:attrName>ppt_y</p:attrName>
-                                        </p:attrNameLst>
-                                      </p:cBhvr>
-                                      <p:tavLst>
-                                        <p:tav tm="0">
-                                          <p:val>
-                                            <p:strVal val="#ppt_y+.1"/>
-                                          </p:val>
-                                        </p:tav>
-                                        <p:tav tm="100000">
-                                          <p:val>
-                                            <p:strVal val="#ppt_y"/>
-                                          </p:val>
-                                        </p:tav>
-                                      </p:tavLst>
-                                    </p:anim>
-                                  </p:childTnLst>
-                                </p:cTn>
-                              </p:par>
-                            </p:childTnLst>
-                          </p:cTn>
-                        </p:par>
-                      </p:childTnLst>
-                    </p:cTn>
-                  </p:par>
-                  <p:par>
-                    <p:cTn id="20" fill="hold">
-                      <p:stCondLst>
-                        <p:cond delay="indefinite"/>
-                      </p:stCondLst>
-                      <p:childTnLst>
-                        <p:par>
-                          <p:cTn id="21" fill="hold">
-                            <p:stCondLst>
-                              <p:cond delay="0"/>
-                            </p:stCondLst>
-                            <p:childTnLst>
-                              <p:par>
-                                <p:cTn id="22" presetID="42" presetClass="entr" presetSubtype="0" fill="hold" grpId="0" nodeType="clickEffect">
-                                  <p:stCondLst>
-                                    <p:cond delay="0"/>
-                                  </p:stCondLst>
-                                  <p:childTnLst>
-                                    <p:set>
-                                      <p:cBhvr>
-                                        <p:cTn id="23" dur="1" fill="hold">
-                                          <p:stCondLst>
-                                            <p:cond delay="0"/>
-                                          </p:stCondLst>
-                                        </p:cTn>
-                                        <p:tgtEl>
-                                          <p:spTgt spid="5">
-                                            <p:txEl>
-                                              <p:pRg st="0" end="0"/>
-                                            </p:txEl>
-                                          </p:spTgt>
-                                        </p:tgtEl>
-                                        <p:attrNameLst>
-                                          <p:attrName>style.visibility</p:attrName>
-                                        </p:attrNameLst>
-                                      </p:cBhvr>
-                                      <p:to>
-                                        <p:strVal val="visible"/>
-                                      </p:to>
-                                    </p:set>
-                                    <p:animEffect transition="in" filter="fade">
-                                      <p:cBhvr>
-                                        <p:cTn id="24" dur="1000"/>
-                                        <p:tgtEl>
-                                          <p:spTgt spid="5">
-                                            <p:txEl>
-                                              <p:pRg st="0" end="0"/>
-                                            </p:txEl>
-                                          </p:spTgt>
-                                        </p:tgtEl>
-                                      </p:cBhvr>
-                                    </p:animEffect>
-                                    <p:anim calcmode="lin" valueType="num">
-                                      <p:cBhvr>
-                                        <p:cTn id="25" dur="1000" fill="hold"/>
-                                        <p:tgtEl>
-                                          <p:spTgt spid="5">
-                                            <p:txEl>
-                                              <p:pRg st="0" end="0"/>
-                                            </p:txEl>
-                                          </p:spTgt>
-                                        </p:tgtEl>
-                                        <p:attrNameLst>
-                                          <p:attrName>ppt_x</p:attrName>
-                                        </p:attrNameLst>
-                                      </p:cBhvr>
-                                      <p:tavLst>
-                                        <p:tav tm="0">
-                                          <p:val>
-                                            <p:strVal val="#ppt_x"/>
-                                          </p:val>
-                                        </p:tav>
-                                        <p:tav tm="100000">
-                                          <p:val>
-                                            <p:strVal val="#ppt_x"/>
-                                          </p:val>
-                                        </p:tav>
-                                      </p:tavLst>
-                                    </p:anim>
-                                    <p:anim calcmode="lin" valueType="num">
-                                      <p:cBhvr>
-                                        <p:cTn id="26" dur="1000" fill="hold"/>
-                                        <p:tgtEl>
-                                          <p:spTgt spid="5">
-                                            <p:txEl>
-                                              <p:pRg st="0" end="0"/>
-                                            </p:txEl>
-                                          </p:spTgt>
-                                        </p:tgtEl>
-                                        <p:attrNameLst>
-                                          <p:attrName>ppt_y</p:attrName>
-                                        </p:attrNameLst>
-                                      </p:cBhvr>
-                                      <p:tavLst>
-                                        <p:tav tm="0">
-                                          <p:val>
-                                            <p:strVal val="#ppt_y+.1"/>
-                                          </p:val>
-                                        </p:tav>
-                                        <p:tav tm="100000">
-                                          <p:val>
-                                            <p:strVal val="#ppt_y"/>
-                                          </p:val>
-                                        </p:tav>
-                                      </p:tavLst>
-                                    </p:anim>
-                                  </p:childTnLst>
-                                </p:cTn>
-                              </p:par>
-                            </p:childTnLst>
-                          </p:cTn>
-                        </p:par>
-                      </p:childTnLst>
-                    </p:cTn>
-                  </p:par>
-                </p:childTnLst>
-              </p:cTn>
-              <p:prevCondLst>
-                <p:cond evt="onPrev" delay="0">
-                  <p:tgtEl>
-                    <p:sldTgt/>
-                  </p:tgtEl>
-                </p:cond>
-              </p:prevCondLst>
-              <p:nextCondLst>
-                <p:cond evt="onNext" delay="0">
-                  <p:tgtEl>
-                    <p:sldTgt/>
-                  </p:tgtEl>
-                </p:cond>
-              </p:nextCondLst>
-            </p:seq>
-          </p:childTnLst>
-        </p:cTn>
-      </p:par>
-    </p:tnLst>
-    <p:bldLst>
-      <p:bldP spid="5" grpId="0" build="p"/>
-      <p:bldP spid="6" grpId="0" animBg="1"/>
-      <p:bldP spid="3" grpId="0" animBg="1"/>
-      <p:bldP spid="8" grpId="0" animBg="1"/>
-    </p:bldLst>
-  </p:timing>
-</p:sld>
-</file>
-
-<file path=ppt/slides/slide21.xml><?xml version="1.0" encoding="utf-8"?>
-<p:sld xmlns:a="http://schemas.openxmlformats.org/drawingml/2006/main" xmlns:r="http://schemas.openxmlformats.org/officeDocument/2006/relationships" xmlns:p="http://schemas.openxmlformats.org/presentationml/2006/main">
-  <p:cSld>
-    <p:spTree>
-      <p:nvGrpSpPr>
-        <p:cNvPr id="1" name=""/>
-        <p:cNvGrpSpPr/>
-        <p:nvPr/>
-      </p:nvGrpSpPr>
-      <p:grpSpPr>
-        <a:xfrm>
-          <a:off x="0" y="0"/>
-          <a:ext cx="0" cy="0"/>
-          <a:chOff x="0" y="0"/>
-          <a:chExt cx="0" cy="0"/>
-        </a:xfrm>
-      </p:grpSpPr>
       <p:grpSp>
         <p:nvGrpSpPr>
           <p:cNvPr id="3" name="组合 2"/>
@@ -23187,7 +22856,7 @@
 </p:sld>
 </file>
 
-<file path=ppt/slides/slide22.xml><?xml version="1.0" encoding="utf-8"?>
+<file path=ppt/slides/slide21.xml><?xml version="1.0" encoding="utf-8"?>
 <p:sld xmlns:a="http://schemas.openxmlformats.org/drawingml/2006/main" xmlns:r="http://schemas.openxmlformats.org/officeDocument/2006/relationships" xmlns:p="http://schemas.openxmlformats.org/presentationml/2006/main">
   <p:cSld>
     <p:spTree>
@@ -23647,14 +23316,220 @@
   <p:timing>
     <p:tnLst>
       <p:par>
-        <p:cTn id="1" dur="indefinite" restart="never" nodeType="tmRoot"/>
+        <p:cTn id="1" dur="indefinite" restart="never" nodeType="tmRoot">
+          <p:childTnLst>
+            <p:seq concurrent="1" nextAc="seek">
+              <p:cTn id="2" dur="indefinite" nodeType="mainSeq">
+                <p:childTnLst>
+                  <p:par>
+                    <p:cTn id="3" fill="hold">
+                      <p:stCondLst>
+                        <p:cond delay="indefinite"/>
+                      </p:stCondLst>
+                      <p:childTnLst>
+                        <p:par>
+                          <p:cTn id="4" fill="hold">
+                            <p:stCondLst>
+                              <p:cond delay="0"/>
+                            </p:stCondLst>
+                            <p:childTnLst>
+                              <p:par>
+                                <p:cTn id="5" presetID="16" presetClass="entr" presetSubtype="21" fill="hold" nodeType="clickEffect">
+                                  <p:stCondLst>
+                                    <p:cond delay="0"/>
+                                  </p:stCondLst>
+                                  <p:childTnLst>
+                                    <p:set>
+                                      <p:cBhvr>
+                                        <p:cTn id="6" dur="1" fill="hold">
+                                          <p:stCondLst>
+                                            <p:cond delay="0"/>
+                                          </p:stCondLst>
+                                        </p:cTn>
+                                        <p:tgtEl>
+                                          <p:spTgt spid="17410">
+                                            <p:txEl>
+                                              <p:pRg st="0" end="0"/>
+                                            </p:txEl>
+                                          </p:spTgt>
+                                        </p:tgtEl>
+                                        <p:attrNameLst>
+                                          <p:attrName>style.visibility</p:attrName>
+                                        </p:attrNameLst>
+                                      </p:cBhvr>
+                                      <p:to>
+                                        <p:strVal val="visible"/>
+                                      </p:to>
+                                    </p:set>
+                                    <p:animEffect transition="in" filter="barn(inVertical)">
+                                      <p:cBhvr>
+                                        <p:cTn id="7" dur="500"/>
+                                        <p:tgtEl>
+                                          <p:spTgt spid="17410">
+                                            <p:txEl>
+                                              <p:pRg st="0" end="0"/>
+                                            </p:txEl>
+                                          </p:spTgt>
+                                        </p:tgtEl>
+                                      </p:cBhvr>
+                                    </p:animEffect>
+                                  </p:childTnLst>
+                                </p:cTn>
+                              </p:par>
+                            </p:childTnLst>
+                          </p:cTn>
+                        </p:par>
+                      </p:childTnLst>
+                    </p:cTn>
+                  </p:par>
+                  <p:par>
+                    <p:cTn id="8" fill="hold">
+                      <p:stCondLst>
+                        <p:cond delay="indefinite"/>
+                      </p:stCondLst>
+                      <p:childTnLst>
+                        <p:par>
+                          <p:cTn id="9" fill="hold">
+                            <p:stCondLst>
+                              <p:cond delay="0"/>
+                            </p:stCondLst>
+                            <p:childTnLst>
+                              <p:par>
+                                <p:cTn id="10" presetID="16" presetClass="entr" presetSubtype="21" fill="hold" nodeType="clickEffect">
+                                  <p:stCondLst>
+                                    <p:cond delay="0"/>
+                                  </p:stCondLst>
+                                  <p:childTnLst>
+                                    <p:set>
+                                      <p:cBhvr>
+                                        <p:cTn id="11" dur="1" fill="hold">
+                                          <p:stCondLst>
+                                            <p:cond delay="0"/>
+                                          </p:stCondLst>
+                                        </p:cTn>
+                                        <p:tgtEl>
+                                          <p:spTgt spid="17410">
+                                            <p:txEl>
+                                              <p:pRg st="1" end="1"/>
+                                            </p:txEl>
+                                          </p:spTgt>
+                                        </p:tgtEl>
+                                        <p:attrNameLst>
+                                          <p:attrName>style.visibility</p:attrName>
+                                        </p:attrNameLst>
+                                      </p:cBhvr>
+                                      <p:to>
+                                        <p:strVal val="visible"/>
+                                      </p:to>
+                                    </p:set>
+                                    <p:animEffect transition="in" filter="barn(inVertical)">
+                                      <p:cBhvr>
+                                        <p:cTn id="12" dur="500"/>
+                                        <p:tgtEl>
+                                          <p:spTgt spid="17410">
+                                            <p:txEl>
+                                              <p:pRg st="1" end="1"/>
+                                            </p:txEl>
+                                          </p:spTgt>
+                                        </p:tgtEl>
+                                      </p:cBhvr>
+                                    </p:animEffect>
+                                  </p:childTnLst>
+                                </p:cTn>
+                              </p:par>
+                            </p:childTnLst>
+                          </p:cTn>
+                        </p:par>
+                      </p:childTnLst>
+                    </p:cTn>
+                  </p:par>
+                  <p:par>
+                    <p:cTn id="13" fill="hold">
+                      <p:stCondLst>
+                        <p:cond delay="indefinite"/>
+                      </p:stCondLst>
+                      <p:childTnLst>
+                        <p:par>
+                          <p:cTn id="14" fill="hold">
+                            <p:stCondLst>
+                              <p:cond delay="0"/>
+                            </p:stCondLst>
+                            <p:childTnLst>
+                              <p:par>
+                                <p:cTn id="15" presetID="16" presetClass="entr" presetSubtype="21" fill="hold" nodeType="clickEffect">
+                                  <p:stCondLst>
+                                    <p:cond delay="0"/>
+                                  </p:stCondLst>
+                                  <p:childTnLst>
+                                    <p:set>
+                                      <p:cBhvr>
+                                        <p:cTn id="16" dur="1" fill="hold">
+                                          <p:stCondLst>
+                                            <p:cond delay="0"/>
+                                          </p:stCondLst>
+                                        </p:cTn>
+                                        <p:tgtEl>
+                                          <p:spTgt spid="17410">
+                                            <p:txEl>
+                                              <p:pRg st="2" end="2"/>
+                                            </p:txEl>
+                                          </p:spTgt>
+                                        </p:tgtEl>
+                                        <p:attrNameLst>
+                                          <p:attrName>style.visibility</p:attrName>
+                                        </p:attrNameLst>
+                                      </p:cBhvr>
+                                      <p:to>
+                                        <p:strVal val="visible"/>
+                                      </p:to>
+                                    </p:set>
+                                    <p:animEffect transition="in" filter="barn(inVertical)">
+                                      <p:cBhvr>
+                                        <p:cTn id="17" dur="500"/>
+                                        <p:tgtEl>
+                                          <p:spTgt spid="17410">
+                                            <p:txEl>
+                                              <p:pRg st="2" end="2"/>
+                                            </p:txEl>
+                                          </p:spTgt>
+                                        </p:tgtEl>
+                                      </p:cBhvr>
+                                    </p:animEffect>
+                                  </p:childTnLst>
+                                </p:cTn>
+                              </p:par>
+                            </p:childTnLst>
+                          </p:cTn>
+                        </p:par>
+                      </p:childTnLst>
+                    </p:cTn>
+                  </p:par>
+                </p:childTnLst>
+              </p:cTn>
+              <p:prevCondLst>
+                <p:cond evt="onPrev" delay="0">
+                  <p:tgtEl>
+                    <p:sldTgt/>
+                  </p:tgtEl>
+                </p:cond>
+              </p:prevCondLst>
+              <p:nextCondLst>
+                <p:cond evt="onNext" delay="0">
+                  <p:tgtEl>
+                    <p:sldTgt/>
+                  </p:tgtEl>
+                </p:cond>
+              </p:nextCondLst>
+            </p:seq>
+          </p:childTnLst>
+        </p:cTn>
       </p:par>
     </p:tnLst>
   </p:timing>
 </p:sld>
 </file>
 
-<file path=ppt/slides/slide23.xml><?xml version="1.0" encoding="utf-8"?>
+<file path=ppt/slides/slide22.xml><?xml version="1.0" encoding="utf-8"?>
 <p:sld xmlns:a="http://schemas.openxmlformats.org/drawingml/2006/main" xmlns:r="http://schemas.openxmlformats.org/officeDocument/2006/relationships" xmlns:p="http://schemas.openxmlformats.org/presentationml/2006/main">
   <p:cSld>
     <p:spTree>
@@ -24851,7 +24726,7 @@
 </p:sld>
 </file>
 
-<file path=ppt/slides/slide24.xml><?xml version="1.0" encoding="utf-8"?>
+<file path=ppt/slides/slide23.xml><?xml version="1.0" encoding="utf-8"?>
 <p:sld xmlns:a="http://schemas.openxmlformats.org/drawingml/2006/main" xmlns:r="http://schemas.openxmlformats.org/officeDocument/2006/relationships" xmlns:p="http://schemas.openxmlformats.org/presentationml/2006/main">
   <p:cSld>
     <p:spTree>
@@ -25168,7 +25043,7 @@
 </p:sld>
 </file>
 
-<file path=ppt/slides/slide25.xml><?xml version="1.0" encoding="utf-8"?>
+<file path=ppt/slides/slide24.xml><?xml version="1.0" encoding="utf-8"?>
 <p:sld xmlns:a="http://schemas.openxmlformats.org/drawingml/2006/main" xmlns:r="http://schemas.openxmlformats.org/officeDocument/2006/relationships" xmlns:p="http://schemas.openxmlformats.org/presentationml/2006/main">
   <p:cSld>
     <p:spTree>
@@ -25368,14 +25243,14 @@
                 <a:gridCol w="1768985">
                   <a:extLst>
                     <a:ext uri="{9D8B030D-6E8A-4147-A177-3AD203B41FA5}">
-                      <a16:colId xmlns:a16="http://schemas.microsoft.com/office/drawing/2014/main" val="20000"/>
+                      <a16:colId xmlns:a16="http://schemas.microsoft.com/office/drawing/2014/main" xmlns="" val="20000"/>
                     </a:ext>
                   </a:extLst>
                 </a:gridCol>
                 <a:gridCol w="6442777">
                   <a:extLst>
                     <a:ext uri="{9D8B030D-6E8A-4147-A177-3AD203B41FA5}">
-                      <a16:colId xmlns:a16="http://schemas.microsoft.com/office/drawing/2014/main" val="20001"/>
+                      <a16:colId xmlns:a16="http://schemas.microsoft.com/office/drawing/2014/main" xmlns="" val="20001"/>
                     </a:ext>
                   </a:extLst>
                 </a:gridCol>
@@ -25439,7 +25314,7 @@
                 </a:tc>
                 <a:extLst>
                   <a:ext uri="{0D108BD9-81ED-4DB2-BD59-A6C34878D82A}">
-                    <a16:rowId xmlns:a16="http://schemas.microsoft.com/office/drawing/2014/main" val="10000"/>
+                    <a16:rowId xmlns:a16="http://schemas.microsoft.com/office/drawing/2014/main" xmlns="" val="10000"/>
                   </a:ext>
                 </a:extLst>
               </a:tr>
@@ -25554,7 +25429,7 @@
                 </a:tc>
                 <a:extLst>
                   <a:ext uri="{0D108BD9-81ED-4DB2-BD59-A6C34878D82A}">
-                    <a16:rowId xmlns:a16="http://schemas.microsoft.com/office/drawing/2014/main" val="10001"/>
+                    <a16:rowId xmlns:a16="http://schemas.microsoft.com/office/drawing/2014/main" xmlns="" val="10001"/>
                   </a:ext>
                 </a:extLst>
               </a:tr>
@@ -25629,7 +25504,7 @@
                 </a:tc>
                 <a:extLst>
                   <a:ext uri="{0D108BD9-81ED-4DB2-BD59-A6C34878D82A}">
-                    <a16:rowId xmlns:a16="http://schemas.microsoft.com/office/drawing/2014/main" val="10002"/>
+                    <a16:rowId xmlns:a16="http://schemas.microsoft.com/office/drawing/2014/main" xmlns="" val="10002"/>
                   </a:ext>
                 </a:extLst>
               </a:tr>
@@ -25724,7 +25599,7 @@
                 </a:tc>
                 <a:extLst>
                   <a:ext uri="{0D108BD9-81ED-4DB2-BD59-A6C34878D82A}">
-                    <a16:rowId xmlns:a16="http://schemas.microsoft.com/office/drawing/2014/main" val="10003"/>
+                    <a16:rowId xmlns:a16="http://schemas.microsoft.com/office/drawing/2014/main" xmlns="" val="10003"/>
                   </a:ext>
                 </a:extLst>
               </a:tr>
@@ -25799,7 +25674,7 @@
                 </a:tc>
                 <a:extLst>
                   <a:ext uri="{0D108BD9-81ED-4DB2-BD59-A6C34878D82A}">
-                    <a16:rowId xmlns:a16="http://schemas.microsoft.com/office/drawing/2014/main" val="10004"/>
+                    <a16:rowId xmlns:a16="http://schemas.microsoft.com/office/drawing/2014/main" xmlns="" val="10004"/>
                   </a:ext>
                 </a:extLst>
               </a:tr>
@@ -25894,7 +25769,7 @@
                 </a:tc>
                 <a:extLst>
                   <a:ext uri="{0D108BD9-81ED-4DB2-BD59-A6C34878D82A}">
-                    <a16:rowId xmlns:a16="http://schemas.microsoft.com/office/drawing/2014/main" val="10005"/>
+                    <a16:rowId xmlns:a16="http://schemas.microsoft.com/office/drawing/2014/main" xmlns="" val="10005"/>
                   </a:ext>
                 </a:extLst>
               </a:tr>
@@ -25991,7 +25866,7 @@
                 </a:tc>
                 <a:extLst>
                   <a:ext uri="{0D108BD9-81ED-4DB2-BD59-A6C34878D82A}">
-                    <a16:rowId xmlns:a16="http://schemas.microsoft.com/office/drawing/2014/main" val="10006"/>
+                    <a16:rowId xmlns:a16="http://schemas.microsoft.com/office/drawing/2014/main" xmlns="" val="10006"/>
                   </a:ext>
                 </a:extLst>
               </a:tr>
@@ -26194,7 +26069,7 @@
 </p:sld>
 </file>
 
-<file path=ppt/slides/slide26.xml><?xml version="1.0" encoding="utf-8"?>
+<file path=ppt/slides/slide25.xml><?xml version="1.0" encoding="utf-8"?>
 <p:sld xmlns:a="http://schemas.openxmlformats.org/drawingml/2006/main" xmlns:r="http://schemas.openxmlformats.org/officeDocument/2006/relationships" xmlns:p="http://schemas.openxmlformats.org/presentationml/2006/main">
   <p:cSld>
     <p:spTree>
@@ -26669,6 +26544,183 @@
         </p:txBody>
       </p:sp>
     </p:spTree>
+  </p:cSld>
+  <p:clrMapOvr>
+    <a:masterClrMapping/>
+  </p:clrMapOvr>
+  <p:timing>
+    <p:tnLst>
+      <p:par>
+        <p:cTn id="1" dur="indefinite" restart="never" nodeType="tmRoot"/>
+      </p:par>
+    </p:tnLst>
+  </p:timing>
+</p:sld>
+</file>
+
+<file path=ppt/slides/slide26.xml><?xml version="1.0" encoding="utf-8"?>
+<p:sld xmlns:a="http://schemas.openxmlformats.org/drawingml/2006/main" xmlns:r="http://schemas.openxmlformats.org/officeDocument/2006/relationships" xmlns:p="http://schemas.openxmlformats.org/presentationml/2006/main">
+  <p:cSld>
+    <p:spTree>
+      <p:nvGrpSpPr>
+        <p:cNvPr id="1" name=""/>
+        <p:cNvGrpSpPr/>
+        <p:nvPr/>
+      </p:nvGrpSpPr>
+      <p:grpSpPr>
+        <a:xfrm>
+          <a:off x="0" y="0"/>
+          <a:ext cx="0" cy="0"/>
+          <a:chOff x="0" y="0"/>
+          <a:chExt cx="0" cy="0"/>
+        </a:xfrm>
+      </p:grpSpPr>
+      <p:sp>
+        <p:nvSpPr>
+          <p:cNvPr id="2" name="内容占位符 1"/>
+          <p:cNvSpPr>
+            <a:spLocks noGrp="1"/>
+          </p:cNvSpPr>
+          <p:nvPr>
+            <p:ph sz="quarter" idx="10"/>
+          </p:nvPr>
+        </p:nvSpPr>
+        <p:spPr/>
+        <p:txBody>
+          <a:bodyPr/>
+          <a:lstStyle/>
+          <a:p>
+            <a:r>
+              <a:rPr lang="en-US" altLang="zh-CN" dirty="0"/>
+              <a:t>chrome://flags/#autoplay-policy</a:t>
+            </a:r>
+            <a:endParaRPr lang="zh-CN" altLang="en-US" dirty="0"/>
+          </a:p>
+        </p:txBody>
+      </p:sp>
+      <p:sp>
+        <p:nvSpPr>
+          <p:cNvPr id="3" name="内容占位符 2"/>
+          <p:cNvSpPr>
+            <a:spLocks noGrp="1"/>
+          </p:cNvSpPr>
+          <p:nvPr>
+            <p:ph sz="quarter" idx="11"/>
+          </p:nvPr>
+        </p:nvSpPr>
+        <p:spPr>
+          <a:xfrm>
+            <a:off x="621492" y="236943"/>
+            <a:ext cx="8660780" cy="670902"/>
+          </a:xfrm>
+        </p:spPr>
+        <p:txBody>
+          <a:bodyPr/>
+          <a:lstStyle/>
+          <a:p>
+            <a:pPr>
+              <a:spcBef>
+                <a:spcPct val="0"/>
+              </a:spcBef>
+              <a:spcAft>
+                <a:spcPct val="0"/>
+              </a:spcAft>
+            </a:pPr>
+            <a:r>
+              <a:rPr lang="zh-CN" altLang="en-US" sz="4000" b="0" dirty="0" smtClean="0">
+                <a:solidFill>
+                  <a:srgbClr val="3376AD"/>
+                </a:solidFill>
+                <a:latin typeface="+mj-lt"/>
+                <a:ea typeface="+mj-ea"/>
+                <a:cs typeface="+mj-cs"/>
+              </a:rPr>
+              <a:t>设置浏览器</a:t>
+            </a:r>
+            <a:r>
+              <a:rPr lang="zh-CN" altLang="en-US" sz="4000" b="0" dirty="0">
+                <a:solidFill>
+                  <a:srgbClr val="3376AD"/>
+                </a:solidFill>
+                <a:latin typeface="+mj-lt"/>
+                <a:ea typeface="+mj-ea"/>
+                <a:cs typeface="+mj-cs"/>
+              </a:rPr>
+              <a:t>模式</a:t>
+            </a:r>
+          </a:p>
+        </p:txBody>
+      </p:sp>
+      <p:pic>
+        <p:nvPicPr>
+          <p:cNvPr id="1026" name="Picture 2"/>
+          <p:cNvPicPr>
+            <a:picLocks noChangeAspect="1" noChangeArrowheads="1"/>
+          </p:cNvPicPr>
+          <p:nvPr/>
+        </p:nvPicPr>
+        <p:blipFill>
+          <a:blip r:embed="rId3">
+            <a:extLst>
+              <a:ext uri="{28A0092B-C50C-407E-A947-70E740481C1C}">
+                <a14:useLocalDpi xmlns:a14="http://schemas.microsoft.com/office/drawing/2010/main" val="0"/>
+              </a:ext>
+            </a:extLst>
+          </a:blip>
+          <a:srcRect/>
+          <a:stretch>
+            <a:fillRect/>
+          </a:stretch>
+        </p:blipFill>
+        <p:spPr bwMode="auto">
+          <a:xfrm>
+            <a:off x="1042988" y="2257425"/>
+            <a:ext cx="10104437" cy="2343150"/>
+          </a:xfrm>
+          <a:prstGeom prst="rect">
+            <a:avLst/>
+          </a:prstGeom>
+          <a:noFill/>
+          <a:ln>
+            <a:noFill/>
+          </a:ln>
+          <a:effectLst/>
+          <a:extLst>
+            <a:ext uri="{909E8E84-426E-40DD-AFC4-6F175D3DCCD1}">
+              <a14:hiddenFill xmlns:a14="http://schemas.microsoft.com/office/drawing/2010/main">
+                <a:solidFill>
+                  <a:schemeClr val="accent1"/>
+                </a:solidFill>
+              </a14:hiddenFill>
+            </a:ext>
+            <a:ext uri="{91240B29-F687-4F45-9708-019B960494DF}">
+              <a14:hiddenLine xmlns:a14="http://schemas.microsoft.com/office/drawing/2010/main" w="9525">
+                <a:solidFill>
+                  <a:schemeClr val="tx1"/>
+                </a:solidFill>
+                <a:miter lim="800000"/>
+                <a:headEnd/>
+                <a:tailEnd/>
+              </a14:hiddenLine>
+            </a:ext>
+            <a:ext uri="{AF507438-7753-43E0-B8FC-AC1667EBCBE1}">
+              <a14:hiddenEffects xmlns:a14="http://schemas.microsoft.com/office/drawing/2010/main">
+                <a:effectLst>
+                  <a:outerShdw dist="35921" dir="2700000" algn="ctr" rotWithShape="0">
+                    <a:schemeClr val="bg2"/>
+                  </a:outerShdw>
+                </a:effectLst>
+              </a14:hiddenEffects>
+            </a:ext>
+          </a:extLst>
+        </p:spPr>
+      </p:pic>
+    </p:spTree>
+    <p:extLst>
+      <p:ext uri="{BB962C8B-B14F-4D97-AF65-F5344CB8AC3E}">
+        <p14:creationId xmlns:p14="http://schemas.microsoft.com/office/powerpoint/2010/main" val="2020282045"/>
+      </p:ext>
+    </p:extLst>
   </p:cSld>
   <p:clrMapOvr>
     <a:masterClrMapping/>
@@ -27216,25 +27268,29 @@
               </a:rPr>
               <a:t>元素。</a:t>
             </a:r>
-            <a:r>
-              <a:rPr lang="en-US" altLang="en-US" dirty="0" smtClean="0">
+            <a:endParaRPr lang="en-US" altLang="zh-CN" dirty="0">
+              <a:solidFill>
+                <a:srgbClr val="000000"/>
+              </a:solidFill>
+              <a:latin typeface="微软雅黑" panose="020B0503020204020204" pitchFamily="34" charset="-122"/>
+              <a:ea typeface="微软雅黑" panose="020B0503020204020204" pitchFamily="34" charset="-122"/>
+            </a:endParaRPr>
+          </a:p>
+          <a:p>
+            <a:pPr>
+              <a:lnSpc>
+                <a:spcPts val="3600"/>
+              </a:lnSpc>
+            </a:pPr>
+            <a:r>
+              <a:rPr lang="zh-CN" altLang="en-US" dirty="0" smtClean="0">
                 <a:solidFill>
                   <a:srgbClr val="000000"/>
                 </a:solidFill>
                 <a:latin typeface="微软雅黑" panose="020B0503020204020204" pitchFamily="34" charset="-122"/>
                 <a:ea typeface="微软雅黑" panose="020B0503020204020204" pitchFamily="34" charset="-122"/>
               </a:rPr>
-              <a:t>source </a:t>
-            </a:r>
-            <a:r>
-              <a:rPr lang="zh-CN" altLang="en-US" dirty="0" smtClean="0">
-                <a:solidFill>
-                  <a:srgbClr val="000000"/>
-                </a:solidFill>
-                <a:latin typeface="微软雅黑" panose="020B0503020204020204" pitchFamily="34" charset="-122"/>
-                <a:ea typeface="微软雅黑" panose="020B0503020204020204" pitchFamily="34" charset="-122"/>
-              </a:rPr>
-              <a:t>元素可以链接不同的音频文件，也可以为同一个媒体数据指定多个播放格式。</a:t>
+              <a:t>可以链接不同的音频文件，也可以为同一个媒体数据指定多个播放格式。</a:t>
             </a:r>
             <a:endParaRPr lang="en-US" altLang="zh-CN" dirty="0" smtClean="0">
               <a:solidFill>
@@ -27258,8 +27314,29 @@
                 <a:latin typeface="微软雅黑" panose="020B0503020204020204" pitchFamily="34" charset="-122"/>
                 <a:ea typeface="微软雅黑" panose="020B0503020204020204" pitchFamily="34" charset="-122"/>
               </a:rPr>
-              <a:t>浏览器将使用第一个可识别的格式</a:t>
-            </a:r>
+              <a:t>浏览器将使用第一个可识别的格式。</a:t>
+            </a:r>
+            <a:endParaRPr lang="en-US" altLang="zh-CN" dirty="0" smtClean="0">
+              <a:solidFill>
+                <a:srgbClr val="000000"/>
+              </a:solidFill>
+              <a:latin typeface="微软雅黑" panose="020B0503020204020204" pitchFamily="34" charset="-122"/>
+              <a:ea typeface="微软雅黑" panose="020B0503020204020204" pitchFamily="34" charset="-122"/>
+            </a:endParaRPr>
+          </a:p>
+          <a:p>
+            <a:pPr>
+              <a:lnSpc>
+                <a:spcPts val="3600"/>
+              </a:lnSpc>
+            </a:pPr>
+            <a:endParaRPr lang="zh-CN" altLang="en-US" dirty="0" smtClean="0">
+              <a:solidFill>
+                <a:srgbClr val="000000"/>
+              </a:solidFill>
+              <a:latin typeface="微软雅黑" panose="020B0503020204020204" pitchFamily="34" charset="-122"/>
+              <a:ea typeface="微软雅黑" panose="020B0503020204020204" pitchFamily="34" charset="-122"/>
+            </a:endParaRPr>
           </a:p>
           <a:p>
             <a:endParaRPr lang="zh-CN" altLang="en-US" dirty="0" smtClean="0"/>
@@ -27292,7 +27369,7 @@
         </p:blipFill>
         <p:spPr bwMode="auto">
           <a:xfrm>
-            <a:off x="1846053" y="2963228"/>
+            <a:off x="1485888" y="3448257"/>
             <a:ext cx="6670675" cy="1700213"/>
           </a:xfrm>
           <a:prstGeom prst="rect">
@@ -27323,175 +27400,6 @@
           </a:extLst>
         </p:spPr>
       </p:pic>
-      <p:sp>
-        <p:nvSpPr>
-          <p:cNvPr id="21509" name="TextBox 4"/>
-          <p:cNvSpPr txBox="1">
-            <a:spLocks noChangeArrowheads="1"/>
-          </p:cNvSpPr>
-          <p:nvPr/>
-        </p:nvSpPr>
-        <p:spPr bwMode="auto">
-          <a:xfrm>
-            <a:off x="8112924" y="6283103"/>
-            <a:ext cx="2385589" cy="523220"/>
-          </a:xfrm>
-          <a:prstGeom prst="rect">
-            <a:avLst/>
-          </a:prstGeom>
-          <a:noFill/>
-          <a:ln>
-            <a:noFill/>
-          </a:ln>
-          <a:extLst>
-            <a:ext uri="{909E8E84-426E-40DD-AFC4-6F175D3DCCD1}">
-              <a14:hiddenFill xmlns:a14="http://schemas.microsoft.com/office/drawing/2010/main">
-                <a:solidFill>
-                  <a:srgbClr val="FFFFFF"/>
-                </a:solidFill>
-              </a14:hiddenFill>
-            </a:ext>
-            <a:ext uri="{91240B29-F687-4F45-9708-019B960494DF}">
-              <a14:hiddenLine xmlns:a14="http://schemas.microsoft.com/office/drawing/2010/main" w="9525">
-                <a:solidFill>
-                  <a:srgbClr val="000000"/>
-                </a:solidFill>
-                <a:miter lim="800000"/>
-                <a:headEnd/>
-                <a:tailEnd/>
-              </a14:hiddenLine>
-            </a:ext>
-          </a:extLst>
-        </p:spPr>
-        <p:txBody>
-          <a:bodyPr wrap="none">
-            <a:spAutoFit/>
-          </a:bodyPr>
-          <a:lstStyle>
-            <a:lvl1pPr eaLnBrk="0" hangingPunct="0">
-              <a:defRPr sz="3200">
-                <a:solidFill>
-                  <a:schemeClr val="tx1"/>
-                </a:solidFill>
-                <a:latin typeface="Arial" panose="020B0604020202020204" pitchFamily="34" charset="0"/>
-                <a:ea typeface="微软雅黑" panose="020B0503020204020204" pitchFamily="34" charset="-122"/>
-              </a:defRPr>
-            </a:lvl1pPr>
-            <a:lvl2pPr marL="742950" indent="-285750" eaLnBrk="0" hangingPunct="0">
-              <a:defRPr sz="3200">
-                <a:solidFill>
-                  <a:schemeClr val="tx1"/>
-                </a:solidFill>
-                <a:latin typeface="Arial" panose="020B0604020202020204" pitchFamily="34" charset="0"/>
-                <a:ea typeface="微软雅黑" panose="020B0503020204020204" pitchFamily="34" charset="-122"/>
-              </a:defRPr>
-            </a:lvl2pPr>
-            <a:lvl3pPr marL="1143000" indent="-228600" eaLnBrk="0" hangingPunct="0">
-              <a:defRPr sz="3200">
-                <a:solidFill>
-                  <a:schemeClr val="tx1"/>
-                </a:solidFill>
-                <a:latin typeface="Arial" panose="020B0604020202020204" pitchFamily="34" charset="0"/>
-                <a:ea typeface="微软雅黑" panose="020B0503020204020204" pitchFamily="34" charset="-122"/>
-              </a:defRPr>
-            </a:lvl3pPr>
-            <a:lvl4pPr marL="1600200" indent="-228600" eaLnBrk="0" hangingPunct="0">
-              <a:defRPr sz="3200">
-                <a:solidFill>
-                  <a:schemeClr val="tx1"/>
-                </a:solidFill>
-                <a:latin typeface="Arial" panose="020B0604020202020204" pitchFamily="34" charset="0"/>
-                <a:ea typeface="微软雅黑" panose="020B0503020204020204" pitchFamily="34" charset="-122"/>
-              </a:defRPr>
-            </a:lvl4pPr>
-            <a:lvl5pPr marL="2057400" indent="-228600" eaLnBrk="0" hangingPunct="0">
-              <a:defRPr sz="3200">
-                <a:solidFill>
-                  <a:schemeClr val="tx1"/>
-                </a:solidFill>
-                <a:latin typeface="Arial" panose="020B0604020202020204" pitchFamily="34" charset="0"/>
-                <a:ea typeface="微软雅黑" panose="020B0503020204020204" pitchFamily="34" charset="-122"/>
-              </a:defRPr>
-            </a:lvl5pPr>
-            <a:lvl6pPr marL="2514600" indent="-228600" eaLnBrk="0" fontAlgn="base" hangingPunct="0">
-              <a:spcBef>
-                <a:spcPct val="0"/>
-              </a:spcBef>
-              <a:spcAft>
-                <a:spcPct val="0"/>
-              </a:spcAft>
-              <a:defRPr sz="3200">
-                <a:solidFill>
-                  <a:schemeClr val="tx1"/>
-                </a:solidFill>
-                <a:latin typeface="Arial" panose="020B0604020202020204" pitchFamily="34" charset="0"/>
-                <a:ea typeface="微软雅黑" panose="020B0503020204020204" pitchFamily="34" charset="-122"/>
-              </a:defRPr>
-            </a:lvl6pPr>
-            <a:lvl7pPr marL="2971800" indent="-228600" eaLnBrk="0" fontAlgn="base" hangingPunct="0">
-              <a:spcBef>
-                <a:spcPct val="0"/>
-              </a:spcBef>
-              <a:spcAft>
-                <a:spcPct val="0"/>
-              </a:spcAft>
-              <a:defRPr sz="3200">
-                <a:solidFill>
-                  <a:schemeClr val="tx1"/>
-                </a:solidFill>
-                <a:latin typeface="Arial" panose="020B0604020202020204" pitchFamily="34" charset="0"/>
-                <a:ea typeface="微软雅黑" panose="020B0503020204020204" pitchFamily="34" charset="-122"/>
-              </a:defRPr>
-            </a:lvl7pPr>
-            <a:lvl8pPr marL="3429000" indent="-228600" eaLnBrk="0" fontAlgn="base" hangingPunct="0">
-              <a:spcBef>
-                <a:spcPct val="0"/>
-              </a:spcBef>
-              <a:spcAft>
-                <a:spcPct val="0"/>
-              </a:spcAft>
-              <a:defRPr sz="3200">
-                <a:solidFill>
-                  <a:schemeClr val="tx1"/>
-                </a:solidFill>
-                <a:latin typeface="Arial" panose="020B0604020202020204" pitchFamily="34" charset="0"/>
-                <a:ea typeface="微软雅黑" panose="020B0503020204020204" pitchFamily="34" charset="-122"/>
-              </a:defRPr>
-            </a:lvl8pPr>
-            <a:lvl9pPr marL="3886200" indent="-228600" eaLnBrk="0" fontAlgn="base" hangingPunct="0">
-              <a:spcBef>
-                <a:spcPct val="0"/>
-              </a:spcBef>
-              <a:spcAft>
-                <a:spcPct val="0"/>
-              </a:spcAft>
-              <a:defRPr sz="3200">
-                <a:solidFill>
-                  <a:schemeClr val="tx1"/>
-                </a:solidFill>
-                <a:latin typeface="Arial" panose="020B0604020202020204" pitchFamily="34" charset="0"/>
-                <a:ea typeface="微软雅黑" panose="020B0503020204020204" pitchFamily="34" charset="-122"/>
-              </a:defRPr>
-            </a:lvl9pPr>
-          </a:lstStyle>
-          <a:p>
-            <a:pPr eaLnBrk="1" hangingPunct="1"/>
-            <a:r>
-              <a:rPr lang="en-US" altLang="zh-CN" sz="2800" dirty="0" smtClean="0">
-                <a:solidFill>
-                  <a:srgbClr val="000000"/>
-                </a:solidFill>
-              </a:rPr>
-              <a:t>demo2-3.html</a:t>
-            </a:r>
-            <a:endParaRPr lang="zh-CN" altLang="en-US" sz="2800" dirty="0">
-              <a:solidFill>
-                <a:srgbClr val="000000"/>
-              </a:solidFill>
-            </a:endParaRPr>
-          </a:p>
-        </p:txBody>
-      </p:sp>
       <p:pic>
         <p:nvPicPr>
           <p:cNvPr id="21510" name="Picture 2"/>
@@ -27515,7 +27423,7 @@
         </p:blipFill>
         <p:spPr bwMode="auto">
           <a:xfrm>
-            <a:off x="1846053" y="4767422"/>
+            <a:off x="1485888" y="5157792"/>
             <a:ext cx="7797800" cy="1562100"/>
           </a:xfrm>
           <a:prstGeom prst="rect">
@@ -27736,6 +27644,175 @@
           </a:p>
         </p:txBody>
       </p:sp>
+      <p:sp>
+        <p:nvSpPr>
+          <p:cNvPr id="21509" name="TextBox 4"/>
+          <p:cNvSpPr txBox="1">
+            <a:spLocks noChangeArrowheads="1"/>
+          </p:cNvSpPr>
+          <p:nvPr/>
+        </p:nvSpPr>
+        <p:spPr bwMode="auto">
+          <a:xfrm>
+            <a:off x="9121386" y="6283103"/>
+            <a:ext cx="2385589" cy="523220"/>
+          </a:xfrm>
+          <a:prstGeom prst="rect">
+            <a:avLst/>
+          </a:prstGeom>
+          <a:noFill/>
+          <a:ln>
+            <a:noFill/>
+          </a:ln>
+          <a:extLst>
+            <a:ext uri="{909E8E84-426E-40DD-AFC4-6F175D3DCCD1}">
+              <a14:hiddenFill xmlns:a14="http://schemas.microsoft.com/office/drawing/2010/main">
+                <a:solidFill>
+                  <a:srgbClr val="FFFFFF"/>
+                </a:solidFill>
+              </a14:hiddenFill>
+            </a:ext>
+            <a:ext uri="{91240B29-F687-4F45-9708-019B960494DF}">
+              <a14:hiddenLine xmlns:a14="http://schemas.microsoft.com/office/drawing/2010/main" w="9525">
+                <a:solidFill>
+                  <a:srgbClr val="000000"/>
+                </a:solidFill>
+                <a:miter lim="800000"/>
+                <a:headEnd/>
+                <a:tailEnd/>
+              </a14:hiddenLine>
+            </a:ext>
+          </a:extLst>
+        </p:spPr>
+        <p:txBody>
+          <a:bodyPr wrap="none">
+            <a:spAutoFit/>
+          </a:bodyPr>
+          <a:lstStyle>
+            <a:lvl1pPr eaLnBrk="0" hangingPunct="0">
+              <a:defRPr sz="3200">
+                <a:solidFill>
+                  <a:schemeClr val="tx1"/>
+                </a:solidFill>
+                <a:latin typeface="Arial" panose="020B0604020202020204" pitchFamily="34" charset="0"/>
+                <a:ea typeface="微软雅黑" panose="020B0503020204020204" pitchFamily="34" charset="-122"/>
+              </a:defRPr>
+            </a:lvl1pPr>
+            <a:lvl2pPr marL="742950" indent="-285750" eaLnBrk="0" hangingPunct="0">
+              <a:defRPr sz="3200">
+                <a:solidFill>
+                  <a:schemeClr val="tx1"/>
+                </a:solidFill>
+                <a:latin typeface="Arial" panose="020B0604020202020204" pitchFamily="34" charset="0"/>
+                <a:ea typeface="微软雅黑" panose="020B0503020204020204" pitchFamily="34" charset="-122"/>
+              </a:defRPr>
+            </a:lvl2pPr>
+            <a:lvl3pPr marL="1143000" indent="-228600" eaLnBrk="0" hangingPunct="0">
+              <a:defRPr sz="3200">
+                <a:solidFill>
+                  <a:schemeClr val="tx1"/>
+                </a:solidFill>
+                <a:latin typeface="Arial" panose="020B0604020202020204" pitchFamily="34" charset="0"/>
+                <a:ea typeface="微软雅黑" panose="020B0503020204020204" pitchFamily="34" charset="-122"/>
+              </a:defRPr>
+            </a:lvl3pPr>
+            <a:lvl4pPr marL="1600200" indent="-228600" eaLnBrk="0" hangingPunct="0">
+              <a:defRPr sz="3200">
+                <a:solidFill>
+                  <a:schemeClr val="tx1"/>
+                </a:solidFill>
+                <a:latin typeface="Arial" panose="020B0604020202020204" pitchFamily="34" charset="0"/>
+                <a:ea typeface="微软雅黑" panose="020B0503020204020204" pitchFamily="34" charset="-122"/>
+              </a:defRPr>
+            </a:lvl4pPr>
+            <a:lvl5pPr marL="2057400" indent="-228600" eaLnBrk="0" hangingPunct="0">
+              <a:defRPr sz="3200">
+                <a:solidFill>
+                  <a:schemeClr val="tx1"/>
+                </a:solidFill>
+                <a:latin typeface="Arial" panose="020B0604020202020204" pitchFamily="34" charset="0"/>
+                <a:ea typeface="微软雅黑" panose="020B0503020204020204" pitchFamily="34" charset="-122"/>
+              </a:defRPr>
+            </a:lvl5pPr>
+            <a:lvl6pPr marL="2514600" indent="-228600" eaLnBrk="0" fontAlgn="base" hangingPunct="0">
+              <a:spcBef>
+                <a:spcPct val="0"/>
+              </a:spcBef>
+              <a:spcAft>
+                <a:spcPct val="0"/>
+              </a:spcAft>
+              <a:defRPr sz="3200">
+                <a:solidFill>
+                  <a:schemeClr val="tx1"/>
+                </a:solidFill>
+                <a:latin typeface="Arial" panose="020B0604020202020204" pitchFamily="34" charset="0"/>
+                <a:ea typeface="微软雅黑" panose="020B0503020204020204" pitchFamily="34" charset="-122"/>
+              </a:defRPr>
+            </a:lvl6pPr>
+            <a:lvl7pPr marL="2971800" indent="-228600" eaLnBrk="0" fontAlgn="base" hangingPunct="0">
+              <a:spcBef>
+                <a:spcPct val="0"/>
+              </a:spcBef>
+              <a:spcAft>
+                <a:spcPct val="0"/>
+              </a:spcAft>
+              <a:defRPr sz="3200">
+                <a:solidFill>
+                  <a:schemeClr val="tx1"/>
+                </a:solidFill>
+                <a:latin typeface="Arial" panose="020B0604020202020204" pitchFamily="34" charset="0"/>
+                <a:ea typeface="微软雅黑" panose="020B0503020204020204" pitchFamily="34" charset="-122"/>
+              </a:defRPr>
+            </a:lvl7pPr>
+            <a:lvl8pPr marL="3429000" indent="-228600" eaLnBrk="0" fontAlgn="base" hangingPunct="0">
+              <a:spcBef>
+                <a:spcPct val="0"/>
+              </a:spcBef>
+              <a:spcAft>
+                <a:spcPct val="0"/>
+              </a:spcAft>
+              <a:defRPr sz="3200">
+                <a:solidFill>
+                  <a:schemeClr val="tx1"/>
+                </a:solidFill>
+                <a:latin typeface="Arial" panose="020B0604020202020204" pitchFamily="34" charset="0"/>
+                <a:ea typeface="微软雅黑" panose="020B0503020204020204" pitchFamily="34" charset="-122"/>
+              </a:defRPr>
+            </a:lvl8pPr>
+            <a:lvl9pPr marL="3886200" indent="-228600" eaLnBrk="0" fontAlgn="base" hangingPunct="0">
+              <a:spcBef>
+                <a:spcPct val="0"/>
+              </a:spcBef>
+              <a:spcAft>
+                <a:spcPct val="0"/>
+              </a:spcAft>
+              <a:defRPr sz="3200">
+                <a:solidFill>
+                  <a:schemeClr val="tx1"/>
+                </a:solidFill>
+                <a:latin typeface="Arial" panose="020B0604020202020204" pitchFamily="34" charset="0"/>
+                <a:ea typeface="微软雅黑" panose="020B0503020204020204" pitchFamily="34" charset="-122"/>
+              </a:defRPr>
+            </a:lvl9pPr>
+          </a:lstStyle>
+          <a:p>
+            <a:pPr eaLnBrk="1" hangingPunct="1"/>
+            <a:r>
+              <a:rPr lang="en-US" altLang="zh-CN" sz="2800" dirty="0" smtClean="0">
+                <a:solidFill>
+                  <a:srgbClr val="000000"/>
+                </a:solidFill>
+              </a:rPr>
+              <a:t>demo2-3.html</a:t>
+            </a:r>
+            <a:endParaRPr lang="zh-CN" altLang="en-US" sz="2800" dirty="0">
+              <a:solidFill>
+                <a:srgbClr val="000000"/>
+              </a:solidFill>
+            </a:endParaRPr>
+          </a:p>
+        </p:txBody>
+      </p:sp>
     </p:spTree>
   </p:cSld>
   <p:clrMapOvr>
@@ -27744,7 +27821,118 @@
   <p:timing>
     <p:tnLst>
       <p:par>
-        <p:cTn id="1" dur="indefinite" restart="never" nodeType="tmRoot"/>
+        <p:cTn id="1" dur="indefinite" restart="never" nodeType="tmRoot">
+          <p:childTnLst>
+            <p:seq concurrent="1" nextAc="seek">
+              <p:cTn id="2" dur="indefinite" nodeType="mainSeq">
+                <p:childTnLst>
+                  <p:par>
+                    <p:cTn id="3" fill="hold">
+                      <p:stCondLst>
+                        <p:cond delay="indefinite"/>
+                      </p:stCondLst>
+                      <p:childTnLst>
+                        <p:par>
+                          <p:cTn id="4" fill="hold">
+                            <p:stCondLst>
+                              <p:cond delay="0"/>
+                            </p:stCondLst>
+                            <p:childTnLst>
+                              <p:par>
+                                <p:cTn id="5" presetID="10" presetClass="entr" presetSubtype="0" fill="hold" nodeType="clickEffect">
+                                  <p:stCondLst>
+                                    <p:cond delay="0"/>
+                                  </p:stCondLst>
+                                  <p:childTnLst>
+                                    <p:set>
+                                      <p:cBhvr>
+                                        <p:cTn id="6" dur="1" fill="hold">
+                                          <p:stCondLst>
+                                            <p:cond delay="0"/>
+                                          </p:stCondLst>
+                                        </p:cTn>
+                                        <p:tgtEl>
+                                          <p:spTgt spid="21508"/>
+                                        </p:tgtEl>
+                                        <p:attrNameLst>
+                                          <p:attrName>style.visibility</p:attrName>
+                                        </p:attrNameLst>
+                                      </p:cBhvr>
+                                      <p:to>
+                                        <p:strVal val="visible"/>
+                                      </p:to>
+                                    </p:set>
+                                    <p:animEffect transition="in" filter="fade">
+                                      <p:cBhvr>
+                                        <p:cTn id="7" dur="500"/>
+                                        <p:tgtEl>
+                                          <p:spTgt spid="21508"/>
+                                        </p:tgtEl>
+                                      </p:cBhvr>
+                                    </p:animEffect>
+                                  </p:childTnLst>
+                                </p:cTn>
+                              </p:par>
+                              <p:par>
+                                <p:cTn id="8" presetID="10" presetClass="entr" presetSubtype="0" fill="hold" nodeType="withEffect">
+                                  <p:stCondLst>
+                                    <p:cond delay="0"/>
+                                  </p:stCondLst>
+                                  <p:childTnLst>
+                                    <p:set>
+                                      <p:cBhvr>
+                                        <p:cTn id="9" dur="1" fill="hold">
+                                          <p:stCondLst>
+                                            <p:cond delay="0"/>
+                                          </p:stCondLst>
+                                        </p:cTn>
+                                        <p:tgtEl>
+                                          <p:spTgt spid="21510"/>
+                                        </p:tgtEl>
+                                        <p:attrNameLst>
+                                          <p:attrName>style.visibility</p:attrName>
+                                        </p:attrNameLst>
+                                      </p:cBhvr>
+                                      <p:to>
+                                        <p:strVal val="visible"/>
+                                      </p:to>
+                                    </p:set>
+                                    <p:animEffect transition="in" filter="fade">
+                                      <p:cBhvr>
+                                        <p:cTn id="10" dur="500"/>
+                                        <p:tgtEl>
+                                          <p:spTgt spid="21510"/>
+                                        </p:tgtEl>
+                                      </p:cBhvr>
+                                    </p:animEffect>
+                                  </p:childTnLst>
+                                </p:cTn>
+                              </p:par>
+                            </p:childTnLst>
+                          </p:cTn>
+                        </p:par>
+                      </p:childTnLst>
+                    </p:cTn>
+                  </p:par>
+                </p:childTnLst>
+              </p:cTn>
+              <p:prevCondLst>
+                <p:cond evt="onPrev" delay="0">
+                  <p:tgtEl>
+                    <p:sldTgt/>
+                  </p:tgtEl>
+                </p:cond>
+              </p:prevCondLst>
+              <p:nextCondLst>
+                <p:cond evt="onNext" delay="0">
+                  <p:tgtEl>
+                    <p:sldTgt/>
+                  </p:tgtEl>
+                </p:cond>
+              </p:nextCondLst>
+            </p:seq>
+          </p:childTnLst>
+        </p:cTn>
       </p:par>
     </p:tnLst>
   </p:timing>
@@ -28098,7 +28286,7 @@
         </p:nvGraphicFramePr>
         <p:xfrm>
           <a:off x="1846050" y="3607594"/>
-          <a:ext cx="7851600" cy="2026350"/>
+          <a:ext cx="7851600" cy="2133600"/>
         </p:xfrm>
         <a:graphic>
           <a:graphicData uri="http://schemas.openxmlformats.org/drawingml/2006/table">
@@ -28110,14 +28298,14 @@
                 <a:gridCol w="2562103">
                   <a:extLst>
                     <a:ext uri="{9D8B030D-6E8A-4147-A177-3AD203B41FA5}">
-                      <a16:colId xmlns:a16="http://schemas.microsoft.com/office/drawing/2014/main" val="353920135"/>
+                      <a16:colId xmlns:a16="http://schemas.microsoft.com/office/drawing/2014/main" xmlns="" val="353920135"/>
                     </a:ext>
                   </a:extLst>
                 </a:gridCol>
                 <a:gridCol w="5289497">
                   <a:extLst>
                     <a:ext uri="{9D8B030D-6E8A-4147-A177-3AD203B41FA5}">
-                      <a16:colId xmlns:a16="http://schemas.microsoft.com/office/drawing/2014/main" val="1456453076"/>
+                      <a16:colId xmlns:a16="http://schemas.microsoft.com/office/drawing/2014/main" xmlns="" val="1456453076"/>
                     </a:ext>
                   </a:extLst>
                 </a:gridCol>
@@ -28167,7 +28355,7 @@
                 </a:tc>
                 <a:extLst>
                   <a:ext uri="{0D108BD9-81ED-4DB2-BD59-A6C34878D82A}">
-                    <a16:rowId xmlns:a16="http://schemas.microsoft.com/office/drawing/2014/main" val="2408340440"/>
+                    <a16:rowId xmlns:a16="http://schemas.microsoft.com/office/drawing/2014/main" xmlns="" val="2408340440"/>
                   </a:ext>
                 </a:extLst>
               </a:tr>
@@ -28235,7 +28423,7 @@
                 </a:tc>
                 <a:extLst>
                   <a:ext uri="{0D108BD9-81ED-4DB2-BD59-A6C34878D82A}">
-                    <a16:rowId xmlns:a16="http://schemas.microsoft.com/office/drawing/2014/main" val="57159085"/>
+                    <a16:rowId xmlns:a16="http://schemas.microsoft.com/office/drawing/2014/main" xmlns="" val="57159085"/>
                   </a:ext>
                 </a:extLst>
               </a:tr>
@@ -28303,7 +28491,7 @@
                 </a:tc>
                 <a:extLst>
                   <a:ext uri="{0D108BD9-81ED-4DB2-BD59-A6C34878D82A}">
-                    <a16:rowId xmlns:a16="http://schemas.microsoft.com/office/drawing/2014/main" val="3244292709"/>
+                    <a16:rowId xmlns:a16="http://schemas.microsoft.com/office/drawing/2014/main" xmlns="" val="3244292709"/>
                   </a:ext>
                 </a:extLst>
               </a:tr>
@@ -28371,7 +28559,7 @@
                 </a:tc>
                 <a:extLst>
                   <a:ext uri="{0D108BD9-81ED-4DB2-BD59-A6C34878D82A}">
-                    <a16:rowId xmlns:a16="http://schemas.microsoft.com/office/drawing/2014/main" val="707117157"/>
+                    <a16:rowId xmlns:a16="http://schemas.microsoft.com/office/drawing/2014/main" xmlns="" val="707117157"/>
                   </a:ext>
                 </a:extLst>
               </a:tr>
@@ -29260,175 +29448,6 @@
       </p:pic>
       <p:sp>
         <p:nvSpPr>
-          <p:cNvPr id="24580" name="TextBox 5"/>
-          <p:cNvSpPr txBox="1">
-            <a:spLocks noChangeArrowheads="1"/>
-          </p:cNvSpPr>
-          <p:nvPr/>
-        </p:nvSpPr>
-        <p:spPr bwMode="auto">
-          <a:xfrm>
-            <a:off x="8977320" y="6202386"/>
-            <a:ext cx="2385589" cy="523220"/>
-          </a:xfrm>
-          <a:prstGeom prst="rect">
-            <a:avLst/>
-          </a:prstGeom>
-          <a:noFill/>
-          <a:ln>
-            <a:noFill/>
-          </a:ln>
-          <a:extLst>
-            <a:ext uri="{909E8E84-426E-40DD-AFC4-6F175D3DCCD1}">
-              <a14:hiddenFill xmlns:a14="http://schemas.microsoft.com/office/drawing/2010/main">
-                <a:solidFill>
-                  <a:srgbClr val="FFFFFF"/>
-                </a:solidFill>
-              </a14:hiddenFill>
-            </a:ext>
-            <a:ext uri="{91240B29-F687-4F45-9708-019B960494DF}">
-              <a14:hiddenLine xmlns:a14="http://schemas.microsoft.com/office/drawing/2010/main" w="9525">
-                <a:solidFill>
-                  <a:srgbClr val="000000"/>
-                </a:solidFill>
-                <a:miter lim="800000"/>
-                <a:headEnd/>
-                <a:tailEnd/>
-              </a14:hiddenLine>
-            </a:ext>
-          </a:extLst>
-        </p:spPr>
-        <p:txBody>
-          <a:bodyPr wrap="none">
-            <a:spAutoFit/>
-          </a:bodyPr>
-          <a:lstStyle>
-            <a:lvl1pPr eaLnBrk="0" hangingPunct="0">
-              <a:defRPr sz="3200">
-                <a:solidFill>
-                  <a:schemeClr val="tx1"/>
-                </a:solidFill>
-                <a:latin typeface="Arial" panose="020B0604020202020204" pitchFamily="34" charset="0"/>
-                <a:ea typeface="微软雅黑" panose="020B0503020204020204" pitchFamily="34" charset="-122"/>
-              </a:defRPr>
-            </a:lvl1pPr>
-            <a:lvl2pPr marL="742950" indent="-285750" eaLnBrk="0" hangingPunct="0">
-              <a:defRPr sz="3200">
-                <a:solidFill>
-                  <a:schemeClr val="tx1"/>
-                </a:solidFill>
-                <a:latin typeface="Arial" panose="020B0604020202020204" pitchFamily="34" charset="0"/>
-                <a:ea typeface="微软雅黑" panose="020B0503020204020204" pitchFamily="34" charset="-122"/>
-              </a:defRPr>
-            </a:lvl2pPr>
-            <a:lvl3pPr marL="1143000" indent="-228600" eaLnBrk="0" hangingPunct="0">
-              <a:defRPr sz="3200">
-                <a:solidFill>
-                  <a:schemeClr val="tx1"/>
-                </a:solidFill>
-                <a:latin typeface="Arial" panose="020B0604020202020204" pitchFamily="34" charset="0"/>
-                <a:ea typeface="微软雅黑" panose="020B0503020204020204" pitchFamily="34" charset="-122"/>
-              </a:defRPr>
-            </a:lvl3pPr>
-            <a:lvl4pPr marL="1600200" indent="-228600" eaLnBrk="0" hangingPunct="0">
-              <a:defRPr sz="3200">
-                <a:solidFill>
-                  <a:schemeClr val="tx1"/>
-                </a:solidFill>
-                <a:latin typeface="Arial" panose="020B0604020202020204" pitchFamily="34" charset="0"/>
-                <a:ea typeface="微软雅黑" panose="020B0503020204020204" pitchFamily="34" charset="-122"/>
-              </a:defRPr>
-            </a:lvl4pPr>
-            <a:lvl5pPr marL="2057400" indent="-228600" eaLnBrk="0" hangingPunct="0">
-              <a:defRPr sz="3200">
-                <a:solidFill>
-                  <a:schemeClr val="tx1"/>
-                </a:solidFill>
-                <a:latin typeface="Arial" panose="020B0604020202020204" pitchFamily="34" charset="0"/>
-                <a:ea typeface="微软雅黑" panose="020B0503020204020204" pitchFamily="34" charset="-122"/>
-              </a:defRPr>
-            </a:lvl5pPr>
-            <a:lvl6pPr marL="2514600" indent="-228600" eaLnBrk="0" fontAlgn="base" hangingPunct="0">
-              <a:spcBef>
-                <a:spcPct val="0"/>
-              </a:spcBef>
-              <a:spcAft>
-                <a:spcPct val="0"/>
-              </a:spcAft>
-              <a:defRPr sz="3200">
-                <a:solidFill>
-                  <a:schemeClr val="tx1"/>
-                </a:solidFill>
-                <a:latin typeface="Arial" panose="020B0604020202020204" pitchFamily="34" charset="0"/>
-                <a:ea typeface="微软雅黑" panose="020B0503020204020204" pitchFamily="34" charset="-122"/>
-              </a:defRPr>
-            </a:lvl6pPr>
-            <a:lvl7pPr marL="2971800" indent="-228600" eaLnBrk="0" fontAlgn="base" hangingPunct="0">
-              <a:spcBef>
-                <a:spcPct val="0"/>
-              </a:spcBef>
-              <a:spcAft>
-                <a:spcPct val="0"/>
-              </a:spcAft>
-              <a:defRPr sz="3200">
-                <a:solidFill>
-                  <a:schemeClr val="tx1"/>
-                </a:solidFill>
-                <a:latin typeface="Arial" panose="020B0604020202020204" pitchFamily="34" charset="0"/>
-                <a:ea typeface="微软雅黑" panose="020B0503020204020204" pitchFamily="34" charset="-122"/>
-              </a:defRPr>
-            </a:lvl7pPr>
-            <a:lvl8pPr marL="3429000" indent="-228600" eaLnBrk="0" fontAlgn="base" hangingPunct="0">
-              <a:spcBef>
-                <a:spcPct val="0"/>
-              </a:spcBef>
-              <a:spcAft>
-                <a:spcPct val="0"/>
-              </a:spcAft>
-              <a:defRPr sz="3200">
-                <a:solidFill>
-                  <a:schemeClr val="tx1"/>
-                </a:solidFill>
-                <a:latin typeface="Arial" panose="020B0604020202020204" pitchFamily="34" charset="0"/>
-                <a:ea typeface="微软雅黑" panose="020B0503020204020204" pitchFamily="34" charset="-122"/>
-              </a:defRPr>
-            </a:lvl8pPr>
-            <a:lvl9pPr marL="3886200" indent="-228600" eaLnBrk="0" fontAlgn="base" hangingPunct="0">
-              <a:spcBef>
-                <a:spcPct val="0"/>
-              </a:spcBef>
-              <a:spcAft>
-                <a:spcPct val="0"/>
-              </a:spcAft>
-              <a:defRPr sz="3200">
-                <a:solidFill>
-                  <a:schemeClr val="tx1"/>
-                </a:solidFill>
-                <a:latin typeface="Arial" panose="020B0604020202020204" pitchFamily="34" charset="0"/>
-                <a:ea typeface="微软雅黑" panose="020B0503020204020204" pitchFamily="34" charset="-122"/>
-              </a:defRPr>
-            </a:lvl9pPr>
-          </a:lstStyle>
-          <a:p>
-            <a:pPr eaLnBrk="1" hangingPunct="1"/>
-            <a:r>
-              <a:rPr lang="en-US" altLang="zh-CN" sz="2800" dirty="0" smtClean="0">
-                <a:solidFill>
-                  <a:srgbClr val="000000"/>
-                </a:solidFill>
-              </a:rPr>
-              <a:t>demo2-4.html</a:t>
-            </a:r>
-            <a:endParaRPr lang="zh-CN" altLang="en-US" sz="2800" dirty="0">
-              <a:solidFill>
-                <a:srgbClr val="000000"/>
-              </a:solidFill>
-            </a:endParaRPr>
-          </a:p>
-        </p:txBody>
-      </p:sp>
-      <p:sp>
-        <p:nvSpPr>
           <p:cNvPr id="6" name="Rectangle 2"/>
           <p:cNvSpPr txBox="1">
             <a:spLocks noChangeArrowheads="1"/>
@@ -29660,7 +29679,7 @@
         <p:spPr bwMode="auto">
           <a:xfrm>
             <a:off x="981659" y="1285875"/>
-            <a:ext cx="8686218" cy="4643438"/>
+            <a:ext cx="4826209" cy="4643438"/>
           </a:xfrm>
           <a:noFill/>
           <a:extLst>
@@ -29691,6 +29710,11 @@
           </a:bodyPr>
           <a:lstStyle/>
           <a:p>
+            <a:pPr>
+              <a:lnSpc>
+                <a:spcPts val="3800"/>
+              </a:lnSpc>
+            </a:pPr>
             <a:r>
               <a:rPr lang="zh-CN" altLang="en-US" dirty="0" smtClean="0">
                 <a:solidFill>
@@ -29699,7 +29723,92 @@
                 <a:latin typeface="微软雅黑" panose="020B0503020204020204" pitchFamily="34" charset="-122"/>
                 <a:ea typeface="微软雅黑" panose="020B0503020204020204" pitchFamily="34" charset="-122"/>
               </a:rPr>
-              <a:t>练习：音乐播放器</a:t>
+              <a:t>通过 </a:t>
+            </a:r>
+            <a:r>
+              <a:rPr lang="en-US" altLang="zh-CN" dirty="0" smtClean="0">
+                <a:solidFill>
+                  <a:srgbClr val="000000"/>
+                </a:solidFill>
+                <a:latin typeface="微软雅黑" panose="020B0503020204020204" pitchFamily="34" charset="-122"/>
+                <a:ea typeface="微软雅黑" panose="020B0503020204020204" pitchFamily="34" charset="-122"/>
+              </a:rPr>
+              <a:t>play( )</a:t>
+            </a:r>
+            <a:r>
+              <a:rPr lang="zh-CN" altLang="en-US" dirty="0" smtClean="0">
+                <a:solidFill>
+                  <a:srgbClr val="000000"/>
+                </a:solidFill>
+                <a:latin typeface="微软雅黑" panose="020B0503020204020204" pitchFamily="34" charset="-122"/>
+                <a:ea typeface="微软雅黑" panose="020B0503020204020204" pitchFamily="34" charset="-122"/>
+              </a:rPr>
+              <a:t>、</a:t>
+            </a:r>
+            <a:r>
+              <a:rPr lang="en-US" altLang="zh-CN" dirty="0" smtClean="0">
+                <a:solidFill>
+                  <a:srgbClr val="000000"/>
+                </a:solidFill>
+                <a:latin typeface="微软雅黑" panose="020B0503020204020204" pitchFamily="34" charset="-122"/>
+                <a:ea typeface="微软雅黑" panose="020B0503020204020204" pitchFamily="34" charset="-122"/>
+              </a:rPr>
+              <a:t>pause( )</a:t>
+            </a:r>
+            <a:r>
+              <a:rPr lang="zh-CN" altLang="en-US" dirty="0" smtClean="0">
+                <a:solidFill>
+                  <a:srgbClr val="000000"/>
+                </a:solidFill>
+                <a:latin typeface="微软雅黑" panose="020B0503020204020204" pitchFamily="34" charset="-122"/>
+                <a:ea typeface="微软雅黑" panose="020B0503020204020204" pitchFamily="34" charset="-122"/>
+              </a:rPr>
+              <a:t>、</a:t>
+            </a:r>
+            <a:endParaRPr lang="en-US" altLang="zh-CN" dirty="0" smtClean="0">
+              <a:solidFill>
+                <a:srgbClr val="000000"/>
+              </a:solidFill>
+              <a:latin typeface="微软雅黑" panose="020B0503020204020204" pitchFamily="34" charset="-122"/>
+              <a:ea typeface="微软雅黑" panose="020B0503020204020204" pitchFamily="34" charset="-122"/>
+            </a:endParaRPr>
+          </a:p>
+          <a:p>
+            <a:pPr marL="0" indent="0">
+              <a:lnSpc>
+                <a:spcPts val="3800"/>
+              </a:lnSpc>
+              <a:buNone/>
+            </a:pPr>
+            <a:r>
+              <a:rPr lang="en-US" altLang="zh-CN" dirty="0" err="1" smtClean="0">
+                <a:solidFill>
+                  <a:srgbClr val="000000"/>
+                </a:solidFill>
+                <a:latin typeface="微软雅黑" panose="020B0503020204020204" pitchFamily="34" charset="-122"/>
+                <a:ea typeface="微软雅黑" panose="020B0503020204020204" pitchFamily="34" charset="-122"/>
+              </a:rPr>
+              <a:t>currentTime</a:t>
+            </a:r>
+            <a:r>
+              <a:rPr lang="en-US" altLang="zh-CN" dirty="0" smtClean="0">
+                <a:solidFill>
+                  <a:srgbClr val="000000"/>
+                </a:solidFill>
+                <a:latin typeface="微软雅黑" panose="020B0503020204020204" pitchFamily="34" charset="-122"/>
+                <a:ea typeface="微软雅黑" panose="020B0503020204020204" pitchFamily="34" charset="-122"/>
+              </a:rPr>
+              <a:t> </a:t>
+            </a:r>
+            <a:r>
+              <a:rPr lang="zh-CN" altLang="en-US" dirty="0" smtClean="0">
+                <a:solidFill>
+                  <a:srgbClr val="000000"/>
+                </a:solidFill>
+                <a:latin typeface="微软雅黑" panose="020B0503020204020204" pitchFamily="34" charset="-122"/>
+                <a:ea typeface="微软雅黑" panose="020B0503020204020204" pitchFamily="34" charset="-122"/>
+              </a:rPr>
+              <a:t>实现对音频的播放、暂停、快进操作</a:t>
             </a:r>
           </a:p>
         </p:txBody>
@@ -29727,7 +29836,7 @@
         </p:blipFill>
         <p:spPr bwMode="auto">
           <a:xfrm>
-            <a:off x="5291432" y="1265836"/>
+            <a:off x="7248528" y="1123944"/>
             <a:ext cx="3302594" cy="5201093"/>
           </a:xfrm>
           <a:prstGeom prst="rect">
@@ -29935,6 +30044,175 @@
               <a:t>音乐播放器</a:t>
             </a:r>
             <a:endParaRPr lang="zh-CN" altLang="en-US" sz="4000" dirty="0"/>
+          </a:p>
+        </p:txBody>
+      </p:sp>
+      <p:sp>
+        <p:nvSpPr>
+          <p:cNvPr id="5" name="TextBox 5"/>
+          <p:cNvSpPr txBox="1">
+            <a:spLocks noChangeArrowheads="1"/>
+          </p:cNvSpPr>
+          <p:nvPr/>
+        </p:nvSpPr>
+        <p:spPr bwMode="auto">
+          <a:xfrm>
+            <a:off x="1269789" y="5801817"/>
+            <a:ext cx="2385589" cy="523220"/>
+          </a:xfrm>
+          <a:prstGeom prst="rect">
+            <a:avLst/>
+          </a:prstGeom>
+          <a:noFill/>
+          <a:ln>
+            <a:noFill/>
+          </a:ln>
+          <a:extLst>
+            <a:ext uri="{909E8E84-426E-40DD-AFC4-6F175D3DCCD1}">
+              <a14:hiddenFill xmlns:a14="http://schemas.microsoft.com/office/drawing/2010/main">
+                <a:solidFill>
+                  <a:srgbClr val="FFFFFF"/>
+                </a:solidFill>
+              </a14:hiddenFill>
+            </a:ext>
+            <a:ext uri="{91240B29-F687-4F45-9708-019B960494DF}">
+              <a14:hiddenLine xmlns:a14="http://schemas.microsoft.com/office/drawing/2010/main" w="9525">
+                <a:solidFill>
+                  <a:srgbClr val="000000"/>
+                </a:solidFill>
+                <a:miter lim="800000"/>
+                <a:headEnd/>
+                <a:tailEnd/>
+              </a14:hiddenLine>
+            </a:ext>
+          </a:extLst>
+        </p:spPr>
+        <p:txBody>
+          <a:bodyPr wrap="none">
+            <a:spAutoFit/>
+          </a:bodyPr>
+          <a:lstStyle>
+            <a:lvl1pPr eaLnBrk="0" hangingPunct="0">
+              <a:defRPr sz="3200">
+                <a:solidFill>
+                  <a:schemeClr val="tx1"/>
+                </a:solidFill>
+                <a:latin typeface="Arial" panose="020B0604020202020204" pitchFamily="34" charset="0"/>
+                <a:ea typeface="微软雅黑" panose="020B0503020204020204" pitchFamily="34" charset="-122"/>
+              </a:defRPr>
+            </a:lvl1pPr>
+            <a:lvl2pPr marL="742950" indent="-285750" eaLnBrk="0" hangingPunct="0">
+              <a:defRPr sz="3200">
+                <a:solidFill>
+                  <a:schemeClr val="tx1"/>
+                </a:solidFill>
+                <a:latin typeface="Arial" panose="020B0604020202020204" pitchFamily="34" charset="0"/>
+                <a:ea typeface="微软雅黑" panose="020B0503020204020204" pitchFamily="34" charset="-122"/>
+              </a:defRPr>
+            </a:lvl2pPr>
+            <a:lvl3pPr marL="1143000" indent="-228600" eaLnBrk="0" hangingPunct="0">
+              <a:defRPr sz="3200">
+                <a:solidFill>
+                  <a:schemeClr val="tx1"/>
+                </a:solidFill>
+                <a:latin typeface="Arial" panose="020B0604020202020204" pitchFamily="34" charset="0"/>
+                <a:ea typeface="微软雅黑" panose="020B0503020204020204" pitchFamily="34" charset="-122"/>
+              </a:defRPr>
+            </a:lvl3pPr>
+            <a:lvl4pPr marL="1600200" indent="-228600" eaLnBrk="0" hangingPunct="0">
+              <a:defRPr sz="3200">
+                <a:solidFill>
+                  <a:schemeClr val="tx1"/>
+                </a:solidFill>
+                <a:latin typeface="Arial" panose="020B0604020202020204" pitchFamily="34" charset="0"/>
+                <a:ea typeface="微软雅黑" panose="020B0503020204020204" pitchFamily="34" charset="-122"/>
+              </a:defRPr>
+            </a:lvl4pPr>
+            <a:lvl5pPr marL="2057400" indent="-228600" eaLnBrk="0" hangingPunct="0">
+              <a:defRPr sz="3200">
+                <a:solidFill>
+                  <a:schemeClr val="tx1"/>
+                </a:solidFill>
+                <a:latin typeface="Arial" panose="020B0604020202020204" pitchFamily="34" charset="0"/>
+                <a:ea typeface="微软雅黑" panose="020B0503020204020204" pitchFamily="34" charset="-122"/>
+              </a:defRPr>
+            </a:lvl5pPr>
+            <a:lvl6pPr marL="2514600" indent="-228600" eaLnBrk="0" fontAlgn="base" hangingPunct="0">
+              <a:spcBef>
+                <a:spcPct val="0"/>
+              </a:spcBef>
+              <a:spcAft>
+                <a:spcPct val="0"/>
+              </a:spcAft>
+              <a:defRPr sz="3200">
+                <a:solidFill>
+                  <a:schemeClr val="tx1"/>
+                </a:solidFill>
+                <a:latin typeface="Arial" panose="020B0604020202020204" pitchFamily="34" charset="0"/>
+                <a:ea typeface="微软雅黑" panose="020B0503020204020204" pitchFamily="34" charset="-122"/>
+              </a:defRPr>
+            </a:lvl6pPr>
+            <a:lvl7pPr marL="2971800" indent="-228600" eaLnBrk="0" fontAlgn="base" hangingPunct="0">
+              <a:spcBef>
+                <a:spcPct val="0"/>
+              </a:spcBef>
+              <a:spcAft>
+                <a:spcPct val="0"/>
+              </a:spcAft>
+              <a:defRPr sz="3200">
+                <a:solidFill>
+                  <a:schemeClr val="tx1"/>
+                </a:solidFill>
+                <a:latin typeface="Arial" panose="020B0604020202020204" pitchFamily="34" charset="0"/>
+                <a:ea typeface="微软雅黑" panose="020B0503020204020204" pitchFamily="34" charset="-122"/>
+              </a:defRPr>
+            </a:lvl7pPr>
+            <a:lvl8pPr marL="3429000" indent="-228600" eaLnBrk="0" fontAlgn="base" hangingPunct="0">
+              <a:spcBef>
+                <a:spcPct val="0"/>
+              </a:spcBef>
+              <a:spcAft>
+                <a:spcPct val="0"/>
+              </a:spcAft>
+              <a:defRPr sz="3200">
+                <a:solidFill>
+                  <a:schemeClr val="tx1"/>
+                </a:solidFill>
+                <a:latin typeface="Arial" panose="020B0604020202020204" pitchFamily="34" charset="0"/>
+                <a:ea typeface="微软雅黑" panose="020B0503020204020204" pitchFamily="34" charset="-122"/>
+              </a:defRPr>
+            </a:lvl8pPr>
+            <a:lvl9pPr marL="3886200" indent="-228600" eaLnBrk="0" fontAlgn="base" hangingPunct="0">
+              <a:spcBef>
+                <a:spcPct val="0"/>
+              </a:spcBef>
+              <a:spcAft>
+                <a:spcPct val="0"/>
+              </a:spcAft>
+              <a:defRPr sz="3200">
+                <a:solidFill>
+                  <a:schemeClr val="tx1"/>
+                </a:solidFill>
+                <a:latin typeface="Arial" panose="020B0604020202020204" pitchFamily="34" charset="0"/>
+                <a:ea typeface="微软雅黑" panose="020B0503020204020204" pitchFamily="34" charset="-122"/>
+              </a:defRPr>
+            </a:lvl9pPr>
+          </a:lstStyle>
+          <a:p>
+            <a:pPr eaLnBrk="1" hangingPunct="1"/>
+            <a:r>
+              <a:rPr lang="en-US" altLang="zh-CN" sz="2800" dirty="0" smtClean="0">
+                <a:solidFill>
+                  <a:srgbClr val="000000"/>
+                </a:solidFill>
+              </a:rPr>
+              <a:t>demo2-4.html</a:t>
+            </a:r>
+            <a:endParaRPr lang="zh-CN" altLang="en-US" sz="2800" dirty="0">
+              <a:solidFill>
+                <a:srgbClr val="000000"/>
+              </a:solidFill>
+            </a:endParaRPr>
           </a:p>
         </p:txBody>
       </p:sp>
@@ -30191,21 +30469,21 @@
                 <a:gridCol w="1850523">
                   <a:extLst>
                     <a:ext uri="{9D8B030D-6E8A-4147-A177-3AD203B41FA5}">
-                      <a16:colId xmlns:a16="http://schemas.microsoft.com/office/drawing/2014/main" val="4036101229"/>
+                      <a16:colId xmlns:a16="http://schemas.microsoft.com/office/drawing/2014/main" xmlns="" val="4036101229"/>
                     </a:ext>
                   </a:extLst>
                 </a:gridCol>
                 <a:gridCol w="1728792">
                   <a:extLst>
                     <a:ext uri="{9D8B030D-6E8A-4147-A177-3AD203B41FA5}">
-                      <a16:colId xmlns:a16="http://schemas.microsoft.com/office/drawing/2014/main" val="1086796054"/>
+                      <a16:colId xmlns:a16="http://schemas.microsoft.com/office/drawing/2014/main" xmlns="" val="1086796054"/>
                     </a:ext>
                   </a:extLst>
                 </a:gridCol>
                 <a:gridCol w="4548684">
                   <a:extLst>
                     <a:ext uri="{9D8B030D-6E8A-4147-A177-3AD203B41FA5}">
-                      <a16:colId xmlns:a16="http://schemas.microsoft.com/office/drawing/2014/main" val="2269946551"/>
+                      <a16:colId xmlns:a16="http://schemas.microsoft.com/office/drawing/2014/main" xmlns="" val="2269946551"/>
                     </a:ext>
                   </a:extLst>
                 </a:gridCol>
@@ -30285,7 +30563,7 @@
                 </a:tc>
                 <a:extLst>
                   <a:ext uri="{0D108BD9-81ED-4DB2-BD59-A6C34878D82A}">
-                    <a16:rowId xmlns:a16="http://schemas.microsoft.com/office/drawing/2014/main" val="996772199"/>
+                    <a16:rowId xmlns:a16="http://schemas.microsoft.com/office/drawing/2014/main" xmlns="" val="996772199"/>
                   </a:ext>
                 </a:extLst>
               </a:tr>
@@ -30406,7 +30684,7 @@
                 </a:tc>
                 <a:extLst>
                   <a:ext uri="{0D108BD9-81ED-4DB2-BD59-A6C34878D82A}">
-                    <a16:rowId xmlns:a16="http://schemas.microsoft.com/office/drawing/2014/main" val="2640026462"/>
+                    <a16:rowId xmlns:a16="http://schemas.microsoft.com/office/drawing/2014/main" xmlns="" val="2640026462"/>
                   </a:ext>
                 </a:extLst>
               </a:tr>
@@ -30490,7 +30768,7 @@
                 </a:tc>
                 <a:extLst>
                   <a:ext uri="{0D108BD9-81ED-4DB2-BD59-A6C34878D82A}">
-                    <a16:rowId xmlns:a16="http://schemas.microsoft.com/office/drawing/2014/main" val="3984715782"/>
+                    <a16:rowId xmlns:a16="http://schemas.microsoft.com/office/drawing/2014/main" xmlns="" val="3984715782"/>
                   </a:ext>
                 </a:extLst>
               </a:tr>
@@ -30574,7 +30852,7 @@
                 </a:tc>
                 <a:extLst>
                   <a:ext uri="{0D108BD9-81ED-4DB2-BD59-A6C34878D82A}">
-                    <a16:rowId xmlns:a16="http://schemas.microsoft.com/office/drawing/2014/main" val="2500143829"/>
+                    <a16:rowId xmlns:a16="http://schemas.microsoft.com/office/drawing/2014/main" xmlns="" val="2500143829"/>
                   </a:ext>
                 </a:extLst>
               </a:tr>
@@ -30658,7 +30936,7 @@
                 </a:tc>
                 <a:extLst>
                   <a:ext uri="{0D108BD9-81ED-4DB2-BD59-A6C34878D82A}">
-                    <a16:rowId xmlns:a16="http://schemas.microsoft.com/office/drawing/2014/main" val="3647892040"/>
+                    <a16:rowId xmlns:a16="http://schemas.microsoft.com/office/drawing/2014/main" xmlns="" val="3647892040"/>
                   </a:ext>
                 </a:extLst>
               </a:tr>
@@ -33841,7 +34119,7 @@
         </p:nvGraphicFramePr>
         <p:xfrm>
           <a:off x="2044168" y="2652581"/>
-          <a:ext cx="8127999" cy="1530604"/>
+          <a:ext cx="8127999" cy="1607820"/>
         </p:xfrm>
         <a:graphic>
           <a:graphicData uri="http://schemas.openxmlformats.org/drawingml/2006/table">
@@ -33853,21 +34131,21 @@
                 <a:gridCol w="1850523">
                   <a:extLst>
                     <a:ext uri="{9D8B030D-6E8A-4147-A177-3AD203B41FA5}">
-                      <a16:colId xmlns:a16="http://schemas.microsoft.com/office/drawing/2014/main" val="4036101229"/>
+                      <a16:colId xmlns:a16="http://schemas.microsoft.com/office/drawing/2014/main" xmlns="" val="4036101229"/>
                     </a:ext>
                   </a:extLst>
                 </a:gridCol>
                 <a:gridCol w="1728792">
                   <a:extLst>
                     <a:ext uri="{9D8B030D-6E8A-4147-A177-3AD203B41FA5}">
-                      <a16:colId xmlns:a16="http://schemas.microsoft.com/office/drawing/2014/main" val="1086796054"/>
+                      <a16:colId xmlns:a16="http://schemas.microsoft.com/office/drawing/2014/main" xmlns="" val="1086796054"/>
                     </a:ext>
                   </a:extLst>
                 </a:gridCol>
                 <a:gridCol w="4548684">
                   <a:extLst>
                     <a:ext uri="{9D8B030D-6E8A-4147-A177-3AD203B41FA5}">
-                      <a16:colId xmlns:a16="http://schemas.microsoft.com/office/drawing/2014/main" val="2269946551"/>
+                      <a16:colId xmlns:a16="http://schemas.microsoft.com/office/drawing/2014/main" xmlns="" val="2269946551"/>
                     </a:ext>
                   </a:extLst>
                 </a:gridCol>
@@ -33947,7 +34225,7 @@
                 </a:tc>
                 <a:extLst>
                   <a:ext uri="{0D108BD9-81ED-4DB2-BD59-A6C34878D82A}">
-                    <a16:rowId xmlns:a16="http://schemas.microsoft.com/office/drawing/2014/main" val="996772199"/>
+                    <a16:rowId xmlns:a16="http://schemas.microsoft.com/office/drawing/2014/main" xmlns="" val="996772199"/>
                   </a:ext>
                 </a:extLst>
               </a:tr>
@@ -34048,7 +34326,7 @@
                 </a:tc>
                 <a:extLst>
                   <a:ext uri="{0D108BD9-81ED-4DB2-BD59-A6C34878D82A}">
-                    <a16:rowId xmlns:a16="http://schemas.microsoft.com/office/drawing/2014/main" val="2640026462"/>
+                    <a16:rowId xmlns:a16="http://schemas.microsoft.com/office/drawing/2014/main" xmlns="" val="2640026462"/>
                   </a:ext>
                 </a:extLst>
               </a:tr>
@@ -34149,7 +34427,7 @@
                 </a:tc>
                 <a:extLst>
                   <a:ext uri="{0D108BD9-81ED-4DB2-BD59-A6C34878D82A}">
-                    <a16:rowId xmlns:a16="http://schemas.microsoft.com/office/drawing/2014/main" val="3984715782"/>
+                    <a16:rowId xmlns:a16="http://schemas.microsoft.com/office/drawing/2014/main" xmlns="" val="3984715782"/>
                   </a:ext>
                 </a:extLst>
               </a:tr>
@@ -36939,7 +37217,7 @@
         <p:spPr bwMode="auto">
           <a:xfrm>
             <a:off x="6384132" y="4291463"/>
-            <a:ext cx="3241485" cy="1892826"/>
+            <a:ext cx="3426644" cy="1892826"/>
           </a:xfrm>
           <a:prstGeom prst="rect">
             <a:avLst/>
@@ -38837,7 +39115,7 @@
         </p:nvSpPr>
         <p:spPr bwMode="auto">
           <a:xfrm>
-            <a:off x="981659" y="1285875"/>
+            <a:off x="981659" y="1123944"/>
             <a:ext cx="8686218" cy="4643438"/>
           </a:xfrm>
           <a:noFill/>
@@ -38869,37 +39147,16 @@
           </a:bodyPr>
           <a:lstStyle/>
           <a:p>
-            <a:pPr>
-              <a:lnSpc>
-                <a:spcPct val="150000"/>
-              </a:lnSpc>
-            </a:pPr>
-            <a:r>
-              <a:rPr lang="zh-CN" altLang="en-US" dirty="0" smtClean="0">
-                <a:solidFill>
-                  <a:srgbClr val="000000"/>
-                </a:solidFill>
-                <a:latin typeface="微软雅黑" panose="020B0503020204020204" pitchFamily="34" charset="-122"/>
-                <a:ea typeface="微软雅黑" panose="020B0503020204020204" pitchFamily="34" charset="-122"/>
-              </a:rPr>
-              <a:t>新标签分类</a:t>
-            </a:r>
-            <a:endParaRPr lang="en-US" altLang="zh-CN" dirty="0" smtClean="0">
-              <a:solidFill>
-                <a:srgbClr val="000000"/>
-              </a:solidFill>
-              <a:latin typeface="微软雅黑" panose="020B0503020204020204" pitchFamily="34" charset="-122"/>
-              <a:ea typeface="微软雅黑" panose="020B0503020204020204" pitchFamily="34" charset="-122"/>
-            </a:endParaRPr>
-          </a:p>
-          <a:p>
             <a:pPr marL="806450" lvl="1" indent="-374650">
               <a:lnSpc>
                 <a:spcPct val="140000"/>
               </a:lnSpc>
               <a:spcBef>
-                <a:spcPts val="0"/>
+                <a:spcPts val="600"/>
               </a:spcBef>
+              <a:spcAft>
+                <a:spcPts val="600"/>
+              </a:spcAft>
               <a:buClr>
                 <a:srgbClr val="5B9BCF"/>
               </a:buClr>
@@ -38907,14 +39164,34 @@
               <a:buChar char="Ø"/>
             </a:pPr>
             <a:r>
-              <a:rPr lang="zh-CN" altLang="en-US" sz="2600" dirty="0">
+              <a:rPr lang="zh-CN" altLang="en-US" sz="2600" dirty="0" smtClean="0">
                 <a:solidFill>
                   <a:srgbClr val="000000"/>
                 </a:solidFill>
                 <a:latin typeface="微软雅黑" panose="020B0503020204020204" pitchFamily="34" charset="-122"/>
                 <a:ea typeface="微软雅黑" panose="020B0503020204020204" pitchFamily="34" charset="-122"/>
               </a:rPr>
-              <a:t>优化文档结构，语义化标签</a:t>
+              <a:t>优化</a:t>
+            </a:r>
+            <a:r>
+              <a:rPr lang="zh-CN" altLang="en-US" sz="2600" dirty="0">
+                <a:solidFill>
+                  <a:srgbClr val="000000"/>
+                </a:solidFill>
+                <a:latin typeface="微软雅黑" panose="020B0503020204020204" pitchFamily="34" charset="-122"/>
+                <a:ea typeface="微软雅黑" panose="020B0503020204020204" pitchFamily="34" charset="-122"/>
+              </a:rPr>
+              <a:t>文档结构</a:t>
+            </a:r>
+            <a:r>
+              <a:rPr lang="zh-CN" altLang="en-US" sz="2600" dirty="0" smtClean="0">
+                <a:solidFill>
+                  <a:srgbClr val="000000"/>
+                </a:solidFill>
+                <a:latin typeface="微软雅黑" panose="020B0503020204020204" pitchFamily="34" charset="-122"/>
+                <a:ea typeface="微软雅黑" panose="020B0503020204020204" pitchFamily="34" charset="-122"/>
+              </a:rPr>
+              <a:t>，结构性元素</a:t>
             </a:r>
             <a:endParaRPr lang="en-US" altLang="zh-CN" sz="2600" dirty="0">
               <a:solidFill>
@@ -38930,8 +39207,11 @@
                 <a:spcPct val="140000"/>
               </a:lnSpc>
               <a:spcBef>
-                <a:spcPts val="0"/>
+                <a:spcPts val="600"/>
               </a:spcBef>
+              <a:spcAft>
+                <a:spcPts val="600"/>
+              </a:spcAft>
               <a:buClr>
                 <a:srgbClr val="5B9BCF"/>
               </a:buClr>
@@ -38956,102 +39236,8 @@
                 <a:latin typeface="微软雅黑" panose="020B0503020204020204" pitchFamily="34" charset="-122"/>
                 <a:ea typeface="微软雅黑" panose="020B0503020204020204" pitchFamily="34" charset="-122"/>
               </a:rPr>
-              <a:t>功能</a:t>
-            </a:r>
-            <a:endParaRPr lang="en-US" altLang="zh-CN" sz="2600" dirty="0">
-              <a:solidFill>
-                <a:srgbClr val="000000"/>
-              </a:solidFill>
-              <a:latin typeface="微软雅黑" panose="020B0503020204020204" pitchFamily="34" charset="-122"/>
-              <a:ea typeface="微软雅黑" panose="020B0503020204020204" pitchFamily="34" charset="-122"/>
-            </a:endParaRPr>
-          </a:p>
-          <a:p>
-            <a:pPr marL="491490" lvl="2" indent="0">
-              <a:lnSpc>
-                <a:spcPct val="150000"/>
-              </a:lnSpc>
-              <a:buNone/>
-            </a:pPr>
-            <a:r>
-              <a:rPr lang="en-US" altLang="zh-CN" sz="2400" dirty="0">
-                <a:solidFill>
-                  <a:srgbClr val="000000"/>
-                </a:solidFill>
-              </a:rPr>
-              <a:t> </a:t>
-            </a:r>
-            <a:r>
-              <a:rPr lang="en-US" altLang="zh-CN" sz="2400" dirty="0" smtClean="0">
-                <a:solidFill>
-                  <a:srgbClr val="000000"/>
-                </a:solidFill>
-              </a:rPr>
-              <a:t>   </a:t>
-            </a:r>
-            <a:r>
-              <a:rPr lang="zh-CN" altLang="en-US" sz="2600" dirty="0" smtClean="0">
-                <a:solidFill>
-                  <a:srgbClr val="000000"/>
-                </a:solidFill>
-                <a:latin typeface="微软雅黑" panose="020B0503020204020204" pitchFamily="34" charset="-122"/>
-                <a:ea typeface="微软雅黑" panose="020B0503020204020204" pitchFamily="34" charset="-122"/>
-              </a:rPr>
-              <a:t>例如</a:t>
-            </a:r>
-            <a:r>
-              <a:rPr lang="zh-CN" altLang="en-US" sz="2600" dirty="0" smtClean="0">
-                <a:solidFill>
-                  <a:srgbClr val="000000"/>
-                </a:solidFill>
-              </a:rPr>
-              <a:t>：</a:t>
-            </a:r>
-            <a:r>
-              <a:rPr lang="en-US" altLang="zh-CN" sz="2600" dirty="0" smtClean="0">
-                <a:solidFill>
-                  <a:srgbClr val="000000"/>
-                </a:solidFill>
-              </a:rPr>
-              <a:t>&lt;audio&gt;</a:t>
-            </a:r>
-            <a:r>
-              <a:rPr lang="zh-CN" altLang="en-US" sz="2600" dirty="0" smtClean="0">
-                <a:solidFill>
-                  <a:srgbClr val="000000"/>
-                </a:solidFill>
-              </a:rPr>
-              <a:t>、</a:t>
-            </a:r>
-            <a:r>
-              <a:rPr lang="en-US" altLang="zh-CN" sz="2600" dirty="0" smtClean="0">
-                <a:solidFill>
-                  <a:srgbClr val="000000"/>
-                </a:solidFill>
-              </a:rPr>
-              <a:t>&lt;video&gt;</a:t>
-            </a:r>
-            <a:r>
-              <a:rPr lang="zh-CN" altLang="en-US" sz="2600" dirty="0" smtClean="0">
-                <a:solidFill>
-                  <a:srgbClr val="000000"/>
-                </a:solidFill>
-              </a:rPr>
-              <a:t>、</a:t>
-            </a:r>
-            <a:r>
-              <a:rPr lang="en-US" altLang="zh-CN" sz="2600" dirty="0" smtClean="0">
-                <a:solidFill>
-                  <a:srgbClr val="000000"/>
-                </a:solidFill>
-              </a:rPr>
-              <a:t>&lt;canvas&gt;</a:t>
-            </a:r>
-            <a:endParaRPr lang="zh-CN" altLang="en-US" sz="2600" dirty="0" smtClean="0">
-              <a:solidFill>
-                <a:srgbClr val="000000"/>
-              </a:solidFill>
-            </a:endParaRPr>
+              <a:t>功能，功能性元素</a:t>
+            </a:r>
           </a:p>
         </p:txBody>
       </p:sp>
@@ -39233,60 +39419,28 @@
             </a:r>
             <a:r>
               <a:rPr lang="zh-CN" altLang="en-US" sz="4000" dirty="0" smtClean="0"/>
-              <a:t>的新标签 </a:t>
+              <a:t>的新标签分类 </a:t>
             </a:r>
             <a:endParaRPr lang="zh-CN" altLang="en-US" sz="4000" dirty="0"/>
           </a:p>
         </p:txBody>
       </p:sp>
-    </p:spTree>
-  </p:cSld>
-  <p:clrMapOvr>
-    <a:masterClrMapping/>
-  </p:clrMapOvr>
-  <p:timing>
-    <p:tnLst>
-      <p:par>
-        <p:cTn id="1" dur="indefinite" restart="never" nodeType="tmRoot"/>
-      </p:par>
-    </p:tnLst>
-  </p:timing>
-</p:sld>
-</file>
-
-<file path=ppt/slides/slide9.xml><?xml version="1.0" encoding="utf-8"?>
-<p:sld xmlns:a="http://schemas.openxmlformats.org/drawingml/2006/main" xmlns:r="http://schemas.openxmlformats.org/officeDocument/2006/relationships" xmlns:p="http://schemas.openxmlformats.org/presentationml/2006/main">
-  <p:cSld>
-    <p:spTree>
-      <p:nvGrpSpPr>
-        <p:cNvPr id="1" name=""/>
-        <p:cNvGrpSpPr/>
-        <p:nvPr/>
-      </p:nvGrpSpPr>
-      <p:grpSpPr>
-        <a:xfrm>
-          <a:off x="0" y="0"/>
-          <a:ext cx="0" cy="0"/>
-          <a:chOff x="0" y="0"/>
-          <a:chExt cx="0" cy="0"/>
-        </a:xfrm>
-      </p:grpSpPr>
       <p:graphicFrame>
         <p:nvGraphicFramePr>
-          <p:cNvPr id="5" name="表格 4"/>
+          <p:cNvPr id="4" name="表格 3"/>
           <p:cNvGraphicFramePr>
             <a:graphicFrameLocks noGrp="1"/>
           </p:cNvGraphicFramePr>
           <p:nvPr>
             <p:extLst>
               <p:ext uri="{D42A27DB-BD31-4B8C-83A1-F6EECF244321}">
-                <p14:modId xmlns:p14="http://schemas.microsoft.com/office/powerpoint/2010/main" val="3978643304"/>
+                <p14:modId xmlns:p14="http://schemas.microsoft.com/office/powerpoint/2010/main" val="1261817768"/>
               </p:ext>
             </p:extLst>
           </p:nvPr>
         </p:nvGraphicFramePr>
         <p:xfrm>
-          <a:off x="1629954" y="1771953"/>
+          <a:off x="1578673" y="2780703"/>
           <a:ext cx="8564755" cy="3687562"/>
         </p:xfrm>
         <a:graphic>
@@ -39299,28 +39453,28 @@
                 <a:gridCol w="2317965">
                   <a:extLst>
                     <a:ext uri="{9D8B030D-6E8A-4147-A177-3AD203B41FA5}">
-                      <a16:colId xmlns:a16="http://schemas.microsoft.com/office/drawing/2014/main" val="20000"/>
+                      <a16:colId xmlns:a16="http://schemas.microsoft.com/office/drawing/2014/main" xmlns="" val="20000"/>
                     </a:ext>
                   </a:extLst>
                 </a:gridCol>
                 <a:gridCol w="2146263">
                   <a:extLst>
                     <a:ext uri="{9D8B030D-6E8A-4147-A177-3AD203B41FA5}">
-                      <a16:colId xmlns:a16="http://schemas.microsoft.com/office/drawing/2014/main" val="20001"/>
+                      <a16:colId xmlns:a16="http://schemas.microsoft.com/office/drawing/2014/main" xmlns="" val="20001"/>
                     </a:ext>
                   </a:extLst>
                 </a:gridCol>
                 <a:gridCol w="2126635">
                   <a:extLst>
                     <a:ext uri="{9D8B030D-6E8A-4147-A177-3AD203B41FA5}">
-                      <a16:colId xmlns:a16="http://schemas.microsoft.com/office/drawing/2014/main" val="20002"/>
+                      <a16:colId xmlns:a16="http://schemas.microsoft.com/office/drawing/2014/main" xmlns="" val="20002"/>
                     </a:ext>
                   </a:extLst>
                 </a:gridCol>
                 <a:gridCol w="1973892">
                   <a:extLst>
                     <a:ext uri="{9D8B030D-6E8A-4147-A177-3AD203B41FA5}">
-                      <a16:colId xmlns:a16="http://schemas.microsoft.com/office/drawing/2014/main" val="20003"/>
+                      <a16:colId xmlns:a16="http://schemas.microsoft.com/office/drawing/2014/main" xmlns="" val="20003"/>
                     </a:ext>
                   </a:extLst>
                 </a:gridCol>
@@ -39640,7 +39794,7 @@
                 </a:tc>
                 <a:extLst>
                   <a:ext uri="{0D108BD9-81ED-4DB2-BD59-A6C34878D82A}">
-                    <a16:rowId xmlns:a16="http://schemas.microsoft.com/office/drawing/2014/main" val="585884755"/>
+                    <a16:rowId xmlns:a16="http://schemas.microsoft.com/office/drawing/2014/main" xmlns="" val="585884755"/>
                   </a:ext>
                 </a:extLst>
               </a:tr>
@@ -39993,7 +40147,7 @@
                 </a:tc>
                 <a:extLst>
                   <a:ext uri="{0D108BD9-81ED-4DB2-BD59-A6C34878D82A}">
-                    <a16:rowId xmlns:a16="http://schemas.microsoft.com/office/drawing/2014/main" val="10000"/>
+                    <a16:rowId xmlns:a16="http://schemas.microsoft.com/office/drawing/2014/main" xmlns="" val="10000"/>
                   </a:ext>
                 </a:extLst>
               </a:tr>
@@ -40392,7 +40546,7 @@
                 </a:tc>
                 <a:extLst>
                   <a:ext uri="{0D108BD9-81ED-4DB2-BD59-A6C34878D82A}">
-                    <a16:rowId xmlns:a16="http://schemas.microsoft.com/office/drawing/2014/main" val="10001"/>
+                    <a16:rowId xmlns:a16="http://schemas.microsoft.com/office/drawing/2014/main" xmlns="" val="10001"/>
                   </a:ext>
                 </a:extLst>
               </a:tr>
@@ -40713,7 +40867,7 @@
                 </a:tc>
                 <a:extLst>
                   <a:ext uri="{0D108BD9-81ED-4DB2-BD59-A6C34878D82A}">
-                    <a16:rowId xmlns:a16="http://schemas.microsoft.com/office/drawing/2014/main" val="10002"/>
+                    <a16:rowId xmlns:a16="http://schemas.microsoft.com/office/drawing/2014/main" xmlns="" val="10002"/>
                   </a:ext>
                 </a:extLst>
               </a:tr>
@@ -41115,7 +41269,7 @@
                 </a:tc>
                 <a:extLst>
                   <a:ext uri="{0D108BD9-81ED-4DB2-BD59-A6C34878D82A}">
-                    <a16:rowId xmlns:a16="http://schemas.microsoft.com/office/drawing/2014/main" val="10003"/>
+                    <a16:rowId xmlns:a16="http://schemas.microsoft.com/office/drawing/2014/main" xmlns="" val="10003"/>
                   </a:ext>
                 </a:extLst>
               </a:tr>
@@ -41443,7 +41597,7 @@
                 </a:tc>
                 <a:extLst>
                   <a:ext uri="{0D108BD9-81ED-4DB2-BD59-A6C34878D82A}">
-                    <a16:rowId xmlns:a16="http://schemas.microsoft.com/office/drawing/2014/main" val="10004"/>
+                    <a16:rowId xmlns:a16="http://schemas.microsoft.com/office/drawing/2014/main" xmlns="" val="10004"/>
                   </a:ext>
                 </a:extLst>
               </a:tr>
@@ -41451,191 +41605,609 @@
           </a:graphicData>
         </a:graphic>
       </p:graphicFrame>
+    </p:spTree>
+  </p:cSld>
+  <p:clrMapOvr>
+    <a:masterClrMapping/>
+  </p:clrMapOvr>
+  <p:timing>
+    <p:tnLst>
+      <p:par>
+        <p:cTn id="1" dur="indefinite" restart="never" nodeType="tmRoot">
+          <p:childTnLst>
+            <p:seq concurrent="1" nextAc="seek">
+              <p:cTn id="2" dur="indefinite" nodeType="mainSeq">
+                <p:childTnLst>
+                  <p:par>
+                    <p:cTn id="3" fill="hold">
+                      <p:stCondLst>
+                        <p:cond delay="indefinite"/>
+                      </p:stCondLst>
+                      <p:childTnLst>
+                        <p:par>
+                          <p:cTn id="4" fill="hold">
+                            <p:stCondLst>
+                              <p:cond delay="0"/>
+                            </p:stCondLst>
+                            <p:childTnLst>
+                              <p:par>
+                                <p:cTn id="5" presetID="10" presetClass="entr" presetSubtype="0" fill="hold" nodeType="clickEffect">
+                                  <p:stCondLst>
+                                    <p:cond delay="0"/>
+                                  </p:stCondLst>
+                                  <p:childTnLst>
+                                    <p:set>
+                                      <p:cBhvr>
+                                        <p:cTn id="6" dur="1" fill="hold">
+                                          <p:stCondLst>
+                                            <p:cond delay="0"/>
+                                          </p:stCondLst>
+                                        </p:cTn>
+                                        <p:tgtEl>
+                                          <p:spTgt spid="4"/>
+                                        </p:tgtEl>
+                                        <p:attrNameLst>
+                                          <p:attrName>style.visibility</p:attrName>
+                                        </p:attrNameLst>
+                                      </p:cBhvr>
+                                      <p:to>
+                                        <p:strVal val="visible"/>
+                                      </p:to>
+                                    </p:set>
+                                    <p:animEffect transition="in" filter="fade">
+                                      <p:cBhvr>
+                                        <p:cTn id="7" dur="500"/>
+                                        <p:tgtEl>
+                                          <p:spTgt spid="4"/>
+                                        </p:tgtEl>
+                                      </p:cBhvr>
+                                    </p:animEffect>
+                                  </p:childTnLst>
+                                </p:cTn>
+                              </p:par>
+                            </p:childTnLst>
+                          </p:cTn>
+                        </p:par>
+                      </p:childTnLst>
+                    </p:cTn>
+                  </p:par>
+                </p:childTnLst>
+              </p:cTn>
+              <p:prevCondLst>
+                <p:cond evt="onPrev" delay="0">
+                  <p:tgtEl>
+                    <p:sldTgt/>
+                  </p:tgtEl>
+                </p:cond>
+              </p:prevCondLst>
+              <p:nextCondLst>
+                <p:cond evt="onNext" delay="0">
+                  <p:tgtEl>
+                    <p:sldTgt/>
+                  </p:tgtEl>
+                </p:cond>
+              </p:nextCondLst>
+            </p:seq>
+          </p:childTnLst>
+        </p:cTn>
+      </p:par>
+    </p:tnLst>
+  </p:timing>
+</p:sld>
+</file>
+
+<file path=ppt/slides/slide9.xml><?xml version="1.0" encoding="utf-8"?>
+<p:sld xmlns:a="http://schemas.openxmlformats.org/drawingml/2006/main" xmlns:r="http://schemas.openxmlformats.org/officeDocument/2006/relationships" xmlns:p="http://schemas.openxmlformats.org/presentationml/2006/main">
+  <p:cSld>
+    <p:spTree>
+      <p:nvGrpSpPr>
+        <p:cNvPr id="1" name=""/>
+        <p:cNvGrpSpPr/>
+        <p:nvPr/>
+      </p:nvGrpSpPr>
+      <p:grpSpPr>
+        <a:xfrm>
+          <a:off x="0" y="0"/>
+          <a:ext cx="0" cy="0"/>
+          <a:chOff x="0" y="0"/>
+          <a:chExt cx="0" cy="0"/>
+        </a:xfrm>
+      </p:grpSpPr>
+      <p:grpSp>
+        <p:nvGrpSpPr>
+          <p:cNvPr id="3" name="组合 2"/>
+          <p:cNvGrpSpPr/>
+          <p:nvPr>
+            <p:custDataLst>
+              <p:tags r:id="rId2"/>
+            </p:custDataLst>
+          </p:nvPr>
+        </p:nvGrpSpPr>
+        <p:grpSpPr>
+          <a:xfrm>
+            <a:off x="1706562" y="2314578"/>
+            <a:ext cx="9287682" cy="1314449"/>
+            <a:chOff x="1849438" y="1833564"/>
+            <a:chExt cx="6158288" cy="1314449"/>
+          </a:xfrm>
+        </p:grpSpPr>
+        <p:sp>
+          <p:nvSpPr>
+            <p:cNvPr id="6146" name="MH_Number_1"/>
+            <p:cNvSpPr>
+              <a:spLocks noChangeArrowheads="1"/>
+            </p:cNvSpPr>
+            <p:nvPr>
+              <p:custDataLst>
+                <p:tags r:id="rId3"/>
+              </p:custDataLst>
+            </p:nvPr>
+          </p:nvSpPr>
+          <p:spPr bwMode="auto">
+            <a:xfrm>
+              <a:off x="1849438" y="1833564"/>
+              <a:ext cx="1200150" cy="1314449"/>
+            </a:xfrm>
+            <a:prstGeom prst="homePlate">
+              <a:avLst>
+                <a:gd name="adj" fmla="val 50002"/>
+              </a:avLst>
+            </a:prstGeom>
+            <a:solidFill>
+              <a:schemeClr val="accent1"/>
+            </a:solidFill>
+            <a:ln>
+              <a:noFill/>
+            </a:ln>
+            <a:extLst>
+              <a:ext uri="{91240B29-F687-4F45-9708-019B960494DF}">
+                <a14:hiddenLine xmlns:a14="http://schemas.microsoft.com/office/drawing/2010/main" w="9525">
+                  <a:solidFill>
+                    <a:srgbClr val="000000"/>
+                  </a:solidFill>
+                  <a:miter lim="800000"/>
+                  <a:headEnd/>
+                  <a:tailEnd/>
+                </a14:hiddenLine>
+              </a:ext>
+            </a:extLst>
+          </p:spPr>
+          <p:txBody>
+            <a:bodyPr lIns="36000" tIns="0" rIns="0" bIns="0" anchor="ctr">
+              <a:noAutofit/>
+            </a:bodyPr>
+            <a:lstStyle>
+              <a:lvl1pPr>
+                <a:defRPr>
+                  <a:solidFill>
+                    <a:schemeClr val="tx1"/>
+                  </a:solidFill>
+                  <a:latin typeface="Calibri" panose="020F0502020204030204" charset="0"/>
+                  <a:ea typeface="宋体" panose="02010600030101010101" pitchFamily="2" charset="-122"/>
+                </a:defRPr>
+              </a:lvl1pPr>
+              <a:lvl2pPr marL="742950" indent="-285750">
+                <a:defRPr>
+                  <a:solidFill>
+                    <a:schemeClr val="tx1"/>
+                  </a:solidFill>
+                  <a:latin typeface="Calibri" panose="020F0502020204030204" charset="0"/>
+                  <a:ea typeface="宋体" panose="02010600030101010101" pitchFamily="2" charset="-122"/>
+                </a:defRPr>
+              </a:lvl2pPr>
+              <a:lvl3pPr marL="1143000" indent="-228600">
+                <a:defRPr>
+                  <a:solidFill>
+                    <a:schemeClr val="tx1"/>
+                  </a:solidFill>
+                  <a:latin typeface="Calibri" panose="020F0502020204030204" charset="0"/>
+                  <a:ea typeface="宋体" panose="02010600030101010101" pitchFamily="2" charset="-122"/>
+                </a:defRPr>
+              </a:lvl3pPr>
+              <a:lvl4pPr marL="1600200" indent="-228600">
+                <a:defRPr>
+                  <a:solidFill>
+                    <a:schemeClr val="tx1"/>
+                  </a:solidFill>
+                  <a:latin typeface="Calibri" panose="020F0502020204030204" charset="0"/>
+                  <a:ea typeface="宋体" panose="02010600030101010101" pitchFamily="2" charset="-122"/>
+                </a:defRPr>
+              </a:lvl4pPr>
+              <a:lvl5pPr marL="2057400" indent="-228600">
+                <a:defRPr>
+                  <a:solidFill>
+                    <a:schemeClr val="tx1"/>
+                  </a:solidFill>
+                  <a:latin typeface="Calibri" panose="020F0502020204030204" charset="0"/>
+                  <a:ea typeface="宋体" panose="02010600030101010101" pitchFamily="2" charset="-122"/>
+                </a:defRPr>
+              </a:lvl5pPr>
+              <a:lvl6pPr marL="2514600" indent="-228600" eaLnBrk="0" fontAlgn="base" hangingPunct="0">
+                <a:spcBef>
+                  <a:spcPct val="0"/>
+                </a:spcBef>
+                <a:spcAft>
+                  <a:spcPct val="0"/>
+                </a:spcAft>
+                <a:buFont typeface="Arial" panose="020B0604020202020204" pitchFamily="34" charset="0"/>
+                <a:defRPr>
+                  <a:solidFill>
+                    <a:schemeClr val="tx1"/>
+                  </a:solidFill>
+                  <a:latin typeface="Calibri" panose="020F0502020204030204" charset="0"/>
+                  <a:ea typeface="宋体" panose="02010600030101010101" pitchFamily="2" charset="-122"/>
+                </a:defRPr>
+              </a:lvl6pPr>
+              <a:lvl7pPr marL="2971800" indent="-228600" eaLnBrk="0" fontAlgn="base" hangingPunct="0">
+                <a:spcBef>
+                  <a:spcPct val="0"/>
+                </a:spcBef>
+                <a:spcAft>
+                  <a:spcPct val="0"/>
+                </a:spcAft>
+                <a:buFont typeface="Arial" panose="020B0604020202020204" pitchFamily="34" charset="0"/>
+                <a:defRPr>
+                  <a:solidFill>
+                    <a:schemeClr val="tx1"/>
+                  </a:solidFill>
+                  <a:latin typeface="Calibri" panose="020F0502020204030204" charset="0"/>
+                  <a:ea typeface="宋体" panose="02010600030101010101" pitchFamily="2" charset="-122"/>
+                </a:defRPr>
+              </a:lvl7pPr>
+              <a:lvl8pPr marL="3429000" indent="-228600" eaLnBrk="0" fontAlgn="base" hangingPunct="0">
+                <a:spcBef>
+                  <a:spcPct val="0"/>
+                </a:spcBef>
+                <a:spcAft>
+                  <a:spcPct val="0"/>
+                </a:spcAft>
+                <a:buFont typeface="Arial" panose="020B0604020202020204" pitchFamily="34" charset="0"/>
+                <a:defRPr>
+                  <a:solidFill>
+                    <a:schemeClr val="tx1"/>
+                  </a:solidFill>
+                  <a:latin typeface="Calibri" panose="020F0502020204030204" charset="0"/>
+                  <a:ea typeface="宋体" panose="02010600030101010101" pitchFamily="2" charset="-122"/>
+                </a:defRPr>
+              </a:lvl8pPr>
+              <a:lvl9pPr marL="3886200" indent="-228600" eaLnBrk="0" fontAlgn="base" hangingPunct="0">
+                <a:spcBef>
+                  <a:spcPct val="0"/>
+                </a:spcBef>
+                <a:spcAft>
+                  <a:spcPct val="0"/>
+                </a:spcAft>
+                <a:buFont typeface="Arial" panose="020B0604020202020204" pitchFamily="34" charset="0"/>
+                <a:defRPr>
+                  <a:solidFill>
+                    <a:schemeClr val="tx1"/>
+                  </a:solidFill>
+                  <a:latin typeface="Calibri" panose="020F0502020204030204" charset="0"/>
+                  <a:ea typeface="宋体" panose="02010600030101010101" pitchFamily="2" charset="-122"/>
+                </a:defRPr>
+              </a:lvl9pPr>
+            </a:lstStyle>
+            <a:p>
+              <a:pPr algn="ctr" eaLnBrk="1" hangingPunct="1"/>
+              <a:r>
+                <a:rPr lang="en-US" altLang="zh-CN" sz="7200" b="1" dirty="0" smtClean="0">
+                  <a:solidFill>
+                    <a:srgbClr val="FFFFFF"/>
+                  </a:solidFill>
+                  <a:latin typeface="+mn-lt"/>
+                  <a:ea typeface="+mn-ea"/>
+                </a:rPr>
+                <a:t>02</a:t>
+              </a:r>
+              <a:endParaRPr lang="zh-CN" altLang="en-US" sz="7200" b="1" dirty="0">
+                <a:solidFill>
+                  <a:srgbClr val="FFFFFF"/>
+                </a:solidFill>
+                <a:latin typeface="+mn-lt"/>
+                <a:ea typeface="+mn-ea"/>
+              </a:endParaRPr>
+            </a:p>
+          </p:txBody>
+        </p:sp>
+        <p:sp>
+          <p:nvSpPr>
+            <p:cNvPr id="6147" name="MH_Entry_1"/>
+            <p:cNvSpPr txBox="1">
+              <a:spLocks noChangeArrowheads="1"/>
+            </p:cNvSpPr>
+            <p:nvPr>
+              <p:custDataLst>
+                <p:tags r:id="rId4"/>
+              </p:custDataLst>
+            </p:nvPr>
+          </p:nvSpPr>
+          <p:spPr bwMode="auto">
+            <a:xfrm>
+              <a:off x="3197989" y="2117725"/>
+              <a:ext cx="4809737" cy="746125"/>
+            </a:xfrm>
+            <a:prstGeom prst="rect">
+              <a:avLst/>
+            </a:prstGeom>
+            <a:noFill/>
+            <a:ln>
+              <a:noFill/>
+            </a:ln>
+            <a:extLst>
+              <a:ext uri="{909E8E84-426E-40DD-AFC4-6F175D3DCCD1}">
+                <a14:hiddenFill xmlns:a14="http://schemas.microsoft.com/office/drawing/2010/main">
+                  <a:solidFill>
+                    <a:srgbClr val="FFFFFF"/>
+                  </a:solidFill>
+                </a14:hiddenFill>
+              </a:ext>
+              <a:ext uri="{91240B29-F687-4F45-9708-019B960494DF}">
+                <a14:hiddenLine xmlns:a14="http://schemas.microsoft.com/office/drawing/2010/main" w="9525">
+                  <a:solidFill>
+                    <a:srgbClr val="000000"/>
+                  </a:solidFill>
+                  <a:miter lim="800000"/>
+                  <a:headEnd/>
+                  <a:tailEnd/>
+                </a14:hiddenLine>
+              </a:ext>
+            </a:extLst>
+          </p:spPr>
+          <p:txBody>
+            <a:bodyPr lIns="144000" anchor="ctr">
+              <a:noAutofit/>
+            </a:bodyPr>
+            <a:lstStyle>
+              <a:lvl1pPr algn="just">
+                <a:lnSpc>
+                  <a:spcPct val="110000"/>
+                </a:lnSpc>
+                <a:spcBef>
+                  <a:spcPts val="1800"/>
+                </a:spcBef>
+                <a:buClr>
+                  <a:srgbClr val="963B22"/>
+                </a:buClr>
+                <a:buSzPct val="100000"/>
+                <a:buBlip>
+                  <a:blip r:embed="rId7"/>
+                </a:buBlip>
+                <a:defRPr sz="2400">
+                  <a:solidFill>
+                    <a:srgbClr val="50820E"/>
+                  </a:solidFill>
+                  <a:latin typeface="Arial" panose="020B0604020202020204" pitchFamily="34" charset="0"/>
+                  <a:ea typeface="黑体" panose="02010609060101010101" pitchFamily="49" charset="-122"/>
+                </a:defRPr>
+              </a:lvl1pPr>
+              <a:lvl2pPr marL="742950" indent="-742950" algn="just">
+                <a:lnSpc>
+                  <a:spcPct val="130000"/>
+                </a:lnSpc>
+                <a:spcAft>
+                  <a:spcPts val="600"/>
+                </a:spcAft>
+                <a:buClr>
+                  <a:srgbClr val="D5E89A"/>
+                </a:buClr>
+                <a:buFont typeface="幼圆" pitchFamily="49" charset="-122"/>
+                <a:buChar char=" "/>
+                <a:defRPr sz="2000">
+                  <a:solidFill>
+                    <a:srgbClr val="7D7D7D"/>
+                  </a:solidFill>
+                  <a:latin typeface="Arial" panose="020B0604020202020204" pitchFamily="34" charset="0"/>
+                  <a:ea typeface="黑体" panose="02010609060101010101" pitchFamily="49" charset="-122"/>
+                </a:defRPr>
+              </a:lvl2pPr>
+              <a:lvl3pPr marL="1143000" indent="-228600">
+                <a:lnSpc>
+                  <a:spcPct val="90000"/>
+                </a:lnSpc>
+                <a:spcBef>
+                  <a:spcPts val="500"/>
+                </a:spcBef>
+                <a:buChar char="•"/>
+                <a:defRPr sz="2000">
+                  <a:solidFill>
+                    <a:schemeClr val="tx1"/>
+                  </a:solidFill>
+                  <a:latin typeface="Calibri" panose="020F0502020204030204" charset="0"/>
+                  <a:ea typeface="幼圆" pitchFamily="49" charset="-122"/>
+                </a:defRPr>
+              </a:lvl3pPr>
+              <a:lvl4pPr marL="1600200" indent="-228600">
+                <a:lnSpc>
+                  <a:spcPct val="90000"/>
+                </a:lnSpc>
+                <a:spcBef>
+                  <a:spcPts val="500"/>
+                </a:spcBef>
+                <a:buChar char="•"/>
+                <a:defRPr>
+                  <a:solidFill>
+                    <a:schemeClr val="tx1"/>
+                  </a:solidFill>
+                  <a:latin typeface="Calibri" panose="020F0502020204030204" charset="0"/>
+                  <a:ea typeface="幼圆" pitchFamily="49" charset="-122"/>
+                </a:defRPr>
+              </a:lvl4pPr>
+              <a:lvl5pPr marL="2057400" indent="-228600">
+                <a:lnSpc>
+                  <a:spcPct val="90000"/>
+                </a:lnSpc>
+                <a:spcBef>
+                  <a:spcPts val="500"/>
+                </a:spcBef>
+                <a:buChar char="•"/>
+                <a:defRPr>
+                  <a:solidFill>
+                    <a:schemeClr val="tx1"/>
+                  </a:solidFill>
+                  <a:latin typeface="Calibri" panose="020F0502020204030204" charset="0"/>
+                  <a:ea typeface="幼圆" pitchFamily="49" charset="-122"/>
+                </a:defRPr>
+              </a:lvl5pPr>
+              <a:lvl6pPr marL="2514600" indent="-228600" fontAlgn="base">
+                <a:lnSpc>
+                  <a:spcPct val="90000"/>
+                </a:lnSpc>
+                <a:spcBef>
+                  <a:spcPts val="500"/>
+                </a:spcBef>
+                <a:spcAft>
+                  <a:spcPct val="0"/>
+                </a:spcAft>
+                <a:buFont typeface="Arial" panose="020B0604020202020204" pitchFamily="34" charset="0"/>
+                <a:buChar char="•"/>
+                <a:defRPr>
+                  <a:solidFill>
+                    <a:schemeClr val="tx1"/>
+                  </a:solidFill>
+                  <a:latin typeface="Calibri" panose="020F0502020204030204" charset="0"/>
+                  <a:ea typeface="幼圆" pitchFamily="49" charset="-122"/>
+                </a:defRPr>
+              </a:lvl6pPr>
+              <a:lvl7pPr marL="2971800" indent="-228600" fontAlgn="base">
+                <a:lnSpc>
+                  <a:spcPct val="90000"/>
+                </a:lnSpc>
+                <a:spcBef>
+                  <a:spcPts val="500"/>
+                </a:spcBef>
+                <a:spcAft>
+                  <a:spcPct val="0"/>
+                </a:spcAft>
+                <a:buFont typeface="Arial" panose="020B0604020202020204" pitchFamily="34" charset="0"/>
+                <a:buChar char="•"/>
+                <a:defRPr>
+                  <a:solidFill>
+                    <a:schemeClr val="tx1"/>
+                  </a:solidFill>
+                  <a:latin typeface="Calibri" panose="020F0502020204030204" charset="0"/>
+                  <a:ea typeface="幼圆" pitchFamily="49" charset="-122"/>
+                </a:defRPr>
+              </a:lvl7pPr>
+              <a:lvl8pPr marL="3429000" indent="-228600" fontAlgn="base">
+                <a:lnSpc>
+                  <a:spcPct val="90000"/>
+                </a:lnSpc>
+                <a:spcBef>
+                  <a:spcPts val="500"/>
+                </a:spcBef>
+                <a:spcAft>
+                  <a:spcPct val="0"/>
+                </a:spcAft>
+                <a:buFont typeface="Arial" panose="020B0604020202020204" pitchFamily="34" charset="0"/>
+                <a:buChar char="•"/>
+                <a:defRPr>
+                  <a:solidFill>
+                    <a:schemeClr val="tx1"/>
+                  </a:solidFill>
+                  <a:latin typeface="Calibri" panose="020F0502020204030204" charset="0"/>
+                  <a:ea typeface="幼圆" pitchFamily="49" charset="-122"/>
+                </a:defRPr>
+              </a:lvl8pPr>
+              <a:lvl9pPr marL="3886200" indent="-228600" fontAlgn="base">
+                <a:lnSpc>
+                  <a:spcPct val="90000"/>
+                </a:lnSpc>
+                <a:spcBef>
+                  <a:spcPts val="500"/>
+                </a:spcBef>
+                <a:spcAft>
+                  <a:spcPct val="0"/>
+                </a:spcAft>
+                <a:buFont typeface="Arial" panose="020B0604020202020204" pitchFamily="34" charset="0"/>
+                <a:buChar char="•"/>
+                <a:defRPr>
+                  <a:solidFill>
+                    <a:schemeClr val="tx1"/>
+                  </a:solidFill>
+                  <a:latin typeface="Calibri" panose="020F0502020204030204" charset="0"/>
+                  <a:ea typeface="幼圆" pitchFamily="49" charset="-122"/>
+                </a:defRPr>
+              </a:lvl9pPr>
+            </a:lstStyle>
+            <a:p>
+              <a:pPr eaLnBrk="1" hangingPunct="1">
+                <a:lnSpc>
+                  <a:spcPct val="120000"/>
+                </a:lnSpc>
+                <a:spcBef>
+                  <a:spcPct val="0"/>
+                </a:spcBef>
+                <a:buFontTx/>
+                <a:buNone/>
+              </a:pPr>
+              <a:r>
+                <a:rPr lang="en-US" altLang="zh-CN" sz="4800" dirty="0" smtClean="0">
+                  <a:solidFill>
+                    <a:schemeClr val="tx1"/>
+                  </a:solidFill>
+                  <a:latin typeface="+mn-lt"/>
+                  <a:ea typeface="+mn-ea"/>
+                </a:rPr>
+                <a:t>HTML5</a:t>
+              </a:r>
+              <a:r>
+                <a:rPr lang="zh-CN" altLang="en-US" sz="4800" dirty="0" smtClean="0">
+                  <a:solidFill>
+                    <a:schemeClr val="tx1"/>
+                  </a:solidFill>
+                  <a:latin typeface="+mn-lt"/>
+                  <a:ea typeface="+mn-ea"/>
+                </a:rPr>
+                <a:t>新增的结构性元素</a:t>
+              </a:r>
+              <a:endParaRPr lang="zh-CN" altLang="en-US" sz="4800" dirty="0">
+                <a:solidFill>
+                  <a:schemeClr val="tx1"/>
+                </a:solidFill>
+                <a:latin typeface="+mn-lt"/>
+                <a:ea typeface="+mn-ea"/>
+              </a:endParaRPr>
+            </a:p>
+          </p:txBody>
+        </p:sp>
+      </p:grpSp>
       <p:sp>
         <p:nvSpPr>
-          <p:cNvPr id="6" name="Rectangle 2"/>
-          <p:cNvSpPr txBox="1">
-            <a:spLocks noChangeArrowheads="1"/>
-          </p:cNvSpPr>
-          <p:nvPr>
-            <p:custDataLst>
-              <p:tags r:id="rId1"/>
-            </p:custDataLst>
-          </p:nvPr>
+          <p:cNvPr id="2" name="文本框 1"/>
+          <p:cNvSpPr txBox="1"/>
+          <p:nvPr/>
         </p:nvSpPr>
         <p:spPr>
           <a:xfrm>
-            <a:off x="609599" y="190277"/>
-            <a:ext cx="9791700" cy="695548"/>
+            <a:off x="405393" y="547680"/>
+            <a:ext cx="8067696" cy="792363"/>
           </a:xfrm>
           <a:prstGeom prst="rect">
             <a:avLst/>
           </a:prstGeom>
+          <a:solidFill>
+            <a:schemeClr val="bg1"/>
+          </a:solidFill>
         </p:spPr>
         <p:txBody>
-          <a:bodyPr>
-            <a:noAutofit/>
+          <a:bodyPr wrap="square" rtlCol="0">
+            <a:spAutoFit/>
           </a:bodyPr>
-          <a:lstStyle>
-            <a:lvl1pPr algn="l" rtl="0" eaLnBrk="1" fontAlgn="base" hangingPunct="1">
-              <a:spcBef>
-                <a:spcPct val="0"/>
-              </a:spcBef>
-              <a:spcAft>
-                <a:spcPct val="0"/>
-              </a:spcAft>
-              <a:defRPr sz="2800" kern="1200">
-                <a:solidFill>
-                  <a:srgbClr val="3376AD"/>
-                </a:solidFill>
-                <a:latin typeface="+mj-lt"/>
-                <a:ea typeface="+mj-ea"/>
-                <a:cs typeface="+mj-cs"/>
-              </a:defRPr>
-            </a:lvl1pPr>
-            <a:lvl2pPr algn="l" rtl="0" eaLnBrk="1" fontAlgn="base" hangingPunct="1">
-              <a:spcBef>
-                <a:spcPct val="0"/>
-              </a:spcBef>
-              <a:spcAft>
-                <a:spcPct val="0"/>
-              </a:spcAft>
-              <a:defRPr sz="3200">
-                <a:solidFill>
-                  <a:srgbClr val="3376AD"/>
-                </a:solidFill>
-                <a:latin typeface="Britannic Bold" pitchFamily="34" charset="0"/>
-                <a:ea typeface="微软雅黑" panose="020B0503020204020204" charset="-122"/>
-                <a:cs typeface="宋体" panose="02010600030101010101" pitchFamily="2" charset="-122"/>
-              </a:defRPr>
-            </a:lvl2pPr>
-            <a:lvl3pPr algn="l" rtl="0" eaLnBrk="1" fontAlgn="base" hangingPunct="1">
-              <a:spcBef>
-                <a:spcPct val="0"/>
-              </a:spcBef>
-              <a:spcAft>
-                <a:spcPct val="0"/>
-              </a:spcAft>
-              <a:defRPr sz="3200">
-                <a:solidFill>
-                  <a:srgbClr val="3376AD"/>
-                </a:solidFill>
-                <a:latin typeface="Britannic Bold" pitchFamily="34" charset="0"/>
-                <a:ea typeface="微软雅黑" panose="020B0503020204020204" charset="-122"/>
-                <a:cs typeface="宋体" panose="02010600030101010101" pitchFamily="2" charset="-122"/>
-              </a:defRPr>
-            </a:lvl3pPr>
-            <a:lvl4pPr algn="l" rtl="0" eaLnBrk="1" fontAlgn="base" hangingPunct="1">
-              <a:spcBef>
-                <a:spcPct val="0"/>
-              </a:spcBef>
-              <a:spcAft>
-                <a:spcPct val="0"/>
-              </a:spcAft>
-              <a:defRPr sz="3200">
-                <a:solidFill>
-                  <a:srgbClr val="3376AD"/>
-                </a:solidFill>
-                <a:latin typeface="Britannic Bold" pitchFamily="34" charset="0"/>
-                <a:ea typeface="微软雅黑" panose="020B0503020204020204" charset="-122"/>
-                <a:cs typeface="宋体" panose="02010600030101010101" pitchFamily="2" charset="-122"/>
-              </a:defRPr>
-            </a:lvl4pPr>
-            <a:lvl5pPr algn="l" rtl="0" eaLnBrk="1" fontAlgn="base" hangingPunct="1">
-              <a:spcBef>
-                <a:spcPct val="0"/>
-              </a:spcBef>
-              <a:spcAft>
-                <a:spcPct val="0"/>
-              </a:spcAft>
-              <a:defRPr sz="3200">
-                <a:solidFill>
-                  <a:srgbClr val="3376AD"/>
-                </a:solidFill>
-                <a:latin typeface="Britannic Bold" pitchFamily="34" charset="0"/>
-                <a:ea typeface="微软雅黑" panose="020B0503020204020204" charset="-122"/>
-                <a:cs typeface="宋体" panose="02010600030101010101" pitchFamily="2" charset="-122"/>
-              </a:defRPr>
-            </a:lvl5pPr>
-            <a:lvl6pPr marL="457200" algn="ctr" rtl="0" eaLnBrk="1" fontAlgn="base" hangingPunct="1">
-              <a:spcBef>
-                <a:spcPct val="0"/>
-              </a:spcBef>
-              <a:spcAft>
-                <a:spcPct val="0"/>
-              </a:spcAft>
-              <a:defRPr sz="3200">
-                <a:solidFill>
-                  <a:schemeClr val="tx2"/>
-                </a:solidFill>
-                <a:latin typeface="Arial" panose="020B0604020202020204" pitchFamily="34" charset="0"/>
-                <a:ea typeface="微软雅黑" panose="020B0503020204020204" charset="-122"/>
-                <a:cs typeface="宋体" panose="02010600030101010101" pitchFamily="2" charset="-122"/>
-              </a:defRPr>
-            </a:lvl6pPr>
-            <a:lvl7pPr marL="914400" algn="ctr" rtl="0" eaLnBrk="1" fontAlgn="base" hangingPunct="1">
-              <a:spcBef>
-                <a:spcPct val="0"/>
-              </a:spcBef>
-              <a:spcAft>
-                <a:spcPct val="0"/>
-              </a:spcAft>
-              <a:defRPr sz="3200">
-                <a:solidFill>
-                  <a:schemeClr val="tx2"/>
-                </a:solidFill>
-                <a:latin typeface="Arial" panose="020B0604020202020204" pitchFamily="34" charset="0"/>
-                <a:ea typeface="微软雅黑" panose="020B0503020204020204" charset="-122"/>
-                <a:cs typeface="宋体" panose="02010600030101010101" pitchFamily="2" charset="-122"/>
-              </a:defRPr>
-            </a:lvl7pPr>
-            <a:lvl8pPr marL="1371600" algn="ctr" rtl="0" eaLnBrk="1" fontAlgn="base" hangingPunct="1">
-              <a:spcBef>
-                <a:spcPct val="0"/>
-              </a:spcBef>
-              <a:spcAft>
-                <a:spcPct val="0"/>
-              </a:spcAft>
-              <a:defRPr sz="3200">
-                <a:solidFill>
-                  <a:schemeClr val="tx2"/>
-                </a:solidFill>
-                <a:latin typeface="Arial" panose="020B0604020202020204" pitchFamily="34" charset="0"/>
-                <a:ea typeface="微软雅黑" panose="020B0503020204020204" charset="-122"/>
-                <a:cs typeface="宋体" panose="02010600030101010101" pitchFamily="2" charset="-122"/>
-              </a:defRPr>
-            </a:lvl8pPr>
-            <a:lvl9pPr marL="1828800" algn="ctr" rtl="0" eaLnBrk="1" fontAlgn="base" hangingPunct="1">
-              <a:spcBef>
-                <a:spcPct val="0"/>
-              </a:spcBef>
-              <a:spcAft>
-                <a:spcPct val="0"/>
-              </a:spcAft>
-              <a:defRPr sz="3200">
-                <a:solidFill>
-                  <a:schemeClr val="tx2"/>
-                </a:solidFill>
-                <a:latin typeface="Arial" panose="020B0604020202020204" pitchFamily="34" charset="0"/>
-                <a:ea typeface="微软雅黑" panose="020B0503020204020204" charset="-122"/>
-                <a:cs typeface="宋体" panose="02010600030101010101" pitchFamily="2" charset="-122"/>
-              </a:defRPr>
-            </a:lvl9pPr>
-          </a:lstStyle>
+          <a:lstStyle/>
           <a:p>
-            <a:r>
-              <a:rPr lang="en-US" altLang="zh-CN" sz="4000" dirty="0" smtClean="0"/>
-              <a:t>HTML5</a:t>
-            </a:r>
-            <a:r>
-              <a:rPr lang="zh-CN" altLang="en-US" sz="4000" dirty="0" smtClean="0"/>
-              <a:t>的新标签 </a:t>
-            </a:r>
-            <a:endParaRPr lang="zh-CN" altLang="en-US" sz="4000" dirty="0"/>
+            <a:endParaRPr lang="zh-CN" altLang="en-US" dirty="0"/>
           </a:p>
         </p:txBody>
       </p:sp>
     </p:spTree>
+    <p:custDataLst>
+      <p:tags r:id="rId1"/>
+    </p:custDataLst>
+    <p:extLst>
+      <p:ext uri="{BB962C8B-B14F-4D97-AF65-F5344CB8AC3E}">
+        <p14:creationId xmlns:p14="http://schemas.microsoft.com/office/powerpoint/2010/main" val="575033007"/>
+      </p:ext>
+    </p:extLst>
   </p:cSld>
   <p:clrMapOvr>
     <a:masterClrMapping/>
@@ -41980,26 +42552,6 @@
 
 <file path=ppt/tags/tag25.xml><?xml version="1.0" encoding="utf-8"?>
 <p:tagLst xmlns:a="http://schemas.openxmlformats.org/drawingml/2006/main" xmlns:r="http://schemas.openxmlformats.org/officeDocument/2006/relationships" xmlns:p="http://schemas.openxmlformats.org/presentationml/2006/main">
-  <p:tag name="KSO_WM_TAG_VERSION" val="1.0"/>
-  <p:tag name="KSO_WM_BEAUTIFY_FLAG" val="#wm#"/>
-  <p:tag name="KSO_WM_TEMPLATE_CATEGORY" val="custom"/>
-  <p:tag name="KSO_WM_TEMPLATE_INDEX" val="160336"/>
-  <p:tag name="KSO_WM_UNIT_TYPE" val="a"/>
-  <p:tag name="KSO_WM_UNIT_INDEX" val="1"/>
-  <p:tag name="KSO_WM_UNIT_ID" val="custom160336_2*a*1"/>
-  <p:tag name="KSO_WM_UNIT_CLEAR" val="1"/>
-  <p:tag name="KSO_WM_UNIT_LAYERLEVEL" val="1"/>
-  <p:tag name="KSO_WM_UNIT_VALUE" val="27"/>
-  <p:tag name="KSO_WM_UNIT_ISCONTENTSTITLE" val="0"/>
-  <p:tag name="KSO_WM_UNIT_HIGHLIGHT" val="0"/>
-  <p:tag name="KSO_WM_UNIT_COMPATIBLE" val="0"/>
-  <p:tag name="KSO_WM_UNIT_PRESET_TEXT_INDEX" val="3"/>
-  <p:tag name="KSO_WM_UNIT_PRESET_TEXT_LEN" val="17"/>
-</p:tagLst>
-</file>
-
-<file path=ppt/tags/tag26.xml><?xml version="1.0" encoding="utf-8"?>
-<p:tagLst xmlns:a="http://schemas.openxmlformats.org/drawingml/2006/main" xmlns:r="http://schemas.openxmlformats.org/officeDocument/2006/relationships" xmlns:p="http://schemas.openxmlformats.org/presentationml/2006/main">
   <p:tag name="KSO_WM_TEMPLATE_CATEGORY" val="custom"/>
   <p:tag name="KSO_WM_TEMPLATE_INDEX" val="160336"/>
   <p:tag name="KSO_WM_TAG_VERSION" val="1.0"/>
@@ -42014,7 +42566,7 @@
 </p:tagLst>
 </file>
 
-<file path=ppt/tags/tag27.xml><?xml version="1.0" encoding="utf-8"?>
+<file path=ppt/tags/tag26.xml><?xml version="1.0" encoding="utf-8"?>
 <p:tagLst xmlns:a="http://schemas.openxmlformats.org/drawingml/2006/main" xmlns:r="http://schemas.openxmlformats.org/officeDocument/2006/relationships" xmlns:p="http://schemas.openxmlformats.org/presentationml/2006/main">
   <p:tag name="KSO_WM_TAG_VERSION" val="1.0"/>
   <p:tag name="KSO_WM_BEAUTIFY_FLAG" val="#wm#"/>
@@ -42026,7 +42578,7 @@
 </p:tagLst>
 </file>
 
-<file path=ppt/tags/tag28.xml><?xml version="1.0" encoding="utf-8"?>
+<file path=ppt/tags/tag27.xml><?xml version="1.0" encoding="utf-8"?>
 <p:tagLst xmlns:a="http://schemas.openxmlformats.org/drawingml/2006/main" xmlns:r="http://schemas.openxmlformats.org/officeDocument/2006/relationships" xmlns:p="http://schemas.openxmlformats.org/presentationml/2006/main">
   <p:tag name="KSO_WM_TAG_VERSION" val="1.0"/>
   <p:tag name="KSO_WM_BEAUTIFY_FLAG" val="#wm#"/>
@@ -42044,7 +42596,7 @@
 </p:tagLst>
 </file>
 
-<file path=ppt/tags/tag29.xml><?xml version="1.0" encoding="utf-8"?>
+<file path=ppt/tags/tag28.xml><?xml version="1.0" encoding="utf-8"?>
 <p:tagLst xmlns:a="http://schemas.openxmlformats.org/drawingml/2006/main" xmlns:r="http://schemas.openxmlformats.org/officeDocument/2006/relationships" xmlns:p="http://schemas.openxmlformats.org/presentationml/2006/main">
   <p:tag name="KSO_WM_TAG_VERSION" val="1.0"/>
   <p:tag name="KSO_WM_BEAUTIFY_FLAG" val="#wm#"/>
@@ -42064,6 +42616,26 @@
   <p:tag name="KSO_WM_UNIT_TEXT_FILL_FORE_SCHEMECOLOR_INDEX" val="13"/>
   <p:tag name="KSO_WM_UNIT_TEXT_FILL_TYPE" val="1"/>
   <p:tag name="KSO_WM_UNIT_USESOURCEFORMAT_APPLY" val="1"/>
+</p:tagLst>
+</file>
+
+<file path=ppt/tags/tag29.xml><?xml version="1.0" encoding="utf-8"?>
+<p:tagLst xmlns:a="http://schemas.openxmlformats.org/drawingml/2006/main" xmlns:r="http://schemas.openxmlformats.org/officeDocument/2006/relationships" xmlns:p="http://schemas.openxmlformats.org/presentationml/2006/main">
+  <p:tag name="KSO_WM_TAG_VERSION" val="1.0"/>
+  <p:tag name="KSO_WM_BEAUTIFY_FLAG" val="#wm#"/>
+  <p:tag name="KSO_WM_TEMPLATE_CATEGORY" val="custom"/>
+  <p:tag name="KSO_WM_TEMPLATE_INDEX" val="160336"/>
+  <p:tag name="KSO_WM_UNIT_TYPE" val="a"/>
+  <p:tag name="KSO_WM_UNIT_INDEX" val="1"/>
+  <p:tag name="KSO_WM_UNIT_ID" val="custom160336_2*a*1"/>
+  <p:tag name="KSO_WM_UNIT_CLEAR" val="1"/>
+  <p:tag name="KSO_WM_UNIT_LAYERLEVEL" val="1"/>
+  <p:tag name="KSO_WM_UNIT_VALUE" val="27"/>
+  <p:tag name="KSO_WM_UNIT_ISCONTENTSTITLE" val="0"/>
+  <p:tag name="KSO_WM_UNIT_HIGHLIGHT" val="0"/>
+  <p:tag name="KSO_WM_UNIT_COMPATIBLE" val="0"/>
+  <p:tag name="KSO_WM_UNIT_PRESET_TEXT_INDEX" val="3"/>
+  <p:tag name="KSO_WM_UNIT_PRESET_TEXT_LEN" val="17"/>
 </p:tagLst>
 </file>
 
@@ -42269,21 +42841,17 @@
 
 <file path=ppt/tags/tag39.xml><?xml version="1.0" encoding="utf-8"?>
 <p:tagLst xmlns:a="http://schemas.openxmlformats.org/drawingml/2006/main" xmlns:r="http://schemas.openxmlformats.org/officeDocument/2006/relationships" xmlns:p="http://schemas.openxmlformats.org/presentationml/2006/main">
-  <p:tag name="KSO_WM_TAG_VERSION" val="1.0"/>
-  <p:tag name="KSO_WM_BEAUTIFY_FLAG" val="#wm#"/>
   <p:tag name="KSO_WM_TEMPLATE_CATEGORY" val="custom"/>
   <p:tag name="KSO_WM_TEMPLATE_INDEX" val="160336"/>
-  <p:tag name="KSO_WM_UNIT_TYPE" val="a"/>
-  <p:tag name="KSO_WM_UNIT_INDEX" val="1"/>
-  <p:tag name="KSO_WM_UNIT_ID" val="custom160336_2*a*1"/>
-  <p:tag name="KSO_WM_UNIT_CLEAR" val="1"/>
-  <p:tag name="KSO_WM_UNIT_LAYERLEVEL" val="1"/>
-  <p:tag name="KSO_WM_UNIT_VALUE" val="27"/>
-  <p:tag name="KSO_WM_UNIT_ISCONTENTSTITLE" val="0"/>
-  <p:tag name="KSO_WM_UNIT_HIGHLIGHT" val="0"/>
-  <p:tag name="KSO_WM_UNIT_COMPATIBLE" val="0"/>
-  <p:tag name="KSO_WM_UNIT_PRESET_TEXT_INDEX" val="3"/>
-  <p:tag name="KSO_WM_UNIT_PRESET_TEXT_LEN" val="17"/>
+  <p:tag name="KSO_WM_TAG_VERSION" val="1.0"/>
+  <p:tag name="KSO_WM_SLIDE_ID" val="custom160336_6"/>
+  <p:tag name="KSO_WM_SLIDE_INDEX" val="6"/>
+  <p:tag name="KSO_WM_SLIDE_ITEM_CNT" val="1"/>
+  <p:tag name="KSO_WM_SLIDE_LAYOUT" val="a_l"/>
+  <p:tag name="KSO_WM_SLIDE_LAYOUT_CNT" val="1_1"/>
+  <p:tag name="KSO_WM_SLIDE_TYPE" val="contents"/>
+  <p:tag name="KSO_WM_BEAUTIFY_FLAG" val="#wm#"/>
+  <p:tag name="KSO_WM_DIAGRAM_GROUP_CODE" val="l1-1"/>
 </p:tagLst>
 </file>
 
@@ -42309,22 +42877,6 @@
 
 <file path=ppt/tags/tag40.xml><?xml version="1.0" encoding="utf-8"?>
 <p:tagLst xmlns:a="http://schemas.openxmlformats.org/drawingml/2006/main" xmlns:r="http://schemas.openxmlformats.org/officeDocument/2006/relationships" xmlns:p="http://schemas.openxmlformats.org/presentationml/2006/main">
-  <p:tag name="KSO_WM_TEMPLATE_CATEGORY" val="custom"/>
-  <p:tag name="KSO_WM_TEMPLATE_INDEX" val="160336"/>
-  <p:tag name="KSO_WM_TAG_VERSION" val="1.0"/>
-  <p:tag name="KSO_WM_SLIDE_ID" val="custom160336_6"/>
-  <p:tag name="KSO_WM_SLIDE_INDEX" val="6"/>
-  <p:tag name="KSO_WM_SLIDE_ITEM_CNT" val="1"/>
-  <p:tag name="KSO_WM_SLIDE_LAYOUT" val="a_l"/>
-  <p:tag name="KSO_WM_SLIDE_LAYOUT_CNT" val="1_1"/>
-  <p:tag name="KSO_WM_SLIDE_TYPE" val="contents"/>
-  <p:tag name="KSO_WM_BEAUTIFY_FLAG" val="#wm#"/>
-  <p:tag name="KSO_WM_DIAGRAM_GROUP_CODE" val="l1-1"/>
-</p:tagLst>
-</file>
-
-<file path=ppt/tags/tag41.xml><?xml version="1.0" encoding="utf-8"?>
-<p:tagLst xmlns:a="http://schemas.openxmlformats.org/drawingml/2006/main" xmlns:r="http://schemas.openxmlformats.org/officeDocument/2006/relationships" xmlns:p="http://schemas.openxmlformats.org/presentationml/2006/main">
   <p:tag name="KSO_WM_TAG_VERSION" val="1.0"/>
   <p:tag name="KSO_WM_BEAUTIFY_FLAG" val="#wm#"/>
   <p:tag name="KSO_WM_UNIT_TYPE" val="i"/>
@@ -42335,7 +42887,7 @@
 </p:tagLst>
 </file>
 
-<file path=ppt/tags/tag42.xml><?xml version="1.0" encoding="utf-8"?>
+<file path=ppt/tags/tag41.xml><?xml version="1.0" encoding="utf-8"?>
 <p:tagLst xmlns:a="http://schemas.openxmlformats.org/drawingml/2006/main" xmlns:r="http://schemas.openxmlformats.org/officeDocument/2006/relationships" xmlns:p="http://schemas.openxmlformats.org/presentationml/2006/main">
   <p:tag name="KSO_WM_TAG_VERSION" val="1.0"/>
   <p:tag name="KSO_WM_BEAUTIFY_FLAG" val="#wm#"/>
@@ -42353,7 +42905,7 @@
 </p:tagLst>
 </file>
 
-<file path=ppt/tags/tag43.xml><?xml version="1.0" encoding="utf-8"?>
+<file path=ppt/tags/tag42.xml><?xml version="1.0" encoding="utf-8"?>
 <p:tagLst xmlns:a="http://schemas.openxmlformats.org/drawingml/2006/main" xmlns:r="http://schemas.openxmlformats.org/officeDocument/2006/relationships" xmlns:p="http://schemas.openxmlformats.org/presentationml/2006/main">
   <p:tag name="KSO_WM_TAG_VERSION" val="1.0"/>
   <p:tag name="KSO_WM_BEAUTIFY_FLAG" val="#wm#"/>
@@ -42373,6 +42925,26 @@
   <p:tag name="KSO_WM_UNIT_TEXT_FILL_FORE_SCHEMECOLOR_INDEX" val="13"/>
   <p:tag name="KSO_WM_UNIT_TEXT_FILL_TYPE" val="1"/>
   <p:tag name="KSO_WM_UNIT_USESOURCEFORMAT_APPLY" val="1"/>
+</p:tagLst>
+</file>
+
+<file path=ppt/tags/tag43.xml><?xml version="1.0" encoding="utf-8"?>
+<p:tagLst xmlns:a="http://schemas.openxmlformats.org/drawingml/2006/main" xmlns:r="http://schemas.openxmlformats.org/officeDocument/2006/relationships" xmlns:p="http://schemas.openxmlformats.org/presentationml/2006/main">
+  <p:tag name="KSO_WM_TAG_VERSION" val="1.0"/>
+  <p:tag name="KSO_WM_BEAUTIFY_FLAG" val="#wm#"/>
+  <p:tag name="KSO_WM_TEMPLATE_CATEGORY" val="custom"/>
+  <p:tag name="KSO_WM_TEMPLATE_INDEX" val="160336"/>
+  <p:tag name="KSO_WM_UNIT_TYPE" val="a"/>
+  <p:tag name="KSO_WM_UNIT_INDEX" val="1"/>
+  <p:tag name="KSO_WM_UNIT_ID" val="custom160336_2*a*1"/>
+  <p:tag name="KSO_WM_UNIT_CLEAR" val="1"/>
+  <p:tag name="KSO_WM_UNIT_LAYERLEVEL" val="1"/>
+  <p:tag name="KSO_WM_UNIT_VALUE" val="27"/>
+  <p:tag name="KSO_WM_UNIT_ISCONTENTSTITLE" val="0"/>
+  <p:tag name="KSO_WM_UNIT_HIGHLIGHT" val="0"/>
+  <p:tag name="KSO_WM_UNIT_COMPATIBLE" val="0"/>
+  <p:tag name="KSO_WM_UNIT_PRESET_TEXT_INDEX" val="3"/>
+  <p:tag name="KSO_WM_UNIT_PRESET_TEXT_LEN" val="17"/>
 </p:tagLst>
 </file>
 
@@ -42690,21 +43262,17 @@
 
 <file path=ppt/tags/tag59.xml><?xml version="1.0" encoding="utf-8"?>
 <p:tagLst xmlns:a="http://schemas.openxmlformats.org/drawingml/2006/main" xmlns:r="http://schemas.openxmlformats.org/officeDocument/2006/relationships" xmlns:p="http://schemas.openxmlformats.org/presentationml/2006/main">
-  <p:tag name="KSO_WM_TAG_VERSION" val="1.0"/>
-  <p:tag name="KSO_WM_BEAUTIFY_FLAG" val="#wm#"/>
   <p:tag name="KSO_WM_TEMPLATE_CATEGORY" val="custom"/>
   <p:tag name="KSO_WM_TEMPLATE_INDEX" val="160336"/>
-  <p:tag name="KSO_WM_UNIT_TYPE" val="a"/>
-  <p:tag name="KSO_WM_UNIT_INDEX" val="1"/>
-  <p:tag name="KSO_WM_UNIT_ID" val="custom160336_2*a*1"/>
-  <p:tag name="KSO_WM_UNIT_CLEAR" val="1"/>
-  <p:tag name="KSO_WM_UNIT_LAYERLEVEL" val="1"/>
-  <p:tag name="KSO_WM_UNIT_VALUE" val="27"/>
-  <p:tag name="KSO_WM_UNIT_ISCONTENTSTITLE" val="0"/>
-  <p:tag name="KSO_WM_UNIT_HIGHLIGHT" val="0"/>
-  <p:tag name="KSO_WM_UNIT_COMPATIBLE" val="0"/>
-  <p:tag name="KSO_WM_UNIT_PRESET_TEXT_INDEX" val="3"/>
-  <p:tag name="KSO_WM_UNIT_PRESET_TEXT_LEN" val="17"/>
+  <p:tag name="KSO_WM_TAG_VERSION" val="1.0"/>
+  <p:tag name="KSO_WM_SLIDE_ID" val="custom160336_6"/>
+  <p:tag name="KSO_WM_SLIDE_INDEX" val="6"/>
+  <p:tag name="KSO_WM_SLIDE_ITEM_CNT" val="1"/>
+  <p:tag name="KSO_WM_SLIDE_LAYOUT" val="a_l"/>
+  <p:tag name="KSO_WM_SLIDE_LAYOUT_CNT" val="1_1"/>
+  <p:tag name="KSO_WM_SLIDE_TYPE" val="contents"/>
+  <p:tag name="KSO_WM_BEAUTIFY_FLAG" val="#wm#"/>
+  <p:tag name="KSO_WM_DIAGRAM_GROUP_CODE" val="l1-1"/>
 </p:tagLst>
 </file>
 
@@ -42722,22 +43290,6 @@
 
 <file path=ppt/tags/tag60.xml><?xml version="1.0" encoding="utf-8"?>
 <p:tagLst xmlns:a="http://schemas.openxmlformats.org/drawingml/2006/main" xmlns:r="http://schemas.openxmlformats.org/officeDocument/2006/relationships" xmlns:p="http://schemas.openxmlformats.org/presentationml/2006/main">
-  <p:tag name="KSO_WM_TEMPLATE_CATEGORY" val="custom"/>
-  <p:tag name="KSO_WM_TEMPLATE_INDEX" val="160336"/>
-  <p:tag name="KSO_WM_TAG_VERSION" val="1.0"/>
-  <p:tag name="KSO_WM_SLIDE_ID" val="custom160336_6"/>
-  <p:tag name="KSO_WM_SLIDE_INDEX" val="6"/>
-  <p:tag name="KSO_WM_SLIDE_ITEM_CNT" val="1"/>
-  <p:tag name="KSO_WM_SLIDE_LAYOUT" val="a_l"/>
-  <p:tag name="KSO_WM_SLIDE_LAYOUT_CNT" val="1_1"/>
-  <p:tag name="KSO_WM_SLIDE_TYPE" val="contents"/>
-  <p:tag name="KSO_WM_BEAUTIFY_FLAG" val="#wm#"/>
-  <p:tag name="KSO_WM_DIAGRAM_GROUP_CODE" val="l1-1"/>
-</p:tagLst>
-</file>
-
-<file path=ppt/tags/tag61.xml><?xml version="1.0" encoding="utf-8"?>
-<p:tagLst xmlns:a="http://schemas.openxmlformats.org/drawingml/2006/main" xmlns:r="http://schemas.openxmlformats.org/officeDocument/2006/relationships" xmlns:p="http://schemas.openxmlformats.org/presentationml/2006/main">
   <p:tag name="KSO_WM_TAG_VERSION" val="1.0"/>
   <p:tag name="KSO_WM_BEAUTIFY_FLAG" val="#wm#"/>
   <p:tag name="KSO_WM_UNIT_TYPE" val="i"/>
@@ -42748,7 +43300,7 @@
 </p:tagLst>
 </file>
 
-<file path=ppt/tags/tag62.xml><?xml version="1.0" encoding="utf-8"?>
+<file path=ppt/tags/tag61.xml><?xml version="1.0" encoding="utf-8"?>
 <p:tagLst xmlns:a="http://schemas.openxmlformats.org/drawingml/2006/main" xmlns:r="http://schemas.openxmlformats.org/officeDocument/2006/relationships" xmlns:p="http://schemas.openxmlformats.org/presentationml/2006/main">
   <p:tag name="KSO_WM_TAG_VERSION" val="1.0"/>
   <p:tag name="KSO_WM_BEAUTIFY_FLAG" val="#wm#"/>
@@ -42766,7 +43318,7 @@
 </p:tagLst>
 </file>
 
-<file path=ppt/tags/tag63.xml><?xml version="1.0" encoding="utf-8"?>
+<file path=ppt/tags/tag62.xml><?xml version="1.0" encoding="utf-8"?>
 <p:tagLst xmlns:a="http://schemas.openxmlformats.org/drawingml/2006/main" xmlns:r="http://schemas.openxmlformats.org/officeDocument/2006/relationships" xmlns:p="http://schemas.openxmlformats.org/presentationml/2006/main">
   <p:tag name="KSO_WM_TAG_VERSION" val="1.0"/>
   <p:tag name="KSO_WM_BEAUTIFY_FLAG" val="#wm#"/>
@@ -42789,7 +43341,7 @@
 </p:tagLst>
 </file>
 
-<file path=ppt/tags/tag64.xml><?xml version="1.0" encoding="utf-8"?>
+<file path=ppt/tags/tag63.xml><?xml version="1.0" encoding="utf-8"?>
 <p:tagLst xmlns:a="http://schemas.openxmlformats.org/drawingml/2006/main" xmlns:r="http://schemas.openxmlformats.org/officeDocument/2006/relationships" xmlns:p="http://schemas.openxmlformats.org/presentationml/2006/main">
   <p:tag name="KSO_WM_TAG_VERSION" val="1.0"/>
   <p:tag name="KSO_WM_BEAUTIFY_FLAG" val="#wm#"/>
@@ -42809,7 +43361,7 @@
 </p:tagLst>
 </file>
 
-<file path=ppt/tags/tag65.xml><?xml version="1.0" encoding="utf-8"?>
+<file path=ppt/tags/tag64.xml><?xml version="1.0" encoding="utf-8"?>
 <p:tagLst xmlns:a="http://schemas.openxmlformats.org/drawingml/2006/main" xmlns:r="http://schemas.openxmlformats.org/officeDocument/2006/relationships" xmlns:p="http://schemas.openxmlformats.org/presentationml/2006/main">
   <p:tag name="KSO_WM_TEMPLATE_CATEGORY" val="custom"/>
   <p:tag name="KSO_WM_TEMPLATE_INDEX" val="160336"/>
@@ -42824,7 +43376,7 @@
 </p:tagLst>
 </file>
 
-<file path=ppt/tags/tag66.xml><?xml version="1.0" encoding="utf-8"?>
+<file path=ppt/tags/tag65.xml><?xml version="1.0" encoding="utf-8"?>
 <p:tagLst xmlns:a="http://schemas.openxmlformats.org/drawingml/2006/main" xmlns:r="http://schemas.openxmlformats.org/officeDocument/2006/relationships" xmlns:p="http://schemas.openxmlformats.org/presentationml/2006/main">
   <p:tag name="KSO_WM_TAG_VERSION" val="1.0"/>
   <p:tag name="KSO_WM_BEAUTIFY_FLAG" val="#wm#"/>
@@ -43584,7 +44136,7 @@
   </a:extraClrSchemeLst>
   <a:extLst>
     <a:ext uri="{05A4C25C-085E-4340-85A3-A5531E510DB2}">
-      <thm15:themeFamily xmlns:thm15="http://schemas.microsoft.com/office/thememl/2012/main" name="Office Theme" id="{62F939B6-93AF-4DB8-9C6B-D6C7DFDC589F}" vid="{4A3C46E8-61CC-4603-A589-7422A47A8E4A}"/>
+      <thm15:themeFamily xmlns:thm15="http://schemas.microsoft.com/office/thememl/2012/main" xmlns="" name="Office Theme" id="{62F939B6-93AF-4DB8-9C6B-D6C7DFDC589F}" vid="{4A3C46E8-61CC-4603-A589-7422A47A8E4A}"/>
     </a:ext>
   </a:extLst>
 </a:theme>
